--- a/卒業論文/2015/辻岡大知/中間発表/中間発表ポスター.pptx
+++ b/卒業論文/2015/辻岡大知/中間発表/中間発表ポスター.pptx
@@ -8,7 +8,7 @@
     <p:notesMasterId r:id="rId3"/>
   </p:notesMasterIdLst>
   <p:sldIdLst>
-    <p:sldId id="260" r:id="rId2"/>
+    <p:sldId id="261" r:id="rId2"/>
   </p:sldIdLst>
   <p:sldSz cx="21386800" cy="30279975"/>
   <p:notesSz cx="6797675" cy="9926638"/>
@@ -211,7 +211,7 @@
           <a:p>
             <a:fld id="{1355B614-8C80-42CD-A0C7-A8AC0A708725}" type="datetimeFigureOut">
               <a:rPr kumimoji="1" lang="ja-JP" altLang="en-US" smtClean="0"/>
-              <a:t>2016/9/27</a:t>
+              <a:t>2016/10/10</a:t>
             </a:fld>
             <a:endParaRPr kumimoji="1" lang="ja-JP" altLang="en-US"/>
           </a:p>
@@ -511,90 +511,6 @@
 </p:notesMaster>
 </file>
 
-<file path=ppt/notesSlides/notesSlide1.xml><?xml version="1.0" encoding="utf-8"?>
-<p:notes xmlns:a="http://schemas.openxmlformats.org/drawingml/2006/main" xmlns:r="http://schemas.openxmlformats.org/officeDocument/2006/relationships" xmlns:p="http://schemas.openxmlformats.org/presentationml/2006/main">
-  <p:cSld>
-    <p:spTree>
-      <p:nvGrpSpPr>
-        <p:cNvPr id="1" name=""/>
-        <p:cNvGrpSpPr/>
-        <p:nvPr/>
-      </p:nvGrpSpPr>
-      <p:grpSpPr>
-        <a:xfrm>
-          <a:off x="0" y="0"/>
-          <a:ext cx="0" cy="0"/>
-          <a:chOff x="0" y="0"/>
-          <a:chExt cx="0" cy="0"/>
-        </a:xfrm>
-      </p:grpSpPr>
-      <p:sp>
-        <p:nvSpPr>
-          <p:cNvPr id="2" name="スライド イメージ プレースホルダー 1"/>
-          <p:cNvSpPr>
-            <a:spLocks noGrp="1" noRot="1" noChangeAspect="1"/>
-          </p:cNvSpPr>
-          <p:nvPr>
-            <p:ph type="sldImg"/>
-          </p:nvPr>
-        </p:nvSpPr>
-        <p:spPr/>
-      </p:sp>
-      <p:sp>
-        <p:nvSpPr>
-          <p:cNvPr id="3" name="ノート プレースホルダー 2"/>
-          <p:cNvSpPr>
-            <a:spLocks noGrp="1"/>
-          </p:cNvSpPr>
-          <p:nvPr>
-            <p:ph type="body" idx="1"/>
-          </p:nvPr>
-        </p:nvSpPr>
-        <p:spPr/>
-        <p:txBody>
-          <a:bodyPr/>
-          <a:lstStyle/>
-          <a:p>
-            <a:endParaRPr kumimoji="1" lang="ja-JP" altLang="en-US" dirty="0"/>
-          </a:p>
-        </p:txBody>
-      </p:sp>
-      <p:sp>
-        <p:nvSpPr>
-          <p:cNvPr id="4" name="スライド番号プレースホルダー 3"/>
-          <p:cNvSpPr>
-            <a:spLocks noGrp="1"/>
-          </p:cNvSpPr>
-          <p:nvPr>
-            <p:ph type="sldNum" sz="quarter" idx="10"/>
-          </p:nvPr>
-        </p:nvSpPr>
-        <p:spPr/>
-        <p:txBody>
-          <a:bodyPr/>
-          <a:lstStyle/>
-          <a:p>
-            <a:fld id="{2A178348-B998-4583-8D76-0C2E693C4C62}" type="slidenum">
-              <a:rPr kumimoji="1" lang="ja-JP" altLang="en-US" smtClean="0"/>
-              <a:t>1</a:t>
-            </a:fld>
-            <a:endParaRPr kumimoji="1" lang="ja-JP" altLang="en-US"/>
-          </a:p>
-        </p:txBody>
-      </p:sp>
-    </p:spTree>
-    <p:extLst>
-      <p:ext uri="{BB962C8B-B14F-4D97-AF65-F5344CB8AC3E}">
-        <p14:creationId xmlns:p14="http://schemas.microsoft.com/office/powerpoint/2010/main" val="2865970144"/>
-      </p:ext>
-    </p:extLst>
-  </p:cSld>
-  <p:clrMapOvr>
-    <a:masterClrMapping/>
-  </p:clrMapOvr>
-</p:notes>
-</file>
-
 <file path=ppt/slideLayouts/slideLayout1.xml><?xml version="1.0" encoding="utf-8"?>
 <p:sldLayout xmlns:a="http://schemas.openxmlformats.org/drawingml/2006/main" xmlns:r="http://schemas.openxmlformats.org/officeDocument/2006/relationships" xmlns:p="http://schemas.openxmlformats.org/presentationml/2006/main" type="title" preserve="1">
   <p:cSld name="タイトル スライド">
@@ -726,7 +642,7 @@
           <a:p>
             <a:fld id="{CD18CB5A-6947-405F-A94A-52FF85729738}" type="datetimeFigureOut">
               <a:rPr kumimoji="1" lang="ja-JP" altLang="en-US" smtClean="0"/>
-              <a:t>2016/9/27</a:t>
+              <a:t>2016/10/10</a:t>
             </a:fld>
             <a:endParaRPr kumimoji="1" lang="ja-JP" altLang="en-US"/>
           </a:p>
@@ -928,7 +844,7 @@
           <a:p>
             <a:fld id="{CD18CB5A-6947-405F-A94A-52FF85729738}" type="datetimeFigureOut">
               <a:rPr kumimoji="1" lang="ja-JP" altLang="en-US" smtClean="0"/>
-              <a:t>2016/9/27</a:t>
+              <a:t>2016/10/10</a:t>
             </a:fld>
             <a:endParaRPr kumimoji="1" lang="ja-JP" altLang="en-US"/>
           </a:p>
@@ -1140,7 +1056,7 @@
           <a:p>
             <a:fld id="{CD18CB5A-6947-405F-A94A-52FF85729738}" type="datetimeFigureOut">
               <a:rPr kumimoji="1" lang="ja-JP" altLang="en-US" smtClean="0"/>
-              <a:t>2016/9/27</a:t>
+              <a:t>2016/10/10</a:t>
             </a:fld>
             <a:endParaRPr kumimoji="1" lang="ja-JP" altLang="en-US"/>
           </a:p>
@@ -1342,7 +1258,7 @@
           <a:p>
             <a:fld id="{CD18CB5A-6947-405F-A94A-52FF85729738}" type="datetimeFigureOut">
               <a:rPr kumimoji="1" lang="ja-JP" altLang="en-US" smtClean="0"/>
-              <a:t>2016/9/27</a:t>
+              <a:t>2016/10/10</a:t>
             </a:fld>
             <a:endParaRPr kumimoji="1" lang="ja-JP" altLang="en-US"/>
           </a:p>
@@ -1588,7 +1504,7 @@
           <a:p>
             <a:fld id="{CD18CB5A-6947-405F-A94A-52FF85729738}" type="datetimeFigureOut">
               <a:rPr kumimoji="1" lang="ja-JP" altLang="en-US" smtClean="0"/>
-              <a:t>2016/9/27</a:t>
+              <a:t>2016/10/10</a:t>
             </a:fld>
             <a:endParaRPr kumimoji="1" lang="ja-JP" altLang="en-US"/>
           </a:p>
@@ -1884,7 +1800,7 @@
           <a:p>
             <a:fld id="{CD18CB5A-6947-405F-A94A-52FF85729738}" type="datetimeFigureOut">
               <a:rPr kumimoji="1" lang="ja-JP" altLang="en-US" smtClean="0"/>
-              <a:t>2016/9/27</a:t>
+              <a:t>2016/10/10</a:t>
             </a:fld>
             <a:endParaRPr kumimoji="1" lang="ja-JP" altLang="en-US"/>
           </a:p>
@@ -2315,7 +2231,7 @@
           <a:p>
             <a:fld id="{CD18CB5A-6947-405F-A94A-52FF85729738}" type="datetimeFigureOut">
               <a:rPr kumimoji="1" lang="ja-JP" altLang="en-US" smtClean="0"/>
-              <a:t>2016/9/27</a:t>
+              <a:t>2016/10/10</a:t>
             </a:fld>
             <a:endParaRPr kumimoji="1" lang="ja-JP" altLang="en-US"/>
           </a:p>
@@ -2433,7 +2349,7 @@
           <a:p>
             <a:fld id="{CD18CB5A-6947-405F-A94A-52FF85729738}" type="datetimeFigureOut">
               <a:rPr kumimoji="1" lang="ja-JP" altLang="en-US" smtClean="0"/>
-              <a:t>2016/9/27</a:t>
+              <a:t>2016/10/10</a:t>
             </a:fld>
             <a:endParaRPr kumimoji="1" lang="ja-JP" altLang="en-US"/>
           </a:p>
@@ -2528,7 +2444,7 @@
           <a:p>
             <a:fld id="{CD18CB5A-6947-405F-A94A-52FF85729738}" type="datetimeFigureOut">
               <a:rPr kumimoji="1" lang="ja-JP" altLang="en-US" smtClean="0"/>
-              <a:t>2016/9/27</a:t>
+              <a:t>2016/10/10</a:t>
             </a:fld>
             <a:endParaRPr kumimoji="1" lang="ja-JP" altLang="en-US"/>
           </a:p>
@@ -2837,7 +2753,7 @@
           <a:p>
             <a:fld id="{CD18CB5A-6947-405F-A94A-52FF85729738}" type="datetimeFigureOut">
               <a:rPr kumimoji="1" lang="ja-JP" altLang="en-US" smtClean="0"/>
-              <a:t>2016/9/27</a:t>
+              <a:t>2016/10/10</a:t>
             </a:fld>
             <a:endParaRPr kumimoji="1" lang="ja-JP" altLang="en-US"/>
           </a:p>
@@ -3090,7 +3006,7 @@
           <a:p>
             <a:fld id="{CD18CB5A-6947-405F-A94A-52FF85729738}" type="datetimeFigureOut">
               <a:rPr kumimoji="1" lang="ja-JP" altLang="en-US" smtClean="0"/>
-              <a:t>2016/9/27</a:t>
+              <a:t>2016/10/10</a:t>
             </a:fld>
             <a:endParaRPr kumimoji="1" lang="ja-JP" altLang="en-US"/>
           </a:p>
@@ -3335,7 +3251,7 @@
           <a:p>
             <a:fld id="{CD18CB5A-6947-405F-A94A-52FF85729738}" type="datetimeFigureOut">
               <a:rPr kumimoji="1" lang="ja-JP" altLang="en-US" smtClean="0"/>
-              <a:t>2016/9/27</a:t>
+              <a:t>2016/10/10</a:t>
             </a:fld>
             <a:endParaRPr kumimoji="1" lang="ja-JP" altLang="en-US"/>
           </a:p>
@@ -3742,14 +3658,62 @@
       </p:grpSpPr>
       <p:sp>
         <p:nvSpPr>
-          <p:cNvPr id="52" name="正方形/長方形 51"/>
+          <p:cNvPr id="87" name="正方形/長方形 86"/>
           <p:cNvSpPr/>
           <p:nvPr/>
         </p:nvSpPr>
         <p:spPr>
           <a:xfrm>
-            <a:off x="678234" y="13641483"/>
-            <a:ext cx="1782861" cy="984885"/>
+            <a:off x="396256" y="3906739"/>
+            <a:ext cx="20306256" cy="10489361"/>
+          </a:xfrm>
+          <a:prstGeom prst="rect">
+            <a:avLst/>
+          </a:prstGeom>
+          <a:solidFill>
+            <a:schemeClr val="bg1"/>
+          </a:solidFill>
+          <a:ln>
+            <a:solidFill>
+              <a:schemeClr val="tx1"/>
+            </a:solidFill>
+          </a:ln>
+        </p:spPr>
+        <p:style>
+          <a:lnRef idx="2">
+            <a:schemeClr val="accent1">
+              <a:shade val="50000"/>
+            </a:schemeClr>
+          </a:lnRef>
+          <a:fillRef idx="1">
+            <a:schemeClr val="accent1"/>
+          </a:fillRef>
+          <a:effectRef idx="0">
+            <a:schemeClr val="accent1"/>
+          </a:effectRef>
+          <a:fontRef idx="minor">
+            <a:schemeClr val="lt1"/>
+          </a:fontRef>
+        </p:style>
+        <p:txBody>
+          <a:bodyPr rtlCol="0" anchor="ctr"/>
+          <a:lstStyle/>
+          <a:p>
+            <a:pPr algn="ctr"/>
+            <a:endParaRPr kumimoji="1" lang="ja-JP" altLang="en-US"/>
+          </a:p>
+        </p:txBody>
+      </p:sp>
+      <p:sp>
+        <p:nvSpPr>
+          <p:cNvPr id="88" name="正方形/長方形 87"/>
+          <p:cNvSpPr/>
+          <p:nvPr/>
+        </p:nvSpPr>
+        <p:spPr>
+          <a:xfrm>
+            <a:off x="828304" y="4180640"/>
+            <a:ext cx="3903633" cy="924716"/>
           </a:xfrm>
           <a:prstGeom prst="rect">
             <a:avLst/>
@@ -3788,99 +3752,7 @@
       </p:sp>
       <p:sp>
         <p:nvSpPr>
-          <p:cNvPr id="49" name="正方形/長方形 48"/>
-          <p:cNvSpPr/>
-          <p:nvPr/>
-        </p:nvSpPr>
-        <p:spPr>
-          <a:xfrm>
-            <a:off x="619961" y="9839266"/>
-            <a:ext cx="1664276" cy="984885"/>
-          </a:xfrm>
-          <a:prstGeom prst="rect">
-            <a:avLst/>
-          </a:prstGeom>
-          <a:solidFill>
-            <a:schemeClr val="accent6">
-              <a:lumMod val="40000"/>
-              <a:lumOff val="60000"/>
-            </a:schemeClr>
-          </a:solidFill>
-        </p:spPr>
-        <p:style>
-          <a:lnRef idx="2">
-            <a:schemeClr val="accent1">
-              <a:shade val="50000"/>
-            </a:schemeClr>
-          </a:lnRef>
-          <a:fillRef idx="1">
-            <a:schemeClr val="accent1"/>
-          </a:fillRef>
-          <a:effectRef idx="0">
-            <a:schemeClr val="accent1"/>
-          </a:effectRef>
-          <a:fontRef idx="minor">
-            <a:schemeClr val="lt1"/>
-          </a:fontRef>
-        </p:style>
-        <p:txBody>
-          <a:bodyPr rtlCol="0" anchor="ctr"/>
-          <a:lstStyle/>
-          <a:p>
-            <a:pPr algn="ctr"/>
-            <a:endParaRPr kumimoji="1" lang="ja-JP" altLang="en-US"/>
-          </a:p>
-        </p:txBody>
-      </p:sp>
-      <p:sp>
-        <p:nvSpPr>
-          <p:cNvPr id="48" name="正方形/長方形 47"/>
-          <p:cNvSpPr/>
-          <p:nvPr/>
-        </p:nvSpPr>
-        <p:spPr>
-          <a:xfrm>
-            <a:off x="619961" y="4217757"/>
-            <a:ext cx="1692160" cy="964624"/>
-          </a:xfrm>
-          <a:prstGeom prst="rect">
-            <a:avLst/>
-          </a:prstGeom>
-          <a:solidFill>
-            <a:schemeClr val="accent6">
-              <a:lumMod val="40000"/>
-              <a:lumOff val="60000"/>
-            </a:schemeClr>
-          </a:solidFill>
-        </p:spPr>
-        <p:style>
-          <a:lnRef idx="2">
-            <a:schemeClr val="accent1">
-              <a:shade val="50000"/>
-            </a:schemeClr>
-          </a:lnRef>
-          <a:fillRef idx="1">
-            <a:schemeClr val="accent1"/>
-          </a:fillRef>
-          <a:effectRef idx="0">
-            <a:schemeClr val="accent1"/>
-          </a:effectRef>
-          <a:fontRef idx="minor">
-            <a:schemeClr val="lt1"/>
-          </a:fontRef>
-        </p:style>
-        <p:txBody>
-          <a:bodyPr rtlCol="0" anchor="ctr"/>
-          <a:lstStyle/>
-          <a:p>
-            <a:pPr algn="ctr"/>
-            <a:endParaRPr kumimoji="1" lang="ja-JP" altLang="en-US"/>
-          </a:p>
-        </p:txBody>
-      </p:sp>
-      <p:sp>
-        <p:nvSpPr>
-          <p:cNvPr id="3" name="テキスト ボックス 2"/>
+          <p:cNvPr id="2" name="テキスト ボックス 1"/>
           <p:cNvSpPr txBox="1"/>
           <p:nvPr/>
         </p:nvSpPr>
@@ -3902,7 +3774,7 @@
           <a:p>
             <a:pPr algn="ctr"/>
             <a:r>
-              <a:rPr lang="en-US" altLang="ja-JP" sz="6600" dirty="0">
+              <a:rPr lang="en-US" altLang="ja-JP" sz="6600" b="1" dirty="0">
                 <a:effectLst>
                   <a:glow rad="101600">
                     <a:srgbClr val="FFE880">
@@ -3911,12 +3783,13 @@
                     </a:srgbClr>
                   </a:glow>
                 </a:effectLst>
-                <a:latin typeface="+mj-lt"/>
+                <a:latin typeface="+mj-ea"/>
+                <a:ea typeface="+mj-ea"/>
               </a:rPr>
               <a:t>GitHub </a:t>
             </a:r>
             <a:r>
-              <a:rPr lang="ja-JP" altLang="en-US" sz="6600" dirty="0">
+              <a:rPr lang="ja-JP" altLang="en-US" sz="6600" b="1" dirty="0">
                 <a:effectLst>
                   <a:glow rad="101600">
                     <a:srgbClr val="FFE880">
@@ -3925,7 +3798,8 @@
                     </a:srgbClr>
                   </a:glow>
                 </a:effectLst>
-                <a:latin typeface="+mj-lt"/>
+                <a:latin typeface="+mj-ea"/>
+                <a:ea typeface="+mj-ea"/>
               </a:rPr>
               <a:t>における人的資源マネジメント</a:t>
             </a:r>
@@ -3934,7 +3808,7 @@
       </p:sp>
       <p:sp>
         <p:nvSpPr>
-          <p:cNvPr id="4" name="テキスト ボックス 3"/>
+          <p:cNvPr id="3" name="テキスト ボックス 2"/>
           <p:cNvSpPr txBox="1"/>
           <p:nvPr/>
         </p:nvSpPr>
@@ -3957,56 +3831,63 @@
             <a:pPr algn="ctr"/>
             <a:r>
               <a:rPr lang="en-US" altLang="ja-JP" sz="5400" b="1" dirty="0" smtClean="0">
-                <a:latin typeface="+mn-ea"/>
+                <a:latin typeface="+mj-ea"/>
+                <a:ea typeface="+mj-ea"/>
               </a:rPr>
               <a:t>PM</a:t>
             </a:r>
             <a:r>
               <a:rPr lang="ja-JP" altLang="en-US" sz="5400" b="1" dirty="0" smtClean="0">
-                <a:latin typeface="+mn-ea"/>
+                <a:latin typeface="+mj-ea"/>
+                <a:ea typeface="+mj-ea"/>
               </a:rPr>
               <a:t>コース</a:t>
             </a:r>
             <a:r>
               <a:rPr lang="ja-JP" altLang="en-US" sz="5400" b="1" dirty="0">
-                <a:latin typeface="+mn-ea"/>
+                <a:latin typeface="+mj-ea"/>
+                <a:ea typeface="+mj-ea"/>
               </a:rPr>
               <a:t>　矢吹研究室　</a:t>
             </a:r>
             <a:r>
               <a:rPr lang="en-US" altLang="ja-JP" sz="5400" b="1" dirty="0" smtClean="0">
-                <a:latin typeface="+mn-ea"/>
+                <a:latin typeface="+mj-ea"/>
+                <a:ea typeface="+mj-ea"/>
               </a:rPr>
               <a:t>1342081</a:t>
             </a:r>
             <a:r>
               <a:rPr lang="ja-JP" altLang="en-US" sz="5400" b="1" dirty="0">
-                <a:latin typeface="+mn-ea"/>
+                <a:latin typeface="+mj-ea"/>
+                <a:ea typeface="+mj-ea"/>
               </a:rPr>
               <a:t>　</a:t>
             </a:r>
             <a:r>
               <a:rPr lang="ja-JP" altLang="en-US" sz="5400" b="1" dirty="0" smtClean="0">
-                <a:latin typeface="+mn-ea"/>
+                <a:latin typeface="+mj-ea"/>
+                <a:ea typeface="+mj-ea"/>
               </a:rPr>
               <a:t>辻岡大知</a:t>
             </a:r>
             <a:endParaRPr lang="ja-JP" altLang="en-US" sz="5400" b="1" dirty="0">
-              <a:latin typeface="+mn-ea"/>
+              <a:latin typeface="+mj-ea"/>
+              <a:ea typeface="+mj-ea"/>
             </a:endParaRPr>
           </a:p>
         </p:txBody>
       </p:sp>
       <p:sp>
         <p:nvSpPr>
-          <p:cNvPr id="5" name="正方形/長方形 4"/>
-          <p:cNvSpPr/>
+          <p:cNvPr id="4" name="テキスト ボックス 3"/>
+          <p:cNvSpPr txBox="1"/>
           <p:nvPr/>
         </p:nvSpPr>
         <p:spPr>
           <a:xfrm>
-            <a:off x="252241" y="4038432"/>
-            <a:ext cx="20738304" cy="5098549"/>
+            <a:off x="828304" y="4217998"/>
+            <a:ext cx="3903633" cy="984885"/>
           </a:xfrm>
           <a:prstGeom prst="rect">
             <a:avLst/>
@@ -4018,47 +3899,6 @@
             </a:solidFill>
           </a:ln>
         </p:spPr>
-        <p:style>
-          <a:lnRef idx="2">
-            <a:schemeClr val="accent1">
-              <a:shade val="50000"/>
-            </a:schemeClr>
-          </a:lnRef>
-          <a:fillRef idx="1">
-            <a:schemeClr val="accent1"/>
-          </a:fillRef>
-          <a:effectRef idx="0">
-            <a:schemeClr val="accent1"/>
-          </a:effectRef>
-          <a:fontRef idx="minor">
-            <a:schemeClr val="lt1"/>
-          </a:fontRef>
-        </p:style>
-        <p:txBody>
-          <a:bodyPr rtlCol="0" anchor="ctr"/>
-          <a:lstStyle/>
-          <a:p>
-            <a:pPr algn="ctr"/>
-            <a:endParaRPr kumimoji="1" lang="ja-JP" altLang="en-US"/>
-          </a:p>
-        </p:txBody>
-      </p:sp>
-      <p:sp>
-        <p:nvSpPr>
-          <p:cNvPr id="6" name="テキスト ボックス 5"/>
-          <p:cNvSpPr txBox="1"/>
-          <p:nvPr/>
-        </p:nvSpPr>
-        <p:spPr>
-          <a:xfrm>
-            <a:off x="692564" y="5873066"/>
-            <a:ext cx="8670963" cy="1200329"/>
-          </a:xfrm>
-          <a:prstGeom prst="rect">
-            <a:avLst/>
-          </a:prstGeom>
-          <a:noFill/>
-        </p:spPr>
         <p:txBody>
           <a:bodyPr wrap="none" rtlCol="0">
             <a:spAutoFit/>
@@ -4066,429 +3906,1479 @@
           <a:lstStyle/>
           <a:p>
             <a:r>
-              <a:rPr lang="ja-JP" altLang="en-US" sz="3600" dirty="0" smtClean="0"/>
-              <a:t>システムエンジニアは高い</a:t>
-            </a:r>
-            <a:endParaRPr lang="en-US" altLang="ja-JP" sz="3600" dirty="0" smtClean="0"/>
-          </a:p>
-          <a:p>
-            <a:r>
-              <a:rPr lang="ja-JP" altLang="en-US" sz="3600" dirty="0" smtClean="0"/>
-              <a:t>コミュニケーション能力が</a:t>
-            </a:r>
-            <a:r>
-              <a:rPr lang="ja-JP" altLang="en-US" sz="3600" dirty="0" smtClean="0"/>
-              <a:t>必要とされている．</a:t>
-            </a:r>
-            <a:endParaRPr lang="en-US" altLang="ja-JP" sz="3600" dirty="0"/>
-          </a:p>
-        </p:txBody>
-      </p:sp>
-      <p:sp>
-        <p:nvSpPr>
-          <p:cNvPr id="7" name="角丸四角形 6"/>
-          <p:cNvSpPr/>
-          <p:nvPr/>
-        </p:nvSpPr>
-        <p:spPr>
-          <a:xfrm>
-            <a:off x="548060" y="5456543"/>
-            <a:ext cx="8936780" cy="3634894"/>
-          </a:xfrm>
-          <a:prstGeom prst="roundRect">
-            <a:avLst/>
-          </a:prstGeom>
-          <a:noFill/>
-        </p:spPr>
-        <p:style>
-          <a:lnRef idx="2">
-            <a:schemeClr val="accent1">
-              <a:shade val="50000"/>
-            </a:schemeClr>
-          </a:lnRef>
-          <a:fillRef idx="1">
-            <a:schemeClr val="accent1"/>
-          </a:fillRef>
-          <a:effectRef idx="0">
-            <a:schemeClr val="accent1"/>
-          </a:effectRef>
-          <a:fontRef idx="minor">
-            <a:schemeClr val="lt1"/>
-          </a:fontRef>
-        </p:style>
-        <p:txBody>
-          <a:bodyPr rtlCol="0" anchor="ctr"/>
-          <a:lstStyle/>
-          <a:p>
-            <a:pPr algn="ctr"/>
-            <a:endParaRPr kumimoji="1" lang="ja-JP" altLang="en-US"/>
-          </a:p>
-        </p:txBody>
-      </p:sp>
-      <p:sp>
-        <p:nvSpPr>
-          <p:cNvPr id="8" name="右矢印 7"/>
-          <p:cNvSpPr/>
-          <p:nvPr/>
-        </p:nvSpPr>
-        <p:spPr>
-          <a:xfrm>
-            <a:off x="9837092" y="5708571"/>
-            <a:ext cx="4824536" cy="2808312"/>
-          </a:xfrm>
-          <a:prstGeom prst="rightArrow">
-            <a:avLst/>
-          </a:prstGeom>
-        </p:spPr>
-        <p:style>
-          <a:lnRef idx="2">
-            <a:schemeClr val="accent1">
-              <a:shade val="50000"/>
-            </a:schemeClr>
-          </a:lnRef>
-          <a:fillRef idx="1">
-            <a:schemeClr val="accent1"/>
-          </a:fillRef>
-          <a:effectRef idx="0">
-            <a:schemeClr val="accent1"/>
-          </a:effectRef>
-          <a:fontRef idx="minor">
-            <a:schemeClr val="lt1"/>
-          </a:fontRef>
-        </p:style>
-        <p:txBody>
-          <a:bodyPr rtlCol="0" anchor="ctr"/>
-          <a:lstStyle/>
-          <a:p>
-            <a:pPr algn="ctr"/>
-            <a:endParaRPr kumimoji="1" lang="ja-JP" altLang="en-US"/>
-          </a:p>
-        </p:txBody>
-      </p:sp>
-      <p:sp>
-        <p:nvSpPr>
-          <p:cNvPr id="9" name="角丸四角形 8"/>
-          <p:cNvSpPr/>
-          <p:nvPr/>
-        </p:nvSpPr>
-        <p:spPr>
-          <a:xfrm>
-            <a:off x="15004900" y="5335560"/>
-            <a:ext cx="5616624" cy="3312368"/>
-          </a:xfrm>
-          <a:prstGeom prst="roundRect">
-            <a:avLst/>
-          </a:prstGeom>
-          <a:noFill/>
-        </p:spPr>
-        <p:style>
-          <a:lnRef idx="2">
-            <a:schemeClr val="accent1">
-              <a:shade val="50000"/>
-            </a:schemeClr>
-          </a:lnRef>
-          <a:fillRef idx="1">
-            <a:schemeClr val="accent1"/>
-          </a:fillRef>
-          <a:effectRef idx="0">
-            <a:schemeClr val="accent1"/>
-          </a:effectRef>
-          <a:fontRef idx="minor">
-            <a:schemeClr val="lt1"/>
-          </a:fontRef>
-        </p:style>
-        <p:txBody>
-          <a:bodyPr rtlCol="0" anchor="ctr"/>
-          <a:lstStyle/>
-          <a:p>
-            <a:pPr algn="ctr"/>
-            <a:endParaRPr kumimoji="1" lang="ja-JP" altLang="en-US"/>
-          </a:p>
-        </p:txBody>
-      </p:sp>
-      <p:sp>
-        <p:nvSpPr>
-          <p:cNvPr id="10" name="テキスト ボックス 9"/>
-          <p:cNvSpPr txBox="1"/>
-          <p:nvPr/>
-        </p:nvSpPr>
-        <p:spPr>
-          <a:xfrm>
-            <a:off x="15304947" y="6066979"/>
-            <a:ext cx="5218095" cy="2123658"/>
-          </a:xfrm>
-          <a:prstGeom prst="rect">
-            <a:avLst/>
-          </a:prstGeom>
-          <a:noFill/>
-        </p:spPr>
-        <p:txBody>
-          <a:bodyPr wrap="none" rtlCol="0">
-            <a:spAutoFit/>
-          </a:bodyPr>
-          <a:lstStyle/>
-          <a:p>
-            <a:r>
-              <a:rPr kumimoji="1" lang="ja-JP" altLang="en-US" sz="4400" dirty="0" smtClean="0"/>
-              <a:t>活発に活動している</a:t>
-            </a:r>
-            <a:endParaRPr kumimoji="1" lang="en-US" altLang="ja-JP" sz="4400" dirty="0" smtClean="0"/>
-          </a:p>
-          <a:p>
-            <a:r>
-              <a:rPr kumimoji="1" lang="ja-JP" altLang="en-US" sz="4400" dirty="0" smtClean="0"/>
-              <a:t>ユーザは友好関係が</a:t>
-            </a:r>
-            <a:endParaRPr kumimoji="1" lang="en-US" altLang="ja-JP" sz="4400" dirty="0" smtClean="0"/>
-          </a:p>
-          <a:p>
-            <a:r>
-              <a:rPr lang="ja-JP" altLang="en-US" sz="4400" dirty="0" smtClean="0"/>
-              <a:t>広いの</a:t>
-            </a:r>
-            <a:r>
-              <a:rPr lang="ja-JP" altLang="en-US" sz="4400" dirty="0"/>
-              <a:t>か</a:t>
-            </a:r>
-            <a:endParaRPr kumimoji="1" lang="ja-JP" altLang="en-US" sz="4400" dirty="0"/>
-          </a:p>
-        </p:txBody>
-      </p:sp>
-      <p:sp>
-        <p:nvSpPr>
-          <p:cNvPr id="14" name="テキスト ボックス 13"/>
-          <p:cNvSpPr txBox="1"/>
-          <p:nvPr/>
-        </p:nvSpPr>
-        <p:spPr>
-          <a:xfrm>
-            <a:off x="596211" y="4122763"/>
-            <a:ext cx="1672253" cy="984885"/>
-          </a:xfrm>
-          <a:prstGeom prst="rect">
-            <a:avLst/>
-          </a:prstGeom>
-          <a:noFill/>
-        </p:spPr>
-        <p:txBody>
-          <a:bodyPr wrap="none" rtlCol="0">
-            <a:spAutoFit/>
-          </a:bodyPr>
-          <a:lstStyle/>
-          <a:p>
-            <a:r>
-              <a:rPr lang="ja-JP" altLang="en-US" dirty="0">
-                <a:latin typeface="+mj-ea"/>
-                <a:ea typeface="+mj-ea"/>
-              </a:rPr>
-              <a:t>背景</a:t>
-            </a:r>
-            <a:endParaRPr kumimoji="1" lang="ja-JP" altLang="en-US" dirty="0">
-              <a:latin typeface="+mj-ea"/>
-              <a:ea typeface="+mj-ea"/>
-            </a:endParaRPr>
-          </a:p>
-        </p:txBody>
-      </p:sp>
-      <p:sp>
-        <p:nvSpPr>
-          <p:cNvPr id="23" name="正方形/長方形 22"/>
-          <p:cNvSpPr/>
-          <p:nvPr/>
-        </p:nvSpPr>
-        <p:spPr>
-          <a:xfrm>
-            <a:off x="252241" y="9693778"/>
-            <a:ext cx="20738304" cy="3160047"/>
-          </a:xfrm>
-          <a:prstGeom prst="rect">
-            <a:avLst/>
-          </a:prstGeom>
-          <a:noFill/>
-          <a:ln>
-            <a:solidFill>
-              <a:schemeClr val="tx1"/>
-            </a:solidFill>
-          </a:ln>
-        </p:spPr>
-        <p:style>
-          <a:lnRef idx="2">
-            <a:schemeClr val="accent1">
-              <a:shade val="50000"/>
-            </a:schemeClr>
-          </a:lnRef>
-          <a:fillRef idx="1">
-            <a:schemeClr val="accent1"/>
-          </a:fillRef>
-          <a:effectRef idx="0">
-            <a:schemeClr val="accent1"/>
-          </a:effectRef>
-          <a:fontRef idx="minor">
-            <a:schemeClr val="lt1"/>
-          </a:fontRef>
-        </p:style>
-        <p:txBody>
-          <a:bodyPr rtlCol="0" anchor="ctr"/>
-          <a:lstStyle/>
-          <a:p>
-            <a:pPr algn="ctr"/>
-            <a:endParaRPr kumimoji="1" lang="ja-JP" altLang="en-US"/>
-          </a:p>
-        </p:txBody>
-      </p:sp>
-      <p:sp>
-        <p:nvSpPr>
-          <p:cNvPr id="24" name="テキスト ボックス 23"/>
-          <p:cNvSpPr txBox="1"/>
-          <p:nvPr/>
-        </p:nvSpPr>
-        <p:spPr>
-          <a:xfrm>
-            <a:off x="548060" y="9885148"/>
-            <a:ext cx="1672253" cy="984885"/>
-          </a:xfrm>
-          <a:prstGeom prst="rect">
-            <a:avLst/>
-          </a:prstGeom>
-          <a:noFill/>
-        </p:spPr>
-        <p:txBody>
-          <a:bodyPr wrap="none" rtlCol="0">
-            <a:spAutoFit/>
-          </a:bodyPr>
-          <a:lstStyle/>
-          <a:p>
-            <a:r>
-              <a:rPr kumimoji="1" lang="ja-JP" altLang="en-US" dirty="0" smtClean="0"/>
-              <a:t>目的</a:t>
+              <a:rPr lang="ja-JP" altLang="en-US" dirty="0" smtClean="0"/>
+              <a:t>背景＆目的</a:t>
             </a:r>
             <a:endParaRPr kumimoji="1" lang="ja-JP" altLang="en-US" dirty="0"/>
-          </a:p>
-        </p:txBody>
-      </p:sp>
-      <p:sp>
-        <p:nvSpPr>
-          <p:cNvPr id="25" name="角丸四角形 24"/>
-          <p:cNvSpPr/>
-          <p:nvPr/>
-        </p:nvSpPr>
-        <p:spPr>
-          <a:xfrm>
-            <a:off x="548060" y="10988883"/>
-            <a:ext cx="20082444" cy="1579593"/>
-          </a:xfrm>
-          <a:prstGeom prst="roundRect">
-            <a:avLst/>
-          </a:prstGeom>
-          <a:noFill/>
-          <a:ln>
-            <a:solidFill>
-              <a:schemeClr val="accent1"/>
-            </a:solidFill>
-          </a:ln>
-        </p:spPr>
-        <p:style>
-          <a:lnRef idx="2">
-            <a:schemeClr val="accent1">
-              <a:shade val="50000"/>
-            </a:schemeClr>
-          </a:lnRef>
-          <a:fillRef idx="1">
-            <a:schemeClr val="accent1"/>
-          </a:fillRef>
-          <a:effectRef idx="0">
-            <a:schemeClr val="accent1"/>
-          </a:effectRef>
-          <a:fontRef idx="minor">
-            <a:schemeClr val="lt1"/>
-          </a:fontRef>
-        </p:style>
-        <p:txBody>
-          <a:bodyPr rtlCol="0" anchor="ctr"/>
-          <a:lstStyle/>
-          <a:p>
-            <a:pPr algn="ctr"/>
-            <a:endParaRPr kumimoji="1" lang="ja-JP" altLang="en-US"/>
-          </a:p>
-        </p:txBody>
-      </p:sp>
-      <p:sp>
-        <p:nvSpPr>
-          <p:cNvPr id="26" name="テキスト ボックス 25"/>
-          <p:cNvSpPr txBox="1"/>
-          <p:nvPr/>
-        </p:nvSpPr>
-        <p:spPr>
-          <a:xfrm>
-            <a:off x="789435" y="11128433"/>
-            <a:ext cx="14515512" cy="1323439"/>
-          </a:xfrm>
-          <a:prstGeom prst="rect">
-            <a:avLst/>
-          </a:prstGeom>
-          <a:noFill/>
-        </p:spPr>
-        <p:txBody>
-          <a:bodyPr wrap="none" rtlCol="0">
-            <a:spAutoFit/>
-          </a:bodyPr>
-          <a:lstStyle/>
-          <a:p>
-            <a:r>
-              <a:rPr lang="ja-JP" altLang="en-US" sz="4000" dirty="0"/>
-              <a:t>ソフトウェア開発で活発に活動しているユーザ</a:t>
-            </a:r>
-            <a:r>
-              <a:rPr lang="ja-JP" altLang="en-US" sz="4000" dirty="0" smtClean="0"/>
-              <a:t>は</a:t>
-            </a:r>
-            <a:endParaRPr lang="en-US" altLang="ja-JP" sz="4000" dirty="0" smtClean="0"/>
-          </a:p>
-          <a:p>
-            <a:r>
-              <a:rPr lang="ja-JP" altLang="en-US" sz="4000" dirty="0" smtClean="0"/>
-              <a:t>コミュニケーション</a:t>
-            </a:r>
-            <a:r>
-              <a:rPr lang="ja-JP" altLang="en-US" sz="4000" dirty="0"/>
-              <a:t>能力が高いのではないかという仮説を検証</a:t>
-            </a:r>
-            <a:r>
-              <a:rPr lang="ja-JP" altLang="en-US" sz="4000" dirty="0" smtClean="0"/>
-              <a:t>する</a:t>
-            </a:r>
-            <a:r>
-              <a:rPr kumimoji="1" lang="ja-JP" altLang="en-US" sz="4000" dirty="0" smtClean="0"/>
-              <a:t>．</a:t>
-            </a:r>
-            <a:endParaRPr kumimoji="1" lang="en-US" altLang="ja-JP" sz="4000" dirty="0" smtClean="0"/>
           </a:p>
         </p:txBody>
       </p:sp>
       <p:grpSp>
         <p:nvGrpSpPr>
-          <p:cNvPr id="2" name="グループ化 1"/>
+          <p:cNvPr id="7" name="グループ化 6"/>
           <p:cNvGrpSpPr/>
           <p:nvPr/>
         </p:nvGrpSpPr>
         <p:grpSpPr>
           <a:xfrm>
-            <a:off x="252241" y="13410622"/>
-            <a:ext cx="9584851" cy="16130965"/>
-            <a:chOff x="252240" y="13893265"/>
-            <a:chExt cx="12961440" cy="4142731"/>
+            <a:off x="2052440" y="6528141"/>
+            <a:ext cx="15573964" cy="6667630"/>
+            <a:chOff x="1036650" y="873210"/>
+            <a:chExt cx="10282142" cy="4729584"/>
           </a:xfrm>
         </p:grpSpPr>
         <p:sp>
           <p:nvSpPr>
-            <p:cNvPr id="17" name="テキスト ボックス 16"/>
+            <p:cNvPr id="8" name="正方形/長方形 7"/>
+            <p:cNvSpPr/>
+            <p:nvPr/>
+          </p:nvSpPr>
+          <p:spPr>
+            <a:xfrm>
+              <a:off x="3921211" y="1313934"/>
+              <a:ext cx="4802659" cy="3896497"/>
+            </a:xfrm>
+            <a:prstGeom prst="rect">
+              <a:avLst/>
+            </a:prstGeom>
+            <a:solidFill>
+              <a:schemeClr val="bg1"/>
+            </a:solidFill>
+            <a:ln>
+              <a:solidFill>
+                <a:schemeClr val="bg2">
+                  <a:lumMod val="75000"/>
+                </a:schemeClr>
+              </a:solidFill>
+            </a:ln>
+          </p:spPr>
+          <p:style>
+            <a:lnRef idx="2">
+              <a:schemeClr val="accent1">
+                <a:shade val="50000"/>
+              </a:schemeClr>
+            </a:lnRef>
+            <a:fillRef idx="1">
+              <a:schemeClr val="accent1"/>
+            </a:fillRef>
+            <a:effectRef idx="0">
+              <a:schemeClr val="accent1"/>
+            </a:effectRef>
+            <a:fontRef idx="minor">
+              <a:schemeClr val="lt1"/>
+            </a:fontRef>
+          </p:style>
+          <p:txBody>
+            <a:bodyPr rtlCol="0" anchor="ctr"/>
+            <a:lstStyle/>
+            <a:p>
+              <a:pPr algn="ctr"/>
+              <a:endParaRPr kumimoji="1" lang="ja-JP" altLang="en-US" dirty="0"/>
+            </a:p>
+          </p:txBody>
+        </p:sp>
+        <p:sp>
+          <p:nvSpPr>
+            <p:cNvPr id="9" name="雲 8"/>
+            <p:cNvSpPr/>
+            <p:nvPr/>
+          </p:nvSpPr>
+          <p:spPr>
+            <a:xfrm>
+              <a:off x="3009613" y="873210"/>
+              <a:ext cx="2042984" cy="1128584"/>
+            </a:xfrm>
+            <a:prstGeom prst="cloud">
+              <a:avLst/>
+            </a:prstGeom>
+            <a:solidFill>
+              <a:schemeClr val="bg2"/>
+            </a:solidFill>
+            <a:ln>
+              <a:solidFill>
+                <a:schemeClr val="bg2">
+                  <a:lumMod val="75000"/>
+                </a:schemeClr>
+              </a:solidFill>
+            </a:ln>
+          </p:spPr>
+          <p:style>
+            <a:lnRef idx="2">
+              <a:schemeClr val="accent1">
+                <a:shade val="50000"/>
+              </a:schemeClr>
+            </a:lnRef>
+            <a:fillRef idx="1">
+              <a:schemeClr val="accent1"/>
+            </a:fillRef>
+            <a:effectRef idx="0">
+              <a:schemeClr val="accent1"/>
+            </a:effectRef>
+            <a:fontRef idx="minor">
+              <a:schemeClr val="lt1"/>
+            </a:fontRef>
+          </p:style>
+          <p:txBody>
+            <a:bodyPr rtlCol="0" anchor="ctr"/>
+            <a:lstStyle/>
+            <a:p>
+              <a:pPr algn="ctr"/>
+              <a:r>
+                <a:rPr lang="en-US" altLang="ja-JP" sz="1800" dirty="0" smtClean="0">
+                  <a:solidFill>
+                    <a:schemeClr val="tx1"/>
+                  </a:solidFill>
+                </a:rPr>
+                <a:t>GitHu</a:t>
+              </a:r>
+              <a:r>
+                <a:rPr lang="en-US" altLang="ja-JP" sz="1800" dirty="0">
+                  <a:solidFill>
+                    <a:schemeClr val="tx1"/>
+                  </a:solidFill>
+                </a:rPr>
+                <a:t>b</a:t>
+              </a:r>
+              <a:endParaRPr kumimoji="1" lang="ja-JP" altLang="en-US" sz="1800" dirty="0">
+                <a:solidFill>
+                  <a:schemeClr val="tx1"/>
+                </a:solidFill>
+              </a:endParaRPr>
+            </a:p>
+          </p:txBody>
+        </p:sp>
+        <p:sp>
+          <p:nvSpPr>
+            <p:cNvPr id="10" name="正方形/長方形 9"/>
+            <p:cNvSpPr/>
+            <p:nvPr/>
+          </p:nvSpPr>
+          <p:spPr>
+            <a:xfrm>
+              <a:off x="3921211" y="2903837"/>
+              <a:ext cx="1416908" cy="716692"/>
+            </a:xfrm>
+            <a:prstGeom prst="rect">
+              <a:avLst/>
+            </a:prstGeom>
+            <a:solidFill>
+              <a:schemeClr val="accent4">
+                <a:lumMod val="60000"/>
+                <a:lumOff val="40000"/>
+              </a:schemeClr>
+            </a:solidFill>
+            <a:ln>
+              <a:solidFill>
+                <a:schemeClr val="accent4">
+                  <a:lumMod val="60000"/>
+                  <a:lumOff val="40000"/>
+                </a:schemeClr>
+              </a:solidFill>
+            </a:ln>
+          </p:spPr>
+          <p:style>
+            <a:lnRef idx="2">
+              <a:schemeClr val="accent1">
+                <a:shade val="50000"/>
+              </a:schemeClr>
+            </a:lnRef>
+            <a:fillRef idx="1">
+              <a:schemeClr val="accent1"/>
+            </a:fillRef>
+            <a:effectRef idx="0">
+              <a:schemeClr val="accent1"/>
+            </a:effectRef>
+            <a:fontRef idx="minor">
+              <a:schemeClr val="lt1"/>
+            </a:fontRef>
+          </p:style>
+          <p:txBody>
+            <a:bodyPr rtlCol="0" anchor="ctr"/>
+            <a:lstStyle/>
+            <a:p>
+              <a:pPr algn="ctr"/>
+              <a:r>
+                <a:rPr kumimoji="1" lang="ja-JP" altLang="en-US" sz="1800" dirty="0" smtClean="0">
+                  <a:solidFill>
+                    <a:schemeClr val="tx1"/>
+                  </a:solidFill>
+                </a:rPr>
+                <a:t>リポジトリ</a:t>
+              </a:r>
+              <a:endParaRPr kumimoji="1" lang="ja-JP" altLang="en-US" sz="1800" dirty="0">
+                <a:solidFill>
+                  <a:schemeClr val="tx1"/>
+                </a:solidFill>
+              </a:endParaRPr>
+            </a:p>
+          </p:txBody>
+        </p:sp>
+        <p:sp>
+          <p:nvSpPr>
+            <p:cNvPr id="11" name="右矢印 10"/>
+            <p:cNvSpPr/>
+            <p:nvPr/>
+          </p:nvSpPr>
+          <p:spPr>
+            <a:xfrm rot="20285925">
+              <a:off x="5335506" y="2349840"/>
+              <a:ext cx="1136822" cy="205946"/>
+            </a:xfrm>
+            <a:prstGeom prst="rightArrow">
+              <a:avLst/>
+            </a:prstGeom>
+          </p:spPr>
+          <p:style>
+            <a:lnRef idx="2">
+              <a:schemeClr val="accent1">
+                <a:shade val="50000"/>
+              </a:schemeClr>
+            </a:lnRef>
+            <a:fillRef idx="1">
+              <a:schemeClr val="accent1"/>
+            </a:fillRef>
+            <a:effectRef idx="0">
+              <a:schemeClr val="accent1"/>
+            </a:effectRef>
+            <a:fontRef idx="minor">
+              <a:schemeClr val="lt1"/>
+            </a:fontRef>
+          </p:style>
+          <p:txBody>
+            <a:bodyPr rtlCol="0" anchor="ctr"/>
+            <a:lstStyle/>
+            <a:p>
+              <a:pPr algn="ctr"/>
+              <a:endParaRPr kumimoji="1" lang="ja-JP" altLang="en-US"/>
+            </a:p>
+          </p:txBody>
+        </p:sp>
+        <p:sp>
+          <p:nvSpPr>
+            <p:cNvPr id="12" name="右矢印 11"/>
+            <p:cNvSpPr/>
+            <p:nvPr/>
+          </p:nvSpPr>
+          <p:spPr>
+            <a:xfrm>
+              <a:off x="5539946" y="3056237"/>
+              <a:ext cx="1136822" cy="205946"/>
+            </a:xfrm>
+            <a:prstGeom prst="rightArrow">
+              <a:avLst/>
+            </a:prstGeom>
+          </p:spPr>
+          <p:style>
+            <a:lnRef idx="2">
+              <a:schemeClr val="accent1">
+                <a:shade val="50000"/>
+              </a:schemeClr>
+            </a:lnRef>
+            <a:fillRef idx="1">
+              <a:schemeClr val="accent1"/>
+            </a:fillRef>
+            <a:effectRef idx="0">
+              <a:schemeClr val="accent1"/>
+            </a:effectRef>
+            <a:fontRef idx="minor">
+              <a:schemeClr val="lt1"/>
+            </a:fontRef>
+          </p:style>
+          <p:txBody>
+            <a:bodyPr rtlCol="0" anchor="ctr"/>
+            <a:lstStyle/>
+            <a:p>
+              <a:pPr algn="ctr"/>
+              <a:endParaRPr kumimoji="1" lang="ja-JP" altLang="en-US"/>
+            </a:p>
+          </p:txBody>
+        </p:sp>
+        <p:sp>
+          <p:nvSpPr>
+            <p:cNvPr id="13" name="右矢印 12"/>
+            <p:cNvSpPr/>
+            <p:nvPr/>
+          </p:nvSpPr>
+          <p:spPr>
+            <a:xfrm rot="1394822">
+              <a:off x="5332613" y="3810783"/>
+              <a:ext cx="1136822" cy="205946"/>
+            </a:xfrm>
+            <a:prstGeom prst="rightArrow">
+              <a:avLst/>
+            </a:prstGeom>
+          </p:spPr>
+          <p:style>
+            <a:lnRef idx="2">
+              <a:schemeClr val="accent1">
+                <a:shade val="50000"/>
+              </a:schemeClr>
+            </a:lnRef>
+            <a:fillRef idx="1">
+              <a:schemeClr val="accent1"/>
+            </a:fillRef>
+            <a:effectRef idx="0">
+              <a:schemeClr val="accent1"/>
+            </a:effectRef>
+            <a:fontRef idx="minor">
+              <a:schemeClr val="lt1"/>
+            </a:fontRef>
+          </p:style>
+          <p:txBody>
+            <a:bodyPr rtlCol="0" anchor="ctr"/>
+            <a:lstStyle/>
+            <a:p>
+              <a:pPr algn="ctr"/>
+              <a:endParaRPr kumimoji="1" lang="ja-JP" altLang="en-US"/>
+            </a:p>
+          </p:txBody>
+        </p:sp>
+        <p:sp>
+          <p:nvSpPr>
+            <p:cNvPr id="14" name="右矢印 13"/>
+            <p:cNvSpPr/>
+            <p:nvPr/>
+          </p:nvSpPr>
+          <p:spPr>
+            <a:xfrm rot="9533864">
+              <a:off x="5405529" y="2613608"/>
+              <a:ext cx="1136822" cy="205946"/>
+            </a:xfrm>
+            <a:prstGeom prst="rightArrow">
+              <a:avLst/>
+            </a:prstGeom>
+            <a:solidFill>
+              <a:schemeClr val="accent2">
+                <a:lumMod val="40000"/>
+                <a:lumOff val="60000"/>
+              </a:schemeClr>
+            </a:solidFill>
+            <a:ln>
+              <a:solidFill>
+                <a:schemeClr val="accent2">
+                  <a:lumMod val="40000"/>
+                  <a:lumOff val="60000"/>
+                </a:schemeClr>
+              </a:solidFill>
+            </a:ln>
+          </p:spPr>
+          <p:style>
+            <a:lnRef idx="2">
+              <a:schemeClr val="accent1">
+                <a:shade val="50000"/>
+              </a:schemeClr>
+            </a:lnRef>
+            <a:fillRef idx="1">
+              <a:schemeClr val="accent1"/>
+            </a:fillRef>
+            <a:effectRef idx="0">
+              <a:schemeClr val="accent1"/>
+            </a:effectRef>
+            <a:fontRef idx="minor">
+              <a:schemeClr val="lt1"/>
+            </a:fontRef>
+          </p:style>
+          <p:txBody>
+            <a:bodyPr rtlCol="0" anchor="ctr"/>
+            <a:lstStyle/>
+            <a:p>
+              <a:pPr algn="ctr"/>
+              <a:endParaRPr kumimoji="1" lang="ja-JP" altLang="en-US"/>
+            </a:p>
+          </p:txBody>
+        </p:sp>
+        <p:sp>
+          <p:nvSpPr>
+            <p:cNvPr id="15" name="右矢印 14"/>
+            <p:cNvSpPr/>
+            <p:nvPr/>
+          </p:nvSpPr>
+          <p:spPr>
+            <a:xfrm rot="10800000">
+              <a:off x="5527590" y="3347657"/>
+              <a:ext cx="1136822" cy="205946"/>
+            </a:xfrm>
+            <a:prstGeom prst="rightArrow">
+              <a:avLst/>
+            </a:prstGeom>
+            <a:solidFill>
+              <a:schemeClr val="accent2">
+                <a:lumMod val="40000"/>
+                <a:lumOff val="60000"/>
+              </a:schemeClr>
+            </a:solidFill>
+            <a:ln>
+              <a:solidFill>
+                <a:schemeClr val="accent2">
+                  <a:lumMod val="40000"/>
+                  <a:lumOff val="60000"/>
+                </a:schemeClr>
+              </a:solidFill>
+            </a:ln>
+          </p:spPr>
+          <p:style>
+            <a:lnRef idx="2">
+              <a:schemeClr val="accent1">
+                <a:shade val="50000"/>
+              </a:schemeClr>
+            </a:lnRef>
+            <a:fillRef idx="1">
+              <a:schemeClr val="accent1"/>
+            </a:fillRef>
+            <a:effectRef idx="0">
+              <a:schemeClr val="accent1"/>
+            </a:effectRef>
+            <a:fontRef idx="minor">
+              <a:schemeClr val="lt1"/>
+            </a:fontRef>
+          </p:style>
+          <p:txBody>
+            <a:bodyPr rtlCol="0" anchor="ctr"/>
+            <a:lstStyle/>
+            <a:p>
+              <a:pPr algn="ctr"/>
+              <a:endParaRPr kumimoji="1" lang="ja-JP" altLang="en-US"/>
+            </a:p>
+          </p:txBody>
+        </p:sp>
+        <p:sp>
+          <p:nvSpPr>
+            <p:cNvPr id="16" name="右矢印 15"/>
+            <p:cNvSpPr/>
+            <p:nvPr/>
+          </p:nvSpPr>
+          <p:spPr>
+            <a:xfrm rot="12280159">
+              <a:off x="5233419" y="4095053"/>
+              <a:ext cx="1136822" cy="205946"/>
+            </a:xfrm>
+            <a:prstGeom prst="rightArrow">
+              <a:avLst/>
+            </a:prstGeom>
+            <a:solidFill>
+              <a:schemeClr val="accent2">
+                <a:lumMod val="40000"/>
+                <a:lumOff val="60000"/>
+              </a:schemeClr>
+            </a:solidFill>
+            <a:ln>
+              <a:solidFill>
+                <a:schemeClr val="accent2">
+                  <a:lumMod val="40000"/>
+                  <a:lumOff val="60000"/>
+                </a:schemeClr>
+              </a:solidFill>
+            </a:ln>
+          </p:spPr>
+          <p:style>
+            <a:lnRef idx="2">
+              <a:schemeClr val="accent1">
+                <a:shade val="50000"/>
+              </a:schemeClr>
+            </a:lnRef>
+            <a:fillRef idx="1">
+              <a:schemeClr val="accent1"/>
+            </a:fillRef>
+            <a:effectRef idx="0">
+              <a:schemeClr val="accent1"/>
+            </a:effectRef>
+            <a:fontRef idx="minor">
+              <a:schemeClr val="lt1"/>
+            </a:fontRef>
+          </p:style>
+          <p:txBody>
+            <a:bodyPr rtlCol="0" anchor="ctr"/>
+            <a:lstStyle/>
+            <a:p>
+              <a:pPr algn="ctr"/>
+              <a:endParaRPr kumimoji="1" lang="ja-JP" altLang="en-US"/>
+            </a:p>
+          </p:txBody>
+        </p:sp>
+        <p:sp>
+          <p:nvSpPr>
+            <p:cNvPr id="17" name="正方形/長方形 16"/>
+            <p:cNvSpPr/>
+            <p:nvPr/>
+          </p:nvSpPr>
+          <p:spPr>
+            <a:xfrm>
+              <a:off x="6820264" y="1919416"/>
+              <a:ext cx="1453978" cy="700216"/>
+            </a:xfrm>
+            <a:prstGeom prst="rect">
+              <a:avLst/>
+            </a:prstGeom>
+            <a:solidFill>
+              <a:schemeClr val="accent6">
+                <a:lumMod val="60000"/>
+                <a:lumOff val="40000"/>
+              </a:schemeClr>
+            </a:solidFill>
+            <a:ln>
+              <a:solidFill>
+                <a:schemeClr val="accent6">
+                  <a:lumMod val="60000"/>
+                  <a:lumOff val="40000"/>
+                </a:schemeClr>
+              </a:solidFill>
+            </a:ln>
+          </p:spPr>
+          <p:style>
+            <a:lnRef idx="2">
+              <a:schemeClr val="accent1">
+                <a:shade val="50000"/>
+              </a:schemeClr>
+            </a:lnRef>
+            <a:fillRef idx="1">
+              <a:schemeClr val="accent1"/>
+            </a:fillRef>
+            <a:effectRef idx="0">
+              <a:schemeClr val="accent1"/>
+            </a:effectRef>
+            <a:fontRef idx="minor">
+              <a:schemeClr val="lt1"/>
+            </a:fontRef>
+          </p:style>
+          <p:txBody>
+            <a:bodyPr rtlCol="0" anchor="ctr"/>
+            <a:lstStyle/>
+            <a:p>
+              <a:pPr algn="ctr"/>
+              <a:r>
+                <a:rPr kumimoji="1" lang="ja-JP" altLang="en-US" sz="1800" dirty="0" smtClean="0">
+                  <a:solidFill>
+                    <a:schemeClr val="tx1"/>
+                  </a:solidFill>
+                </a:rPr>
+                <a:t>リポジトリ</a:t>
+              </a:r>
+              <a:endParaRPr kumimoji="1" lang="ja-JP" altLang="en-US" sz="1800" dirty="0">
+                <a:solidFill>
+                  <a:schemeClr val="tx1"/>
+                </a:solidFill>
+              </a:endParaRPr>
+            </a:p>
+          </p:txBody>
+        </p:sp>
+        <p:sp>
+          <p:nvSpPr>
+            <p:cNvPr id="18" name="正方形/長方形 17"/>
+            <p:cNvSpPr/>
+            <p:nvPr/>
+          </p:nvSpPr>
+          <p:spPr>
+            <a:xfrm>
+              <a:off x="6824126" y="2997549"/>
+              <a:ext cx="1453978" cy="700216"/>
+            </a:xfrm>
+            <a:prstGeom prst="rect">
+              <a:avLst/>
+            </a:prstGeom>
+            <a:solidFill>
+              <a:schemeClr val="accent6">
+                <a:lumMod val="60000"/>
+                <a:lumOff val="40000"/>
+              </a:schemeClr>
+            </a:solidFill>
+            <a:ln>
+              <a:solidFill>
+                <a:schemeClr val="accent6">
+                  <a:lumMod val="60000"/>
+                  <a:lumOff val="40000"/>
+                </a:schemeClr>
+              </a:solidFill>
+            </a:ln>
+          </p:spPr>
+          <p:style>
+            <a:lnRef idx="2">
+              <a:schemeClr val="accent1">
+                <a:shade val="50000"/>
+              </a:schemeClr>
+            </a:lnRef>
+            <a:fillRef idx="1">
+              <a:schemeClr val="accent1"/>
+            </a:fillRef>
+            <a:effectRef idx="0">
+              <a:schemeClr val="accent1"/>
+            </a:effectRef>
+            <a:fontRef idx="minor">
+              <a:schemeClr val="lt1"/>
+            </a:fontRef>
+          </p:style>
+          <p:txBody>
+            <a:bodyPr rtlCol="0" anchor="ctr"/>
+            <a:lstStyle/>
+            <a:p>
+              <a:pPr algn="ctr"/>
+              <a:r>
+                <a:rPr kumimoji="1" lang="ja-JP" altLang="en-US" sz="1800" dirty="0" smtClean="0">
+                  <a:solidFill>
+                    <a:schemeClr val="tx1"/>
+                  </a:solidFill>
+                </a:rPr>
+                <a:t>リポジトリ</a:t>
+              </a:r>
+              <a:endParaRPr kumimoji="1" lang="ja-JP" altLang="en-US" sz="1800" dirty="0">
+                <a:solidFill>
+                  <a:schemeClr val="tx1"/>
+                </a:solidFill>
+              </a:endParaRPr>
+            </a:p>
+          </p:txBody>
+        </p:sp>
+        <p:sp>
+          <p:nvSpPr>
+            <p:cNvPr id="19" name="正方形/長方形 18"/>
+            <p:cNvSpPr/>
+            <p:nvPr/>
+          </p:nvSpPr>
+          <p:spPr>
+            <a:xfrm>
+              <a:off x="6805182" y="4075682"/>
+              <a:ext cx="1453978" cy="700216"/>
+            </a:xfrm>
+            <a:prstGeom prst="rect">
+              <a:avLst/>
+            </a:prstGeom>
+            <a:solidFill>
+              <a:schemeClr val="accent6">
+                <a:lumMod val="60000"/>
+                <a:lumOff val="40000"/>
+              </a:schemeClr>
+            </a:solidFill>
+            <a:ln>
+              <a:solidFill>
+                <a:schemeClr val="accent6">
+                  <a:lumMod val="60000"/>
+                  <a:lumOff val="40000"/>
+                </a:schemeClr>
+              </a:solidFill>
+            </a:ln>
+          </p:spPr>
+          <p:style>
+            <a:lnRef idx="2">
+              <a:schemeClr val="accent1">
+                <a:shade val="50000"/>
+              </a:schemeClr>
+            </a:lnRef>
+            <a:fillRef idx="1">
+              <a:schemeClr val="accent1"/>
+            </a:fillRef>
+            <a:effectRef idx="0">
+              <a:schemeClr val="accent1"/>
+            </a:effectRef>
+            <a:fontRef idx="minor">
+              <a:schemeClr val="lt1"/>
+            </a:fontRef>
+          </p:style>
+          <p:txBody>
+            <a:bodyPr rtlCol="0" anchor="ctr"/>
+            <a:lstStyle/>
+            <a:p>
+              <a:pPr algn="ctr"/>
+              <a:r>
+                <a:rPr kumimoji="1" lang="ja-JP" altLang="en-US" sz="1800" dirty="0" smtClean="0">
+                  <a:solidFill>
+                    <a:schemeClr val="tx1"/>
+                  </a:solidFill>
+                </a:rPr>
+                <a:t>リポジトリ</a:t>
+              </a:r>
+              <a:endParaRPr kumimoji="1" lang="ja-JP" altLang="en-US" sz="1800" dirty="0">
+                <a:solidFill>
+                  <a:schemeClr val="tx1"/>
+                </a:solidFill>
+              </a:endParaRPr>
+            </a:p>
+          </p:txBody>
+        </p:sp>
+        <p:sp>
+          <p:nvSpPr>
+            <p:cNvPr id="20" name="右矢印 19"/>
+            <p:cNvSpPr/>
+            <p:nvPr/>
+          </p:nvSpPr>
+          <p:spPr>
+            <a:xfrm>
+              <a:off x="8406930" y="2001794"/>
+              <a:ext cx="1136822" cy="205946"/>
+            </a:xfrm>
+            <a:prstGeom prst="rightArrow">
+              <a:avLst/>
+            </a:prstGeom>
+          </p:spPr>
+          <p:style>
+            <a:lnRef idx="2">
+              <a:schemeClr val="accent1">
+                <a:shade val="50000"/>
+              </a:schemeClr>
+            </a:lnRef>
+            <a:fillRef idx="1">
+              <a:schemeClr val="accent1"/>
+            </a:fillRef>
+            <a:effectRef idx="0">
+              <a:schemeClr val="accent1"/>
+            </a:effectRef>
+            <a:fontRef idx="minor">
+              <a:schemeClr val="lt1"/>
+            </a:fontRef>
+          </p:style>
+          <p:txBody>
+            <a:bodyPr rtlCol="0" anchor="ctr"/>
+            <a:lstStyle/>
+            <a:p>
+              <a:pPr algn="ctr"/>
+              <a:endParaRPr kumimoji="1" lang="ja-JP" altLang="en-US"/>
+            </a:p>
+          </p:txBody>
+        </p:sp>
+        <p:sp>
+          <p:nvSpPr>
+            <p:cNvPr id="21" name="右矢印 20"/>
+            <p:cNvSpPr/>
+            <p:nvPr/>
+          </p:nvSpPr>
+          <p:spPr>
+            <a:xfrm>
+              <a:off x="8405084" y="3141711"/>
+              <a:ext cx="1136822" cy="205946"/>
+            </a:xfrm>
+            <a:prstGeom prst="rightArrow">
+              <a:avLst/>
+            </a:prstGeom>
+          </p:spPr>
+          <p:style>
+            <a:lnRef idx="2">
+              <a:schemeClr val="accent1">
+                <a:shade val="50000"/>
+              </a:schemeClr>
+            </a:lnRef>
+            <a:fillRef idx="1">
+              <a:schemeClr val="accent1"/>
+            </a:fillRef>
+            <a:effectRef idx="0">
+              <a:schemeClr val="accent1"/>
+            </a:effectRef>
+            <a:fontRef idx="minor">
+              <a:schemeClr val="lt1"/>
+            </a:fontRef>
+          </p:style>
+          <p:txBody>
+            <a:bodyPr rtlCol="0" anchor="ctr"/>
+            <a:lstStyle/>
+            <a:p>
+              <a:pPr algn="ctr"/>
+              <a:endParaRPr kumimoji="1" lang="ja-JP" altLang="en-US"/>
+            </a:p>
+          </p:txBody>
+        </p:sp>
+        <p:sp>
+          <p:nvSpPr>
+            <p:cNvPr id="22" name="右矢印 21"/>
+            <p:cNvSpPr/>
+            <p:nvPr/>
+          </p:nvSpPr>
+          <p:spPr>
+            <a:xfrm>
+              <a:off x="8405084" y="4232719"/>
+              <a:ext cx="908008" cy="205946"/>
+            </a:xfrm>
+            <a:prstGeom prst="rightArrow">
+              <a:avLst/>
+            </a:prstGeom>
+          </p:spPr>
+          <p:style>
+            <a:lnRef idx="2">
+              <a:schemeClr val="accent1">
+                <a:shade val="50000"/>
+              </a:schemeClr>
+            </a:lnRef>
+            <a:fillRef idx="1">
+              <a:schemeClr val="accent1"/>
+            </a:fillRef>
+            <a:effectRef idx="0">
+              <a:schemeClr val="accent1"/>
+            </a:effectRef>
+            <a:fontRef idx="minor">
+              <a:schemeClr val="lt1"/>
+            </a:fontRef>
+          </p:style>
+          <p:txBody>
+            <a:bodyPr rtlCol="0" anchor="ctr"/>
+            <a:lstStyle/>
+            <a:p>
+              <a:pPr algn="ctr"/>
+              <a:endParaRPr kumimoji="1" lang="ja-JP" altLang="en-US"/>
+            </a:p>
+          </p:txBody>
+        </p:sp>
+        <p:sp>
+          <p:nvSpPr>
+            <p:cNvPr id="23" name="右矢印 22"/>
+            <p:cNvSpPr/>
+            <p:nvPr/>
+          </p:nvSpPr>
+          <p:spPr>
+            <a:xfrm rot="10800000">
+              <a:off x="8405084" y="2380781"/>
+              <a:ext cx="1136822" cy="205946"/>
+            </a:xfrm>
+            <a:prstGeom prst="rightArrow">
+              <a:avLst/>
+            </a:prstGeom>
+            <a:solidFill>
+              <a:schemeClr val="accent2">
+                <a:lumMod val="40000"/>
+                <a:lumOff val="60000"/>
+              </a:schemeClr>
+            </a:solidFill>
+            <a:ln>
+              <a:solidFill>
+                <a:schemeClr val="accent2">
+                  <a:lumMod val="40000"/>
+                  <a:lumOff val="60000"/>
+                </a:schemeClr>
+              </a:solidFill>
+            </a:ln>
+          </p:spPr>
+          <p:style>
+            <a:lnRef idx="2">
+              <a:schemeClr val="accent1">
+                <a:shade val="50000"/>
+              </a:schemeClr>
+            </a:lnRef>
+            <a:fillRef idx="1">
+              <a:schemeClr val="accent1"/>
+            </a:fillRef>
+            <a:effectRef idx="0">
+              <a:schemeClr val="accent1"/>
+            </a:effectRef>
+            <a:fontRef idx="minor">
+              <a:schemeClr val="lt1"/>
+            </a:fontRef>
+          </p:style>
+          <p:txBody>
+            <a:bodyPr rtlCol="0" anchor="ctr"/>
+            <a:lstStyle/>
+            <a:p>
+              <a:pPr algn="ctr"/>
+              <a:endParaRPr kumimoji="1" lang="ja-JP" altLang="en-US"/>
+            </a:p>
+          </p:txBody>
+        </p:sp>
+        <p:sp>
+          <p:nvSpPr>
+            <p:cNvPr id="24" name="右矢印 23"/>
+            <p:cNvSpPr/>
+            <p:nvPr/>
+          </p:nvSpPr>
+          <p:spPr>
+            <a:xfrm rot="10800000">
+              <a:off x="8405084" y="3517556"/>
+              <a:ext cx="1136822" cy="205946"/>
+            </a:xfrm>
+            <a:prstGeom prst="rightArrow">
+              <a:avLst/>
+            </a:prstGeom>
+            <a:solidFill>
+              <a:schemeClr val="accent2">
+                <a:lumMod val="40000"/>
+                <a:lumOff val="60000"/>
+              </a:schemeClr>
+            </a:solidFill>
+            <a:ln>
+              <a:solidFill>
+                <a:schemeClr val="accent2">
+                  <a:lumMod val="40000"/>
+                  <a:lumOff val="60000"/>
+                </a:schemeClr>
+              </a:solidFill>
+            </a:ln>
+          </p:spPr>
+          <p:style>
+            <a:lnRef idx="2">
+              <a:schemeClr val="accent1">
+                <a:shade val="50000"/>
+              </a:schemeClr>
+            </a:lnRef>
+            <a:fillRef idx="1">
+              <a:schemeClr val="accent1"/>
+            </a:fillRef>
+            <a:effectRef idx="0">
+              <a:schemeClr val="accent1"/>
+            </a:effectRef>
+            <a:fontRef idx="minor">
+              <a:schemeClr val="lt1"/>
+            </a:fontRef>
+          </p:style>
+          <p:txBody>
+            <a:bodyPr rtlCol="0" anchor="ctr"/>
+            <a:lstStyle/>
+            <a:p>
+              <a:pPr algn="ctr"/>
+              <a:endParaRPr kumimoji="1" lang="ja-JP" altLang="en-US"/>
+            </a:p>
+          </p:txBody>
+        </p:sp>
+        <p:sp>
+          <p:nvSpPr>
+            <p:cNvPr id="25" name="右矢印 24"/>
+            <p:cNvSpPr/>
+            <p:nvPr/>
+          </p:nvSpPr>
+          <p:spPr>
+            <a:xfrm rot="10800000">
+              <a:off x="8405084" y="4528845"/>
+              <a:ext cx="908008" cy="205946"/>
+            </a:xfrm>
+            <a:prstGeom prst="rightArrow">
+              <a:avLst/>
+            </a:prstGeom>
+            <a:solidFill>
+              <a:schemeClr val="accent2">
+                <a:lumMod val="40000"/>
+                <a:lumOff val="60000"/>
+              </a:schemeClr>
+            </a:solidFill>
+            <a:ln>
+              <a:solidFill>
+                <a:schemeClr val="accent2">
+                  <a:lumMod val="40000"/>
+                  <a:lumOff val="60000"/>
+                </a:schemeClr>
+              </a:solidFill>
+            </a:ln>
+          </p:spPr>
+          <p:style>
+            <a:lnRef idx="2">
+              <a:schemeClr val="accent1">
+                <a:shade val="50000"/>
+              </a:schemeClr>
+            </a:lnRef>
+            <a:fillRef idx="1">
+              <a:schemeClr val="accent1"/>
+            </a:fillRef>
+            <a:effectRef idx="0">
+              <a:schemeClr val="accent1"/>
+            </a:effectRef>
+            <a:fontRef idx="minor">
+              <a:schemeClr val="lt1"/>
+            </a:fontRef>
+          </p:style>
+          <p:txBody>
+            <a:bodyPr rtlCol="0" anchor="ctr"/>
+            <a:lstStyle/>
+            <a:p>
+              <a:pPr algn="ctr"/>
+              <a:endParaRPr kumimoji="1" lang="ja-JP" altLang="en-US"/>
+            </a:p>
+          </p:txBody>
+        </p:sp>
+        <p:grpSp>
+          <p:nvGrpSpPr>
+            <p:cNvPr id="26" name="グループ化 25"/>
+            <p:cNvGrpSpPr/>
+            <p:nvPr/>
+          </p:nvGrpSpPr>
+          <p:grpSpPr>
+            <a:xfrm>
+              <a:off x="9672748" y="1646861"/>
+              <a:ext cx="1619415" cy="996776"/>
+              <a:chOff x="7860424" y="1564483"/>
+              <a:chExt cx="1619415" cy="996776"/>
+            </a:xfrm>
+          </p:grpSpPr>
+          <p:sp>
+            <p:nvSpPr>
+              <p:cNvPr id="57" name="正方形/長方形 56"/>
+              <p:cNvSpPr/>
+              <p:nvPr/>
+            </p:nvSpPr>
+            <p:spPr>
+              <a:xfrm>
+                <a:off x="7860424" y="1564483"/>
+                <a:ext cx="1619415" cy="996776"/>
+              </a:xfrm>
+              <a:prstGeom prst="rect">
+                <a:avLst/>
+              </a:prstGeom>
+            </p:spPr>
+            <p:style>
+              <a:lnRef idx="2">
+                <a:schemeClr val="accent1">
+                  <a:shade val="50000"/>
+                </a:schemeClr>
+              </a:lnRef>
+              <a:fillRef idx="1">
+                <a:schemeClr val="accent1"/>
+              </a:fillRef>
+              <a:effectRef idx="0">
+                <a:schemeClr val="accent1"/>
+              </a:effectRef>
+              <a:fontRef idx="minor">
+                <a:schemeClr val="lt1"/>
+              </a:fontRef>
+            </p:style>
+            <p:txBody>
+              <a:bodyPr rtlCol="0" anchor="ctr"/>
+              <a:lstStyle/>
+              <a:p>
+                <a:pPr algn="ctr"/>
+                <a:endParaRPr kumimoji="1" lang="ja-JP" altLang="en-US"/>
+              </a:p>
+            </p:txBody>
+          </p:sp>
+          <p:sp>
+            <p:nvSpPr>
+              <p:cNvPr id="58" name="正方形/長方形 57"/>
+              <p:cNvSpPr/>
+              <p:nvPr/>
+            </p:nvSpPr>
+            <p:spPr>
+              <a:xfrm>
+                <a:off x="7860424" y="1738184"/>
+                <a:ext cx="1619415" cy="823074"/>
+              </a:xfrm>
+              <a:prstGeom prst="rect">
+                <a:avLst/>
+              </a:prstGeom>
+              <a:solidFill>
+                <a:schemeClr val="tx1"/>
+              </a:solidFill>
+              <a:ln>
+                <a:solidFill>
+                  <a:schemeClr val="tx1"/>
+                </a:solidFill>
+              </a:ln>
+            </p:spPr>
+            <p:style>
+              <a:lnRef idx="2">
+                <a:schemeClr val="accent1">
+                  <a:shade val="50000"/>
+                </a:schemeClr>
+              </a:lnRef>
+              <a:fillRef idx="1">
+                <a:schemeClr val="accent1"/>
+              </a:fillRef>
+              <a:effectRef idx="0">
+                <a:schemeClr val="accent1"/>
+              </a:effectRef>
+              <a:fontRef idx="minor">
+                <a:schemeClr val="lt1"/>
+              </a:fontRef>
+            </p:style>
+            <p:txBody>
+              <a:bodyPr rtlCol="0" anchor="ctr"/>
+              <a:lstStyle/>
+              <a:p>
+                <a:pPr algn="ctr"/>
+                <a:endParaRPr kumimoji="1" lang="ja-JP" altLang="en-US"/>
+              </a:p>
+            </p:txBody>
+          </p:sp>
+          <p:sp>
+            <p:nvSpPr>
+              <p:cNvPr id="59" name="正方形/長方形 58"/>
+              <p:cNvSpPr/>
+              <p:nvPr/>
+            </p:nvSpPr>
+            <p:spPr>
+              <a:xfrm>
+                <a:off x="9053384" y="1606378"/>
+                <a:ext cx="98853" cy="98853"/>
+              </a:xfrm>
+              <a:prstGeom prst="rect">
+                <a:avLst/>
+              </a:prstGeom>
+              <a:solidFill>
+                <a:schemeClr val="bg2"/>
+              </a:solidFill>
+              <a:ln>
+                <a:solidFill>
+                  <a:schemeClr val="bg2"/>
+                </a:solidFill>
+              </a:ln>
+            </p:spPr>
+            <p:style>
+              <a:lnRef idx="2">
+                <a:schemeClr val="accent1">
+                  <a:shade val="50000"/>
+                </a:schemeClr>
+              </a:lnRef>
+              <a:fillRef idx="1">
+                <a:schemeClr val="accent1"/>
+              </a:fillRef>
+              <a:effectRef idx="0">
+                <a:schemeClr val="accent1"/>
+              </a:effectRef>
+              <a:fontRef idx="minor">
+                <a:schemeClr val="lt1"/>
+              </a:fontRef>
+            </p:style>
+            <p:txBody>
+              <a:bodyPr rtlCol="0" anchor="ctr"/>
+              <a:lstStyle/>
+              <a:p>
+                <a:pPr algn="ctr"/>
+                <a:endParaRPr kumimoji="1" lang="ja-JP" altLang="en-US"/>
+              </a:p>
+            </p:txBody>
+          </p:sp>
+          <p:sp>
+            <p:nvSpPr>
+              <p:cNvPr id="60" name="正方形/長方形 59"/>
+              <p:cNvSpPr/>
+              <p:nvPr/>
+            </p:nvSpPr>
+            <p:spPr>
+              <a:xfrm>
+                <a:off x="9205784" y="1610495"/>
+                <a:ext cx="98853" cy="98853"/>
+              </a:xfrm>
+              <a:prstGeom prst="rect">
+                <a:avLst/>
+              </a:prstGeom>
+              <a:solidFill>
+                <a:schemeClr val="bg2"/>
+              </a:solidFill>
+              <a:ln>
+                <a:solidFill>
+                  <a:schemeClr val="bg2"/>
+                </a:solidFill>
+              </a:ln>
+            </p:spPr>
+            <p:style>
+              <a:lnRef idx="2">
+                <a:schemeClr val="accent1">
+                  <a:shade val="50000"/>
+                </a:schemeClr>
+              </a:lnRef>
+              <a:fillRef idx="1">
+                <a:schemeClr val="accent1"/>
+              </a:fillRef>
+              <a:effectRef idx="0">
+                <a:schemeClr val="accent1"/>
+              </a:effectRef>
+              <a:fontRef idx="minor">
+                <a:schemeClr val="lt1"/>
+              </a:fontRef>
+            </p:style>
+            <p:txBody>
+              <a:bodyPr rtlCol="0" anchor="ctr"/>
+              <a:lstStyle/>
+              <a:p>
+                <a:pPr algn="ctr"/>
+                <a:endParaRPr kumimoji="1" lang="ja-JP" altLang="en-US"/>
+              </a:p>
+            </p:txBody>
+          </p:sp>
+          <p:sp>
+            <p:nvSpPr>
+              <p:cNvPr id="61" name="正方形/長方形 60"/>
+              <p:cNvSpPr/>
+              <p:nvPr/>
+            </p:nvSpPr>
+            <p:spPr>
+              <a:xfrm>
+                <a:off x="9354068" y="1610494"/>
+                <a:ext cx="98853" cy="98853"/>
+              </a:xfrm>
+              <a:prstGeom prst="rect">
+                <a:avLst/>
+              </a:prstGeom>
+              <a:solidFill>
+                <a:schemeClr val="bg2"/>
+              </a:solidFill>
+              <a:ln>
+                <a:solidFill>
+                  <a:schemeClr val="bg2"/>
+                </a:solidFill>
+              </a:ln>
+            </p:spPr>
+            <p:style>
+              <a:lnRef idx="2">
+                <a:schemeClr val="accent1">
+                  <a:shade val="50000"/>
+                </a:schemeClr>
+              </a:lnRef>
+              <a:fillRef idx="1">
+                <a:schemeClr val="accent1"/>
+              </a:fillRef>
+              <a:effectRef idx="0">
+                <a:schemeClr val="accent1"/>
+              </a:effectRef>
+              <a:fontRef idx="minor">
+                <a:schemeClr val="lt1"/>
+              </a:fontRef>
+            </p:style>
+            <p:txBody>
+              <a:bodyPr rtlCol="0" anchor="ctr"/>
+              <a:lstStyle/>
+              <a:p>
+                <a:pPr algn="ctr"/>
+                <a:endParaRPr kumimoji="1" lang="ja-JP" altLang="en-US"/>
+              </a:p>
+            </p:txBody>
+          </p:sp>
+        </p:grpSp>
+        <p:grpSp>
+          <p:nvGrpSpPr>
+            <p:cNvPr id="27" name="グループ化 26"/>
+            <p:cNvGrpSpPr/>
+            <p:nvPr/>
+          </p:nvGrpSpPr>
+          <p:grpSpPr>
+            <a:xfrm>
+              <a:off x="9672748" y="2929336"/>
+              <a:ext cx="1619415" cy="996776"/>
+              <a:chOff x="7860424" y="1564483"/>
+              <a:chExt cx="1619415" cy="996776"/>
+            </a:xfrm>
+          </p:grpSpPr>
+          <p:sp>
+            <p:nvSpPr>
+              <p:cNvPr id="52" name="正方形/長方形 51"/>
+              <p:cNvSpPr/>
+              <p:nvPr/>
+            </p:nvSpPr>
+            <p:spPr>
+              <a:xfrm>
+                <a:off x="7860424" y="1564483"/>
+                <a:ext cx="1619415" cy="996776"/>
+              </a:xfrm>
+              <a:prstGeom prst="rect">
+                <a:avLst/>
+              </a:prstGeom>
+            </p:spPr>
+            <p:style>
+              <a:lnRef idx="2">
+                <a:schemeClr val="accent1">
+                  <a:shade val="50000"/>
+                </a:schemeClr>
+              </a:lnRef>
+              <a:fillRef idx="1">
+                <a:schemeClr val="accent1"/>
+              </a:fillRef>
+              <a:effectRef idx="0">
+                <a:schemeClr val="accent1"/>
+              </a:effectRef>
+              <a:fontRef idx="minor">
+                <a:schemeClr val="lt1"/>
+              </a:fontRef>
+            </p:style>
+            <p:txBody>
+              <a:bodyPr rtlCol="0" anchor="ctr"/>
+              <a:lstStyle/>
+              <a:p>
+                <a:pPr algn="ctr"/>
+                <a:endParaRPr kumimoji="1" lang="ja-JP" altLang="en-US"/>
+              </a:p>
+            </p:txBody>
+          </p:sp>
+          <p:sp>
+            <p:nvSpPr>
+              <p:cNvPr id="53" name="正方形/長方形 52"/>
+              <p:cNvSpPr/>
+              <p:nvPr/>
+            </p:nvSpPr>
+            <p:spPr>
+              <a:xfrm>
+                <a:off x="7860424" y="1738184"/>
+                <a:ext cx="1619415" cy="823074"/>
+              </a:xfrm>
+              <a:prstGeom prst="rect">
+                <a:avLst/>
+              </a:prstGeom>
+              <a:solidFill>
+                <a:schemeClr val="tx1"/>
+              </a:solidFill>
+              <a:ln>
+                <a:solidFill>
+                  <a:schemeClr val="tx1"/>
+                </a:solidFill>
+              </a:ln>
+            </p:spPr>
+            <p:style>
+              <a:lnRef idx="2">
+                <a:schemeClr val="accent1">
+                  <a:shade val="50000"/>
+                </a:schemeClr>
+              </a:lnRef>
+              <a:fillRef idx="1">
+                <a:schemeClr val="accent1"/>
+              </a:fillRef>
+              <a:effectRef idx="0">
+                <a:schemeClr val="accent1"/>
+              </a:effectRef>
+              <a:fontRef idx="minor">
+                <a:schemeClr val="lt1"/>
+              </a:fontRef>
+            </p:style>
+            <p:txBody>
+              <a:bodyPr rtlCol="0" anchor="ctr"/>
+              <a:lstStyle/>
+              <a:p>
+                <a:pPr algn="ctr"/>
+                <a:endParaRPr kumimoji="1" lang="ja-JP" altLang="en-US"/>
+              </a:p>
+            </p:txBody>
+          </p:sp>
+          <p:sp>
+            <p:nvSpPr>
+              <p:cNvPr id="54" name="正方形/長方形 53"/>
+              <p:cNvSpPr/>
+              <p:nvPr/>
+            </p:nvSpPr>
+            <p:spPr>
+              <a:xfrm>
+                <a:off x="9053384" y="1606378"/>
+                <a:ext cx="98853" cy="98853"/>
+              </a:xfrm>
+              <a:prstGeom prst="rect">
+                <a:avLst/>
+              </a:prstGeom>
+              <a:solidFill>
+                <a:schemeClr val="bg2"/>
+              </a:solidFill>
+              <a:ln>
+                <a:solidFill>
+                  <a:schemeClr val="bg2"/>
+                </a:solidFill>
+              </a:ln>
+            </p:spPr>
+            <p:style>
+              <a:lnRef idx="2">
+                <a:schemeClr val="accent1">
+                  <a:shade val="50000"/>
+                </a:schemeClr>
+              </a:lnRef>
+              <a:fillRef idx="1">
+                <a:schemeClr val="accent1"/>
+              </a:fillRef>
+              <a:effectRef idx="0">
+                <a:schemeClr val="accent1"/>
+              </a:effectRef>
+              <a:fontRef idx="minor">
+                <a:schemeClr val="lt1"/>
+              </a:fontRef>
+            </p:style>
+            <p:txBody>
+              <a:bodyPr rtlCol="0" anchor="ctr"/>
+              <a:lstStyle/>
+              <a:p>
+                <a:pPr algn="ctr"/>
+                <a:endParaRPr kumimoji="1" lang="ja-JP" altLang="en-US"/>
+              </a:p>
+            </p:txBody>
+          </p:sp>
+          <p:sp>
+            <p:nvSpPr>
+              <p:cNvPr id="55" name="正方形/長方形 54"/>
+              <p:cNvSpPr/>
+              <p:nvPr/>
+            </p:nvSpPr>
+            <p:spPr>
+              <a:xfrm>
+                <a:off x="9205784" y="1610495"/>
+                <a:ext cx="98853" cy="98853"/>
+              </a:xfrm>
+              <a:prstGeom prst="rect">
+                <a:avLst/>
+              </a:prstGeom>
+              <a:solidFill>
+                <a:schemeClr val="bg2"/>
+              </a:solidFill>
+              <a:ln>
+                <a:solidFill>
+                  <a:schemeClr val="bg2"/>
+                </a:solidFill>
+              </a:ln>
+            </p:spPr>
+            <p:style>
+              <a:lnRef idx="2">
+                <a:schemeClr val="accent1">
+                  <a:shade val="50000"/>
+                </a:schemeClr>
+              </a:lnRef>
+              <a:fillRef idx="1">
+                <a:schemeClr val="accent1"/>
+              </a:fillRef>
+              <a:effectRef idx="0">
+                <a:schemeClr val="accent1"/>
+              </a:effectRef>
+              <a:fontRef idx="minor">
+                <a:schemeClr val="lt1"/>
+              </a:fontRef>
+            </p:style>
+            <p:txBody>
+              <a:bodyPr rtlCol="0" anchor="ctr"/>
+              <a:lstStyle/>
+              <a:p>
+                <a:pPr algn="ctr"/>
+                <a:endParaRPr kumimoji="1" lang="ja-JP" altLang="en-US"/>
+              </a:p>
+            </p:txBody>
+          </p:sp>
+          <p:sp>
+            <p:nvSpPr>
+              <p:cNvPr id="56" name="正方形/長方形 55"/>
+              <p:cNvSpPr/>
+              <p:nvPr/>
+            </p:nvSpPr>
+            <p:spPr>
+              <a:xfrm>
+                <a:off x="9354068" y="1610494"/>
+                <a:ext cx="98853" cy="98853"/>
+              </a:xfrm>
+              <a:prstGeom prst="rect">
+                <a:avLst/>
+              </a:prstGeom>
+              <a:solidFill>
+                <a:schemeClr val="bg2"/>
+              </a:solidFill>
+              <a:ln>
+                <a:solidFill>
+                  <a:schemeClr val="bg2"/>
+                </a:solidFill>
+              </a:ln>
+            </p:spPr>
+            <p:style>
+              <a:lnRef idx="2">
+                <a:schemeClr val="accent1">
+                  <a:shade val="50000"/>
+                </a:schemeClr>
+              </a:lnRef>
+              <a:fillRef idx="1">
+                <a:schemeClr val="accent1"/>
+              </a:fillRef>
+              <a:effectRef idx="0">
+                <a:schemeClr val="accent1"/>
+              </a:effectRef>
+              <a:fontRef idx="minor">
+                <a:schemeClr val="lt1"/>
+              </a:fontRef>
+            </p:style>
+            <p:txBody>
+              <a:bodyPr rtlCol="0" anchor="ctr"/>
+              <a:lstStyle/>
+              <a:p>
+                <a:pPr algn="ctr"/>
+                <a:endParaRPr kumimoji="1" lang="ja-JP" altLang="en-US"/>
+              </a:p>
+            </p:txBody>
+          </p:sp>
+        </p:grpSp>
+        <p:sp>
+          <p:nvSpPr>
+            <p:cNvPr id="28" name="テキスト ボックス 27"/>
             <p:cNvSpPr txBox="1"/>
             <p:nvPr/>
           </p:nvSpPr>
           <p:spPr>
             <a:xfrm>
-              <a:off x="828303" y="13950325"/>
-              <a:ext cx="1672253" cy="984885"/>
+              <a:off x="8696384" y="1418956"/>
+              <a:ext cx="868038" cy="654950"/>
             </a:xfrm>
             <a:prstGeom prst="rect">
               <a:avLst/>
@@ -4502,29 +5392,1421 @@
             <a:lstStyle/>
             <a:p>
               <a:r>
-                <a:rPr kumimoji="1" lang="ja-JP" altLang="en-US" dirty="0" smtClean="0">
-                  <a:latin typeface="+mj-ea"/>
-                  <a:ea typeface="+mj-ea"/>
-                </a:rPr>
-                <a:t>方法</a:t>
-              </a:r>
-              <a:endParaRPr kumimoji="1" lang="ja-JP" altLang="en-US" dirty="0">
-                <a:latin typeface="+mj-ea"/>
-                <a:ea typeface="+mj-ea"/>
-              </a:endParaRPr>
+                <a:rPr kumimoji="1" lang="en-US" altLang="ja-JP" sz="1800" dirty="0" smtClean="0"/>
+                <a:t>Clone</a:t>
+              </a:r>
+            </a:p>
+            <a:p>
+              <a:r>
+                <a:rPr lang="en-US" altLang="ja-JP" sz="1800" dirty="0" smtClean="0"/>
+                <a:t>(</a:t>
+              </a:r>
+              <a:r>
+                <a:rPr lang="ja-JP" altLang="en-US" sz="1800" dirty="0" smtClean="0"/>
+                <a:t>ローカルに</a:t>
+              </a:r>
+              <a:endParaRPr lang="en-US" altLang="ja-JP" sz="1800" dirty="0" smtClean="0"/>
+            </a:p>
+            <a:p>
+              <a:r>
+                <a:rPr lang="ja-JP" altLang="en-US" sz="1800" dirty="0" smtClean="0"/>
+                <a:t>　コピー</a:t>
+              </a:r>
+              <a:r>
+                <a:rPr lang="en-US" altLang="ja-JP" sz="1800" dirty="0" smtClean="0"/>
+                <a:t>)</a:t>
+              </a:r>
+              <a:endParaRPr kumimoji="1" lang="ja-JP" altLang="en-US" sz="1800" dirty="0"/>
             </a:p>
           </p:txBody>
         </p:sp>
         <p:sp>
           <p:nvSpPr>
-            <p:cNvPr id="18" name="角丸四角形 17"/>
+            <p:cNvPr id="29" name="テキスト ボックス 28"/>
+            <p:cNvSpPr txBox="1"/>
+            <p:nvPr/>
+          </p:nvSpPr>
+          <p:spPr>
+            <a:xfrm>
+              <a:off x="8696384" y="2520952"/>
+              <a:ext cx="806655" cy="654950"/>
+            </a:xfrm>
+            <a:prstGeom prst="rect">
+              <a:avLst/>
+            </a:prstGeom>
+            <a:noFill/>
+          </p:spPr>
+          <p:txBody>
+            <a:bodyPr wrap="none" rtlCol="0">
+              <a:spAutoFit/>
+            </a:bodyPr>
+            <a:lstStyle/>
+            <a:p>
+              <a:r>
+                <a:rPr kumimoji="1" lang="en-US" altLang="ja-JP" sz="1800" dirty="0" smtClean="0"/>
+                <a:t>Push</a:t>
+              </a:r>
+            </a:p>
+            <a:p>
+              <a:r>
+                <a:rPr lang="en-US" altLang="ja-JP" sz="1800" dirty="0" smtClean="0"/>
+                <a:t>(</a:t>
+              </a:r>
+              <a:r>
+                <a:rPr lang="ja-JP" altLang="en-US" sz="1800" dirty="0" smtClean="0"/>
+                <a:t>リモートに</a:t>
+              </a:r>
+              <a:endParaRPr lang="en-US" altLang="ja-JP" sz="1800" dirty="0" smtClean="0"/>
+            </a:p>
+            <a:p>
+              <a:r>
+                <a:rPr lang="ja-JP" altLang="en-US" sz="1800" dirty="0"/>
+                <a:t>　</a:t>
+              </a:r>
+              <a:r>
+                <a:rPr lang="ja-JP" altLang="en-US" sz="1800" dirty="0" smtClean="0"/>
+                <a:t>反映</a:t>
+              </a:r>
+              <a:r>
+                <a:rPr lang="en-US" altLang="ja-JP" sz="1800" dirty="0" smtClean="0"/>
+                <a:t>)</a:t>
+              </a:r>
+              <a:endParaRPr kumimoji="1" lang="ja-JP" altLang="en-US" sz="1800" dirty="0"/>
+            </a:p>
+          </p:txBody>
+        </p:sp>
+        <p:sp>
+          <p:nvSpPr>
+            <p:cNvPr id="30" name="テキスト ボックス 29"/>
+            <p:cNvSpPr txBox="1"/>
+            <p:nvPr/>
+          </p:nvSpPr>
+          <p:spPr>
+            <a:xfrm>
+              <a:off x="7298774" y="2610685"/>
+              <a:ext cx="673052" cy="261980"/>
+            </a:xfrm>
+            <a:prstGeom prst="rect">
+              <a:avLst/>
+            </a:prstGeom>
+            <a:noFill/>
+          </p:spPr>
+          <p:txBody>
+            <a:bodyPr wrap="none" rtlCol="0">
+              <a:spAutoFit/>
+            </a:bodyPr>
+            <a:lstStyle/>
+            <a:p>
+              <a:r>
+                <a:rPr kumimoji="1" lang="en-US" altLang="ja-JP" sz="1800" dirty="0" smtClean="0"/>
+                <a:t>@</a:t>
+              </a:r>
+              <a:r>
+                <a:rPr kumimoji="1" lang="en-US" altLang="ja-JP" sz="1800" dirty="0" err="1" smtClean="0"/>
+                <a:t>tanaka</a:t>
+              </a:r>
+              <a:endParaRPr kumimoji="1" lang="ja-JP" altLang="en-US" sz="1800" dirty="0"/>
+            </a:p>
+          </p:txBody>
+        </p:sp>
+        <p:sp>
+          <p:nvSpPr>
+            <p:cNvPr id="31" name="テキスト ボックス 30"/>
+            <p:cNvSpPr txBox="1"/>
+            <p:nvPr/>
+          </p:nvSpPr>
+          <p:spPr>
+            <a:xfrm>
+              <a:off x="7313856" y="3697765"/>
+              <a:ext cx="519087" cy="261980"/>
+            </a:xfrm>
+            <a:prstGeom prst="rect">
+              <a:avLst/>
+            </a:prstGeom>
+            <a:noFill/>
+          </p:spPr>
+          <p:txBody>
+            <a:bodyPr wrap="none" rtlCol="0">
+              <a:spAutoFit/>
+            </a:bodyPr>
+            <a:lstStyle/>
+            <a:p>
+              <a:r>
+                <a:rPr lang="en-US" altLang="ja-JP" sz="1800" dirty="0" smtClean="0"/>
+                <a:t>@</a:t>
+              </a:r>
+              <a:r>
+                <a:rPr lang="en-US" altLang="ja-JP" sz="1800" dirty="0" err="1" smtClean="0"/>
+                <a:t>sato</a:t>
+              </a:r>
+              <a:endParaRPr kumimoji="1" lang="ja-JP" altLang="en-US" sz="1800" dirty="0"/>
+            </a:p>
+          </p:txBody>
+        </p:sp>
+        <p:sp>
+          <p:nvSpPr>
+            <p:cNvPr id="32" name="テキスト ボックス 31"/>
+            <p:cNvSpPr txBox="1"/>
+            <p:nvPr/>
+          </p:nvSpPr>
+          <p:spPr>
+            <a:xfrm>
+              <a:off x="7298774" y="4761400"/>
+              <a:ext cx="641852" cy="261980"/>
+            </a:xfrm>
+            <a:prstGeom prst="rect">
+              <a:avLst/>
+            </a:prstGeom>
+            <a:noFill/>
+          </p:spPr>
+          <p:txBody>
+            <a:bodyPr wrap="none" rtlCol="0">
+              <a:spAutoFit/>
+            </a:bodyPr>
+            <a:lstStyle/>
+            <a:p>
+              <a:r>
+                <a:rPr lang="en-US" altLang="ja-JP" sz="1800" dirty="0" smtClean="0"/>
+                <a:t>@</a:t>
+              </a:r>
+              <a:r>
+                <a:rPr lang="en-US" altLang="ja-JP" sz="1800" dirty="0" err="1" smtClean="0"/>
+                <a:t>suzuki</a:t>
+              </a:r>
+              <a:endParaRPr kumimoji="1" lang="ja-JP" altLang="en-US" sz="1800" dirty="0"/>
+            </a:p>
+          </p:txBody>
+        </p:sp>
+        <p:sp>
+          <p:nvSpPr>
+            <p:cNvPr id="33" name="テキスト ボックス 32"/>
+            <p:cNvSpPr txBox="1"/>
+            <p:nvPr/>
+          </p:nvSpPr>
+          <p:spPr>
+            <a:xfrm>
+              <a:off x="5474739" y="1899505"/>
+              <a:ext cx="614040" cy="458465"/>
+            </a:xfrm>
+            <a:prstGeom prst="rect">
+              <a:avLst/>
+            </a:prstGeom>
+            <a:noFill/>
+          </p:spPr>
+          <p:txBody>
+            <a:bodyPr wrap="none" rtlCol="0">
+              <a:spAutoFit/>
+            </a:bodyPr>
+            <a:lstStyle/>
+            <a:p>
+              <a:r>
+                <a:rPr kumimoji="1" lang="ja-JP" altLang="en-US" sz="1800" dirty="0" smtClean="0"/>
+                <a:t>　</a:t>
+              </a:r>
+              <a:r>
+                <a:rPr kumimoji="1" lang="en-US" altLang="ja-JP" sz="1800" dirty="0" smtClean="0"/>
+                <a:t>Fork</a:t>
+              </a:r>
+            </a:p>
+            <a:p>
+              <a:r>
+                <a:rPr lang="en-US" altLang="ja-JP" sz="1800" dirty="0" smtClean="0"/>
+                <a:t>(</a:t>
+              </a:r>
+              <a:r>
+                <a:rPr lang="ja-JP" altLang="en-US" sz="1800" dirty="0" smtClean="0"/>
+                <a:t>コピー</a:t>
+              </a:r>
+              <a:r>
+                <a:rPr lang="en-US" altLang="ja-JP" sz="1800" dirty="0" smtClean="0"/>
+                <a:t>)</a:t>
+              </a:r>
+              <a:endParaRPr kumimoji="1" lang="ja-JP" altLang="en-US" sz="1800" dirty="0"/>
+            </a:p>
+          </p:txBody>
+        </p:sp>
+        <p:sp>
+          <p:nvSpPr>
+            <p:cNvPr id="34" name="テキスト ボックス 33"/>
+            <p:cNvSpPr txBox="1"/>
+            <p:nvPr/>
+          </p:nvSpPr>
+          <p:spPr>
+            <a:xfrm>
+              <a:off x="5268728" y="4350340"/>
+              <a:ext cx="954821" cy="458465"/>
+            </a:xfrm>
+            <a:prstGeom prst="rect">
+              <a:avLst/>
+            </a:prstGeom>
+            <a:noFill/>
+          </p:spPr>
+          <p:txBody>
+            <a:bodyPr wrap="none" rtlCol="0">
+              <a:spAutoFit/>
+            </a:bodyPr>
+            <a:lstStyle/>
+            <a:p>
+              <a:r>
+                <a:rPr lang="en-US" altLang="ja-JP" sz="1800" dirty="0" smtClean="0"/>
+                <a:t>Pull Request</a:t>
+              </a:r>
+            </a:p>
+            <a:p>
+              <a:r>
+                <a:rPr kumimoji="1" lang="en-US" altLang="ja-JP" sz="1800" dirty="0" smtClean="0"/>
+                <a:t>(</a:t>
+              </a:r>
+              <a:r>
+                <a:rPr kumimoji="1" lang="ja-JP" altLang="en-US" sz="1800" dirty="0" smtClean="0"/>
+                <a:t>変更を提案</a:t>
+              </a:r>
+              <a:r>
+                <a:rPr kumimoji="1" lang="en-US" altLang="ja-JP" sz="1800" dirty="0" smtClean="0"/>
+                <a:t>)</a:t>
+              </a:r>
+              <a:endParaRPr kumimoji="1" lang="ja-JP" altLang="en-US" sz="1800" dirty="0"/>
+            </a:p>
+          </p:txBody>
+        </p:sp>
+        <p:sp>
+          <p:nvSpPr>
+            <p:cNvPr id="35" name="テキスト ボックス 34"/>
+            <p:cNvSpPr txBox="1"/>
+            <p:nvPr/>
+          </p:nvSpPr>
+          <p:spPr>
+            <a:xfrm>
+              <a:off x="4180149" y="3723502"/>
+              <a:ext cx="858513" cy="261980"/>
+            </a:xfrm>
+            <a:prstGeom prst="rect">
+              <a:avLst/>
+            </a:prstGeom>
+            <a:noFill/>
+          </p:spPr>
+          <p:txBody>
+            <a:bodyPr wrap="none" rtlCol="0">
+              <a:spAutoFit/>
+            </a:bodyPr>
+            <a:lstStyle/>
+            <a:p>
+              <a:r>
+                <a:rPr kumimoji="1" lang="ja-JP" altLang="en-US" sz="1800" dirty="0" smtClean="0"/>
+                <a:t>プロジェクト</a:t>
+              </a:r>
+              <a:endParaRPr kumimoji="1" lang="ja-JP" altLang="en-US" sz="1800" dirty="0"/>
+            </a:p>
+          </p:txBody>
+        </p:sp>
+        <p:sp>
+          <p:nvSpPr>
+            <p:cNvPr id="36" name="右矢印 35"/>
+            <p:cNvSpPr/>
+            <p:nvPr/>
+          </p:nvSpPr>
+          <p:spPr>
+            <a:xfrm rot="10800000">
+              <a:off x="2390319" y="3070084"/>
+              <a:ext cx="1449859" cy="461318"/>
+            </a:xfrm>
+            <a:prstGeom prst="rightArrow">
+              <a:avLst/>
+            </a:prstGeom>
+          </p:spPr>
+          <p:style>
+            <a:lnRef idx="2">
+              <a:schemeClr val="accent1">
+                <a:shade val="50000"/>
+              </a:schemeClr>
+            </a:lnRef>
+            <a:fillRef idx="1">
+              <a:schemeClr val="accent1"/>
+            </a:fillRef>
+            <a:effectRef idx="0">
+              <a:schemeClr val="accent1"/>
+            </a:effectRef>
+            <a:fontRef idx="minor">
+              <a:schemeClr val="lt1"/>
+            </a:fontRef>
+          </p:style>
+          <p:txBody>
+            <a:bodyPr rtlCol="0" anchor="ctr"/>
+            <a:lstStyle/>
+            <a:p>
+              <a:pPr algn="ctr"/>
+              <a:endParaRPr kumimoji="1" lang="ja-JP" altLang="en-US"/>
+            </a:p>
+          </p:txBody>
+        </p:sp>
+        <p:sp>
+          <p:nvSpPr>
+            <p:cNvPr id="37" name="テキスト ボックス 36"/>
+            <p:cNvSpPr txBox="1"/>
+            <p:nvPr/>
+          </p:nvSpPr>
+          <p:spPr>
+            <a:xfrm>
+              <a:off x="2693293" y="2577809"/>
+              <a:ext cx="1069119" cy="654950"/>
+            </a:xfrm>
+            <a:prstGeom prst="rect">
+              <a:avLst/>
+            </a:prstGeom>
+            <a:noFill/>
+          </p:spPr>
+          <p:txBody>
+            <a:bodyPr wrap="none" rtlCol="0">
+              <a:spAutoFit/>
+            </a:bodyPr>
+            <a:lstStyle/>
+            <a:p>
+              <a:r>
+                <a:rPr kumimoji="1" lang="en-US" altLang="ja-JP" sz="1800" dirty="0" err="1" smtClean="0"/>
+                <a:t>GHTorrent</a:t>
+              </a:r>
+              <a:r>
+                <a:rPr kumimoji="1" lang="ja-JP" altLang="en-US" sz="1800" dirty="0" smtClean="0"/>
+                <a:t>使用</a:t>
+              </a:r>
+              <a:endParaRPr kumimoji="1" lang="en-US" altLang="ja-JP" sz="1800" dirty="0" smtClean="0"/>
+            </a:p>
+            <a:p>
+              <a:r>
+                <a:rPr lang="en-US" altLang="ja-JP" sz="1800" dirty="0" smtClean="0"/>
+                <a:t>(</a:t>
+              </a:r>
+              <a:r>
+                <a:rPr lang="ja-JP" altLang="en-US" sz="1800" dirty="0" smtClean="0"/>
+                <a:t>プロジェクトの</a:t>
+              </a:r>
+              <a:endParaRPr lang="en-US" altLang="ja-JP" sz="1800" dirty="0" smtClean="0"/>
+            </a:p>
+            <a:p>
+              <a:r>
+                <a:rPr lang="ja-JP" altLang="en-US" sz="1800" dirty="0" smtClean="0"/>
+                <a:t>  データ取得</a:t>
+              </a:r>
+              <a:r>
+                <a:rPr lang="en-US" altLang="ja-JP" sz="1800" dirty="0" smtClean="0"/>
+                <a:t>)</a:t>
+              </a:r>
+              <a:endParaRPr kumimoji="1" lang="ja-JP" altLang="en-US" sz="1800" dirty="0"/>
+            </a:p>
+          </p:txBody>
+        </p:sp>
+        <p:sp>
+          <p:nvSpPr>
+            <p:cNvPr id="38" name="円柱 37"/>
             <p:cNvSpPr/>
             <p:nvPr/>
           </p:nvSpPr>
           <p:spPr>
             <a:xfrm>
-              <a:off x="847682" y="14300412"/>
-              <a:ext cx="11981791" cy="538517"/>
+              <a:off x="1036650" y="2760377"/>
+              <a:ext cx="1070919" cy="1224735"/>
+            </a:xfrm>
+            <a:prstGeom prst="can">
+              <a:avLst/>
+            </a:prstGeom>
+          </p:spPr>
+          <p:style>
+            <a:lnRef idx="2">
+              <a:schemeClr val="accent1">
+                <a:shade val="50000"/>
+              </a:schemeClr>
+            </a:lnRef>
+            <a:fillRef idx="1">
+              <a:schemeClr val="accent1"/>
+            </a:fillRef>
+            <a:effectRef idx="0">
+              <a:schemeClr val="accent1"/>
+            </a:effectRef>
+            <a:fontRef idx="minor">
+              <a:schemeClr val="lt1"/>
+            </a:fontRef>
+          </p:style>
+          <p:txBody>
+            <a:bodyPr rtlCol="0" anchor="ctr"/>
+            <a:lstStyle/>
+            <a:p>
+              <a:pPr algn="ctr"/>
+              <a:r>
+                <a:rPr kumimoji="1" lang="ja-JP" altLang="en-US" sz="1800" dirty="0" smtClean="0">
+                  <a:solidFill>
+                    <a:schemeClr val="tx1"/>
+                  </a:solidFill>
+                </a:rPr>
+                <a:t>データベース</a:t>
+              </a:r>
+              <a:endParaRPr kumimoji="1" lang="ja-JP" altLang="en-US" sz="1800" dirty="0">
+                <a:solidFill>
+                  <a:schemeClr val="tx1"/>
+                </a:solidFill>
+              </a:endParaRPr>
+            </a:p>
+          </p:txBody>
+        </p:sp>
+        <p:grpSp>
+          <p:nvGrpSpPr>
+            <p:cNvPr id="39" name="グループ化 38"/>
+            <p:cNvGrpSpPr/>
+            <p:nvPr/>
+          </p:nvGrpSpPr>
+          <p:grpSpPr>
+            <a:xfrm>
+              <a:off x="9404173" y="4193325"/>
+              <a:ext cx="1914619" cy="1078887"/>
+              <a:chOff x="8316775" y="5396053"/>
+              <a:chExt cx="1914619" cy="1078887"/>
+            </a:xfrm>
+          </p:grpSpPr>
+          <p:grpSp>
+            <p:nvGrpSpPr>
+              <p:cNvPr id="41" name="グループ化 40"/>
+              <p:cNvGrpSpPr/>
+              <p:nvPr/>
+            </p:nvGrpSpPr>
+            <p:grpSpPr>
+              <a:xfrm>
+                <a:off x="8316775" y="5396053"/>
+                <a:ext cx="1914619" cy="1078887"/>
+                <a:chOff x="4733307" y="2646796"/>
+                <a:chExt cx="1876314" cy="1004474"/>
+              </a:xfrm>
+            </p:grpSpPr>
+            <p:sp>
+              <p:nvSpPr>
+                <p:cNvPr id="45" name="正方形/長方形 44"/>
+                <p:cNvSpPr/>
+                <p:nvPr/>
+              </p:nvSpPr>
+              <p:spPr>
+                <a:xfrm>
+                  <a:off x="4733307" y="2646796"/>
+                  <a:ext cx="1876313" cy="1004474"/>
+                </a:xfrm>
+                <a:prstGeom prst="rect">
+                  <a:avLst/>
+                </a:prstGeom>
+                <a:solidFill>
+                  <a:schemeClr val="bg1">
+                    <a:lumMod val="50000"/>
+                  </a:schemeClr>
+                </a:solidFill>
+                <a:ln>
+                  <a:solidFill>
+                    <a:schemeClr val="bg1">
+                      <a:lumMod val="50000"/>
+                    </a:schemeClr>
+                  </a:solidFill>
+                </a:ln>
+              </p:spPr>
+              <p:style>
+                <a:lnRef idx="2">
+                  <a:schemeClr val="accent1">
+                    <a:shade val="50000"/>
+                  </a:schemeClr>
+                </a:lnRef>
+                <a:fillRef idx="1">
+                  <a:schemeClr val="accent1"/>
+                </a:fillRef>
+                <a:effectRef idx="0">
+                  <a:schemeClr val="accent1"/>
+                </a:effectRef>
+                <a:fontRef idx="minor">
+                  <a:schemeClr val="lt1"/>
+                </a:fontRef>
+              </p:style>
+              <p:txBody>
+                <a:bodyPr rtlCol="0" anchor="ctr"/>
+                <a:lstStyle/>
+                <a:p>
+                  <a:pPr algn="ctr"/>
+                  <a:endParaRPr kumimoji="1" lang="ja-JP" altLang="en-US"/>
+                </a:p>
+              </p:txBody>
+            </p:sp>
+            <p:sp>
+              <p:nvSpPr>
+                <p:cNvPr id="46" name="正方形/長方形 45"/>
+                <p:cNvSpPr/>
+                <p:nvPr/>
+              </p:nvSpPr>
+              <p:spPr>
+                <a:xfrm>
+                  <a:off x="4733307" y="2842054"/>
+                  <a:ext cx="1876313" cy="809215"/>
+                </a:xfrm>
+                <a:prstGeom prst="rect">
+                  <a:avLst/>
+                </a:prstGeom>
+                <a:solidFill>
+                  <a:schemeClr val="bg1">
+                    <a:lumMod val="65000"/>
+                  </a:schemeClr>
+                </a:solidFill>
+                <a:ln>
+                  <a:solidFill>
+                    <a:schemeClr val="bg1">
+                      <a:lumMod val="65000"/>
+                    </a:schemeClr>
+                  </a:solidFill>
+                </a:ln>
+              </p:spPr>
+              <p:style>
+                <a:lnRef idx="2">
+                  <a:schemeClr val="accent1">
+                    <a:shade val="50000"/>
+                  </a:schemeClr>
+                </a:lnRef>
+                <a:fillRef idx="1">
+                  <a:schemeClr val="accent1"/>
+                </a:fillRef>
+                <a:effectRef idx="0">
+                  <a:schemeClr val="accent1"/>
+                </a:effectRef>
+                <a:fontRef idx="minor">
+                  <a:schemeClr val="lt1"/>
+                </a:fontRef>
+              </p:style>
+              <p:txBody>
+                <a:bodyPr rtlCol="0" anchor="ctr"/>
+                <a:lstStyle/>
+                <a:p>
+                  <a:pPr algn="ctr"/>
+                  <a:endParaRPr kumimoji="1" lang="ja-JP" altLang="en-US"/>
+                </a:p>
+              </p:txBody>
+            </p:sp>
+            <p:sp>
+              <p:nvSpPr>
+                <p:cNvPr id="47" name="正方形/長方形 46"/>
+                <p:cNvSpPr/>
+                <p:nvPr/>
+              </p:nvSpPr>
+              <p:spPr>
+                <a:xfrm>
+                  <a:off x="4733307" y="2842054"/>
+                  <a:ext cx="45719" cy="809216"/>
+                </a:xfrm>
+                <a:prstGeom prst="rect">
+                  <a:avLst/>
+                </a:prstGeom>
+                <a:solidFill>
+                  <a:schemeClr val="bg1">
+                    <a:lumMod val="50000"/>
+                  </a:schemeClr>
+                </a:solidFill>
+                <a:ln>
+                  <a:solidFill>
+                    <a:schemeClr val="bg1">
+                      <a:lumMod val="50000"/>
+                    </a:schemeClr>
+                  </a:solidFill>
+                </a:ln>
+              </p:spPr>
+              <p:style>
+                <a:lnRef idx="2">
+                  <a:schemeClr val="accent1">
+                    <a:shade val="50000"/>
+                  </a:schemeClr>
+                </a:lnRef>
+                <a:fillRef idx="1">
+                  <a:schemeClr val="accent1"/>
+                </a:fillRef>
+                <a:effectRef idx="0">
+                  <a:schemeClr val="accent1"/>
+                </a:effectRef>
+                <a:fontRef idx="minor">
+                  <a:schemeClr val="lt1"/>
+                </a:fontRef>
+              </p:style>
+              <p:txBody>
+                <a:bodyPr rtlCol="0" anchor="ctr"/>
+                <a:lstStyle/>
+                <a:p>
+                  <a:pPr algn="ctr"/>
+                  <a:endParaRPr kumimoji="1" lang="ja-JP" altLang="en-US"/>
+                </a:p>
+              </p:txBody>
+            </p:sp>
+            <p:sp>
+              <p:nvSpPr>
+                <p:cNvPr id="48" name="正方形/長方形 47"/>
+                <p:cNvSpPr/>
+                <p:nvPr/>
+              </p:nvSpPr>
+              <p:spPr>
+                <a:xfrm>
+                  <a:off x="5190503" y="2837932"/>
+                  <a:ext cx="45719" cy="809216"/>
+                </a:xfrm>
+                <a:prstGeom prst="rect">
+                  <a:avLst/>
+                </a:prstGeom>
+                <a:solidFill>
+                  <a:schemeClr val="bg1">
+                    <a:lumMod val="50000"/>
+                  </a:schemeClr>
+                </a:solidFill>
+                <a:ln>
+                  <a:solidFill>
+                    <a:schemeClr val="bg1">
+                      <a:lumMod val="50000"/>
+                    </a:schemeClr>
+                  </a:solidFill>
+                </a:ln>
+              </p:spPr>
+              <p:style>
+                <a:lnRef idx="2">
+                  <a:schemeClr val="accent1">
+                    <a:shade val="50000"/>
+                  </a:schemeClr>
+                </a:lnRef>
+                <a:fillRef idx="1">
+                  <a:schemeClr val="accent1"/>
+                </a:fillRef>
+                <a:effectRef idx="0">
+                  <a:schemeClr val="accent1"/>
+                </a:effectRef>
+                <a:fontRef idx="minor">
+                  <a:schemeClr val="lt1"/>
+                </a:fontRef>
+              </p:style>
+              <p:txBody>
+                <a:bodyPr rtlCol="0" anchor="ctr"/>
+                <a:lstStyle/>
+                <a:p>
+                  <a:pPr algn="ctr"/>
+                  <a:endParaRPr kumimoji="1" lang="ja-JP" altLang="en-US"/>
+                </a:p>
+              </p:txBody>
+            </p:sp>
+            <p:sp>
+              <p:nvSpPr>
+                <p:cNvPr id="49" name="正方形/長方形 48"/>
+                <p:cNvSpPr/>
+                <p:nvPr/>
+              </p:nvSpPr>
+              <p:spPr>
+                <a:xfrm rot="16200000">
+                  <a:off x="5888366" y="2480867"/>
+                  <a:ext cx="45719" cy="1396791"/>
+                </a:xfrm>
+                <a:prstGeom prst="rect">
+                  <a:avLst/>
+                </a:prstGeom>
+                <a:solidFill>
+                  <a:schemeClr val="bg1">
+                    <a:lumMod val="50000"/>
+                  </a:schemeClr>
+                </a:solidFill>
+                <a:ln>
+                  <a:solidFill>
+                    <a:schemeClr val="bg1">
+                      <a:lumMod val="50000"/>
+                    </a:schemeClr>
+                  </a:solidFill>
+                </a:ln>
+              </p:spPr>
+              <p:style>
+                <a:lnRef idx="2">
+                  <a:schemeClr val="accent1">
+                    <a:shade val="50000"/>
+                  </a:schemeClr>
+                </a:lnRef>
+                <a:fillRef idx="1">
+                  <a:schemeClr val="accent1"/>
+                </a:fillRef>
+                <a:effectRef idx="0">
+                  <a:schemeClr val="accent1"/>
+                </a:effectRef>
+                <a:fontRef idx="minor">
+                  <a:schemeClr val="lt1"/>
+                </a:fontRef>
+              </p:style>
+              <p:txBody>
+                <a:bodyPr rtlCol="0" anchor="ctr"/>
+                <a:lstStyle/>
+                <a:p>
+                  <a:pPr algn="ctr"/>
+                  <a:endParaRPr kumimoji="1" lang="ja-JP" altLang="en-US"/>
+                </a:p>
+              </p:txBody>
+            </p:sp>
+            <p:sp>
+              <p:nvSpPr>
+                <p:cNvPr id="50" name="正方形/長方形 49"/>
+                <p:cNvSpPr/>
+                <p:nvPr/>
+              </p:nvSpPr>
+              <p:spPr>
+                <a:xfrm rot="16200000">
+                  <a:off x="5642756" y="2691979"/>
+                  <a:ext cx="45719" cy="1864618"/>
+                </a:xfrm>
+                <a:prstGeom prst="rect">
+                  <a:avLst/>
+                </a:prstGeom>
+                <a:solidFill>
+                  <a:schemeClr val="bg1">
+                    <a:lumMod val="50000"/>
+                  </a:schemeClr>
+                </a:solidFill>
+                <a:ln>
+                  <a:solidFill>
+                    <a:schemeClr val="bg1">
+                      <a:lumMod val="50000"/>
+                    </a:schemeClr>
+                  </a:solidFill>
+                </a:ln>
+              </p:spPr>
+              <p:style>
+                <a:lnRef idx="2">
+                  <a:schemeClr val="accent1">
+                    <a:shade val="50000"/>
+                  </a:schemeClr>
+                </a:lnRef>
+                <a:fillRef idx="1">
+                  <a:schemeClr val="accent1"/>
+                </a:fillRef>
+                <a:effectRef idx="0">
+                  <a:schemeClr val="accent1"/>
+                </a:effectRef>
+                <a:fontRef idx="minor">
+                  <a:schemeClr val="lt1"/>
+                </a:fontRef>
+              </p:style>
+              <p:txBody>
+                <a:bodyPr rtlCol="0" anchor="ctr"/>
+                <a:lstStyle/>
+                <a:p>
+                  <a:pPr algn="ctr"/>
+                  <a:endParaRPr kumimoji="1" lang="ja-JP" altLang="en-US"/>
+                </a:p>
+              </p:txBody>
+            </p:sp>
+            <p:sp>
+              <p:nvSpPr>
+                <p:cNvPr id="51" name="正方形/長方形 50"/>
+                <p:cNvSpPr/>
+                <p:nvPr/>
+              </p:nvSpPr>
+              <p:spPr>
+                <a:xfrm>
+                  <a:off x="6562105" y="2833810"/>
+                  <a:ext cx="45719" cy="809216"/>
+                </a:xfrm>
+                <a:prstGeom prst="rect">
+                  <a:avLst/>
+                </a:prstGeom>
+                <a:solidFill>
+                  <a:schemeClr val="bg1">
+                    <a:lumMod val="50000"/>
+                  </a:schemeClr>
+                </a:solidFill>
+                <a:ln>
+                  <a:solidFill>
+                    <a:schemeClr val="bg1">
+                      <a:lumMod val="50000"/>
+                    </a:schemeClr>
+                  </a:solidFill>
+                </a:ln>
+              </p:spPr>
+              <p:style>
+                <a:lnRef idx="2">
+                  <a:schemeClr val="accent1">
+                    <a:shade val="50000"/>
+                  </a:schemeClr>
+                </a:lnRef>
+                <a:fillRef idx="1">
+                  <a:schemeClr val="accent1"/>
+                </a:fillRef>
+                <a:effectRef idx="0">
+                  <a:schemeClr val="accent1"/>
+                </a:effectRef>
+                <a:fontRef idx="minor">
+                  <a:schemeClr val="lt1"/>
+                </a:fontRef>
+              </p:style>
+              <p:txBody>
+                <a:bodyPr rtlCol="0" anchor="ctr"/>
+                <a:lstStyle/>
+                <a:p>
+                  <a:pPr algn="ctr"/>
+                  <a:endParaRPr kumimoji="1" lang="ja-JP" altLang="en-US"/>
+                </a:p>
+              </p:txBody>
+            </p:sp>
+          </p:grpSp>
+          <p:sp>
+            <p:nvSpPr>
+              <p:cNvPr id="42" name="正方形/長方形 41"/>
+              <p:cNvSpPr/>
+              <p:nvPr/>
+            </p:nvSpPr>
+            <p:spPr>
+              <a:xfrm>
+                <a:off x="9823618" y="5462934"/>
+                <a:ext cx="98853" cy="98853"/>
+              </a:xfrm>
+              <a:prstGeom prst="rect">
+                <a:avLst/>
+              </a:prstGeom>
+              <a:solidFill>
+                <a:schemeClr val="bg2"/>
+              </a:solidFill>
+              <a:ln>
+                <a:solidFill>
+                  <a:schemeClr val="bg2"/>
+                </a:solidFill>
+              </a:ln>
+            </p:spPr>
+            <p:style>
+              <a:lnRef idx="2">
+                <a:schemeClr val="accent1">
+                  <a:shade val="50000"/>
+                </a:schemeClr>
+              </a:lnRef>
+              <a:fillRef idx="1">
+                <a:schemeClr val="accent1"/>
+              </a:fillRef>
+              <a:effectRef idx="0">
+                <a:schemeClr val="accent1"/>
+              </a:effectRef>
+              <a:fontRef idx="minor">
+                <a:schemeClr val="lt1"/>
+              </a:fontRef>
+            </p:style>
+            <p:txBody>
+              <a:bodyPr rtlCol="0" anchor="ctr"/>
+              <a:lstStyle/>
+              <a:p>
+                <a:pPr algn="ctr"/>
+                <a:endParaRPr kumimoji="1" lang="ja-JP" altLang="en-US"/>
+              </a:p>
+            </p:txBody>
+          </p:sp>
+          <p:sp>
+            <p:nvSpPr>
+              <p:cNvPr id="43" name="正方形/長方形 42"/>
+              <p:cNvSpPr/>
+              <p:nvPr/>
+            </p:nvSpPr>
+            <p:spPr>
+              <a:xfrm>
+                <a:off x="9967780" y="5458813"/>
+                <a:ext cx="98853" cy="98853"/>
+              </a:xfrm>
+              <a:prstGeom prst="rect">
+                <a:avLst/>
+              </a:prstGeom>
+              <a:solidFill>
+                <a:schemeClr val="bg2"/>
+              </a:solidFill>
+              <a:ln>
+                <a:solidFill>
+                  <a:schemeClr val="bg2"/>
+                </a:solidFill>
+              </a:ln>
+            </p:spPr>
+            <p:style>
+              <a:lnRef idx="2">
+                <a:schemeClr val="accent1">
+                  <a:shade val="50000"/>
+                </a:schemeClr>
+              </a:lnRef>
+              <a:fillRef idx="1">
+                <a:schemeClr val="accent1"/>
+              </a:fillRef>
+              <a:effectRef idx="0">
+                <a:schemeClr val="accent1"/>
+              </a:effectRef>
+              <a:fontRef idx="minor">
+                <a:schemeClr val="lt1"/>
+              </a:fontRef>
+            </p:style>
+            <p:txBody>
+              <a:bodyPr rtlCol="0" anchor="ctr"/>
+              <a:lstStyle/>
+              <a:p>
+                <a:pPr algn="ctr"/>
+                <a:endParaRPr kumimoji="1" lang="ja-JP" altLang="en-US"/>
+              </a:p>
+            </p:txBody>
+          </p:sp>
+          <p:sp>
+            <p:nvSpPr>
+              <p:cNvPr id="44" name="正方形/長方形 43"/>
+              <p:cNvSpPr/>
+              <p:nvPr/>
+            </p:nvSpPr>
+            <p:spPr>
+              <a:xfrm>
+                <a:off x="10116064" y="5458812"/>
+                <a:ext cx="98853" cy="98853"/>
+              </a:xfrm>
+              <a:prstGeom prst="rect">
+                <a:avLst/>
+              </a:prstGeom>
+              <a:solidFill>
+                <a:schemeClr val="bg2"/>
+              </a:solidFill>
+              <a:ln>
+                <a:solidFill>
+                  <a:schemeClr val="bg2"/>
+                </a:solidFill>
+              </a:ln>
+            </p:spPr>
+            <p:style>
+              <a:lnRef idx="2">
+                <a:schemeClr val="accent1">
+                  <a:shade val="50000"/>
+                </a:schemeClr>
+              </a:lnRef>
+              <a:fillRef idx="1">
+                <a:schemeClr val="accent1"/>
+              </a:fillRef>
+              <a:effectRef idx="0">
+                <a:schemeClr val="accent1"/>
+              </a:effectRef>
+              <a:fontRef idx="minor">
+                <a:schemeClr val="lt1"/>
+              </a:fontRef>
+            </p:style>
+            <p:txBody>
+              <a:bodyPr rtlCol="0" anchor="ctr"/>
+              <a:lstStyle/>
+              <a:p>
+                <a:pPr algn="ctr"/>
+                <a:endParaRPr kumimoji="1" lang="ja-JP" altLang="en-US"/>
+              </a:p>
+            </p:txBody>
+          </p:sp>
+        </p:grpSp>
+        <p:sp>
+          <p:nvSpPr>
+            <p:cNvPr id="40" name="テキスト ボックス 39"/>
+            <p:cNvSpPr txBox="1"/>
+            <p:nvPr/>
+          </p:nvSpPr>
+          <p:spPr>
+            <a:xfrm>
+              <a:off x="9809008" y="5340814"/>
+              <a:ext cx="859571" cy="261980"/>
+            </a:xfrm>
+            <a:prstGeom prst="rect">
+              <a:avLst/>
+            </a:prstGeom>
+            <a:noFill/>
+          </p:spPr>
+          <p:txBody>
+            <a:bodyPr wrap="none" rtlCol="0">
+              <a:spAutoFit/>
+            </a:bodyPr>
+            <a:lstStyle/>
+            <a:p>
+              <a:r>
+                <a:rPr lang="ja-JP" altLang="en-US" sz="1800" dirty="0"/>
+                <a:t>クライアント</a:t>
+              </a:r>
+              <a:endParaRPr kumimoji="1" lang="ja-JP" altLang="en-US" sz="1800" dirty="0"/>
+            </a:p>
+          </p:txBody>
+        </p:sp>
+      </p:grpSp>
+      <p:sp>
+        <p:nvSpPr>
+          <p:cNvPr id="62" name="テキスト ボックス 61"/>
+          <p:cNvSpPr txBox="1"/>
+          <p:nvPr/>
+        </p:nvSpPr>
+        <p:spPr>
+          <a:xfrm>
+            <a:off x="828304" y="5364715"/>
+            <a:ext cx="17134691" cy="1200329"/>
+          </a:xfrm>
+          <a:prstGeom prst="rect">
+            <a:avLst/>
+          </a:prstGeom>
+          <a:noFill/>
+        </p:spPr>
+        <p:txBody>
+          <a:bodyPr wrap="none" rtlCol="0">
+            <a:spAutoFit/>
+          </a:bodyPr>
+          <a:lstStyle/>
+          <a:p>
+            <a:r>
+              <a:rPr lang="en-US" altLang="ja-JP" sz="3600" dirty="0" smtClean="0"/>
+              <a:t>GitHub </a:t>
+            </a:r>
+            <a:r>
+              <a:rPr lang="ja-JP" altLang="en-US" sz="3600" dirty="0"/>
+              <a:t>とはコンピュータ上で作成，編集さ </a:t>
+            </a:r>
+            <a:r>
+              <a:rPr lang="ja-JP" altLang="en-US" sz="3600" dirty="0" err="1" smtClean="0"/>
+              <a:t>れ</a:t>
+            </a:r>
+            <a:r>
+              <a:rPr lang="ja-JP" altLang="en-US" sz="3600" dirty="0" err="1"/>
+              <a:t>た</a:t>
+            </a:r>
+            <a:r>
+              <a:rPr lang="ja-JP" altLang="en-US" sz="3600" dirty="0" smtClean="0"/>
+              <a:t>ファイル</a:t>
+            </a:r>
+            <a:r>
+              <a:rPr lang="ja-JP" altLang="en-US" sz="3600" dirty="0"/>
+              <a:t>の変更履歴を管理するため</a:t>
+            </a:r>
+            <a:r>
+              <a:rPr lang="ja-JP" altLang="en-US" sz="3600" dirty="0" smtClean="0"/>
+              <a:t>の</a:t>
+            </a:r>
+            <a:endParaRPr lang="en-US" altLang="ja-JP" sz="3600" dirty="0" smtClean="0"/>
+          </a:p>
+          <a:p>
+            <a:r>
+              <a:rPr lang="ja-JP" altLang="en-US" sz="3600" dirty="0" smtClean="0"/>
+              <a:t>バージョ </a:t>
+            </a:r>
+            <a:r>
+              <a:rPr lang="ja-JP" altLang="en-US" sz="3600" dirty="0"/>
+              <a:t>ン管理システムで</a:t>
+            </a:r>
+            <a:r>
+              <a:rPr lang="ja-JP" altLang="en-US" sz="3600" dirty="0" smtClean="0"/>
+              <a:t>ある．</a:t>
+            </a:r>
+            <a:endParaRPr kumimoji="1" lang="ja-JP" altLang="en-US" sz="3600" dirty="0"/>
+          </a:p>
+        </p:txBody>
+      </p:sp>
+      <p:sp>
+        <p:nvSpPr>
+          <p:cNvPr id="63" name="テキスト ボックス 62"/>
+          <p:cNvSpPr txBox="1"/>
+          <p:nvPr/>
+        </p:nvSpPr>
+        <p:spPr>
+          <a:xfrm>
+            <a:off x="1116336" y="13195771"/>
+            <a:ext cx="17307815" cy="1200329"/>
+          </a:xfrm>
+          <a:prstGeom prst="rect">
+            <a:avLst/>
+          </a:prstGeom>
+          <a:noFill/>
+        </p:spPr>
+        <p:txBody>
+          <a:bodyPr wrap="none" rtlCol="0">
+            <a:spAutoFit/>
+          </a:bodyPr>
+          <a:lstStyle/>
+          <a:p>
+            <a:r>
+              <a:rPr kumimoji="1" lang="en-US" altLang="ja-JP" sz="3600" dirty="0" err="1" smtClean="0"/>
+              <a:t>GHTorrent</a:t>
+            </a:r>
+            <a:r>
+              <a:rPr kumimoji="1" lang="ja-JP" altLang="en-US" sz="3600" dirty="0" smtClean="0"/>
+              <a:t>を用いることにより</a:t>
+            </a:r>
+            <a:r>
+              <a:rPr kumimoji="1" lang="en-US" altLang="ja-JP" sz="3600" dirty="0" smtClean="0"/>
+              <a:t>GitHub</a:t>
+            </a:r>
+            <a:r>
+              <a:rPr kumimoji="1" lang="ja-JP" altLang="en-US" sz="3600" dirty="0" smtClean="0"/>
+              <a:t>のプロジェクトのデータを取得し，活発に活動している</a:t>
+            </a:r>
+            <a:endParaRPr kumimoji="1" lang="en-US" altLang="ja-JP" sz="3600" dirty="0" smtClean="0"/>
+          </a:p>
+          <a:p>
+            <a:r>
+              <a:rPr kumimoji="1" lang="ja-JP" altLang="en-US" sz="3600" dirty="0" smtClean="0"/>
+              <a:t>ユーザはコミュニケーション高いのではないかという仮説の検証を行う</a:t>
+            </a:r>
+            <a:endParaRPr kumimoji="1" lang="ja-JP" altLang="en-US" sz="3600" dirty="0"/>
+          </a:p>
+        </p:txBody>
+      </p:sp>
+      <p:grpSp>
+        <p:nvGrpSpPr>
+          <p:cNvPr id="73" name="グループ化 72"/>
+          <p:cNvGrpSpPr/>
+          <p:nvPr/>
+        </p:nvGrpSpPr>
+        <p:grpSpPr>
+          <a:xfrm>
+            <a:off x="396256" y="14756140"/>
+            <a:ext cx="10180338" cy="15145487"/>
+            <a:chOff x="252241" y="13410622"/>
+            <a:chExt cx="9584851" cy="16130965"/>
+          </a:xfrm>
+        </p:grpSpPr>
+        <p:sp>
+          <p:nvSpPr>
+            <p:cNvPr id="74" name="正方形/長方形 73"/>
+            <p:cNvSpPr/>
+            <p:nvPr/>
+          </p:nvSpPr>
+          <p:spPr>
+            <a:xfrm>
+              <a:off x="678233" y="13641483"/>
+              <a:ext cx="2975008" cy="984885"/>
+            </a:xfrm>
+            <a:prstGeom prst="rect">
+              <a:avLst/>
+            </a:prstGeom>
+            <a:solidFill>
+              <a:schemeClr val="accent6">
+                <a:lumMod val="40000"/>
+                <a:lumOff val="60000"/>
+              </a:schemeClr>
+            </a:solidFill>
+            <a:ln>
+              <a:solidFill>
+                <a:schemeClr val="tx1"/>
+              </a:solidFill>
+            </a:ln>
+          </p:spPr>
+          <p:style>
+            <a:lnRef idx="2">
+              <a:schemeClr val="accent1">
+                <a:shade val="50000"/>
+              </a:schemeClr>
+            </a:lnRef>
+            <a:fillRef idx="1">
+              <a:schemeClr val="accent1"/>
+            </a:fillRef>
+            <a:effectRef idx="0">
+              <a:schemeClr val="accent1"/>
+            </a:effectRef>
+            <a:fontRef idx="minor">
+              <a:schemeClr val="lt1"/>
+            </a:fontRef>
+          </p:style>
+          <p:txBody>
+            <a:bodyPr rtlCol="0" anchor="ctr"/>
+            <a:lstStyle/>
+            <a:p>
+              <a:pPr algn="ctr"/>
+              <a:endParaRPr kumimoji="1" lang="ja-JP" altLang="en-US"/>
+            </a:p>
+          </p:txBody>
+        </p:sp>
+        <p:grpSp>
+          <p:nvGrpSpPr>
+            <p:cNvPr id="75" name="グループ化 74"/>
+            <p:cNvGrpSpPr/>
+            <p:nvPr/>
+          </p:nvGrpSpPr>
+          <p:grpSpPr>
+            <a:xfrm>
+              <a:off x="252241" y="13410622"/>
+              <a:ext cx="9584851" cy="16130965"/>
+              <a:chOff x="252240" y="13893265"/>
+              <a:chExt cx="12961440" cy="4142731"/>
+            </a:xfrm>
+          </p:grpSpPr>
+          <p:sp>
+            <p:nvSpPr>
+              <p:cNvPr id="83" name="テキスト ボックス 82"/>
+              <p:cNvSpPr txBox="1"/>
+              <p:nvPr/>
+            </p:nvSpPr>
+            <p:spPr>
+              <a:xfrm>
+                <a:off x="828303" y="13950325"/>
+                <a:ext cx="4023055" cy="269395"/>
+              </a:xfrm>
+              <a:prstGeom prst="rect">
+                <a:avLst/>
+              </a:prstGeom>
+              <a:noFill/>
+            </p:spPr>
+            <p:txBody>
+              <a:bodyPr wrap="none" rtlCol="0">
+                <a:spAutoFit/>
+              </a:bodyPr>
+              <a:lstStyle/>
+              <a:p>
+                <a:r>
+                  <a:rPr lang="ja-JP" altLang="en-US" dirty="0">
+                    <a:latin typeface="+mj-ea"/>
+                    <a:ea typeface="+mj-ea"/>
+                  </a:rPr>
+                  <a:t>研究</a:t>
+                </a:r>
+                <a:r>
+                  <a:rPr kumimoji="1" lang="ja-JP" altLang="en-US" dirty="0" smtClean="0">
+                    <a:latin typeface="+mj-ea"/>
+                    <a:ea typeface="+mj-ea"/>
+                  </a:rPr>
+                  <a:t>方法</a:t>
+                </a:r>
+                <a:endParaRPr kumimoji="1" lang="ja-JP" altLang="en-US" dirty="0">
+                  <a:latin typeface="+mj-ea"/>
+                  <a:ea typeface="+mj-ea"/>
+                </a:endParaRPr>
+              </a:p>
+            </p:txBody>
+          </p:sp>
+          <p:sp>
+            <p:nvSpPr>
+              <p:cNvPr id="84" name="角丸四角形 83"/>
+              <p:cNvSpPr/>
+              <p:nvPr/>
+            </p:nvSpPr>
+            <p:spPr>
+              <a:xfrm>
+                <a:off x="847682" y="14300412"/>
+                <a:ext cx="11981791" cy="538517"/>
+              </a:xfrm>
+              <a:prstGeom prst="roundRect">
+                <a:avLst/>
+              </a:prstGeom>
+              <a:noFill/>
+            </p:spPr>
+            <p:style>
+              <a:lnRef idx="2">
+                <a:schemeClr val="accent1">
+                  <a:shade val="50000"/>
+                </a:schemeClr>
+              </a:lnRef>
+              <a:fillRef idx="1">
+                <a:schemeClr val="accent1"/>
+              </a:fillRef>
+              <a:effectRef idx="0">
+                <a:schemeClr val="accent1"/>
+              </a:effectRef>
+              <a:fontRef idx="minor">
+                <a:schemeClr val="lt1"/>
+              </a:fontRef>
+            </p:style>
+            <p:txBody>
+              <a:bodyPr rtlCol="0" anchor="ctr"/>
+              <a:lstStyle/>
+              <a:p>
+                <a:pPr algn="ctr"/>
+                <a:endParaRPr kumimoji="1" lang="ja-JP" altLang="en-US"/>
+              </a:p>
+            </p:txBody>
+          </p:sp>
+          <p:sp>
+            <p:nvSpPr>
+              <p:cNvPr id="85" name="テキスト ボックス 84"/>
+              <p:cNvSpPr txBox="1"/>
+              <p:nvPr/>
+            </p:nvSpPr>
+            <p:spPr>
+              <a:xfrm>
+                <a:off x="1511887" y="14406364"/>
+                <a:ext cx="9141512" cy="328325"/>
+              </a:xfrm>
+              <a:prstGeom prst="rect">
+                <a:avLst/>
+              </a:prstGeom>
+              <a:noFill/>
+            </p:spPr>
+            <p:txBody>
+              <a:bodyPr wrap="none" rtlCol="0">
+                <a:spAutoFit/>
+              </a:bodyPr>
+              <a:lstStyle/>
+              <a:p>
+                <a:r>
+                  <a:rPr lang="en-US" altLang="ja-JP" sz="3600" dirty="0" err="1" smtClean="0"/>
+                  <a:t>GHTorrent</a:t>
+                </a:r>
+                <a:r>
+                  <a:rPr lang="ja-JP" altLang="en-US" sz="3600" dirty="0" smtClean="0"/>
+                  <a:t>を用いて，</a:t>
+                </a:r>
+                <a:r>
+                  <a:rPr lang="en-US" altLang="ja-JP" sz="3600" dirty="0" smtClean="0"/>
+                  <a:t>Gmail</a:t>
+                </a:r>
+                <a:r>
+                  <a:rPr lang="ja-JP" altLang="en-US" sz="3600" dirty="0" smtClean="0"/>
+                  <a:t>アドレスを</a:t>
+                </a:r>
+                <a:endParaRPr lang="en-US" altLang="ja-JP" sz="3600" dirty="0" smtClean="0"/>
+              </a:p>
+              <a:p>
+                <a:r>
+                  <a:rPr lang="ja-JP" altLang="en-US" sz="3600" dirty="0" smtClean="0"/>
+                  <a:t>登録しているユーザを抽出</a:t>
+                </a:r>
+                <a:r>
+                  <a:rPr lang="ja-JP" altLang="en-US" sz="3600" dirty="0" smtClean="0"/>
+                  <a:t>する</a:t>
+                </a:r>
+                <a:endParaRPr kumimoji="1" lang="ja-JP" altLang="en-US" sz="3600" dirty="0"/>
+              </a:p>
+            </p:txBody>
+          </p:sp>
+          <p:sp>
+            <p:nvSpPr>
+              <p:cNvPr id="86" name="正方形/長方形 85"/>
+              <p:cNvSpPr/>
+              <p:nvPr/>
+            </p:nvSpPr>
+            <p:spPr>
+              <a:xfrm>
+                <a:off x="252240" y="13893265"/>
+                <a:ext cx="12961440" cy="4142731"/>
+              </a:xfrm>
+              <a:prstGeom prst="rect">
+                <a:avLst/>
+              </a:prstGeom>
+              <a:noFill/>
+              <a:ln>
+                <a:solidFill>
+                  <a:schemeClr val="tx1"/>
+                </a:solidFill>
+              </a:ln>
+            </p:spPr>
+            <p:style>
+              <a:lnRef idx="2">
+                <a:schemeClr val="accent1">
+                  <a:shade val="50000"/>
+                </a:schemeClr>
+              </a:lnRef>
+              <a:fillRef idx="1">
+                <a:schemeClr val="accent1"/>
+              </a:fillRef>
+              <a:effectRef idx="0">
+                <a:schemeClr val="accent1"/>
+              </a:effectRef>
+              <a:fontRef idx="minor">
+                <a:schemeClr val="lt1"/>
+              </a:fontRef>
+            </p:style>
+            <p:txBody>
+              <a:bodyPr rtlCol="0" anchor="ctr"/>
+              <a:lstStyle/>
+              <a:p>
+                <a:pPr algn="ctr"/>
+                <a:endParaRPr kumimoji="1" lang="ja-JP" altLang="en-US"/>
+              </a:p>
+            </p:txBody>
+          </p:sp>
+        </p:grpSp>
+        <p:sp>
+          <p:nvSpPr>
+            <p:cNvPr id="76" name="角丸四角形 75"/>
+            <p:cNvSpPr/>
+            <p:nvPr/>
+          </p:nvSpPr>
+          <p:spPr>
+            <a:xfrm>
+              <a:off x="756296" y="18812395"/>
+              <a:ext cx="8860410" cy="2159734"/>
             </a:xfrm>
             <a:prstGeom prst="roundRect">
               <a:avLst/>
@@ -4558,14 +6840,14 @@
         </p:sp>
         <p:sp>
           <p:nvSpPr>
-            <p:cNvPr id="19" name="テキスト ボックス 18"/>
+            <p:cNvPr id="77" name="テキスト ボックス 76"/>
             <p:cNvSpPr txBox="1"/>
             <p:nvPr/>
           </p:nvSpPr>
           <p:spPr>
             <a:xfrm>
-              <a:off x="1511887" y="14406364"/>
-              <a:ext cx="9709455" cy="411852"/>
+              <a:off x="1183737" y="19100427"/>
+              <a:ext cx="7342075" cy="1754326"/>
             </a:xfrm>
             <a:prstGeom prst="rect">
               <a:avLst/>
@@ -4579,27 +6861,30 @@
             <a:lstStyle/>
             <a:p>
               <a:r>
-                <a:rPr lang="en-US" altLang="ja-JP" sz="3600" dirty="0" err="1" smtClean="0"/>
-                <a:t>GHTorrent</a:t>
+                <a:rPr kumimoji="1" lang="en-US" altLang="ja-JP" sz="3600" dirty="0" smtClean="0"/>
+                <a:t>Google+</a:t>
+              </a:r>
+              <a:r>
+                <a:rPr kumimoji="1" lang="ja-JP" altLang="en-US" sz="3600" dirty="0" smtClean="0"/>
+                <a:t>を用いて活発に活動している</a:t>
+              </a:r>
+              <a:endParaRPr kumimoji="1" lang="en-US" altLang="ja-JP" sz="3600" dirty="0" smtClean="0"/>
+            </a:p>
+            <a:p>
+              <a:r>
+                <a:rPr lang="ja-JP" altLang="en-US" sz="3600" dirty="0"/>
+                <a:t>ユーザ</a:t>
               </a:r>
               <a:r>
                 <a:rPr lang="ja-JP" altLang="en-US" sz="3600" dirty="0" smtClean="0"/>
-                <a:t>を用いて，</a:t>
-              </a:r>
-              <a:r>
-                <a:rPr lang="en-US" altLang="ja-JP" sz="3600" dirty="0" smtClean="0"/>
-                <a:t>Gmail</a:t>
-              </a:r>
-              <a:r>
-                <a:rPr lang="ja-JP" altLang="en-US" sz="3600" dirty="0" smtClean="0"/>
-                <a:t>アドレスを</a:t>
+                <a:t>のフォロワー数や投稿頻度を</a:t>
               </a:r>
               <a:endParaRPr lang="en-US" altLang="ja-JP" sz="3600" dirty="0" smtClean="0"/>
             </a:p>
             <a:p>
               <a:r>
                 <a:rPr lang="ja-JP" altLang="en-US" sz="3600" dirty="0" smtClean="0"/>
-                <a:t>登録しているユーザを抽出する．</a:t>
+                <a:t>調査する</a:t>
               </a:r>
               <a:endParaRPr kumimoji="1" lang="ja-JP" altLang="en-US" sz="3600" dirty="0"/>
             </a:p>
@@ -4607,14 +6892,326 @@
         </p:sp>
         <p:sp>
           <p:nvSpPr>
-            <p:cNvPr id="27" name="正方形/長方形 26"/>
+            <p:cNvPr id="78" name="テキスト ボックス 77"/>
+            <p:cNvSpPr txBox="1"/>
+            <p:nvPr/>
+          </p:nvSpPr>
+          <p:spPr>
+            <a:xfrm>
+              <a:off x="1260352" y="22916851"/>
+              <a:ext cx="6695278" cy="1868475"/>
+            </a:xfrm>
+            <a:prstGeom prst="rect">
+              <a:avLst/>
+            </a:prstGeom>
+            <a:noFill/>
+          </p:spPr>
+          <p:txBody>
+            <a:bodyPr wrap="none" rtlCol="0">
+              <a:spAutoFit/>
+            </a:bodyPr>
+            <a:lstStyle/>
+            <a:p>
+              <a:r>
+                <a:rPr kumimoji="1" lang="ja-JP" altLang="en-US" sz="3600" dirty="0" smtClean="0"/>
+                <a:t>抽出</a:t>
+              </a:r>
+              <a:r>
+                <a:rPr kumimoji="1" lang="ja-JP" altLang="en-US" sz="3600" dirty="0" smtClean="0"/>
+                <a:t>したユーザと</a:t>
+              </a:r>
+              <a:r>
+                <a:rPr kumimoji="1" lang="en-US" altLang="ja-JP" sz="3600" dirty="0" smtClean="0"/>
+                <a:t>Google+</a:t>
+              </a:r>
+              <a:r>
+                <a:rPr kumimoji="1" lang="ja-JP" altLang="en-US" sz="3600" dirty="0" smtClean="0"/>
+                <a:t>における</a:t>
+              </a:r>
+              <a:endParaRPr kumimoji="1" lang="en-US" altLang="ja-JP" sz="3600" dirty="0" smtClean="0"/>
+            </a:p>
+            <a:p>
+              <a:r>
+                <a:rPr kumimoji="1" lang="ja-JP" altLang="en-US" sz="3600" dirty="0" smtClean="0"/>
+                <a:t>フォロワー数と投稿頻度の関係性を</a:t>
+              </a:r>
+              <a:endParaRPr kumimoji="1" lang="en-US" altLang="ja-JP" sz="3600" dirty="0" smtClean="0"/>
+            </a:p>
+            <a:p>
+              <a:r>
+                <a:rPr lang="ja-JP" altLang="en-US" sz="3600" dirty="0"/>
+                <a:t>調査</a:t>
+              </a:r>
+              <a:r>
+                <a:rPr lang="ja-JP" altLang="en-US" sz="3600" dirty="0" smtClean="0"/>
+                <a:t>する</a:t>
+              </a:r>
+              <a:endParaRPr kumimoji="1" lang="ja-JP" altLang="en-US" sz="3600" dirty="0"/>
+            </a:p>
+          </p:txBody>
+        </p:sp>
+        <p:sp>
+          <p:nvSpPr>
+            <p:cNvPr id="79" name="角丸四角形 78"/>
             <p:cNvSpPr/>
             <p:nvPr/>
           </p:nvSpPr>
           <p:spPr>
             <a:xfrm>
-              <a:off x="252240" y="13893265"/>
-              <a:ext cx="12961440" cy="4142731"/>
+              <a:off x="756296" y="22628819"/>
+              <a:ext cx="8860410" cy="2159734"/>
+            </a:xfrm>
+            <a:prstGeom prst="roundRect">
+              <a:avLst/>
+            </a:prstGeom>
+            <a:noFill/>
+          </p:spPr>
+          <p:style>
+            <a:lnRef idx="2">
+              <a:schemeClr val="accent1">
+                <a:shade val="50000"/>
+              </a:schemeClr>
+            </a:lnRef>
+            <a:fillRef idx="1">
+              <a:schemeClr val="accent1"/>
+            </a:fillRef>
+            <a:effectRef idx="0">
+              <a:schemeClr val="accent1"/>
+            </a:effectRef>
+            <a:fontRef idx="minor">
+              <a:schemeClr val="lt1"/>
+            </a:fontRef>
+          </p:style>
+          <p:txBody>
+            <a:bodyPr rtlCol="0" anchor="ctr"/>
+            <a:lstStyle/>
+            <a:p>
+              <a:pPr algn="ctr"/>
+              <a:endParaRPr kumimoji="1" lang="ja-JP" altLang="en-US"/>
+            </a:p>
+          </p:txBody>
+        </p:sp>
+        <p:sp>
+          <p:nvSpPr>
+            <p:cNvPr id="80" name="下矢印 79"/>
+            <p:cNvSpPr/>
+            <p:nvPr/>
+          </p:nvSpPr>
+          <p:spPr>
+            <a:xfrm>
+              <a:off x="3139348" y="17300227"/>
+              <a:ext cx="4027153" cy="1306768"/>
+            </a:xfrm>
+            <a:prstGeom prst="downArrow">
+              <a:avLst/>
+            </a:prstGeom>
+          </p:spPr>
+          <p:style>
+            <a:lnRef idx="2">
+              <a:schemeClr val="accent1">
+                <a:shade val="50000"/>
+              </a:schemeClr>
+            </a:lnRef>
+            <a:fillRef idx="1">
+              <a:schemeClr val="accent1"/>
+            </a:fillRef>
+            <a:effectRef idx="0">
+              <a:schemeClr val="accent1"/>
+            </a:effectRef>
+            <a:fontRef idx="minor">
+              <a:schemeClr val="lt1"/>
+            </a:fontRef>
+          </p:style>
+          <p:txBody>
+            <a:bodyPr rtlCol="0" anchor="ctr"/>
+            <a:lstStyle/>
+            <a:p>
+              <a:pPr algn="ctr"/>
+              <a:endParaRPr kumimoji="1" lang="ja-JP" altLang="en-US"/>
+            </a:p>
+          </p:txBody>
+        </p:sp>
+        <p:sp>
+          <p:nvSpPr>
+            <p:cNvPr id="81" name="下矢印 80"/>
+            <p:cNvSpPr/>
+            <p:nvPr/>
+          </p:nvSpPr>
+          <p:spPr>
+            <a:xfrm>
+              <a:off x="3281871" y="21188659"/>
+              <a:ext cx="4027153" cy="1306768"/>
+            </a:xfrm>
+            <a:prstGeom prst="downArrow">
+              <a:avLst/>
+            </a:prstGeom>
+          </p:spPr>
+          <p:style>
+            <a:lnRef idx="2">
+              <a:schemeClr val="accent1">
+                <a:shade val="50000"/>
+              </a:schemeClr>
+            </a:lnRef>
+            <a:fillRef idx="1">
+              <a:schemeClr val="accent1"/>
+            </a:fillRef>
+            <a:effectRef idx="0">
+              <a:schemeClr val="accent1"/>
+            </a:effectRef>
+            <a:fontRef idx="minor">
+              <a:schemeClr val="lt1"/>
+            </a:fontRef>
+          </p:style>
+          <p:txBody>
+            <a:bodyPr rtlCol="0" anchor="ctr"/>
+            <a:lstStyle/>
+            <a:p>
+              <a:pPr algn="ctr"/>
+              <a:endParaRPr kumimoji="1" lang="ja-JP" altLang="en-US"/>
+            </a:p>
+          </p:txBody>
+        </p:sp>
+        <p:pic>
+          <p:nvPicPr>
+            <p:cNvPr id="82" name="図 81"/>
+            <p:cNvPicPr>
+              <a:picLocks noChangeAspect="1"/>
+            </p:cNvPicPr>
+            <p:nvPr/>
+          </p:nvPicPr>
+          <p:blipFill>
+            <a:blip r:embed="rId2">
+              <a:extLst>
+                <a:ext uri="{28A0092B-C50C-407E-A947-70E740481C1C}">
+                  <a14:useLocalDpi xmlns:a14="http://schemas.microsoft.com/office/drawing/2010/main" val="0"/>
+                </a:ext>
+              </a:extLst>
+            </a:blip>
+            <a:stretch>
+              <a:fillRect/>
+            </a:stretch>
+          </p:blipFill>
+          <p:spPr>
+            <a:xfrm>
+              <a:off x="1472569" y="25076585"/>
+              <a:ext cx="7741427" cy="4096318"/>
+            </a:xfrm>
+            <a:prstGeom prst="rect">
+              <a:avLst/>
+            </a:prstGeom>
+          </p:spPr>
+        </p:pic>
+      </p:grpSp>
+      <p:grpSp>
+        <p:nvGrpSpPr>
+          <p:cNvPr id="89" name="グループ化 88"/>
+          <p:cNvGrpSpPr/>
+          <p:nvPr/>
+        </p:nvGrpSpPr>
+        <p:grpSpPr>
+          <a:xfrm>
+            <a:off x="11098283" y="14798870"/>
+            <a:ext cx="9660332" cy="15102757"/>
+            <a:chOff x="10621394" y="13410622"/>
+            <a:chExt cx="10369152" cy="16130965"/>
+          </a:xfrm>
+        </p:grpSpPr>
+        <p:sp>
+          <p:nvSpPr>
+            <p:cNvPr id="90" name="正方形/長方形 89"/>
+            <p:cNvSpPr/>
+            <p:nvPr/>
+          </p:nvSpPr>
+          <p:spPr>
+            <a:xfrm>
+              <a:off x="10686552" y="20320063"/>
+              <a:ext cx="10303993" cy="9221524"/>
+            </a:xfrm>
+            <a:prstGeom prst="rect">
+              <a:avLst/>
+            </a:prstGeom>
+            <a:noFill/>
+            <a:ln>
+              <a:solidFill>
+                <a:schemeClr val="tx1"/>
+              </a:solidFill>
+            </a:ln>
+          </p:spPr>
+          <p:style>
+            <a:lnRef idx="2">
+              <a:schemeClr val="accent1">
+                <a:shade val="50000"/>
+              </a:schemeClr>
+            </a:lnRef>
+            <a:fillRef idx="1">
+              <a:schemeClr val="accent1"/>
+            </a:fillRef>
+            <a:effectRef idx="0">
+              <a:schemeClr val="accent1"/>
+            </a:effectRef>
+            <a:fontRef idx="minor">
+              <a:schemeClr val="lt1"/>
+            </a:fontRef>
+          </p:style>
+          <p:txBody>
+            <a:bodyPr rtlCol="0" anchor="ctr"/>
+            <a:lstStyle/>
+            <a:p>
+              <a:pPr algn="ctr"/>
+              <a:endParaRPr kumimoji="1" lang="ja-JP" altLang="en-US" dirty="0"/>
+            </a:p>
+          </p:txBody>
+        </p:sp>
+        <p:sp>
+          <p:nvSpPr>
+            <p:cNvPr id="91" name="テキスト ボックス 90"/>
+            <p:cNvSpPr txBox="1"/>
+            <p:nvPr/>
+          </p:nvSpPr>
+          <p:spPr>
+            <a:xfrm>
+              <a:off x="10835725" y="20558024"/>
+              <a:ext cx="4169175" cy="984885"/>
+            </a:xfrm>
+            <a:prstGeom prst="rect">
+              <a:avLst/>
+            </a:prstGeom>
+            <a:solidFill>
+              <a:schemeClr val="accent6">
+                <a:lumMod val="40000"/>
+                <a:lumOff val="60000"/>
+              </a:schemeClr>
+            </a:solidFill>
+            <a:ln>
+              <a:solidFill>
+                <a:schemeClr val="tx1"/>
+              </a:solidFill>
+            </a:ln>
+          </p:spPr>
+          <p:txBody>
+            <a:bodyPr wrap="square" rtlCol="0">
+              <a:spAutoFit/>
+            </a:bodyPr>
+            <a:lstStyle/>
+            <a:p>
+              <a:r>
+                <a:rPr kumimoji="1" lang="ja-JP" altLang="en-US" dirty="0" smtClean="0"/>
+                <a:t>今後の計画</a:t>
+              </a:r>
+              <a:endParaRPr kumimoji="1" lang="ja-JP" altLang="en-US" dirty="0"/>
+            </a:p>
+          </p:txBody>
+        </p:sp>
+        <p:sp>
+          <p:nvSpPr>
+            <p:cNvPr id="92" name="正方形/長方形 91"/>
+            <p:cNvSpPr/>
+            <p:nvPr/>
+          </p:nvSpPr>
+          <p:spPr>
+            <a:xfrm>
+              <a:off x="10621394" y="13410622"/>
+              <a:ext cx="10369152" cy="6352644"/>
             </a:xfrm>
             <a:prstGeom prst="rect">
               <a:avLst/>
@@ -4651,823 +7248,392 @@
             </a:p>
           </p:txBody>
         </p:sp>
+        <p:sp>
+          <p:nvSpPr>
+            <p:cNvPr id="93" name="テキスト ボックス 92"/>
+            <p:cNvSpPr txBox="1"/>
+            <p:nvPr/>
+          </p:nvSpPr>
+          <p:spPr>
+            <a:xfrm>
+              <a:off x="10805135" y="13698052"/>
+              <a:ext cx="3462285" cy="1051937"/>
+            </a:xfrm>
+            <a:prstGeom prst="rect">
+              <a:avLst/>
+            </a:prstGeom>
+            <a:solidFill>
+              <a:schemeClr val="accent6">
+                <a:lumMod val="40000"/>
+                <a:lumOff val="60000"/>
+              </a:schemeClr>
+            </a:solidFill>
+            <a:ln>
+              <a:solidFill>
+                <a:schemeClr val="tx1"/>
+              </a:solidFill>
+            </a:ln>
+          </p:spPr>
+          <p:txBody>
+            <a:bodyPr wrap="square" rtlCol="0">
+              <a:spAutoFit/>
+            </a:bodyPr>
+            <a:lstStyle/>
+            <a:p>
+              <a:r>
+                <a:rPr kumimoji="1" lang="ja-JP" altLang="en-US" dirty="0" smtClean="0"/>
+                <a:t>進捗状況</a:t>
+              </a:r>
+              <a:endParaRPr kumimoji="1" lang="ja-JP" altLang="en-US" dirty="0"/>
+            </a:p>
+          </p:txBody>
+        </p:sp>
+        <p:sp>
+          <p:nvSpPr>
+            <p:cNvPr id="94" name="テキスト ボックス 93"/>
+            <p:cNvSpPr txBox="1"/>
+            <p:nvPr/>
+          </p:nvSpPr>
+          <p:spPr>
+            <a:xfrm>
+              <a:off x="11130698" y="16521422"/>
+              <a:ext cx="8857249" cy="707886"/>
+            </a:xfrm>
+            <a:prstGeom prst="rect">
+              <a:avLst/>
+            </a:prstGeom>
+            <a:noFill/>
+          </p:spPr>
+          <p:txBody>
+            <a:bodyPr wrap="square" rtlCol="0">
+              <a:spAutoFit/>
+            </a:bodyPr>
+            <a:lstStyle/>
+            <a:p>
+              <a:r>
+                <a:rPr kumimoji="1" lang="ja-JP" altLang="en-US" sz="3600" dirty="0" smtClean="0"/>
+                <a:t>・仮想</a:t>
+              </a:r>
+              <a:r>
+                <a:rPr kumimoji="1" lang="ja-JP" altLang="en-US" sz="3600" dirty="0" smtClean="0"/>
+                <a:t>環境にて</a:t>
+              </a:r>
+              <a:r>
+                <a:rPr kumimoji="1" lang="en-US" altLang="ja-JP" sz="3600" dirty="0" err="1" smtClean="0"/>
+                <a:t>GHTorrent</a:t>
+              </a:r>
+              <a:r>
+                <a:rPr kumimoji="1" lang="ja-JP" altLang="en-US" sz="3600" dirty="0" smtClean="0"/>
+                <a:t>を使用して</a:t>
+              </a:r>
+              <a:r>
+                <a:rPr kumimoji="1" lang="ja-JP" altLang="en-US" sz="3600" dirty="0" smtClean="0"/>
+                <a:t>みた</a:t>
+              </a:r>
+              <a:endParaRPr kumimoji="1" lang="ja-JP" altLang="en-US" sz="3600" dirty="0"/>
+            </a:p>
+          </p:txBody>
+        </p:sp>
+        <p:sp>
+          <p:nvSpPr>
+            <p:cNvPr id="95" name="テキスト ボックス 94"/>
+            <p:cNvSpPr txBox="1"/>
+            <p:nvPr/>
+          </p:nvSpPr>
+          <p:spPr>
+            <a:xfrm>
+              <a:off x="11053440" y="17846950"/>
+              <a:ext cx="8870013" cy="1282048"/>
+            </a:xfrm>
+            <a:prstGeom prst="rect">
+              <a:avLst/>
+            </a:prstGeom>
+            <a:noFill/>
+          </p:spPr>
+          <p:txBody>
+            <a:bodyPr wrap="none" rtlCol="0">
+              <a:spAutoFit/>
+            </a:bodyPr>
+            <a:lstStyle/>
+            <a:p>
+              <a:r>
+                <a:rPr kumimoji="1" lang="ja-JP" altLang="en-US" sz="3600" dirty="0" smtClean="0"/>
+                <a:t>・しかし</a:t>
+              </a:r>
+              <a:r>
+                <a:rPr kumimoji="1" lang="en-US" altLang="ja-JP" sz="3600" dirty="0" err="1" smtClean="0"/>
+                <a:t>GHTorrent</a:t>
+              </a:r>
+              <a:r>
+                <a:rPr kumimoji="1" lang="ja-JP" altLang="en-US" sz="3600" dirty="0" smtClean="0"/>
+                <a:t>を使用できる段階までは</a:t>
+              </a:r>
+              <a:endParaRPr kumimoji="1" lang="en-US" altLang="ja-JP" sz="3600" dirty="0" smtClean="0"/>
+            </a:p>
+            <a:p>
+              <a:r>
+                <a:rPr lang="ja-JP" altLang="en-US" sz="3600" dirty="0" smtClean="0"/>
+                <a:t>　進んでいない</a:t>
+              </a:r>
+              <a:endParaRPr kumimoji="1" lang="ja-JP" altLang="en-US" sz="3600" dirty="0"/>
+            </a:p>
+          </p:txBody>
+        </p:sp>
+        <p:sp>
+          <p:nvSpPr>
+            <p:cNvPr id="96" name="テキスト ボックス 95"/>
+            <p:cNvSpPr txBox="1"/>
+            <p:nvPr/>
+          </p:nvSpPr>
+          <p:spPr>
+            <a:xfrm>
+              <a:off x="11053440" y="15313517"/>
+              <a:ext cx="8330495" cy="690334"/>
+            </a:xfrm>
+            <a:prstGeom prst="rect">
+              <a:avLst/>
+            </a:prstGeom>
+            <a:noFill/>
+          </p:spPr>
+          <p:txBody>
+            <a:bodyPr wrap="none" rtlCol="0">
+              <a:spAutoFit/>
+            </a:bodyPr>
+            <a:lstStyle/>
+            <a:p>
+              <a:r>
+                <a:rPr lang="ja-JP" altLang="en-US" sz="3600" dirty="0"/>
+                <a:t>・</a:t>
+              </a:r>
+              <a:r>
+                <a:rPr kumimoji="1" lang="en-US" altLang="ja-JP" sz="3600" dirty="0" smtClean="0"/>
+                <a:t>Vagrant</a:t>
+              </a:r>
+              <a:r>
+                <a:rPr kumimoji="1" lang="ja-JP" altLang="en-US" sz="3600" dirty="0" smtClean="0"/>
+                <a:t>を用いて仮想環境を構築</a:t>
+              </a:r>
+              <a:r>
+                <a:rPr kumimoji="1" lang="ja-JP" altLang="en-US" sz="3600" dirty="0" smtClean="0"/>
+                <a:t>した</a:t>
+              </a:r>
+              <a:endParaRPr kumimoji="1" lang="ja-JP" altLang="en-US" sz="3600" dirty="0"/>
+            </a:p>
+          </p:txBody>
+        </p:sp>
+        <p:sp>
+          <p:nvSpPr>
+            <p:cNvPr id="97" name="テキスト ボックス 96"/>
+            <p:cNvSpPr txBox="1"/>
+            <p:nvPr/>
+          </p:nvSpPr>
+          <p:spPr>
+            <a:xfrm>
+              <a:off x="10835725" y="21836731"/>
+              <a:ext cx="7956113" cy="707193"/>
+            </a:xfrm>
+            <a:prstGeom prst="rect">
+              <a:avLst/>
+            </a:prstGeom>
+            <a:noFill/>
+          </p:spPr>
+          <p:txBody>
+            <a:bodyPr wrap="none" rtlCol="0">
+              <a:spAutoFit/>
+            </a:bodyPr>
+            <a:lstStyle/>
+            <a:p>
+              <a:r>
+                <a:rPr kumimoji="1" lang="ja-JP" altLang="en-US" sz="3600" dirty="0" smtClean="0"/>
+                <a:t>・</a:t>
+              </a:r>
+              <a:r>
+                <a:rPr kumimoji="1" lang="en-US" altLang="ja-JP" sz="3600" dirty="0" err="1" smtClean="0"/>
+                <a:t>GHTorret</a:t>
+              </a:r>
+              <a:r>
+                <a:rPr lang="ja-JP" altLang="en-US" sz="3600" dirty="0" smtClean="0"/>
+                <a:t>を使用できるよう準備を</a:t>
+              </a:r>
+              <a:r>
+                <a:rPr lang="ja-JP" altLang="en-US" sz="3600" dirty="0" smtClean="0"/>
+                <a:t>行う</a:t>
+              </a:r>
+              <a:endParaRPr kumimoji="1" lang="ja-JP" altLang="en-US" sz="3600" dirty="0"/>
+            </a:p>
+          </p:txBody>
+        </p:sp>
+        <p:sp>
+          <p:nvSpPr>
+            <p:cNvPr id="98" name="テキスト ボックス 97"/>
+            <p:cNvSpPr txBox="1"/>
+            <p:nvPr/>
+          </p:nvSpPr>
+          <p:spPr>
+            <a:xfrm>
+              <a:off x="10839140" y="23060867"/>
+              <a:ext cx="6423427" cy="1282048"/>
+            </a:xfrm>
+            <a:prstGeom prst="rect">
+              <a:avLst/>
+            </a:prstGeom>
+            <a:noFill/>
+          </p:spPr>
+          <p:txBody>
+            <a:bodyPr wrap="none" rtlCol="0">
+              <a:spAutoFit/>
+            </a:bodyPr>
+            <a:lstStyle/>
+            <a:p>
+              <a:r>
+                <a:rPr kumimoji="1" lang="ja-JP" altLang="en-US" sz="3600" dirty="0" smtClean="0"/>
+                <a:t>・</a:t>
+              </a:r>
+              <a:r>
+                <a:rPr kumimoji="1" lang="en-US" altLang="ja-JP" sz="3600" dirty="0" smtClean="0"/>
+                <a:t>Gmail</a:t>
+              </a:r>
+              <a:r>
+                <a:rPr kumimoji="1" lang="ja-JP" altLang="en-US" sz="3600" dirty="0" smtClean="0"/>
+                <a:t>アドレスを登録している</a:t>
+              </a:r>
+              <a:endParaRPr kumimoji="1" lang="en-US" altLang="ja-JP" sz="3600" dirty="0" smtClean="0"/>
+            </a:p>
+            <a:p>
+              <a:r>
+                <a:rPr kumimoji="1" lang="ja-JP" altLang="en-US" sz="3600" dirty="0" smtClean="0"/>
+                <a:t>　ユーザを抽出</a:t>
+              </a:r>
+              <a:r>
+                <a:rPr kumimoji="1" lang="ja-JP" altLang="en-US" sz="3600" dirty="0" smtClean="0"/>
+                <a:t>する</a:t>
+              </a:r>
+              <a:endParaRPr kumimoji="1" lang="ja-JP" altLang="en-US" sz="3600" dirty="0"/>
+            </a:p>
+          </p:txBody>
+        </p:sp>
+        <p:sp>
+          <p:nvSpPr>
+            <p:cNvPr id="99" name="テキスト ボックス 98"/>
+            <p:cNvSpPr txBox="1"/>
+            <p:nvPr/>
+          </p:nvSpPr>
+          <p:spPr>
+            <a:xfrm>
+              <a:off x="10837416" y="24875583"/>
+              <a:ext cx="7818315" cy="1313358"/>
+            </a:xfrm>
+            <a:prstGeom prst="rect">
+              <a:avLst/>
+            </a:prstGeom>
+            <a:noFill/>
+          </p:spPr>
+          <p:txBody>
+            <a:bodyPr wrap="none" rtlCol="0">
+              <a:spAutoFit/>
+            </a:bodyPr>
+            <a:lstStyle/>
+            <a:p>
+              <a:r>
+                <a:rPr kumimoji="1" lang="ja-JP" altLang="en-US" sz="3600" dirty="0" smtClean="0"/>
+                <a:t>・</a:t>
+              </a:r>
+              <a:r>
+                <a:rPr kumimoji="1" lang="en-US" altLang="ja-JP" sz="3600" dirty="0" smtClean="0"/>
+                <a:t>Google+</a:t>
+              </a:r>
+              <a:r>
+                <a:rPr lang="ja-JP" altLang="en-US" sz="3600" dirty="0" smtClean="0"/>
+                <a:t>におけるユーザの</a:t>
+              </a:r>
+              <a:endParaRPr lang="en-US" altLang="ja-JP" sz="3600" dirty="0" smtClean="0"/>
+            </a:p>
+            <a:p>
+              <a:r>
+                <a:rPr lang="ja-JP" altLang="en-US" sz="3600" dirty="0" smtClean="0"/>
+                <a:t>　フォロワー数と投稿頻度を調査</a:t>
+              </a:r>
+              <a:r>
+                <a:rPr lang="ja-JP" altLang="en-US" sz="3600" dirty="0" smtClean="0"/>
+                <a:t>する</a:t>
+              </a:r>
+              <a:endParaRPr kumimoji="1" lang="ja-JP" altLang="en-US" sz="3600" dirty="0"/>
+            </a:p>
+          </p:txBody>
+        </p:sp>
+        <p:sp>
+          <p:nvSpPr>
+            <p:cNvPr id="100" name="テキスト ボックス 99"/>
+            <p:cNvSpPr txBox="1"/>
+            <p:nvPr/>
+          </p:nvSpPr>
+          <p:spPr>
+            <a:xfrm>
+              <a:off x="10835725" y="26805283"/>
+              <a:ext cx="4309404" cy="707193"/>
+            </a:xfrm>
+            <a:prstGeom prst="rect">
+              <a:avLst/>
+            </a:prstGeom>
+            <a:noFill/>
+          </p:spPr>
+          <p:txBody>
+            <a:bodyPr wrap="none" rtlCol="0">
+              <a:spAutoFit/>
+            </a:bodyPr>
+            <a:lstStyle/>
+            <a:p>
+              <a:r>
+                <a:rPr kumimoji="1" lang="ja-JP" altLang="en-US" sz="3600" dirty="0" smtClean="0"/>
+                <a:t>・仮説の検証を</a:t>
+              </a:r>
+              <a:r>
+                <a:rPr kumimoji="1" lang="ja-JP" altLang="en-US" sz="3600" dirty="0" smtClean="0"/>
+                <a:t>行う</a:t>
+              </a:r>
+              <a:endParaRPr kumimoji="1" lang="ja-JP" altLang="en-US" sz="3600" dirty="0"/>
+            </a:p>
+          </p:txBody>
+        </p:sp>
+        <p:sp>
+          <p:nvSpPr>
+            <p:cNvPr id="101" name="テキスト ボックス 100"/>
+            <p:cNvSpPr txBox="1"/>
+            <p:nvPr/>
+          </p:nvSpPr>
+          <p:spPr>
+            <a:xfrm>
+              <a:off x="10842357" y="28173435"/>
+              <a:ext cx="3892925" cy="707193"/>
+            </a:xfrm>
+            <a:prstGeom prst="rect">
+              <a:avLst/>
+            </a:prstGeom>
+            <a:noFill/>
+          </p:spPr>
+          <p:txBody>
+            <a:bodyPr wrap="none" rtlCol="0">
+              <a:spAutoFit/>
+            </a:bodyPr>
+            <a:lstStyle/>
+            <a:p>
+              <a:r>
+                <a:rPr kumimoji="1" lang="ja-JP" altLang="en-US" sz="3600" dirty="0" smtClean="0"/>
+                <a:t>・論文を執筆</a:t>
+              </a:r>
+              <a:r>
+                <a:rPr kumimoji="1" lang="ja-JP" altLang="en-US" sz="3600" dirty="0" smtClean="0"/>
+                <a:t>する</a:t>
+              </a:r>
+              <a:endParaRPr kumimoji="1" lang="ja-JP" altLang="en-US" sz="3600" dirty="0"/>
+            </a:p>
+          </p:txBody>
+        </p:sp>
       </p:grpSp>
-      <p:sp>
-        <p:nvSpPr>
-          <p:cNvPr id="34" name="正方形/長方形 33"/>
-          <p:cNvSpPr/>
-          <p:nvPr/>
-        </p:nvSpPr>
-        <p:spPr>
-          <a:xfrm>
-            <a:off x="10686552" y="20320063"/>
-            <a:ext cx="10303993" cy="9221524"/>
-          </a:xfrm>
-          <a:prstGeom prst="rect">
-            <a:avLst/>
-          </a:prstGeom>
-          <a:noFill/>
-          <a:ln>
-            <a:solidFill>
-              <a:schemeClr val="tx1"/>
-            </a:solidFill>
-          </a:ln>
-        </p:spPr>
-        <p:style>
-          <a:lnRef idx="2">
-            <a:schemeClr val="accent1">
-              <a:shade val="50000"/>
-            </a:schemeClr>
-          </a:lnRef>
-          <a:fillRef idx="1">
-            <a:schemeClr val="accent1"/>
-          </a:fillRef>
-          <a:effectRef idx="0">
-            <a:schemeClr val="accent1"/>
-          </a:effectRef>
-          <a:fontRef idx="minor">
-            <a:schemeClr val="lt1"/>
-          </a:fontRef>
-        </p:style>
-        <p:txBody>
-          <a:bodyPr rtlCol="0" anchor="ctr"/>
-          <a:lstStyle/>
-          <a:p>
-            <a:pPr algn="ctr"/>
-            <a:endParaRPr kumimoji="1" lang="ja-JP" altLang="en-US" dirty="0"/>
-          </a:p>
-        </p:txBody>
-      </p:sp>
-      <p:sp>
-        <p:nvSpPr>
-          <p:cNvPr id="36" name="テキスト ボックス 35"/>
-          <p:cNvSpPr txBox="1"/>
-          <p:nvPr/>
-        </p:nvSpPr>
-        <p:spPr>
-          <a:xfrm>
-            <a:off x="10835725" y="20380495"/>
-            <a:ext cx="4169175" cy="984885"/>
-          </a:xfrm>
-          <a:prstGeom prst="rect">
-            <a:avLst/>
-          </a:prstGeom>
-          <a:solidFill>
-            <a:schemeClr val="accent6">
-              <a:lumMod val="40000"/>
-              <a:lumOff val="60000"/>
-            </a:schemeClr>
-          </a:solidFill>
-        </p:spPr>
-        <p:txBody>
-          <a:bodyPr wrap="square" rtlCol="0">
-            <a:spAutoFit/>
-          </a:bodyPr>
-          <a:lstStyle/>
-          <a:p>
-            <a:r>
-              <a:rPr kumimoji="1" lang="ja-JP" altLang="en-US" dirty="0" smtClean="0"/>
-              <a:t>今後の計画</a:t>
-            </a:r>
-            <a:endParaRPr kumimoji="1" lang="ja-JP" altLang="en-US" dirty="0"/>
-          </a:p>
-        </p:txBody>
-      </p:sp>
-      <p:sp>
-        <p:nvSpPr>
-          <p:cNvPr id="39" name="正方形/長方形 38"/>
-          <p:cNvSpPr/>
-          <p:nvPr/>
-        </p:nvSpPr>
-        <p:spPr>
-          <a:xfrm>
-            <a:off x="10621394" y="13410622"/>
-            <a:ext cx="10369152" cy="6352644"/>
-          </a:xfrm>
-          <a:prstGeom prst="rect">
-            <a:avLst/>
-          </a:prstGeom>
-          <a:noFill/>
-          <a:ln>
-            <a:solidFill>
-              <a:schemeClr val="tx1"/>
-            </a:solidFill>
-          </a:ln>
-        </p:spPr>
-        <p:style>
-          <a:lnRef idx="2">
-            <a:schemeClr val="accent1">
-              <a:shade val="50000"/>
-            </a:schemeClr>
-          </a:lnRef>
-          <a:fillRef idx="1">
-            <a:schemeClr val="accent1"/>
-          </a:fillRef>
-          <a:effectRef idx="0">
-            <a:schemeClr val="accent1"/>
-          </a:effectRef>
-          <a:fontRef idx="minor">
-            <a:schemeClr val="lt1"/>
-          </a:fontRef>
-        </p:style>
-        <p:txBody>
-          <a:bodyPr rtlCol="0" anchor="ctr"/>
-          <a:lstStyle/>
-          <a:p>
-            <a:pPr algn="ctr"/>
-            <a:endParaRPr kumimoji="1" lang="ja-JP" altLang="en-US"/>
-          </a:p>
-        </p:txBody>
-      </p:sp>
-      <p:sp>
-        <p:nvSpPr>
-          <p:cNvPr id="40" name="テキスト ボックス 39"/>
-          <p:cNvSpPr txBox="1"/>
-          <p:nvPr/>
-        </p:nvSpPr>
-        <p:spPr>
-          <a:xfrm>
-            <a:off x="11053440" y="13771835"/>
-            <a:ext cx="3223592" cy="984885"/>
-          </a:xfrm>
-          <a:prstGeom prst="rect">
-            <a:avLst/>
-          </a:prstGeom>
-          <a:solidFill>
-            <a:schemeClr val="accent6">
-              <a:lumMod val="40000"/>
-              <a:lumOff val="60000"/>
-            </a:schemeClr>
-          </a:solidFill>
-        </p:spPr>
-        <p:txBody>
-          <a:bodyPr wrap="square" rtlCol="0">
-            <a:spAutoFit/>
-          </a:bodyPr>
-          <a:lstStyle/>
-          <a:p>
-            <a:r>
-              <a:rPr kumimoji="1" lang="ja-JP" altLang="en-US" dirty="0" smtClean="0"/>
-              <a:t>進捗状況</a:t>
-            </a:r>
-            <a:endParaRPr kumimoji="1" lang="ja-JP" altLang="en-US" dirty="0"/>
-          </a:p>
-        </p:txBody>
-      </p:sp>
-      <p:sp>
-        <p:nvSpPr>
-          <p:cNvPr id="42" name="テキスト ボックス 41"/>
-          <p:cNvSpPr txBox="1"/>
-          <p:nvPr/>
-        </p:nvSpPr>
-        <p:spPr>
-          <a:xfrm>
-            <a:off x="11130698" y="16521422"/>
-            <a:ext cx="8857249" cy="707886"/>
-          </a:xfrm>
-          <a:prstGeom prst="rect">
-            <a:avLst/>
-          </a:prstGeom>
-          <a:noFill/>
-        </p:spPr>
-        <p:txBody>
-          <a:bodyPr wrap="square" rtlCol="0">
-            <a:spAutoFit/>
-          </a:bodyPr>
-          <a:lstStyle/>
-          <a:p>
-            <a:r>
-              <a:rPr kumimoji="1" lang="ja-JP" altLang="en-US" sz="4000" dirty="0" smtClean="0"/>
-              <a:t>仮想環境にて</a:t>
-            </a:r>
-            <a:r>
-              <a:rPr kumimoji="1" lang="en-US" altLang="ja-JP" sz="4000" dirty="0" err="1" smtClean="0"/>
-              <a:t>GHTorrent</a:t>
-            </a:r>
-            <a:r>
-              <a:rPr kumimoji="1" lang="ja-JP" altLang="en-US" sz="4000" dirty="0" smtClean="0"/>
-              <a:t>を使用してみた．</a:t>
-            </a:r>
-            <a:endParaRPr kumimoji="1" lang="ja-JP" altLang="en-US" sz="4000" dirty="0"/>
-          </a:p>
-        </p:txBody>
-      </p:sp>
-      <p:sp>
-        <p:nvSpPr>
-          <p:cNvPr id="12" name="テキスト ボックス 11"/>
-          <p:cNvSpPr txBox="1"/>
-          <p:nvPr/>
-        </p:nvSpPr>
-        <p:spPr>
-          <a:xfrm>
-            <a:off x="789435" y="7580002"/>
-            <a:ext cx="6377067" cy="1200329"/>
-          </a:xfrm>
-          <a:prstGeom prst="rect">
-            <a:avLst/>
-          </a:prstGeom>
-          <a:noFill/>
-        </p:spPr>
-        <p:txBody>
-          <a:bodyPr wrap="none" rtlCol="0">
-            <a:spAutoFit/>
-          </a:bodyPr>
-          <a:lstStyle/>
-          <a:p>
-            <a:r>
-              <a:rPr lang="ja-JP" altLang="en-US" sz="3600" dirty="0"/>
-              <a:t>本当</a:t>
-            </a:r>
-            <a:r>
-              <a:rPr lang="ja-JP" altLang="en-US" sz="3600" dirty="0" smtClean="0"/>
-              <a:t>にコミュニケーション能力が</a:t>
-            </a:r>
-            <a:endParaRPr lang="en-US" altLang="ja-JP" sz="3600" dirty="0" smtClean="0"/>
-          </a:p>
-          <a:p>
-            <a:r>
-              <a:rPr lang="ja-JP" altLang="en-US" sz="3600" dirty="0" smtClean="0"/>
-              <a:t>必要とされているのか．</a:t>
-            </a:r>
-            <a:endParaRPr kumimoji="1" lang="ja-JP" altLang="en-US" sz="3600" dirty="0"/>
-          </a:p>
-        </p:txBody>
-      </p:sp>
-      <p:sp>
-        <p:nvSpPr>
-          <p:cNvPr id="53" name="角丸四角形 52"/>
-          <p:cNvSpPr/>
-          <p:nvPr/>
-        </p:nvSpPr>
-        <p:spPr>
-          <a:xfrm>
-            <a:off x="756296" y="18812395"/>
-            <a:ext cx="8860410" cy="2159734"/>
-          </a:xfrm>
-          <a:prstGeom prst="roundRect">
-            <a:avLst/>
-          </a:prstGeom>
-          <a:noFill/>
-        </p:spPr>
-        <p:style>
-          <a:lnRef idx="2">
-            <a:schemeClr val="accent1">
-              <a:shade val="50000"/>
-            </a:schemeClr>
-          </a:lnRef>
-          <a:fillRef idx="1">
-            <a:schemeClr val="accent1"/>
-          </a:fillRef>
-          <a:effectRef idx="0">
-            <a:schemeClr val="accent1"/>
-          </a:effectRef>
-          <a:fontRef idx="minor">
-            <a:schemeClr val="lt1"/>
-          </a:fontRef>
-        </p:style>
-        <p:txBody>
-          <a:bodyPr rtlCol="0" anchor="ctr"/>
-          <a:lstStyle/>
-          <a:p>
-            <a:pPr algn="ctr"/>
-            <a:endParaRPr kumimoji="1" lang="ja-JP" altLang="en-US"/>
-          </a:p>
-        </p:txBody>
-      </p:sp>
-      <p:sp>
-        <p:nvSpPr>
-          <p:cNvPr id="28" name="テキスト ボックス 27"/>
-          <p:cNvSpPr txBox="1"/>
-          <p:nvPr/>
-        </p:nvSpPr>
-        <p:spPr>
-          <a:xfrm>
-            <a:off x="1183737" y="19100427"/>
-            <a:ext cx="7342075" cy="1754326"/>
-          </a:xfrm>
-          <a:prstGeom prst="rect">
-            <a:avLst/>
-          </a:prstGeom>
-          <a:noFill/>
-        </p:spPr>
-        <p:txBody>
-          <a:bodyPr wrap="none" rtlCol="0">
-            <a:spAutoFit/>
-          </a:bodyPr>
-          <a:lstStyle/>
-          <a:p>
-            <a:r>
-              <a:rPr kumimoji="1" lang="en-US" altLang="ja-JP" sz="3600" dirty="0" smtClean="0"/>
-              <a:t>Google+</a:t>
-            </a:r>
-            <a:r>
-              <a:rPr kumimoji="1" lang="ja-JP" altLang="en-US" sz="3600" dirty="0" smtClean="0"/>
-              <a:t>を用いて活発に活動している</a:t>
-            </a:r>
-            <a:endParaRPr kumimoji="1" lang="en-US" altLang="ja-JP" sz="3600" dirty="0" smtClean="0"/>
-          </a:p>
-          <a:p>
-            <a:r>
-              <a:rPr lang="ja-JP" altLang="en-US" sz="3600" dirty="0"/>
-              <a:t>ユーザ</a:t>
-            </a:r>
-            <a:r>
-              <a:rPr lang="ja-JP" altLang="en-US" sz="3600" dirty="0" smtClean="0"/>
-              <a:t>のフォロワー数や投稿頻度を</a:t>
-            </a:r>
-            <a:endParaRPr lang="en-US" altLang="ja-JP" sz="3600" dirty="0" smtClean="0"/>
-          </a:p>
-          <a:p>
-            <a:r>
-              <a:rPr lang="ja-JP" altLang="en-US" sz="3600" dirty="0" smtClean="0"/>
-              <a:t>調査する</a:t>
-            </a:r>
-            <a:endParaRPr kumimoji="1" lang="ja-JP" altLang="en-US" sz="3600" dirty="0"/>
-          </a:p>
-        </p:txBody>
-      </p:sp>
-      <p:sp>
-        <p:nvSpPr>
-          <p:cNvPr id="35" name="テキスト ボックス 34"/>
-          <p:cNvSpPr txBox="1"/>
-          <p:nvPr/>
-        </p:nvSpPr>
-        <p:spPr>
-          <a:xfrm>
-            <a:off x="1260352" y="22916851"/>
-            <a:ext cx="7532831" cy="1754326"/>
-          </a:xfrm>
-          <a:prstGeom prst="rect">
-            <a:avLst/>
-          </a:prstGeom>
-          <a:noFill/>
-        </p:spPr>
-        <p:txBody>
-          <a:bodyPr wrap="none" rtlCol="0">
-            <a:spAutoFit/>
-          </a:bodyPr>
-          <a:lstStyle/>
-          <a:p>
-            <a:r>
-              <a:rPr kumimoji="1" lang="ja-JP" altLang="en-US" sz="3600" dirty="0" smtClean="0"/>
-              <a:t>抽出したフォロワーと</a:t>
-            </a:r>
-            <a:r>
-              <a:rPr kumimoji="1" lang="en-US" altLang="ja-JP" sz="3600" dirty="0" smtClean="0"/>
-              <a:t>Google+</a:t>
-            </a:r>
-            <a:r>
-              <a:rPr kumimoji="1" lang="ja-JP" altLang="en-US" sz="3600" dirty="0" smtClean="0"/>
-              <a:t>における</a:t>
-            </a:r>
-            <a:endParaRPr kumimoji="1" lang="en-US" altLang="ja-JP" sz="3600" dirty="0" smtClean="0"/>
-          </a:p>
-          <a:p>
-            <a:r>
-              <a:rPr kumimoji="1" lang="ja-JP" altLang="en-US" sz="3600" dirty="0" smtClean="0"/>
-              <a:t>フォロワー数と投稿頻度の関係性を</a:t>
-            </a:r>
-            <a:endParaRPr kumimoji="1" lang="en-US" altLang="ja-JP" sz="3600" dirty="0" smtClean="0"/>
-          </a:p>
-          <a:p>
-            <a:r>
-              <a:rPr lang="ja-JP" altLang="en-US" sz="3600" dirty="0"/>
-              <a:t>調査</a:t>
-            </a:r>
-            <a:r>
-              <a:rPr lang="ja-JP" altLang="en-US" sz="3600" dirty="0" smtClean="0"/>
-              <a:t>する．</a:t>
-            </a:r>
-            <a:endParaRPr kumimoji="1" lang="ja-JP" altLang="en-US" sz="3600" dirty="0"/>
-          </a:p>
-        </p:txBody>
-      </p:sp>
-      <p:sp>
-        <p:nvSpPr>
-          <p:cNvPr id="44" name="テキスト ボックス 43"/>
-          <p:cNvSpPr txBox="1"/>
-          <p:nvPr/>
-        </p:nvSpPr>
-        <p:spPr>
-          <a:xfrm>
-            <a:off x="11053440" y="17846950"/>
-            <a:ext cx="8907247" cy="1323439"/>
-          </a:xfrm>
-          <a:prstGeom prst="rect">
-            <a:avLst/>
-          </a:prstGeom>
-          <a:noFill/>
-        </p:spPr>
-        <p:txBody>
-          <a:bodyPr wrap="none" rtlCol="0">
-            <a:spAutoFit/>
-          </a:bodyPr>
-          <a:lstStyle/>
-          <a:p>
-            <a:r>
-              <a:rPr kumimoji="1" lang="ja-JP" altLang="en-US" sz="4000" dirty="0" smtClean="0"/>
-              <a:t>しかし</a:t>
-            </a:r>
-            <a:r>
-              <a:rPr kumimoji="1" lang="en-US" altLang="ja-JP" sz="4000" dirty="0" err="1" smtClean="0"/>
-              <a:t>GHTorrent</a:t>
-            </a:r>
-            <a:r>
-              <a:rPr kumimoji="1" lang="ja-JP" altLang="en-US" sz="4000" dirty="0" smtClean="0"/>
-              <a:t>を使用できる段階までは</a:t>
-            </a:r>
-            <a:endParaRPr kumimoji="1" lang="en-US" altLang="ja-JP" sz="4000" dirty="0" smtClean="0"/>
-          </a:p>
-          <a:p>
-            <a:r>
-              <a:rPr lang="ja-JP" altLang="en-US" sz="4000" dirty="0"/>
-              <a:t>進</a:t>
-            </a:r>
-            <a:r>
-              <a:rPr lang="ja-JP" altLang="en-US" sz="4000" dirty="0" smtClean="0"/>
-              <a:t>んでいない．</a:t>
-            </a:r>
-            <a:endParaRPr kumimoji="1" lang="ja-JP" altLang="en-US" sz="4000" dirty="0"/>
-          </a:p>
-        </p:txBody>
-      </p:sp>
-      <p:sp>
-        <p:nvSpPr>
-          <p:cNvPr id="61" name="角丸四角形 60"/>
-          <p:cNvSpPr/>
-          <p:nvPr/>
-        </p:nvSpPr>
-        <p:spPr>
-          <a:xfrm>
-            <a:off x="756296" y="22628819"/>
-            <a:ext cx="8860410" cy="2159734"/>
-          </a:xfrm>
-          <a:prstGeom prst="roundRect">
-            <a:avLst/>
-          </a:prstGeom>
-          <a:noFill/>
-        </p:spPr>
-        <p:style>
-          <a:lnRef idx="2">
-            <a:schemeClr val="accent1">
-              <a:shade val="50000"/>
-            </a:schemeClr>
-          </a:lnRef>
-          <a:fillRef idx="1">
-            <a:schemeClr val="accent1"/>
-          </a:fillRef>
-          <a:effectRef idx="0">
-            <a:schemeClr val="accent1"/>
-          </a:effectRef>
-          <a:fontRef idx="minor">
-            <a:schemeClr val="lt1"/>
-          </a:fontRef>
-        </p:style>
-        <p:txBody>
-          <a:bodyPr rtlCol="0" anchor="ctr"/>
-          <a:lstStyle/>
-          <a:p>
-            <a:pPr algn="ctr"/>
-            <a:endParaRPr kumimoji="1" lang="ja-JP" altLang="en-US"/>
-          </a:p>
-        </p:txBody>
-      </p:sp>
-      <p:sp>
-        <p:nvSpPr>
-          <p:cNvPr id="58" name="下矢印 57"/>
-          <p:cNvSpPr/>
-          <p:nvPr/>
-        </p:nvSpPr>
-        <p:spPr>
-          <a:xfrm>
-            <a:off x="3139348" y="17300227"/>
-            <a:ext cx="4027153" cy="1306768"/>
-          </a:xfrm>
-          <a:prstGeom prst="downArrow">
-            <a:avLst/>
-          </a:prstGeom>
-        </p:spPr>
-        <p:style>
-          <a:lnRef idx="2">
-            <a:schemeClr val="accent1">
-              <a:shade val="50000"/>
-            </a:schemeClr>
-          </a:lnRef>
-          <a:fillRef idx="1">
-            <a:schemeClr val="accent1"/>
-          </a:fillRef>
-          <a:effectRef idx="0">
-            <a:schemeClr val="accent1"/>
-          </a:effectRef>
-          <a:fontRef idx="minor">
-            <a:schemeClr val="lt1"/>
-          </a:fontRef>
-        </p:style>
-        <p:txBody>
-          <a:bodyPr rtlCol="0" anchor="ctr"/>
-          <a:lstStyle/>
-          <a:p>
-            <a:pPr algn="ctr"/>
-            <a:endParaRPr kumimoji="1" lang="ja-JP" altLang="en-US"/>
-          </a:p>
-        </p:txBody>
-      </p:sp>
-      <p:sp>
-        <p:nvSpPr>
-          <p:cNvPr id="62" name="下矢印 61"/>
-          <p:cNvSpPr/>
-          <p:nvPr/>
-        </p:nvSpPr>
-        <p:spPr>
-          <a:xfrm>
-            <a:off x="3281871" y="21188659"/>
-            <a:ext cx="4027153" cy="1306768"/>
-          </a:xfrm>
-          <a:prstGeom prst="downArrow">
-            <a:avLst/>
-          </a:prstGeom>
-        </p:spPr>
-        <p:style>
-          <a:lnRef idx="2">
-            <a:schemeClr val="accent1">
-              <a:shade val="50000"/>
-            </a:schemeClr>
-          </a:lnRef>
-          <a:fillRef idx="1">
-            <a:schemeClr val="accent1"/>
-          </a:fillRef>
-          <a:effectRef idx="0">
-            <a:schemeClr val="accent1"/>
-          </a:effectRef>
-          <a:fontRef idx="minor">
-            <a:schemeClr val="lt1"/>
-          </a:fontRef>
-        </p:style>
-        <p:txBody>
-          <a:bodyPr rtlCol="0" anchor="ctr"/>
-          <a:lstStyle/>
-          <a:p>
-            <a:pPr algn="ctr"/>
-            <a:endParaRPr kumimoji="1" lang="ja-JP" altLang="en-US"/>
-          </a:p>
-        </p:txBody>
-      </p:sp>
-      <p:pic>
-        <p:nvPicPr>
-          <p:cNvPr id="64" name="図 63"/>
-          <p:cNvPicPr>
-            <a:picLocks noChangeAspect="1"/>
-          </p:cNvPicPr>
-          <p:nvPr/>
-        </p:nvPicPr>
-        <p:blipFill>
-          <a:blip r:embed="rId3">
-            <a:extLst>
-              <a:ext uri="{28A0092B-C50C-407E-A947-70E740481C1C}">
-                <a14:useLocalDpi xmlns:a14="http://schemas.microsoft.com/office/drawing/2010/main" val="0"/>
-              </a:ext>
-            </a:extLst>
-          </a:blip>
-          <a:stretch>
-            <a:fillRect/>
-          </a:stretch>
-        </p:blipFill>
-        <p:spPr>
-          <a:xfrm>
-            <a:off x="789435" y="25076585"/>
-            <a:ext cx="8763540" cy="4096318"/>
-          </a:xfrm>
-          <a:prstGeom prst="rect">
-            <a:avLst/>
-          </a:prstGeom>
-        </p:spPr>
-      </p:pic>
-      <p:sp>
-        <p:nvSpPr>
-          <p:cNvPr id="65" name="テキスト ボックス 64"/>
-          <p:cNvSpPr txBox="1"/>
-          <p:nvPr/>
-        </p:nvSpPr>
-        <p:spPr>
-          <a:xfrm>
-            <a:off x="11053440" y="15313517"/>
-            <a:ext cx="8410764" cy="707886"/>
-          </a:xfrm>
-          <a:prstGeom prst="rect">
-            <a:avLst/>
-          </a:prstGeom>
-          <a:noFill/>
-        </p:spPr>
-        <p:txBody>
-          <a:bodyPr wrap="none" rtlCol="0">
-            <a:spAutoFit/>
-          </a:bodyPr>
-          <a:lstStyle/>
-          <a:p>
-            <a:r>
-              <a:rPr kumimoji="1" lang="en-US" altLang="ja-JP" sz="4000" dirty="0" smtClean="0"/>
-              <a:t>Vagrant</a:t>
-            </a:r>
-            <a:r>
-              <a:rPr kumimoji="1" lang="ja-JP" altLang="en-US" sz="4000" dirty="0" smtClean="0"/>
-              <a:t>を用いて仮想環境を構築した．</a:t>
-            </a:r>
-            <a:endParaRPr kumimoji="1" lang="ja-JP" altLang="en-US" sz="4000" dirty="0"/>
-          </a:p>
-        </p:txBody>
-      </p:sp>
-      <p:sp>
-        <p:nvSpPr>
-          <p:cNvPr id="67" name="テキスト ボックス 66"/>
-          <p:cNvSpPr txBox="1"/>
-          <p:nvPr/>
-        </p:nvSpPr>
-        <p:spPr>
-          <a:xfrm>
-            <a:off x="10835725" y="21836731"/>
-            <a:ext cx="10318402" cy="830997"/>
-          </a:xfrm>
-          <a:prstGeom prst="rect">
-            <a:avLst/>
-          </a:prstGeom>
-          <a:noFill/>
-        </p:spPr>
-        <p:txBody>
-          <a:bodyPr wrap="none" rtlCol="0">
-            <a:spAutoFit/>
-          </a:bodyPr>
-          <a:lstStyle/>
-          <a:p>
-            <a:r>
-              <a:rPr kumimoji="1" lang="ja-JP" altLang="en-US" sz="4800" dirty="0" smtClean="0"/>
-              <a:t>・</a:t>
-            </a:r>
-            <a:r>
-              <a:rPr kumimoji="1" lang="en-US" altLang="ja-JP" sz="4800" dirty="0" err="1" smtClean="0"/>
-              <a:t>GHTorret</a:t>
-            </a:r>
-            <a:r>
-              <a:rPr lang="ja-JP" altLang="en-US" sz="4800" dirty="0" smtClean="0"/>
-              <a:t>を使用できるよう準備を行う．</a:t>
-            </a:r>
-            <a:endParaRPr kumimoji="1" lang="ja-JP" altLang="en-US" sz="4800" dirty="0"/>
-          </a:p>
-        </p:txBody>
-      </p:sp>
-      <p:sp>
-        <p:nvSpPr>
-          <p:cNvPr id="68" name="テキスト ボックス 67"/>
-          <p:cNvSpPr txBox="1"/>
-          <p:nvPr/>
-        </p:nvSpPr>
-        <p:spPr>
-          <a:xfrm>
-            <a:off x="10839140" y="23060867"/>
-            <a:ext cx="7919156" cy="1569660"/>
-          </a:xfrm>
-          <a:prstGeom prst="rect">
-            <a:avLst/>
-          </a:prstGeom>
-          <a:noFill/>
-        </p:spPr>
-        <p:txBody>
-          <a:bodyPr wrap="none" rtlCol="0">
-            <a:spAutoFit/>
-          </a:bodyPr>
-          <a:lstStyle/>
-          <a:p>
-            <a:r>
-              <a:rPr kumimoji="1" lang="ja-JP" altLang="en-US" sz="4800" dirty="0" smtClean="0"/>
-              <a:t>・</a:t>
-            </a:r>
-            <a:r>
-              <a:rPr kumimoji="1" lang="en-US" altLang="ja-JP" sz="4800" dirty="0" smtClean="0"/>
-              <a:t>Gmail</a:t>
-            </a:r>
-            <a:r>
-              <a:rPr kumimoji="1" lang="ja-JP" altLang="en-US" sz="4800" dirty="0" smtClean="0"/>
-              <a:t>アドレスを登録している</a:t>
-            </a:r>
-            <a:endParaRPr kumimoji="1" lang="en-US" altLang="ja-JP" sz="4800" dirty="0" smtClean="0"/>
-          </a:p>
-          <a:p>
-            <a:r>
-              <a:rPr kumimoji="1" lang="ja-JP" altLang="en-US" sz="4800" dirty="0" smtClean="0"/>
-              <a:t>　ユーザを抽出する．</a:t>
-            </a:r>
-            <a:endParaRPr kumimoji="1" lang="ja-JP" altLang="en-US" sz="4800" dirty="0"/>
-          </a:p>
-        </p:txBody>
-      </p:sp>
-      <p:sp>
-        <p:nvSpPr>
-          <p:cNvPr id="69" name="テキスト ボックス 68"/>
-          <p:cNvSpPr txBox="1"/>
-          <p:nvPr/>
-        </p:nvSpPr>
-        <p:spPr>
-          <a:xfrm>
-            <a:off x="10837416" y="24875583"/>
-            <a:ext cx="10131300" cy="1569660"/>
-          </a:xfrm>
-          <a:prstGeom prst="rect">
-            <a:avLst/>
-          </a:prstGeom>
-          <a:noFill/>
-        </p:spPr>
-        <p:txBody>
-          <a:bodyPr wrap="none" rtlCol="0">
-            <a:spAutoFit/>
-          </a:bodyPr>
-          <a:lstStyle/>
-          <a:p>
-            <a:r>
-              <a:rPr kumimoji="1" lang="ja-JP" altLang="en-US" sz="4800" dirty="0" smtClean="0"/>
-              <a:t>・</a:t>
-            </a:r>
-            <a:r>
-              <a:rPr kumimoji="1" lang="en-US" altLang="ja-JP" sz="4800" dirty="0" smtClean="0"/>
-              <a:t>Google+</a:t>
-            </a:r>
-            <a:r>
-              <a:rPr lang="ja-JP" altLang="en-US" sz="4800" dirty="0" smtClean="0"/>
-              <a:t>におけるユーザの</a:t>
-            </a:r>
-            <a:endParaRPr lang="en-US" altLang="ja-JP" sz="4800" dirty="0" smtClean="0"/>
-          </a:p>
-          <a:p>
-            <a:r>
-              <a:rPr lang="ja-JP" altLang="en-US" sz="4800" dirty="0" smtClean="0"/>
-              <a:t>　フォロワー数と投稿頻度を調査する．</a:t>
-            </a:r>
-            <a:endParaRPr kumimoji="1" lang="ja-JP" altLang="en-US" sz="4800" dirty="0"/>
-          </a:p>
-        </p:txBody>
-      </p:sp>
-      <p:sp>
-        <p:nvSpPr>
-          <p:cNvPr id="70" name="テキスト ボックス 69"/>
-          <p:cNvSpPr txBox="1"/>
-          <p:nvPr/>
-        </p:nvSpPr>
-        <p:spPr>
-          <a:xfrm>
-            <a:off x="10835725" y="26805283"/>
-            <a:ext cx="6675225" cy="984885"/>
-          </a:xfrm>
-          <a:prstGeom prst="rect">
-            <a:avLst/>
-          </a:prstGeom>
-          <a:noFill/>
-        </p:spPr>
-        <p:txBody>
-          <a:bodyPr wrap="none" rtlCol="0">
-            <a:spAutoFit/>
-          </a:bodyPr>
-          <a:lstStyle/>
-          <a:p>
-            <a:r>
-              <a:rPr kumimoji="1" lang="ja-JP" altLang="en-US" dirty="0" smtClean="0"/>
-              <a:t>・仮説の検証を行う．</a:t>
-            </a:r>
-            <a:endParaRPr kumimoji="1" lang="ja-JP" altLang="en-US" dirty="0"/>
-          </a:p>
-        </p:txBody>
-      </p:sp>
-      <p:sp>
-        <p:nvSpPr>
-          <p:cNvPr id="71" name="テキスト ボックス 70"/>
-          <p:cNvSpPr txBox="1"/>
-          <p:nvPr/>
-        </p:nvSpPr>
-        <p:spPr>
-          <a:xfrm>
-            <a:off x="10950356" y="28173435"/>
-            <a:ext cx="6019597" cy="984885"/>
-          </a:xfrm>
-          <a:prstGeom prst="rect">
-            <a:avLst/>
-          </a:prstGeom>
-          <a:noFill/>
-        </p:spPr>
-        <p:txBody>
-          <a:bodyPr wrap="none" rtlCol="0">
-            <a:spAutoFit/>
-          </a:bodyPr>
-          <a:lstStyle/>
-          <a:p>
-            <a:r>
-              <a:rPr kumimoji="1" lang="ja-JP" altLang="en-US" dirty="0" smtClean="0"/>
-              <a:t>・論文を執筆する．</a:t>
-            </a:r>
-            <a:endParaRPr kumimoji="1" lang="ja-JP" altLang="en-US" dirty="0"/>
-          </a:p>
-        </p:txBody>
-      </p:sp>
     </p:spTree>
     <p:extLst>
       <p:ext uri="{BB962C8B-B14F-4D97-AF65-F5344CB8AC3E}">
-        <p14:creationId xmlns:p14="http://schemas.microsoft.com/office/powerpoint/2010/main" val="1261616870"/>
+        <p14:creationId xmlns:p14="http://schemas.microsoft.com/office/powerpoint/2010/main" val="2463124601"/>
       </p:ext>
     </p:extLst>
   </p:cSld>

--- a/卒業論文/2015/辻岡大知/中間発表/中間発表ポスター.pptx
+++ b/卒業論文/2015/辻岡大知/中間発表/中間発表ポスター.pptx
@@ -211,7 +211,7 @@
           <a:p>
             <a:fld id="{1355B614-8C80-42CD-A0C7-A8AC0A708725}" type="datetimeFigureOut">
               <a:rPr kumimoji="1" lang="ja-JP" altLang="en-US" smtClean="0"/>
-              <a:t>2016/10/10</a:t>
+              <a:t>2016/10/12</a:t>
             </a:fld>
             <a:endParaRPr kumimoji="1" lang="ja-JP" altLang="en-US"/>
           </a:p>
@@ -511,6 +511,90 @@
 </p:notesMaster>
 </file>
 
+<file path=ppt/notesSlides/notesSlide1.xml><?xml version="1.0" encoding="utf-8"?>
+<p:notes xmlns:a="http://schemas.openxmlformats.org/drawingml/2006/main" xmlns:r="http://schemas.openxmlformats.org/officeDocument/2006/relationships" xmlns:p="http://schemas.openxmlformats.org/presentationml/2006/main">
+  <p:cSld>
+    <p:spTree>
+      <p:nvGrpSpPr>
+        <p:cNvPr id="1" name=""/>
+        <p:cNvGrpSpPr/>
+        <p:nvPr/>
+      </p:nvGrpSpPr>
+      <p:grpSpPr>
+        <a:xfrm>
+          <a:off x="0" y="0"/>
+          <a:ext cx="0" cy="0"/>
+          <a:chOff x="0" y="0"/>
+          <a:chExt cx="0" cy="0"/>
+        </a:xfrm>
+      </p:grpSpPr>
+      <p:sp>
+        <p:nvSpPr>
+          <p:cNvPr id="2" name="スライド イメージ プレースホルダー 1"/>
+          <p:cNvSpPr>
+            <a:spLocks noGrp="1" noRot="1" noChangeAspect="1"/>
+          </p:cNvSpPr>
+          <p:nvPr>
+            <p:ph type="sldImg"/>
+          </p:nvPr>
+        </p:nvSpPr>
+        <p:spPr/>
+      </p:sp>
+      <p:sp>
+        <p:nvSpPr>
+          <p:cNvPr id="3" name="ノート プレースホルダー 2"/>
+          <p:cNvSpPr>
+            <a:spLocks noGrp="1"/>
+          </p:cNvSpPr>
+          <p:nvPr>
+            <p:ph type="body" idx="1"/>
+          </p:nvPr>
+        </p:nvSpPr>
+        <p:spPr/>
+        <p:txBody>
+          <a:bodyPr/>
+          <a:lstStyle/>
+          <a:p>
+            <a:endParaRPr kumimoji="1" lang="ja-JP" altLang="en-US" dirty="0"/>
+          </a:p>
+        </p:txBody>
+      </p:sp>
+      <p:sp>
+        <p:nvSpPr>
+          <p:cNvPr id="4" name="スライド番号プレースホルダー 3"/>
+          <p:cNvSpPr>
+            <a:spLocks noGrp="1"/>
+          </p:cNvSpPr>
+          <p:nvPr>
+            <p:ph type="sldNum" sz="quarter" idx="10"/>
+          </p:nvPr>
+        </p:nvSpPr>
+        <p:spPr/>
+        <p:txBody>
+          <a:bodyPr/>
+          <a:lstStyle/>
+          <a:p>
+            <a:fld id="{2A178348-B998-4583-8D76-0C2E693C4C62}" type="slidenum">
+              <a:rPr kumimoji="1" lang="ja-JP" altLang="en-US" smtClean="0"/>
+              <a:t>1</a:t>
+            </a:fld>
+            <a:endParaRPr kumimoji="1" lang="ja-JP" altLang="en-US"/>
+          </a:p>
+        </p:txBody>
+      </p:sp>
+    </p:spTree>
+    <p:extLst>
+      <p:ext uri="{BB962C8B-B14F-4D97-AF65-F5344CB8AC3E}">
+        <p14:creationId xmlns:p14="http://schemas.microsoft.com/office/powerpoint/2010/main" val="2415570559"/>
+      </p:ext>
+    </p:extLst>
+  </p:cSld>
+  <p:clrMapOvr>
+    <a:masterClrMapping/>
+  </p:clrMapOvr>
+</p:notes>
+</file>
+
 <file path=ppt/slideLayouts/slideLayout1.xml><?xml version="1.0" encoding="utf-8"?>
 <p:sldLayout xmlns:a="http://schemas.openxmlformats.org/drawingml/2006/main" xmlns:r="http://schemas.openxmlformats.org/officeDocument/2006/relationships" xmlns:p="http://schemas.openxmlformats.org/presentationml/2006/main" type="title" preserve="1">
   <p:cSld name="タイトル スライド">
@@ -642,7 +726,7 @@
           <a:p>
             <a:fld id="{CD18CB5A-6947-405F-A94A-52FF85729738}" type="datetimeFigureOut">
               <a:rPr kumimoji="1" lang="ja-JP" altLang="en-US" smtClean="0"/>
-              <a:t>2016/10/10</a:t>
+              <a:t>2016/10/12</a:t>
             </a:fld>
             <a:endParaRPr kumimoji="1" lang="ja-JP" altLang="en-US"/>
           </a:p>
@@ -844,7 +928,7 @@
           <a:p>
             <a:fld id="{CD18CB5A-6947-405F-A94A-52FF85729738}" type="datetimeFigureOut">
               <a:rPr kumimoji="1" lang="ja-JP" altLang="en-US" smtClean="0"/>
-              <a:t>2016/10/10</a:t>
+              <a:t>2016/10/12</a:t>
             </a:fld>
             <a:endParaRPr kumimoji="1" lang="ja-JP" altLang="en-US"/>
           </a:p>
@@ -1056,7 +1140,7 @@
           <a:p>
             <a:fld id="{CD18CB5A-6947-405F-A94A-52FF85729738}" type="datetimeFigureOut">
               <a:rPr kumimoji="1" lang="ja-JP" altLang="en-US" smtClean="0"/>
-              <a:t>2016/10/10</a:t>
+              <a:t>2016/10/12</a:t>
             </a:fld>
             <a:endParaRPr kumimoji="1" lang="ja-JP" altLang="en-US"/>
           </a:p>
@@ -1258,7 +1342,7 @@
           <a:p>
             <a:fld id="{CD18CB5A-6947-405F-A94A-52FF85729738}" type="datetimeFigureOut">
               <a:rPr kumimoji="1" lang="ja-JP" altLang="en-US" smtClean="0"/>
-              <a:t>2016/10/10</a:t>
+              <a:t>2016/10/12</a:t>
             </a:fld>
             <a:endParaRPr kumimoji="1" lang="ja-JP" altLang="en-US"/>
           </a:p>
@@ -1504,7 +1588,7 @@
           <a:p>
             <a:fld id="{CD18CB5A-6947-405F-A94A-52FF85729738}" type="datetimeFigureOut">
               <a:rPr kumimoji="1" lang="ja-JP" altLang="en-US" smtClean="0"/>
-              <a:t>2016/10/10</a:t>
+              <a:t>2016/10/12</a:t>
             </a:fld>
             <a:endParaRPr kumimoji="1" lang="ja-JP" altLang="en-US"/>
           </a:p>
@@ -1800,7 +1884,7 @@
           <a:p>
             <a:fld id="{CD18CB5A-6947-405F-A94A-52FF85729738}" type="datetimeFigureOut">
               <a:rPr kumimoji="1" lang="ja-JP" altLang="en-US" smtClean="0"/>
-              <a:t>2016/10/10</a:t>
+              <a:t>2016/10/12</a:t>
             </a:fld>
             <a:endParaRPr kumimoji="1" lang="ja-JP" altLang="en-US"/>
           </a:p>
@@ -2231,7 +2315,7 @@
           <a:p>
             <a:fld id="{CD18CB5A-6947-405F-A94A-52FF85729738}" type="datetimeFigureOut">
               <a:rPr kumimoji="1" lang="ja-JP" altLang="en-US" smtClean="0"/>
-              <a:t>2016/10/10</a:t>
+              <a:t>2016/10/12</a:t>
             </a:fld>
             <a:endParaRPr kumimoji="1" lang="ja-JP" altLang="en-US"/>
           </a:p>
@@ -2349,7 +2433,7 @@
           <a:p>
             <a:fld id="{CD18CB5A-6947-405F-A94A-52FF85729738}" type="datetimeFigureOut">
               <a:rPr kumimoji="1" lang="ja-JP" altLang="en-US" smtClean="0"/>
-              <a:t>2016/10/10</a:t>
+              <a:t>2016/10/12</a:t>
             </a:fld>
             <a:endParaRPr kumimoji="1" lang="ja-JP" altLang="en-US"/>
           </a:p>
@@ -2444,7 +2528,7 @@
           <a:p>
             <a:fld id="{CD18CB5A-6947-405F-A94A-52FF85729738}" type="datetimeFigureOut">
               <a:rPr kumimoji="1" lang="ja-JP" altLang="en-US" smtClean="0"/>
-              <a:t>2016/10/10</a:t>
+              <a:t>2016/10/12</a:t>
             </a:fld>
             <a:endParaRPr kumimoji="1" lang="ja-JP" altLang="en-US"/>
           </a:p>
@@ -2753,7 +2837,7 @@
           <a:p>
             <a:fld id="{CD18CB5A-6947-405F-A94A-52FF85729738}" type="datetimeFigureOut">
               <a:rPr kumimoji="1" lang="ja-JP" altLang="en-US" smtClean="0"/>
-              <a:t>2016/10/10</a:t>
+              <a:t>2016/10/12</a:t>
             </a:fld>
             <a:endParaRPr kumimoji="1" lang="ja-JP" altLang="en-US"/>
           </a:p>
@@ -3006,7 +3090,7 @@
           <a:p>
             <a:fld id="{CD18CB5A-6947-405F-A94A-52FF85729738}" type="datetimeFigureOut">
               <a:rPr kumimoji="1" lang="ja-JP" altLang="en-US" smtClean="0"/>
-              <a:t>2016/10/10</a:t>
+              <a:t>2016/10/12</a:t>
             </a:fld>
             <a:endParaRPr kumimoji="1" lang="ja-JP" altLang="en-US"/>
           </a:p>
@@ -3251,7 +3335,7 @@
           <a:p>
             <a:fld id="{CD18CB5A-6947-405F-A94A-52FF85729738}" type="datetimeFigureOut">
               <a:rPr kumimoji="1" lang="ja-JP" altLang="en-US" smtClean="0"/>
-              <a:t>2016/10/10</a:t>
+              <a:t>2016/10/12</a:t>
             </a:fld>
             <a:endParaRPr kumimoji="1" lang="ja-JP" altLang="en-US"/>
           </a:p>
@@ -6424,8 +6508,8 @@
         </p:nvSpPr>
         <p:spPr>
           <a:xfrm>
-            <a:off x="828304" y="5364715"/>
-            <a:ext cx="17134691" cy="1200329"/>
+            <a:off x="396256" y="5364715"/>
+            <a:ext cx="20371282" cy="1200329"/>
           </a:xfrm>
           <a:prstGeom prst="rect">
             <a:avLst/>
@@ -6439,12 +6523,16 @@
           <a:lstStyle/>
           <a:p>
             <a:r>
-              <a:rPr lang="en-US" altLang="ja-JP" sz="3600" dirty="0" smtClean="0"/>
-              <a:t>GitHub </a:t>
+              <a:rPr lang="en-US" altLang="ja-JP" sz="3600" dirty="0" err="1" smtClean="0"/>
+              <a:t>Git</a:t>
+            </a:r>
+            <a:r>
+              <a:rPr lang="ja-JP" altLang="en-US" sz="3600" dirty="0" smtClean="0"/>
+              <a:t>と</a:t>
             </a:r>
             <a:r>
               <a:rPr lang="ja-JP" altLang="en-US" sz="3600" dirty="0"/>
-              <a:t>とはコンピュータ上で作成，編集さ </a:t>
+              <a:t>はコンピュータ上で作成，編集さ </a:t>
             </a:r>
             <a:r>
               <a:rPr lang="ja-JP" altLang="en-US" sz="3600" dirty="0" err="1" smtClean="0"/>
@@ -6464,22 +6552,58 @@
             </a:r>
             <a:r>
               <a:rPr lang="ja-JP" altLang="en-US" sz="3600" dirty="0" smtClean="0"/>
-              <a:t>の</a:t>
+              <a:t>のバージョ </a:t>
+            </a:r>
+            <a:r>
+              <a:rPr lang="ja-JP" altLang="en-US" sz="3600" dirty="0"/>
+              <a:t>ン管理</a:t>
+            </a:r>
+            <a:r>
+              <a:rPr lang="ja-JP" altLang="en-US" sz="3600" dirty="0" smtClean="0"/>
+              <a:t>システム</a:t>
             </a:r>
             <a:endParaRPr lang="en-US" altLang="ja-JP" sz="3600" dirty="0" smtClean="0"/>
           </a:p>
           <a:p>
             <a:r>
               <a:rPr lang="ja-JP" altLang="en-US" sz="3600" dirty="0" smtClean="0"/>
-              <a:t>バージョ </a:t>
+              <a:t>で</a:t>
+            </a:r>
+            <a:r>
+              <a:rPr lang="ja-JP" altLang="en-US" sz="3600" dirty="0" smtClean="0"/>
+              <a:t>ある</a:t>
+            </a:r>
+            <a:r>
+              <a:rPr lang="ja-JP" altLang="en-US" sz="3600" dirty="0" smtClean="0"/>
+              <a:t>．</a:t>
+            </a:r>
+            <a:r>
+              <a:rPr lang="en-US" altLang="ja-JP" sz="3600" dirty="0" smtClean="0"/>
+              <a:t>GitHub</a:t>
+            </a:r>
+            <a:r>
+              <a:rPr lang="ja-JP" altLang="en-US" sz="3600" dirty="0" smtClean="0"/>
+              <a:t>とは</a:t>
+            </a:r>
+            <a:r>
+              <a:rPr lang="en-US" altLang="ja-JP" sz="3600" dirty="0" err="1" smtClean="0"/>
+              <a:t>Git</a:t>
+            </a:r>
+            <a:r>
+              <a:rPr lang="ja-JP" altLang="en-US" sz="3600" dirty="0" smtClean="0"/>
+              <a:t>のリモートリポジトリと様々な</a:t>
+            </a:r>
+            <a:r>
+              <a:rPr lang="en-US" altLang="ja-JP" sz="3600" dirty="0" smtClean="0"/>
+              <a:t>web</a:t>
             </a:r>
             <a:r>
               <a:rPr lang="ja-JP" altLang="en-US" sz="3600" dirty="0"/>
-              <a:t>ン管理システムで</a:t>
+              <a:t>ツール</a:t>
             </a:r>
             <a:r>
               <a:rPr lang="ja-JP" altLang="en-US" sz="3600" dirty="0" smtClean="0"/>
-              <a:t>ある．</a:t>
+              <a:t>を提供しているサービスである</a:t>
             </a:r>
             <a:endParaRPr kumimoji="1" lang="ja-JP" altLang="en-US" sz="3600" dirty="0"/>
           </a:p>
@@ -6740,11 +6864,7 @@
               <a:p>
                 <a:r>
                   <a:rPr lang="ja-JP" altLang="en-US" sz="3600" dirty="0" smtClean="0"/>
-                  <a:t>登録しているユーザを抽出</a:t>
-                </a:r>
-                <a:r>
-                  <a:rPr lang="ja-JP" altLang="en-US" sz="3600" dirty="0" smtClean="0"/>
-                  <a:t>する</a:t>
+                  <a:t>登録しているユーザを抽出する</a:t>
                 </a:r>
                 <a:endParaRPr kumimoji="1" lang="ja-JP" altLang="en-US" sz="3600" dirty="0"/>
               </a:p>
@@ -6914,11 +7034,7 @@
             <a:p>
               <a:r>
                 <a:rPr kumimoji="1" lang="ja-JP" altLang="en-US" sz="3600" dirty="0" smtClean="0"/>
-                <a:t>抽出</a:t>
-              </a:r>
-              <a:r>
-                <a:rPr kumimoji="1" lang="ja-JP" altLang="en-US" sz="3600" dirty="0" smtClean="0"/>
-                <a:t>したユーザと</a:t>
+                <a:t>抽出したユーザと</a:t>
               </a:r>
               <a:r>
                 <a:rPr kumimoji="1" lang="en-US" altLang="ja-JP" sz="3600" dirty="0" smtClean="0"/>
@@ -7080,7 +7196,7 @@
             <p:nvPr/>
           </p:nvPicPr>
           <p:blipFill>
-            <a:blip r:embed="rId2">
+            <a:blip r:embed="rId3">
               <a:extLst>
                 <a:ext uri="{28A0092B-C50C-407E-A947-70E740481C1C}">
                   <a14:useLocalDpi xmlns:a14="http://schemas.microsoft.com/office/drawing/2010/main" val="0"/>
@@ -7110,7 +7226,7 @@
         </p:nvGrpSpPr>
         <p:grpSpPr>
           <a:xfrm>
-            <a:off x="11098283" y="14798870"/>
+            <a:off x="11098283" y="14798871"/>
             <a:ext cx="9660332" cy="15102757"/>
             <a:chOff x="10621394" y="13410622"/>
             <a:chExt cx="10369152" cy="16130965"/>
@@ -7288,348 +7404,224 @@
             </a:p>
           </p:txBody>
         </p:sp>
-        <p:sp>
-          <p:nvSpPr>
-            <p:cNvPr id="94" name="テキスト ボックス 93"/>
-            <p:cNvSpPr txBox="1"/>
-            <p:nvPr/>
-          </p:nvSpPr>
-          <p:spPr>
-            <a:xfrm>
-              <a:off x="11130698" y="16521422"/>
-              <a:ext cx="8857249" cy="707886"/>
-            </a:xfrm>
-            <a:prstGeom prst="rect">
-              <a:avLst/>
-            </a:prstGeom>
-            <a:noFill/>
-          </p:spPr>
-          <p:txBody>
-            <a:bodyPr wrap="square" rtlCol="0">
-              <a:spAutoFit/>
-            </a:bodyPr>
-            <a:lstStyle/>
-            <a:p>
-              <a:r>
-                <a:rPr kumimoji="1" lang="ja-JP" altLang="en-US" sz="3600" dirty="0" smtClean="0"/>
-                <a:t>・仮想</a:t>
-              </a:r>
-              <a:r>
-                <a:rPr kumimoji="1" lang="ja-JP" altLang="en-US" sz="3600" dirty="0" smtClean="0"/>
-                <a:t>環境にて</a:t>
-              </a:r>
-              <a:r>
-                <a:rPr kumimoji="1" lang="en-US" altLang="ja-JP" sz="3600" dirty="0" err="1" smtClean="0"/>
-                <a:t>GHTorrent</a:t>
-              </a:r>
-              <a:r>
-                <a:rPr kumimoji="1" lang="ja-JP" altLang="en-US" sz="3600" dirty="0" smtClean="0"/>
-                <a:t>を使用して</a:t>
-              </a:r>
-              <a:r>
-                <a:rPr kumimoji="1" lang="ja-JP" altLang="en-US" sz="3600" dirty="0" smtClean="0"/>
-                <a:t>みた</a:t>
-              </a:r>
-              <a:endParaRPr kumimoji="1" lang="ja-JP" altLang="en-US" sz="3600" dirty="0"/>
-            </a:p>
-          </p:txBody>
-        </p:sp>
-        <p:sp>
-          <p:nvSpPr>
-            <p:cNvPr id="95" name="テキスト ボックス 94"/>
-            <p:cNvSpPr txBox="1"/>
-            <p:nvPr/>
-          </p:nvSpPr>
-          <p:spPr>
-            <a:xfrm>
-              <a:off x="11053440" y="17846950"/>
-              <a:ext cx="8870013" cy="1282048"/>
-            </a:xfrm>
-            <a:prstGeom prst="rect">
-              <a:avLst/>
-            </a:prstGeom>
-            <a:noFill/>
-          </p:spPr>
-          <p:txBody>
-            <a:bodyPr wrap="none" rtlCol="0">
-              <a:spAutoFit/>
-            </a:bodyPr>
-            <a:lstStyle/>
-            <a:p>
-              <a:r>
-                <a:rPr kumimoji="1" lang="ja-JP" altLang="en-US" sz="3600" dirty="0" smtClean="0"/>
-                <a:t>・しかし</a:t>
-              </a:r>
-              <a:r>
-                <a:rPr kumimoji="1" lang="en-US" altLang="ja-JP" sz="3600" dirty="0" err="1" smtClean="0"/>
-                <a:t>GHTorrent</a:t>
-              </a:r>
-              <a:r>
-                <a:rPr kumimoji="1" lang="ja-JP" altLang="en-US" sz="3600" dirty="0" smtClean="0"/>
-                <a:t>を使用できる段階までは</a:t>
-              </a:r>
-              <a:endParaRPr kumimoji="1" lang="en-US" altLang="ja-JP" sz="3600" dirty="0" smtClean="0"/>
-            </a:p>
-            <a:p>
-              <a:r>
-                <a:rPr lang="ja-JP" altLang="en-US" sz="3600" dirty="0" smtClean="0"/>
-                <a:t>　進んでいない</a:t>
-              </a:r>
-              <a:endParaRPr kumimoji="1" lang="ja-JP" altLang="en-US" sz="3600" dirty="0"/>
-            </a:p>
-          </p:txBody>
-        </p:sp>
-        <p:sp>
-          <p:nvSpPr>
-            <p:cNvPr id="96" name="テキスト ボックス 95"/>
-            <p:cNvSpPr txBox="1"/>
-            <p:nvPr/>
-          </p:nvSpPr>
-          <p:spPr>
-            <a:xfrm>
-              <a:off x="11053440" y="15313517"/>
-              <a:ext cx="8330495" cy="690334"/>
-            </a:xfrm>
-            <a:prstGeom prst="rect">
-              <a:avLst/>
-            </a:prstGeom>
-            <a:noFill/>
-          </p:spPr>
-          <p:txBody>
-            <a:bodyPr wrap="none" rtlCol="0">
-              <a:spAutoFit/>
-            </a:bodyPr>
-            <a:lstStyle/>
-            <a:p>
-              <a:r>
-                <a:rPr lang="ja-JP" altLang="en-US" sz="3600" dirty="0"/>
-                <a:t>・</a:t>
-              </a:r>
-              <a:r>
-                <a:rPr kumimoji="1" lang="en-US" altLang="ja-JP" sz="3600" dirty="0" smtClean="0"/>
-                <a:t>Vagrant</a:t>
-              </a:r>
-              <a:r>
-                <a:rPr kumimoji="1" lang="ja-JP" altLang="en-US" sz="3600" dirty="0" smtClean="0"/>
-                <a:t>を用いて仮想環境を構築</a:t>
-              </a:r>
-              <a:r>
-                <a:rPr kumimoji="1" lang="ja-JP" altLang="en-US" sz="3600" dirty="0" smtClean="0"/>
-                <a:t>した</a:t>
-              </a:r>
-              <a:endParaRPr kumimoji="1" lang="ja-JP" altLang="en-US" sz="3600" dirty="0"/>
-            </a:p>
-          </p:txBody>
-        </p:sp>
-        <p:sp>
-          <p:nvSpPr>
-            <p:cNvPr id="97" name="テキスト ボックス 96"/>
-            <p:cNvSpPr txBox="1"/>
-            <p:nvPr/>
-          </p:nvSpPr>
-          <p:spPr>
-            <a:xfrm>
-              <a:off x="10835725" y="21836731"/>
-              <a:ext cx="7956113" cy="707193"/>
-            </a:xfrm>
-            <a:prstGeom prst="rect">
-              <a:avLst/>
-            </a:prstGeom>
-            <a:noFill/>
-          </p:spPr>
-          <p:txBody>
-            <a:bodyPr wrap="none" rtlCol="0">
-              <a:spAutoFit/>
-            </a:bodyPr>
-            <a:lstStyle/>
-            <a:p>
-              <a:r>
-                <a:rPr kumimoji="1" lang="ja-JP" altLang="en-US" sz="3600" dirty="0" smtClean="0"/>
-                <a:t>・</a:t>
-              </a:r>
-              <a:r>
-                <a:rPr kumimoji="1" lang="en-US" altLang="ja-JP" sz="3600" dirty="0" err="1" smtClean="0"/>
-                <a:t>GHTorret</a:t>
-              </a:r>
-              <a:r>
-                <a:rPr lang="ja-JP" altLang="en-US" sz="3600" dirty="0" smtClean="0"/>
-                <a:t>を使用できるよう準備を</a:t>
-              </a:r>
-              <a:r>
-                <a:rPr lang="ja-JP" altLang="en-US" sz="3600" dirty="0" smtClean="0"/>
-                <a:t>行う</a:t>
-              </a:r>
-              <a:endParaRPr kumimoji="1" lang="ja-JP" altLang="en-US" sz="3600" dirty="0"/>
-            </a:p>
-          </p:txBody>
-        </p:sp>
-        <p:sp>
-          <p:nvSpPr>
-            <p:cNvPr id="98" name="テキスト ボックス 97"/>
-            <p:cNvSpPr txBox="1"/>
-            <p:nvPr/>
-          </p:nvSpPr>
-          <p:spPr>
-            <a:xfrm>
-              <a:off x="10839140" y="23060867"/>
-              <a:ext cx="6423427" cy="1282048"/>
-            </a:xfrm>
-            <a:prstGeom prst="rect">
-              <a:avLst/>
-            </a:prstGeom>
-            <a:noFill/>
-          </p:spPr>
-          <p:txBody>
-            <a:bodyPr wrap="none" rtlCol="0">
-              <a:spAutoFit/>
-            </a:bodyPr>
-            <a:lstStyle/>
-            <a:p>
-              <a:r>
-                <a:rPr kumimoji="1" lang="ja-JP" altLang="en-US" sz="3600" dirty="0" smtClean="0"/>
-                <a:t>・</a:t>
-              </a:r>
-              <a:r>
-                <a:rPr kumimoji="1" lang="en-US" altLang="ja-JP" sz="3600" dirty="0" smtClean="0"/>
-                <a:t>Gmail</a:t>
-              </a:r>
-              <a:r>
-                <a:rPr kumimoji="1" lang="ja-JP" altLang="en-US" sz="3600" dirty="0" smtClean="0"/>
-                <a:t>アドレスを登録している</a:t>
-              </a:r>
-              <a:endParaRPr kumimoji="1" lang="en-US" altLang="ja-JP" sz="3600" dirty="0" smtClean="0"/>
-            </a:p>
-            <a:p>
-              <a:r>
-                <a:rPr kumimoji="1" lang="ja-JP" altLang="en-US" sz="3600" dirty="0" smtClean="0"/>
-                <a:t>　ユーザを抽出</a:t>
-              </a:r>
-              <a:r>
-                <a:rPr kumimoji="1" lang="ja-JP" altLang="en-US" sz="3600" dirty="0" smtClean="0"/>
-                <a:t>する</a:t>
-              </a:r>
-              <a:endParaRPr kumimoji="1" lang="ja-JP" altLang="en-US" sz="3600" dirty="0"/>
-            </a:p>
-          </p:txBody>
-        </p:sp>
-        <p:sp>
-          <p:nvSpPr>
-            <p:cNvPr id="99" name="テキスト ボックス 98"/>
-            <p:cNvSpPr txBox="1"/>
-            <p:nvPr/>
-          </p:nvSpPr>
-          <p:spPr>
-            <a:xfrm>
-              <a:off x="10837416" y="24875583"/>
-              <a:ext cx="7818315" cy="1313358"/>
-            </a:xfrm>
-            <a:prstGeom prst="rect">
-              <a:avLst/>
-            </a:prstGeom>
-            <a:noFill/>
-          </p:spPr>
-          <p:txBody>
-            <a:bodyPr wrap="none" rtlCol="0">
-              <a:spAutoFit/>
-            </a:bodyPr>
-            <a:lstStyle/>
-            <a:p>
-              <a:r>
-                <a:rPr kumimoji="1" lang="ja-JP" altLang="en-US" sz="3600" dirty="0" smtClean="0"/>
-                <a:t>・</a:t>
-              </a:r>
-              <a:r>
-                <a:rPr kumimoji="1" lang="en-US" altLang="ja-JP" sz="3600" dirty="0" smtClean="0"/>
-                <a:t>Google+</a:t>
-              </a:r>
-              <a:r>
-                <a:rPr lang="ja-JP" altLang="en-US" sz="3600" dirty="0" smtClean="0"/>
-                <a:t>におけるユーザの</a:t>
-              </a:r>
-              <a:endParaRPr lang="en-US" altLang="ja-JP" sz="3600" dirty="0" smtClean="0"/>
-            </a:p>
-            <a:p>
-              <a:r>
-                <a:rPr lang="ja-JP" altLang="en-US" sz="3600" dirty="0" smtClean="0"/>
-                <a:t>　フォロワー数と投稿頻度を調査</a:t>
-              </a:r>
-              <a:r>
-                <a:rPr lang="ja-JP" altLang="en-US" sz="3600" dirty="0" smtClean="0"/>
-                <a:t>する</a:t>
-              </a:r>
-              <a:endParaRPr kumimoji="1" lang="ja-JP" altLang="en-US" sz="3600" dirty="0"/>
-            </a:p>
-          </p:txBody>
-        </p:sp>
-        <p:sp>
-          <p:nvSpPr>
-            <p:cNvPr id="100" name="テキスト ボックス 99"/>
-            <p:cNvSpPr txBox="1"/>
-            <p:nvPr/>
-          </p:nvSpPr>
-          <p:spPr>
-            <a:xfrm>
-              <a:off x="10835725" y="26805283"/>
-              <a:ext cx="4309404" cy="707193"/>
-            </a:xfrm>
-            <a:prstGeom prst="rect">
-              <a:avLst/>
-            </a:prstGeom>
-            <a:noFill/>
-          </p:spPr>
-          <p:txBody>
-            <a:bodyPr wrap="none" rtlCol="0">
-              <a:spAutoFit/>
-            </a:bodyPr>
-            <a:lstStyle/>
-            <a:p>
-              <a:r>
-                <a:rPr kumimoji="1" lang="ja-JP" altLang="en-US" sz="3600" dirty="0" smtClean="0"/>
-                <a:t>・仮説の検証を</a:t>
-              </a:r>
-              <a:r>
-                <a:rPr kumimoji="1" lang="ja-JP" altLang="en-US" sz="3600" dirty="0" smtClean="0"/>
-                <a:t>行う</a:t>
-              </a:r>
-              <a:endParaRPr kumimoji="1" lang="ja-JP" altLang="en-US" sz="3600" dirty="0"/>
-            </a:p>
-          </p:txBody>
-        </p:sp>
-        <p:sp>
-          <p:nvSpPr>
-            <p:cNvPr id="101" name="テキスト ボックス 100"/>
-            <p:cNvSpPr txBox="1"/>
-            <p:nvPr/>
-          </p:nvSpPr>
-          <p:spPr>
-            <a:xfrm>
-              <a:off x="10842357" y="28173435"/>
-              <a:ext cx="3892925" cy="707193"/>
-            </a:xfrm>
-            <a:prstGeom prst="rect">
-              <a:avLst/>
-            </a:prstGeom>
-            <a:noFill/>
-          </p:spPr>
-          <p:txBody>
-            <a:bodyPr wrap="none" rtlCol="0">
-              <a:spAutoFit/>
-            </a:bodyPr>
-            <a:lstStyle/>
-            <a:p>
-              <a:r>
-                <a:rPr kumimoji="1" lang="ja-JP" altLang="en-US" sz="3600" dirty="0" smtClean="0"/>
-                <a:t>・論文を執筆</a:t>
-              </a:r>
-              <a:r>
-                <a:rPr kumimoji="1" lang="ja-JP" altLang="en-US" sz="3600" dirty="0" smtClean="0"/>
-                <a:t>する</a:t>
-              </a:r>
-              <a:endParaRPr kumimoji="1" lang="ja-JP" altLang="en-US" sz="3600" dirty="0"/>
-            </a:p>
-          </p:txBody>
-        </p:sp>
       </p:grpSp>
+      <p:sp>
+        <p:nvSpPr>
+          <p:cNvPr id="5" name="テキスト ボックス 4"/>
+          <p:cNvSpPr txBox="1"/>
+          <p:nvPr/>
+        </p:nvSpPr>
+        <p:spPr>
+          <a:xfrm>
+            <a:off x="11500795" y="22484803"/>
+            <a:ext cx="9390391" cy="6863417"/>
+          </a:xfrm>
+          <a:prstGeom prst="rect">
+            <a:avLst/>
+          </a:prstGeom>
+          <a:noFill/>
+        </p:spPr>
+        <p:txBody>
+          <a:bodyPr wrap="none" rtlCol="0">
+            <a:spAutoFit/>
+          </a:bodyPr>
+          <a:lstStyle/>
+          <a:p>
+            <a:r>
+              <a:rPr kumimoji="1" lang="ja-JP" altLang="en-US" sz="4400" dirty="0" smtClean="0"/>
+              <a:t>・</a:t>
+            </a:r>
+            <a:r>
+              <a:rPr kumimoji="1" lang="en-US" altLang="ja-JP" sz="4400" dirty="0" err="1" smtClean="0"/>
+              <a:t>GHTorrent</a:t>
+            </a:r>
+            <a:r>
+              <a:rPr kumimoji="1" lang="ja-JP" altLang="en-US" sz="4400" dirty="0" smtClean="0"/>
+              <a:t>を使用できるよう準備を行う</a:t>
+            </a:r>
+            <a:endParaRPr lang="en-US" altLang="ja-JP" sz="4400" dirty="0" smtClean="0"/>
+          </a:p>
+          <a:p>
+            <a:endParaRPr lang="en-US" altLang="ja-JP" sz="4400" dirty="0" smtClean="0"/>
+          </a:p>
+          <a:p>
+            <a:r>
+              <a:rPr lang="ja-JP" altLang="en-US" sz="4400" dirty="0" smtClean="0"/>
+              <a:t>・</a:t>
+            </a:r>
+            <a:r>
+              <a:rPr lang="en-US" altLang="ja-JP" sz="4400" dirty="0" err="1" smtClean="0"/>
+              <a:t>GHTorrent</a:t>
+            </a:r>
+            <a:r>
+              <a:rPr lang="ja-JP" altLang="en-US" sz="4400" dirty="0" smtClean="0"/>
+              <a:t>を使用し</a:t>
+            </a:r>
+            <a:r>
+              <a:rPr lang="en-US" altLang="ja-JP" sz="4400" dirty="0" smtClean="0"/>
+              <a:t>Gmail</a:t>
+            </a:r>
+            <a:r>
+              <a:rPr lang="ja-JP" altLang="en-US" sz="4400" dirty="0" smtClean="0"/>
+              <a:t>アドレスを</a:t>
+            </a:r>
+            <a:endParaRPr lang="en-US" altLang="ja-JP" sz="4400" dirty="0" smtClean="0"/>
+          </a:p>
+          <a:p>
+            <a:r>
+              <a:rPr lang="ja-JP" altLang="en-US" sz="4400" dirty="0" smtClean="0"/>
+              <a:t>登録しているユーザを抽出する</a:t>
+            </a:r>
+            <a:endParaRPr lang="en-US" altLang="ja-JP" sz="4400" dirty="0" smtClean="0"/>
+          </a:p>
+          <a:p>
+            <a:endParaRPr kumimoji="1" lang="en-US" altLang="ja-JP" sz="4400" dirty="0" smtClean="0"/>
+          </a:p>
+          <a:p>
+            <a:r>
+              <a:rPr kumimoji="1" lang="ja-JP" altLang="en-US" sz="4400" dirty="0" smtClean="0"/>
+              <a:t>・抽出したユーザの</a:t>
+            </a:r>
+            <a:r>
+              <a:rPr kumimoji="1" lang="en-US" altLang="ja-JP" sz="4400" dirty="0" smtClean="0"/>
+              <a:t>Gmail</a:t>
+            </a:r>
+            <a:r>
+              <a:rPr kumimoji="1" lang="ja-JP" altLang="en-US" sz="4400" dirty="0" smtClean="0"/>
+              <a:t>アドレスを</a:t>
+            </a:r>
+            <a:endParaRPr kumimoji="1" lang="en-US" altLang="ja-JP" sz="4400" dirty="0" smtClean="0"/>
+          </a:p>
+          <a:p>
+            <a:r>
+              <a:rPr kumimoji="1" lang="ja-JP" altLang="en-US" sz="4400" dirty="0" smtClean="0"/>
+              <a:t>活用し</a:t>
+            </a:r>
+            <a:r>
+              <a:rPr kumimoji="1" lang="en-US" altLang="ja-JP" sz="4400" dirty="0" smtClean="0"/>
+              <a:t>Google+</a:t>
+            </a:r>
+            <a:r>
+              <a:rPr kumimoji="1" lang="ja-JP" altLang="en-US" sz="4400" dirty="0" smtClean="0"/>
+              <a:t>におけるユーザの</a:t>
+            </a:r>
+            <a:endParaRPr kumimoji="1" lang="en-US" altLang="ja-JP" sz="4400" dirty="0" smtClean="0"/>
+          </a:p>
+          <a:p>
+            <a:r>
+              <a:rPr kumimoji="1" lang="ja-JP" altLang="en-US" sz="4400" dirty="0" smtClean="0"/>
+              <a:t>フォロワー数と投稿頻度を調査する</a:t>
+            </a:r>
+            <a:endParaRPr kumimoji="1" lang="en-US" altLang="ja-JP" sz="4400" dirty="0" smtClean="0"/>
+          </a:p>
+          <a:p>
+            <a:endParaRPr lang="en-US" altLang="ja-JP" sz="4400" dirty="0" smtClean="0"/>
+          </a:p>
+          <a:p>
+            <a:r>
+              <a:rPr lang="ja-JP" altLang="en-US" sz="4400" dirty="0" smtClean="0"/>
+              <a:t>・仮説の検証を行う</a:t>
+            </a:r>
+            <a:endParaRPr lang="en-US" altLang="ja-JP" sz="4400" dirty="0" smtClean="0"/>
+          </a:p>
+        </p:txBody>
+      </p:sp>
+      <p:sp>
+        <p:nvSpPr>
+          <p:cNvPr id="6" name="テキスト ボックス 5"/>
+          <p:cNvSpPr txBox="1"/>
+          <p:nvPr/>
+        </p:nvSpPr>
+        <p:spPr>
+          <a:xfrm>
+            <a:off x="11500795" y="15996527"/>
+            <a:ext cx="9099542" cy="4832092"/>
+          </a:xfrm>
+          <a:prstGeom prst="rect">
+            <a:avLst/>
+          </a:prstGeom>
+          <a:noFill/>
+        </p:spPr>
+        <p:txBody>
+          <a:bodyPr wrap="none" rtlCol="0">
+            <a:spAutoFit/>
+          </a:bodyPr>
+          <a:lstStyle/>
+          <a:p>
+            <a:r>
+              <a:rPr lang="ja-JP" altLang="en-US" sz="4400" dirty="0" smtClean="0"/>
+              <a:t>・</a:t>
+            </a:r>
+            <a:r>
+              <a:rPr lang="en-US" altLang="ja-JP" sz="4400" dirty="0" smtClean="0"/>
+              <a:t>vagrant</a:t>
+            </a:r>
+            <a:r>
+              <a:rPr lang="ja-JP" altLang="en-US" sz="4400" dirty="0" smtClean="0"/>
+              <a:t>を用いて仮想環境を構築した</a:t>
+            </a:r>
+            <a:endParaRPr lang="en-US" altLang="ja-JP" sz="4400" dirty="0" smtClean="0"/>
+          </a:p>
+          <a:p>
+            <a:endParaRPr kumimoji="1" lang="en-US" altLang="ja-JP" sz="4400" dirty="0" smtClean="0"/>
+          </a:p>
+          <a:p>
+            <a:r>
+              <a:rPr kumimoji="1" lang="ja-JP" altLang="en-US" sz="4400" dirty="0" smtClean="0"/>
+              <a:t>・仮想環境にて</a:t>
+            </a:r>
+            <a:r>
+              <a:rPr kumimoji="1" lang="en-US" altLang="ja-JP" sz="4400" dirty="0" err="1" smtClean="0"/>
+              <a:t>GHTorrent</a:t>
+            </a:r>
+            <a:r>
+              <a:rPr kumimoji="1" lang="ja-JP" altLang="en-US" sz="4400" dirty="0" smtClean="0"/>
+              <a:t>を</a:t>
+            </a:r>
+            <a:endParaRPr kumimoji="1" lang="en-US" altLang="ja-JP" sz="4400" dirty="0" smtClean="0"/>
+          </a:p>
+          <a:p>
+            <a:r>
+              <a:rPr lang="en-US" altLang="ja-JP" sz="4400" dirty="0"/>
+              <a:t> </a:t>
+            </a:r>
+            <a:r>
+              <a:rPr lang="en-US" altLang="ja-JP" sz="4400" dirty="0" smtClean="0"/>
+              <a:t> </a:t>
+            </a:r>
+            <a:r>
+              <a:rPr kumimoji="1" lang="ja-JP" altLang="en-US" sz="4400" dirty="0" smtClean="0"/>
+              <a:t>使用してみた</a:t>
+            </a:r>
+            <a:endParaRPr kumimoji="1" lang="en-US" altLang="ja-JP" sz="4400" dirty="0" smtClean="0"/>
+          </a:p>
+          <a:p>
+            <a:endParaRPr lang="en-US" altLang="ja-JP" sz="4400" dirty="0" smtClean="0"/>
+          </a:p>
+          <a:p>
+            <a:r>
+              <a:rPr lang="ja-JP" altLang="en-US" sz="4400" dirty="0" smtClean="0"/>
+              <a:t>・しかしユーザのデータ</a:t>
+            </a:r>
+            <a:r>
+              <a:rPr lang="ja-JP" altLang="en-US" sz="4400" dirty="0"/>
+              <a:t>を</a:t>
+            </a:r>
+            <a:r>
+              <a:rPr lang="ja-JP" altLang="en-US" sz="4400" dirty="0" smtClean="0"/>
+              <a:t>取得できる</a:t>
+            </a:r>
+            <a:endParaRPr lang="en-US" altLang="ja-JP" sz="4400" dirty="0" smtClean="0"/>
+          </a:p>
+          <a:p>
+            <a:r>
+              <a:rPr lang="ja-JP" altLang="en-US" sz="4400" dirty="0" smtClean="0"/>
+              <a:t>段階までは進んでいない</a:t>
+            </a:r>
+            <a:endParaRPr kumimoji="1" lang="ja-JP" altLang="en-US" sz="4400" dirty="0"/>
+          </a:p>
+        </p:txBody>
+      </p:sp>
     </p:spTree>
     <p:extLst>
       <p:ext uri="{BB962C8B-B14F-4D97-AF65-F5344CB8AC3E}">

--- a/卒業論文/2015/辻岡大知/中間発表/中間発表ポスター.pptx
+++ b/卒業論文/2015/辻岡大知/中間発表/中間発表ポスター.pptx
@@ -3748,8 +3748,8 @@
         </p:nvSpPr>
         <p:spPr>
           <a:xfrm>
-            <a:off x="396256" y="3906739"/>
-            <a:ext cx="20306256" cy="10489361"/>
+            <a:off x="396255" y="3906739"/>
+            <a:ext cx="20392033" cy="13279313"/>
           </a:xfrm>
           <a:prstGeom prst="rect">
             <a:avLst/>
@@ -3784,53 +3784,7 @@
           <a:lstStyle/>
           <a:p>
             <a:pPr algn="ctr"/>
-            <a:endParaRPr kumimoji="1" lang="ja-JP" altLang="en-US"/>
-          </a:p>
-        </p:txBody>
-      </p:sp>
-      <p:sp>
-        <p:nvSpPr>
-          <p:cNvPr id="88" name="正方形/長方形 87"/>
-          <p:cNvSpPr/>
-          <p:nvPr/>
-        </p:nvSpPr>
-        <p:spPr>
-          <a:xfrm>
-            <a:off x="828304" y="4180640"/>
-            <a:ext cx="3903633" cy="924716"/>
-          </a:xfrm>
-          <a:prstGeom prst="rect">
-            <a:avLst/>
-          </a:prstGeom>
-          <a:solidFill>
-            <a:schemeClr val="accent6">
-              <a:lumMod val="40000"/>
-              <a:lumOff val="60000"/>
-            </a:schemeClr>
-          </a:solidFill>
-        </p:spPr>
-        <p:style>
-          <a:lnRef idx="2">
-            <a:schemeClr val="accent1">
-              <a:shade val="50000"/>
-            </a:schemeClr>
-          </a:lnRef>
-          <a:fillRef idx="1">
-            <a:schemeClr val="accent1"/>
-          </a:fillRef>
-          <a:effectRef idx="0">
-            <a:schemeClr val="accent1"/>
-          </a:effectRef>
-          <a:fontRef idx="minor">
-            <a:schemeClr val="lt1"/>
-          </a:fontRef>
-        </p:style>
-        <p:txBody>
-          <a:bodyPr rtlCol="0" anchor="ctr"/>
-          <a:lstStyle/>
-          <a:p>
-            <a:pPr algn="ctr"/>
-            <a:endParaRPr kumimoji="1" lang="ja-JP" altLang="en-US"/>
+            <a:endParaRPr kumimoji="1" lang="ja-JP" altLang="en-US" dirty="0"/>
           </a:p>
         </p:txBody>
       </p:sp>
@@ -3962,41 +3916,6 @@
           </a:p>
         </p:txBody>
       </p:sp>
-      <p:sp>
-        <p:nvSpPr>
-          <p:cNvPr id="4" name="テキスト ボックス 3"/>
-          <p:cNvSpPr txBox="1"/>
-          <p:nvPr/>
-        </p:nvSpPr>
-        <p:spPr>
-          <a:xfrm>
-            <a:off x="828304" y="4217998"/>
-            <a:ext cx="3903633" cy="984885"/>
-          </a:xfrm>
-          <a:prstGeom prst="rect">
-            <a:avLst/>
-          </a:prstGeom>
-          <a:noFill/>
-          <a:ln>
-            <a:solidFill>
-              <a:schemeClr val="tx1"/>
-            </a:solidFill>
-          </a:ln>
-        </p:spPr>
-        <p:txBody>
-          <a:bodyPr wrap="none" rtlCol="0">
-            <a:spAutoFit/>
-          </a:bodyPr>
-          <a:lstStyle/>
-          <a:p>
-            <a:r>
-              <a:rPr lang="ja-JP" altLang="en-US" dirty="0" smtClean="0"/>
-              <a:t>背景＆目的</a:t>
-            </a:r>
-            <a:endParaRPr kumimoji="1" lang="ja-JP" altLang="en-US" dirty="0"/>
-          </a:p>
-        </p:txBody>
-      </p:sp>
       <p:grpSp>
         <p:nvGrpSpPr>
           <p:cNvPr id="7" name="グループ化 6"/>
@@ -4005,8 +3924,8 @@
         </p:nvGrpSpPr>
         <p:grpSpPr>
           <a:xfrm>
-            <a:off x="2052440" y="6528141"/>
-            <a:ext cx="15573964" cy="6667630"/>
+            <a:off x="1620392" y="6637785"/>
+            <a:ext cx="16236427" cy="6918026"/>
             <a:chOff x="1036650" y="873210"/>
             <a:chExt cx="10282142" cy="4729584"/>
           </a:xfrm>
@@ -4025,31 +3944,20 @@
             <a:prstGeom prst="rect">
               <a:avLst/>
             </a:prstGeom>
-            <a:solidFill>
-              <a:schemeClr val="bg1"/>
-            </a:solidFill>
-            <a:ln>
-              <a:solidFill>
-                <a:schemeClr val="bg2">
-                  <a:lumMod val="75000"/>
-                </a:schemeClr>
-              </a:solidFill>
-            </a:ln>
+            <a:ln/>
           </p:spPr>
           <p:style>
             <a:lnRef idx="2">
-              <a:schemeClr val="accent1">
-                <a:shade val="50000"/>
-              </a:schemeClr>
+              <a:schemeClr val="dk1"/>
             </a:lnRef>
             <a:fillRef idx="1">
-              <a:schemeClr val="accent1"/>
+              <a:schemeClr val="lt1"/>
             </a:fillRef>
             <a:effectRef idx="0">
-              <a:schemeClr val="accent1"/>
+              <a:schemeClr val="dk1"/>
             </a:effectRef>
             <a:fontRef idx="minor">
-              <a:schemeClr val="lt1"/>
+              <a:schemeClr val="dk1"/>
             </a:fontRef>
           </p:style>
           <p:txBody>
@@ -6567,15 +6475,7 @@
           <a:p>
             <a:r>
               <a:rPr lang="ja-JP" altLang="en-US" sz="3600" dirty="0" smtClean="0"/>
-              <a:t>で</a:t>
-            </a:r>
-            <a:r>
-              <a:rPr lang="ja-JP" altLang="en-US" sz="3600" dirty="0" smtClean="0"/>
-              <a:t>ある</a:t>
-            </a:r>
-            <a:r>
-              <a:rPr lang="ja-JP" altLang="en-US" sz="3600" dirty="0" smtClean="0"/>
-              <a:t>．</a:t>
+              <a:t>である．</a:t>
             </a:r>
             <a:r>
               <a:rPr lang="en-US" altLang="ja-JP" sz="3600" dirty="0" smtClean="0"/>
@@ -6604,55 +6504,6 @@
             <a:r>
               <a:rPr lang="ja-JP" altLang="en-US" sz="3600" dirty="0" smtClean="0"/>
               <a:t>を提供しているサービスである</a:t>
-            </a:r>
-            <a:endParaRPr kumimoji="1" lang="ja-JP" altLang="en-US" sz="3600" dirty="0"/>
-          </a:p>
-        </p:txBody>
-      </p:sp>
-      <p:sp>
-        <p:nvSpPr>
-          <p:cNvPr id="63" name="テキスト ボックス 62"/>
-          <p:cNvSpPr txBox="1"/>
-          <p:nvPr/>
-        </p:nvSpPr>
-        <p:spPr>
-          <a:xfrm>
-            <a:off x="1116336" y="13195771"/>
-            <a:ext cx="17307815" cy="1200329"/>
-          </a:xfrm>
-          <a:prstGeom prst="rect">
-            <a:avLst/>
-          </a:prstGeom>
-          <a:noFill/>
-        </p:spPr>
-        <p:txBody>
-          <a:bodyPr wrap="none" rtlCol="0">
-            <a:spAutoFit/>
-          </a:bodyPr>
-          <a:lstStyle/>
-          <a:p>
-            <a:r>
-              <a:rPr kumimoji="1" lang="en-US" altLang="ja-JP" sz="3600" dirty="0" err="1" smtClean="0"/>
-              <a:t>GHTorrent</a:t>
-            </a:r>
-            <a:r>
-              <a:rPr kumimoji="1" lang="ja-JP" altLang="en-US" sz="3600" dirty="0" smtClean="0"/>
-              <a:t>を用いることにより</a:t>
-            </a:r>
-            <a:r>
-              <a:rPr kumimoji="1" lang="en-US" altLang="ja-JP" sz="3600" dirty="0" smtClean="0"/>
-              <a:t>GitHub</a:t>
-            </a:r>
-            <a:r>
-              <a:rPr kumimoji="1" lang="ja-JP" altLang="en-US" sz="3600" dirty="0" smtClean="0"/>
-              <a:t>のプロジェクトのデータを取得し，活発に活動している</a:t>
-            </a:r>
-            <a:endParaRPr kumimoji="1" lang="en-US" altLang="ja-JP" sz="3600" dirty="0" smtClean="0"/>
-          </a:p>
-          <a:p>
-            <a:r>
-              <a:rPr kumimoji="1" lang="ja-JP" altLang="en-US" sz="3600" dirty="0" smtClean="0"/>
-              <a:t>ユーザはコミュニケーション高いのではないかという仮説の検証を行う</a:t>
             </a:r>
             <a:endParaRPr kumimoji="1" lang="ja-JP" altLang="en-US" sz="3600" dirty="0"/>
           </a:p>
@@ -6666,63 +6517,12 @@
         </p:nvGrpSpPr>
         <p:grpSpPr>
           <a:xfrm>
-            <a:off x="396256" y="14756140"/>
-            <a:ext cx="10180338" cy="15145487"/>
-            <a:chOff x="252241" y="13410622"/>
-            <a:chExt cx="9584851" cy="16130965"/>
+            <a:off x="396255" y="17959141"/>
+            <a:ext cx="10225138" cy="11761205"/>
+            <a:chOff x="252241" y="13875720"/>
+            <a:chExt cx="9584851" cy="11907889"/>
           </a:xfrm>
         </p:grpSpPr>
-        <p:sp>
-          <p:nvSpPr>
-            <p:cNvPr id="74" name="正方形/長方形 73"/>
-            <p:cNvSpPr/>
-            <p:nvPr/>
-          </p:nvSpPr>
-          <p:spPr>
-            <a:xfrm>
-              <a:off x="678233" y="13641483"/>
-              <a:ext cx="2975008" cy="984885"/>
-            </a:xfrm>
-            <a:prstGeom prst="rect">
-              <a:avLst/>
-            </a:prstGeom>
-            <a:solidFill>
-              <a:schemeClr val="accent6">
-                <a:lumMod val="40000"/>
-                <a:lumOff val="60000"/>
-              </a:schemeClr>
-            </a:solidFill>
-            <a:ln>
-              <a:solidFill>
-                <a:schemeClr val="tx1"/>
-              </a:solidFill>
-            </a:ln>
-          </p:spPr>
-          <p:style>
-            <a:lnRef idx="2">
-              <a:schemeClr val="accent1">
-                <a:shade val="50000"/>
-              </a:schemeClr>
-            </a:lnRef>
-            <a:fillRef idx="1">
-              <a:schemeClr val="accent1"/>
-            </a:fillRef>
-            <a:effectRef idx="0">
-              <a:schemeClr val="accent1"/>
-            </a:effectRef>
-            <a:fontRef idx="minor">
-              <a:schemeClr val="lt1"/>
-            </a:fontRef>
-          </p:style>
-          <p:txBody>
-            <a:bodyPr rtlCol="0" anchor="ctr"/>
-            <a:lstStyle/>
-            <a:p>
-              <a:pPr algn="ctr"/>
-              <a:endParaRPr kumimoji="1" lang="ja-JP" altLang="en-US"/>
-            </a:p>
-          </p:txBody>
-        </p:sp>
         <p:grpSp>
           <p:nvGrpSpPr>
             <p:cNvPr id="75" name="グループ化 74"/>
@@ -6731,55 +6531,12 @@
           </p:nvGrpSpPr>
           <p:grpSpPr>
             <a:xfrm>
-              <a:off x="252241" y="13410622"/>
-              <a:ext cx="9584851" cy="16130965"/>
-              <a:chOff x="252240" y="13893265"/>
-              <a:chExt cx="12961440" cy="4142731"/>
+              <a:off x="252241" y="13875720"/>
+              <a:ext cx="9584851" cy="11907889"/>
+              <a:chOff x="252240" y="14012712"/>
+              <a:chExt cx="12961440" cy="3058167"/>
             </a:xfrm>
           </p:grpSpPr>
-          <p:sp>
-            <p:nvSpPr>
-              <p:cNvPr id="83" name="テキスト ボックス 82"/>
-              <p:cNvSpPr txBox="1"/>
-              <p:nvPr/>
-            </p:nvSpPr>
-            <p:spPr>
-              <a:xfrm>
-                <a:off x="828303" y="13950325"/>
-                <a:ext cx="4023055" cy="269395"/>
-              </a:xfrm>
-              <a:prstGeom prst="rect">
-                <a:avLst/>
-              </a:prstGeom>
-              <a:noFill/>
-            </p:spPr>
-            <p:txBody>
-              <a:bodyPr wrap="none" rtlCol="0">
-                <a:spAutoFit/>
-              </a:bodyPr>
-              <a:lstStyle/>
-              <a:p>
-                <a:r>
-                  <a:rPr lang="ja-JP" altLang="en-US" dirty="0">
-                    <a:latin typeface="+mj-ea"/>
-                    <a:ea typeface="+mj-ea"/>
-                  </a:rPr>
-                  <a:t>研究</a:t>
-                </a:r>
-                <a:r>
-                  <a:rPr kumimoji="1" lang="ja-JP" altLang="en-US" dirty="0" smtClean="0">
-                    <a:latin typeface="+mj-ea"/>
-                    <a:ea typeface="+mj-ea"/>
-                  </a:rPr>
-                  <a:t>方法</a:t>
-                </a:r>
-                <a:endParaRPr kumimoji="1" lang="ja-JP" altLang="en-US" dirty="0">
-                  <a:latin typeface="+mj-ea"/>
-                  <a:ea typeface="+mj-ea"/>
-                </a:endParaRPr>
-              </a:p>
-            </p:txBody>
-          </p:sp>
           <p:sp>
             <p:nvSpPr>
               <p:cNvPr id="84" name="角丸四角形 83"/>
@@ -6788,7 +6545,7 @@
             </p:nvSpPr>
             <p:spPr>
               <a:xfrm>
-                <a:off x="847682" y="14300412"/>
+                <a:off x="847683" y="14351387"/>
                 <a:ext cx="11981791" cy="538517"/>
               </a:xfrm>
               <a:prstGeom prst="roundRect">
@@ -6829,7 +6586,7 @@
             </p:nvSpPr>
             <p:spPr>
               <a:xfrm>
-                <a:off x="1511887" y="14406364"/>
+                <a:off x="1511887" y="14449237"/>
                 <a:ext cx="9141512" cy="328325"/>
               </a:xfrm>
               <a:prstGeom prst="rect">
@@ -6878,8 +6635,8 @@
             </p:nvSpPr>
             <p:spPr>
               <a:xfrm>
-                <a:off x="252240" y="13893265"/>
-                <a:ext cx="12961440" cy="4142731"/>
+                <a:off x="252240" y="14012712"/>
+                <a:ext cx="12961440" cy="3058167"/>
               </a:xfrm>
               <a:prstGeom prst="rect">
                 <a:avLst/>
@@ -6925,7 +6682,7 @@
           </p:nvSpPr>
           <p:spPr>
             <a:xfrm>
-              <a:off x="756296" y="18812395"/>
+              <a:off x="756296" y="18995616"/>
               <a:ext cx="8860410" cy="2159734"/>
             </a:xfrm>
             <a:prstGeom prst="roundRect">
@@ -6966,7 +6723,7 @@
           </p:nvSpPr>
           <p:spPr>
             <a:xfrm>
-              <a:off x="1183737" y="19100427"/>
+              <a:off x="1183737" y="19255212"/>
               <a:ext cx="7342075" cy="1754326"/>
             </a:xfrm>
             <a:prstGeom prst="rect">
@@ -7018,7 +6775,7 @@
           </p:nvSpPr>
           <p:spPr>
             <a:xfrm>
-              <a:off x="1260352" y="22916851"/>
+              <a:off x="1260352" y="23077991"/>
               <a:ext cx="6695278" cy="1868475"/>
             </a:xfrm>
             <a:prstGeom prst="rect">
@@ -7074,7 +6831,7 @@
           </p:nvSpPr>
           <p:spPr>
             <a:xfrm>
-              <a:off x="756296" y="22628819"/>
+              <a:off x="756296" y="23005450"/>
               <a:ext cx="8860410" cy="2159734"/>
             </a:xfrm>
             <a:prstGeom prst="roundRect">
@@ -7115,7 +6872,7 @@
           </p:nvSpPr>
           <p:spPr>
             <a:xfrm>
-              <a:off x="3139348" y="17300227"/>
+              <a:off x="3139348" y="17515588"/>
               <a:ext cx="4027153" cy="1306768"/>
             </a:xfrm>
             <a:prstGeom prst="downArrow">
@@ -7155,7 +6912,7 @@
           </p:nvSpPr>
           <p:spPr>
             <a:xfrm>
-              <a:off x="3281871" y="21188659"/>
+              <a:off x="3281871" y="21379610"/>
               <a:ext cx="4027153" cy="1306768"/>
             </a:xfrm>
             <a:prstGeom prst="downArrow">
@@ -7187,36 +6944,6 @@
             </a:p>
           </p:txBody>
         </p:sp>
-        <p:pic>
-          <p:nvPicPr>
-            <p:cNvPr id="82" name="図 81"/>
-            <p:cNvPicPr>
-              <a:picLocks noChangeAspect="1"/>
-            </p:cNvPicPr>
-            <p:nvPr/>
-          </p:nvPicPr>
-          <p:blipFill>
-            <a:blip r:embed="rId3">
-              <a:extLst>
-                <a:ext uri="{28A0092B-C50C-407E-A947-70E740481C1C}">
-                  <a14:useLocalDpi xmlns:a14="http://schemas.microsoft.com/office/drawing/2010/main" val="0"/>
-                </a:ext>
-              </a:extLst>
-            </a:blip>
-            <a:stretch>
-              <a:fillRect/>
-            </a:stretch>
-          </p:blipFill>
-          <p:spPr>
-            <a:xfrm>
-              <a:off x="1472569" y="25076585"/>
-              <a:ext cx="7741427" cy="4096318"/>
-            </a:xfrm>
-            <a:prstGeom prst="rect">
-              <a:avLst/>
-            </a:prstGeom>
-          </p:spPr>
-        </p:pic>
       </p:grpSp>
       <p:grpSp>
         <p:nvGrpSpPr>
@@ -7226,8 +6953,8 @@
         </p:nvGrpSpPr>
         <p:grpSpPr>
           <a:xfrm>
-            <a:off x="11098283" y="14798871"/>
-            <a:ext cx="9660332" cy="15102757"/>
+            <a:off x="11175257" y="17948299"/>
+            <a:ext cx="9660332" cy="11765225"/>
             <a:chOff x="10621394" y="13410622"/>
             <a:chExt cx="10369152" cy="16130965"/>
           </a:xfrm>
@@ -7280,46 +7007,6 @@
         </p:sp>
         <p:sp>
           <p:nvSpPr>
-            <p:cNvPr id="91" name="テキスト ボックス 90"/>
-            <p:cNvSpPr txBox="1"/>
-            <p:nvPr/>
-          </p:nvSpPr>
-          <p:spPr>
-            <a:xfrm>
-              <a:off x="10835725" y="20558024"/>
-              <a:ext cx="4169175" cy="984885"/>
-            </a:xfrm>
-            <a:prstGeom prst="rect">
-              <a:avLst/>
-            </a:prstGeom>
-            <a:solidFill>
-              <a:schemeClr val="accent6">
-                <a:lumMod val="40000"/>
-                <a:lumOff val="60000"/>
-              </a:schemeClr>
-            </a:solidFill>
-            <a:ln>
-              <a:solidFill>
-                <a:schemeClr val="tx1"/>
-              </a:solidFill>
-            </a:ln>
-          </p:spPr>
-          <p:txBody>
-            <a:bodyPr wrap="square" rtlCol="0">
-              <a:spAutoFit/>
-            </a:bodyPr>
-            <a:lstStyle/>
-            <a:p>
-              <a:r>
-                <a:rPr kumimoji="1" lang="ja-JP" altLang="en-US" dirty="0" smtClean="0"/>
-                <a:t>今後の計画</a:t>
-              </a:r>
-              <a:endParaRPr kumimoji="1" lang="ja-JP" altLang="en-US" dirty="0"/>
-            </a:p>
-          </p:txBody>
-        </p:sp>
-        <p:sp>
-          <p:nvSpPr>
             <p:cNvPr id="92" name="正方形/長方形 91"/>
             <p:cNvSpPr/>
             <p:nvPr/>
@@ -7364,57 +7051,17 @@
             </a:p>
           </p:txBody>
         </p:sp>
-        <p:sp>
-          <p:nvSpPr>
-            <p:cNvPr id="93" name="テキスト ボックス 92"/>
-            <p:cNvSpPr txBox="1"/>
-            <p:nvPr/>
-          </p:nvSpPr>
-          <p:spPr>
-            <a:xfrm>
-              <a:off x="10805135" y="13698052"/>
-              <a:ext cx="3462285" cy="1051937"/>
-            </a:xfrm>
-            <a:prstGeom prst="rect">
-              <a:avLst/>
-            </a:prstGeom>
-            <a:solidFill>
-              <a:schemeClr val="accent6">
-                <a:lumMod val="40000"/>
-                <a:lumOff val="60000"/>
-              </a:schemeClr>
-            </a:solidFill>
-            <a:ln>
-              <a:solidFill>
-                <a:schemeClr val="tx1"/>
-              </a:solidFill>
-            </a:ln>
-          </p:spPr>
-          <p:txBody>
-            <a:bodyPr wrap="square" rtlCol="0">
-              <a:spAutoFit/>
-            </a:bodyPr>
-            <a:lstStyle/>
-            <a:p>
-              <a:r>
-                <a:rPr kumimoji="1" lang="ja-JP" altLang="en-US" dirty="0" smtClean="0"/>
-                <a:t>進捗状況</a:t>
-              </a:r>
-              <a:endParaRPr kumimoji="1" lang="ja-JP" altLang="en-US" dirty="0"/>
-            </a:p>
-          </p:txBody>
-        </p:sp>
       </p:grpSp>
       <p:sp>
         <p:nvSpPr>
-          <p:cNvPr id="5" name="テキスト ボックス 4"/>
+          <p:cNvPr id="65" name="テキスト ボックス 64"/>
           <p:cNvSpPr txBox="1"/>
           <p:nvPr/>
         </p:nvSpPr>
         <p:spPr>
           <a:xfrm>
-            <a:off x="11500795" y="22484803"/>
-            <a:ext cx="9390391" cy="6863417"/>
+            <a:off x="11341472" y="23996971"/>
+            <a:ext cx="9446817" cy="6401753"/>
           </a:xfrm>
           <a:prstGeom prst="rect">
             <a:avLst/>
@@ -7427,31 +7074,39 @@
           </a:bodyPr>
           <a:lstStyle/>
           <a:p>
-            <a:r>
-              <a:rPr kumimoji="1" lang="ja-JP" altLang="en-US" sz="4400" dirty="0" smtClean="0"/>
-              <a:t>・</a:t>
-            </a:r>
+            <a:pPr marL="857250" indent="-857250">
+              <a:buFont typeface="Arial" panose="020B0604020202020204" pitchFamily="34" charset="0"/>
+              <a:buChar char="•"/>
+            </a:pPr>
             <a:r>
               <a:rPr kumimoji="1" lang="en-US" altLang="ja-JP" sz="4400" dirty="0" err="1" smtClean="0"/>
               <a:t>GHTorrent</a:t>
             </a:r>
             <a:r>
               <a:rPr kumimoji="1" lang="ja-JP" altLang="en-US" sz="4400" dirty="0" smtClean="0"/>
-              <a:t>を使用できるよう準備を行う</a:t>
-            </a:r>
-            <a:endParaRPr lang="en-US" altLang="ja-JP" sz="4400" dirty="0" smtClean="0"/>
-          </a:p>
-          <a:p>
-            <a:endParaRPr lang="en-US" altLang="ja-JP" sz="4400" dirty="0" smtClean="0"/>
-          </a:p>
-          <a:p>
-            <a:r>
-              <a:rPr lang="ja-JP" altLang="en-US" sz="4400" dirty="0" smtClean="0"/>
-              <a:t>・</a:t>
-            </a:r>
+              <a:t>を使用できるよう準備を</a:t>
+            </a:r>
+            <a:endParaRPr kumimoji="1" lang="en-US" altLang="ja-JP" sz="4400" dirty="0" smtClean="0"/>
+          </a:p>
+          <a:p>
+            <a:r>
+              <a:rPr lang="en-US" altLang="ja-JP" sz="4400" dirty="0" smtClean="0"/>
+              <a:t>      </a:t>
+            </a:r>
+            <a:r>
+              <a:rPr kumimoji="1" lang="ja-JP" altLang="en-US" sz="4400" dirty="0" smtClean="0"/>
+              <a:t>行う</a:t>
+            </a:r>
+            <a:endParaRPr kumimoji="1" lang="en-US" altLang="ja-JP" sz="4400" dirty="0" smtClean="0"/>
+          </a:p>
+          <a:p>
+            <a:pPr marL="857250" indent="-857250">
+              <a:buFont typeface="Arial" panose="020B0604020202020204" pitchFamily="34" charset="0"/>
+              <a:buChar char="•"/>
+            </a:pPr>
             <a:r>
               <a:rPr lang="en-US" altLang="ja-JP" sz="4400" dirty="0" err="1" smtClean="0"/>
-              <a:t>GHTorrent</a:t>
+              <a:t>Ghtorrent</a:t>
             </a:r>
             <a:r>
               <a:rPr lang="ja-JP" altLang="en-US" sz="4400" dirty="0" smtClean="0"/>
@@ -7469,73 +7124,158 @@
           </a:p>
           <a:p>
             <a:r>
+              <a:rPr lang="en-US" altLang="ja-JP" sz="4400" dirty="0"/>
+              <a:t> </a:t>
+            </a:r>
+            <a:r>
+              <a:rPr lang="en-US" altLang="ja-JP" sz="4400" dirty="0" smtClean="0"/>
+              <a:t>     </a:t>
+            </a:r>
+            <a:r>
               <a:rPr lang="ja-JP" altLang="en-US" sz="4400" dirty="0" smtClean="0"/>
               <a:t>登録しているユーザを抽出する</a:t>
             </a:r>
+            <a:endParaRPr lang="en-US" altLang="ja-JP" sz="4400" dirty="0"/>
+          </a:p>
+          <a:p>
+            <a:pPr marL="857250" indent="-857250">
+              <a:buFont typeface="Arial" panose="020B0604020202020204" pitchFamily="34" charset="0"/>
+              <a:buChar char="•"/>
+            </a:pPr>
+            <a:r>
+              <a:rPr lang="ja-JP" altLang="en-US" sz="4400" dirty="0" smtClean="0"/>
+              <a:t>抽出したユーザの</a:t>
+            </a:r>
+            <a:r>
+              <a:rPr lang="en-US" altLang="ja-JP" sz="4400" dirty="0" smtClean="0"/>
+              <a:t>Gmail</a:t>
+            </a:r>
+            <a:r>
+              <a:rPr lang="ja-JP" altLang="en-US" sz="4400" dirty="0" smtClean="0"/>
+              <a:t>アドレスを</a:t>
+            </a:r>
             <a:endParaRPr lang="en-US" altLang="ja-JP" sz="4400" dirty="0" smtClean="0"/>
           </a:p>
           <a:p>
-            <a:endParaRPr kumimoji="1" lang="en-US" altLang="ja-JP" sz="4400" dirty="0" smtClean="0"/>
-          </a:p>
-          <a:p>
-            <a:r>
-              <a:rPr kumimoji="1" lang="ja-JP" altLang="en-US" sz="4400" dirty="0" smtClean="0"/>
-              <a:t>・抽出したユーザの</a:t>
-            </a:r>
-            <a:r>
-              <a:rPr kumimoji="1" lang="en-US" altLang="ja-JP" sz="4400" dirty="0" smtClean="0"/>
-              <a:t>Gmail</a:t>
-            </a:r>
-            <a:r>
-              <a:rPr kumimoji="1" lang="ja-JP" altLang="en-US" sz="4400" dirty="0" smtClean="0"/>
-              <a:t>アドレスを</a:t>
-            </a:r>
-            <a:endParaRPr kumimoji="1" lang="en-US" altLang="ja-JP" sz="4400" dirty="0" smtClean="0"/>
-          </a:p>
-          <a:p>
-            <a:r>
-              <a:rPr kumimoji="1" lang="ja-JP" altLang="en-US" sz="4400" dirty="0" smtClean="0"/>
-              <a:t>活用し</a:t>
-            </a:r>
-            <a:r>
-              <a:rPr kumimoji="1" lang="en-US" altLang="ja-JP" sz="4400" dirty="0" smtClean="0"/>
+            <a:r>
+              <a:rPr lang="ja-JP" altLang="en-US" sz="4400" dirty="0" smtClean="0"/>
+              <a:t>      活用し</a:t>
+            </a:r>
+            <a:r>
+              <a:rPr lang="en-US" altLang="ja-JP" sz="4400" dirty="0" smtClean="0"/>
               <a:t>Google+</a:t>
             </a:r>
             <a:r>
-              <a:rPr kumimoji="1" lang="ja-JP" altLang="en-US" sz="4400" dirty="0" smtClean="0"/>
+              <a:rPr lang="ja-JP" altLang="en-US" sz="4400" dirty="0" smtClean="0"/>
               <a:t>におけるユーザの</a:t>
             </a:r>
-            <a:endParaRPr kumimoji="1" lang="en-US" altLang="ja-JP" sz="4400" dirty="0" smtClean="0"/>
-          </a:p>
-          <a:p>
-            <a:r>
-              <a:rPr kumimoji="1" lang="ja-JP" altLang="en-US" sz="4400" dirty="0" smtClean="0"/>
+            <a:endParaRPr lang="en-US" altLang="ja-JP" sz="4400" dirty="0" smtClean="0"/>
+          </a:p>
+          <a:p>
+            <a:r>
+              <a:rPr lang="en-US" altLang="ja-JP" sz="4400" dirty="0"/>
+              <a:t> </a:t>
+            </a:r>
+            <a:r>
+              <a:rPr lang="en-US" altLang="ja-JP" sz="4400" dirty="0" smtClean="0"/>
+              <a:t>     </a:t>
+            </a:r>
+            <a:r>
+              <a:rPr lang="ja-JP" altLang="en-US" sz="4400" dirty="0" smtClean="0"/>
               <a:t>フォロワー数と投稿頻度を調査する</a:t>
             </a:r>
-            <a:endParaRPr kumimoji="1" lang="en-US" altLang="ja-JP" sz="4400" dirty="0" smtClean="0"/>
-          </a:p>
-          <a:p>
             <a:endParaRPr lang="en-US" altLang="ja-JP" sz="4400" dirty="0" smtClean="0"/>
           </a:p>
           <a:p>
+            <a:pPr marL="857250" indent="-857250">
+              <a:buFont typeface="Arial" panose="020B0604020202020204" pitchFamily="34" charset="0"/>
+              <a:buChar char="•"/>
+            </a:pPr>
+            <a:r>
+              <a:rPr lang="ja-JP" altLang="en-US" sz="4400" dirty="0"/>
+              <a:t>仮説</a:t>
+            </a:r>
             <a:r>
               <a:rPr lang="ja-JP" altLang="en-US" sz="4400" dirty="0" smtClean="0"/>
-              <a:t>・仮説の検証を行う</a:t>
+              <a:t>を検証する</a:t>
             </a:r>
             <a:endParaRPr lang="en-US" altLang="ja-JP" sz="4400" dirty="0" smtClean="0"/>
+          </a:p>
+          <a:p>
+            <a:endParaRPr lang="en-US" altLang="ja-JP" dirty="0" smtClean="0"/>
           </a:p>
         </p:txBody>
       </p:sp>
       <p:sp>
         <p:nvSpPr>
-          <p:cNvPr id="6" name="テキスト ボックス 5"/>
+          <p:cNvPr id="66" name="正方形/長方形 65"/>
+          <p:cNvSpPr/>
+          <p:nvPr/>
+        </p:nvSpPr>
+        <p:spPr>
+          <a:xfrm>
+            <a:off x="11341472" y="23133667"/>
+            <a:ext cx="3888432" cy="914400"/>
+          </a:xfrm>
+          <a:prstGeom prst="rect">
+            <a:avLst/>
+          </a:prstGeom>
+          <a:solidFill>
+            <a:schemeClr val="accent6"/>
+          </a:solidFill>
+          <a:ln>
+            <a:solidFill>
+              <a:schemeClr val="tx1"/>
+            </a:solidFill>
+          </a:ln>
+        </p:spPr>
+        <p:style>
+          <a:lnRef idx="2">
+            <a:schemeClr val="accent1">
+              <a:shade val="50000"/>
+            </a:schemeClr>
+          </a:lnRef>
+          <a:fillRef idx="1">
+            <a:schemeClr val="accent1"/>
+          </a:fillRef>
+          <a:effectRef idx="0">
+            <a:schemeClr val="accent1"/>
+          </a:effectRef>
+          <a:fontRef idx="minor">
+            <a:schemeClr val="lt1"/>
+          </a:fontRef>
+        </p:style>
+        <p:txBody>
+          <a:bodyPr rtlCol="0" anchor="ctr"/>
+          <a:lstStyle/>
+          <a:p>
+            <a:pPr algn="ctr"/>
+            <a:r>
+              <a:rPr kumimoji="1" lang="ja-JP" altLang="en-US" dirty="0" smtClean="0">
+                <a:solidFill>
+                  <a:schemeClr val="tx1"/>
+                </a:solidFill>
+              </a:rPr>
+              <a:t>今後の計画</a:t>
+            </a:r>
+            <a:endParaRPr kumimoji="1" lang="ja-JP" altLang="en-US" dirty="0">
+              <a:solidFill>
+                <a:schemeClr val="tx1"/>
+              </a:solidFill>
+            </a:endParaRPr>
+          </a:p>
+        </p:txBody>
+      </p:sp>
+      <p:sp>
+        <p:nvSpPr>
+          <p:cNvPr id="67" name="テキスト ボックス 66"/>
           <p:cNvSpPr txBox="1"/>
           <p:nvPr/>
         </p:nvSpPr>
         <p:spPr>
           <a:xfrm>
-            <a:off x="11500795" y="15996527"/>
-            <a:ext cx="9099542" cy="4832092"/>
+            <a:off x="11269464" y="19014133"/>
+            <a:ext cx="9725611" cy="3477875"/>
           </a:xfrm>
           <a:prstGeom prst="rect">
             <a:avLst/>
@@ -7548,37 +7288,46 @@
           </a:bodyPr>
           <a:lstStyle/>
           <a:p>
+            <a:pPr marL="857250" indent="-857250">
+              <a:buFont typeface="Arial" panose="020B0604020202020204" pitchFamily="34" charset="0"/>
+              <a:buChar char="•"/>
+            </a:pPr>
+            <a:r>
+              <a:rPr kumimoji="1" lang="en-US" altLang="ja-JP" sz="4400" dirty="0" smtClean="0"/>
+              <a:t>Vagrant</a:t>
+            </a:r>
+            <a:r>
+              <a:rPr kumimoji="1" lang="ja-JP" altLang="en-US" sz="4400" dirty="0" smtClean="0"/>
+              <a:t>を用いて仮想環境を構築した</a:t>
+            </a:r>
+            <a:endParaRPr kumimoji="1" lang="en-US" altLang="ja-JP" sz="4400" dirty="0" smtClean="0"/>
+          </a:p>
+          <a:p>
+            <a:pPr marL="857250" indent="-857250">
+              <a:buFont typeface="Arial" panose="020B0604020202020204" pitchFamily="34" charset="0"/>
+              <a:buChar char="•"/>
+            </a:pPr>
             <a:r>
               <a:rPr lang="ja-JP" altLang="en-US" sz="4400" dirty="0" smtClean="0"/>
-              <a:t>・</a:t>
-            </a:r>
-            <a:r>
-              <a:rPr lang="en-US" altLang="ja-JP" sz="4400" dirty="0" smtClean="0"/>
-              <a:t>vagrant</a:t>
+              <a:t>仮想</a:t>
+            </a:r>
+            <a:r>
+              <a:rPr lang="ja-JP" altLang="en-US" sz="4400" dirty="0"/>
+              <a:t>環境</a:t>
             </a:r>
             <a:r>
               <a:rPr lang="ja-JP" altLang="en-US" sz="4400" dirty="0" smtClean="0"/>
-              <a:t>を用いて仮想環境を構築した</a:t>
+              <a:t>にて</a:t>
+            </a:r>
+            <a:r>
+              <a:rPr lang="en-US" altLang="ja-JP" sz="4400" dirty="0" err="1" smtClean="0"/>
+              <a:t>GHTorrent</a:t>
+            </a:r>
+            <a:r>
+              <a:rPr lang="ja-JP" altLang="en-US" sz="4400" dirty="0" smtClean="0"/>
+              <a:t>を</a:t>
             </a:r>
             <a:endParaRPr lang="en-US" altLang="ja-JP" sz="4400" dirty="0" smtClean="0"/>
-          </a:p>
-          <a:p>
-            <a:endParaRPr kumimoji="1" lang="en-US" altLang="ja-JP" sz="4400" dirty="0" smtClean="0"/>
-          </a:p>
-          <a:p>
-            <a:r>
-              <a:rPr kumimoji="1" lang="ja-JP" altLang="en-US" sz="4400" dirty="0" smtClean="0"/>
-              <a:t>・仮想環境にて</a:t>
-            </a:r>
-            <a:r>
-              <a:rPr kumimoji="1" lang="en-US" altLang="ja-JP" sz="4400" dirty="0" err="1" smtClean="0"/>
-              <a:t>GHTorrent</a:t>
-            </a:r>
-            <a:r>
-              <a:rPr kumimoji="1" lang="ja-JP" altLang="en-US" sz="4400" dirty="0" smtClean="0"/>
-              <a:t>を</a:t>
-            </a:r>
-            <a:endParaRPr kumimoji="1" lang="en-US" altLang="ja-JP" sz="4400" dirty="0" smtClean="0"/>
           </a:p>
           <a:p>
             <a:r>
@@ -7587,38 +7336,376 @@
             </a:r>
             <a:r>
               <a:rPr lang="en-US" altLang="ja-JP" sz="4400" dirty="0" smtClean="0"/>
+              <a:t>     </a:t>
+            </a:r>
+            <a:r>
+              <a:rPr lang="ja-JP" altLang="en-US" sz="4400" dirty="0" smtClean="0"/>
+              <a:t>使用してみた</a:t>
+            </a:r>
+            <a:endParaRPr lang="en-US" altLang="ja-JP" sz="4400" dirty="0" smtClean="0"/>
+          </a:p>
+          <a:p>
+            <a:pPr marL="857250" indent="-857250">
+              <a:buFont typeface="Arial" panose="020B0604020202020204" pitchFamily="34" charset="0"/>
+              <a:buChar char="•"/>
+            </a:pPr>
+            <a:r>
+              <a:rPr kumimoji="1" lang="ja-JP" altLang="en-US" sz="4400" dirty="0" smtClean="0"/>
+              <a:t>しかしユーザのデータを取得できる</a:t>
+            </a:r>
+            <a:endParaRPr kumimoji="1" lang="en-US" altLang="ja-JP" sz="4400" dirty="0" smtClean="0"/>
+          </a:p>
+          <a:p>
+            <a:r>
+              <a:rPr lang="en-US" altLang="ja-JP" sz="4400" dirty="0"/>
               <a:t> </a:t>
             </a:r>
             <a:r>
+              <a:rPr lang="en-US" altLang="ja-JP" sz="4400" dirty="0" smtClean="0"/>
+              <a:t>     </a:t>
+            </a:r>
+            <a:r>
               <a:rPr kumimoji="1" lang="ja-JP" altLang="en-US" sz="4400" dirty="0" smtClean="0"/>
-              <a:t>使用してみた</a:t>
-            </a:r>
-            <a:endParaRPr kumimoji="1" lang="en-US" altLang="ja-JP" sz="4400" dirty="0" smtClean="0"/>
-          </a:p>
-          <a:p>
-            <a:endParaRPr lang="en-US" altLang="ja-JP" sz="4400" dirty="0" smtClean="0"/>
-          </a:p>
-          <a:p>
-            <a:r>
-              <a:rPr lang="ja-JP" altLang="en-US" sz="4400" dirty="0" smtClean="0"/>
-              <a:t>・しかしユーザのデータ</a:t>
-            </a:r>
-            <a:r>
-              <a:rPr lang="ja-JP" altLang="en-US" sz="4400" dirty="0"/>
-              <a:t>を</a:t>
-            </a:r>
-            <a:r>
-              <a:rPr lang="ja-JP" altLang="en-US" sz="4400" dirty="0" smtClean="0"/>
-              <a:t>取得できる</a:t>
-            </a:r>
-            <a:endParaRPr lang="en-US" altLang="ja-JP" sz="4400" dirty="0" smtClean="0"/>
-          </a:p>
-          <a:p>
-            <a:r>
-              <a:rPr lang="ja-JP" altLang="en-US" sz="4400" dirty="0" smtClean="0"/>
               <a:t>段階までは進んでいない</a:t>
             </a:r>
             <a:endParaRPr kumimoji="1" lang="ja-JP" altLang="en-US" sz="4400" dirty="0"/>
+          </a:p>
+        </p:txBody>
+      </p:sp>
+      <p:sp>
+        <p:nvSpPr>
+          <p:cNvPr id="94" name="正方形/長方形 93"/>
+          <p:cNvSpPr/>
+          <p:nvPr/>
+        </p:nvSpPr>
+        <p:spPr>
+          <a:xfrm>
+            <a:off x="11341472" y="18095257"/>
+            <a:ext cx="3888432" cy="914400"/>
+          </a:xfrm>
+          <a:prstGeom prst="rect">
+            <a:avLst/>
+          </a:prstGeom>
+          <a:solidFill>
+            <a:schemeClr val="accent6"/>
+          </a:solidFill>
+          <a:ln>
+            <a:solidFill>
+              <a:schemeClr val="tx1"/>
+            </a:solidFill>
+          </a:ln>
+        </p:spPr>
+        <p:style>
+          <a:lnRef idx="2">
+            <a:schemeClr val="accent1">
+              <a:shade val="50000"/>
+            </a:schemeClr>
+          </a:lnRef>
+          <a:fillRef idx="1">
+            <a:schemeClr val="accent1"/>
+          </a:fillRef>
+          <a:effectRef idx="0">
+            <a:schemeClr val="accent1"/>
+          </a:effectRef>
+          <a:fontRef idx="minor">
+            <a:schemeClr val="lt1"/>
+          </a:fontRef>
+        </p:style>
+        <p:txBody>
+          <a:bodyPr rtlCol="0" anchor="ctr"/>
+          <a:lstStyle/>
+          <a:p>
+            <a:pPr algn="ctr"/>
+            <a:r>
+              <a:rPr lang="ja-JP" altLang="en-US" dirty="0" smtClean="0">
+                <a:solidFill>
+                  <a:schemeClr val="tx1"/>
+                </a:solidFill>
+              </a:rPr>
+              <a:t>進捗</a:t>
+            </a:r>
+            <a:r>
+              <a:rPr lang="ja-JP" altLang="en-US" dirty="0">
+                <a:solidFill>
+                  <a:schemeClr val="tx1"/>
+                </a:solidFill>
+              </a:rPr>
+              <a:t>状況</a:t>
+            </a:r>
+            <a:endParaRPr kumimoji="1" lang="ja-JP" altLang="en-US" dirty="0">
+              <a:solidFill>
+                <a:schemeClr val="tx1"/>
+              </a:solidFill>
+            </a:endParaRPr>
+          </a:p>
+        </p:txBody>
+      </p:sp>
+      <p:sp>
+        <p:nvSpPr>
+          <p:cNvPr id="95" name="正方形/長方形 94"/>
+          <p:cNvSpPr/>
+          <p:nvPr/>
+        </p:nvSpPr>
+        <p:spPr>
+          <a:xfrm>
+            <a:off x="976426" y="18095257"/>
+            <a:ext cx="3888432" cy="914400"/>
+          </a:xfrm>
+          <a:prstGeom prst="rect">
+            <a:avLst/>
+          </a:prstGeom>
+          <a:solidFill>
+            <a:schemeClr val="accent6"/>
+          </a:solidFill>
+          <a:ln>
+            <a:solidFill>
+              <a:schemeClr val="tx1"/>
+            </a:solidFill>
+          </a:ln>
+        </p:spPr>
+        <p:style>
+          <a:lnRef idx="2">
+            <a:schemeClr val="accent1">
+              <a:shade val="50000"/>
+            </a:schemeClr>
+          </a:lnRef>
+          <a:fillRef idx="1">
+            <a:schemeClr val="accent1"/>
+          </a:fillRef>
+          <a:effectRef idx="0">
+            <a:schemeClr val="accent1"/>
+          </a:effectRef>
+          <a:fontRef idx="minor">
+            <a:schemeClr val="lt1"/>
+          </a:fontRef>
+        </p:style>
+        <p:txBody>
+          <a:bodyPr rtlCol="0" anchor="ctr"/>
+          <a:lstStyle/>
+          <a:p>
+            <a:pPr algn="ctr"/>
+            <a:r>
+              <a:rPr lang="ja-JP" altLang="en-US" dirty="0" smtClean="0">
+                <a:solidFill>
+                  <a:schemeClr val="tx1"/>
+                </a:solidFill>
+              </a:rPr>
+              <a:t>研究</a:t>
+            </a:r>
+            <a:r>
+              <a:rPr lang="ja-JP" altLang="en-US" dirty="0">
+                <a:solidFill>
+                  <a:schemeClr val="tx1"/>
+                </a:solidFill>
+              </a:rPr>
+              <a:t>方法</a:t>
+            </a:r>
+            <a:endParaRPr kumimoji="1" lang="ja-JP" altLang="en-US" dirty="0">
+              <a:solidFill>
+                <a:schemeClr val="tx1"/>
+              </a:solidFill>
+            </a:endParaRPr>
+          </a:p>
+        </p:txBody>
+      </p:sp>
+      <p:sp>
+        <p:nvSpPr>
+          <p:cNvPr id="96" name="正方形/長方形 95"/>
+          <p:cNvSpPr/>
+          <p:nvPr/>
+        </p:nvSpPr>
+        <p:spPr>
+          <a:xfrm>
+            <a:off x="976426" y="4187728"/>
+            <a:ext cx="3888432" cy="914400"/>
+          </a:xfrm>
+          <a:prstGeom prst="rect">
+            <a:avLst/>
+          </a:prstGeom>
+          <a:solidFill>
+            <a:schemeClr val="accent6"/>
+          </a:solidFill>
+          <a:ln>
+            <a:solidFill>
+              <a:schemeClr val="tx1"/>
+            </a:solidFill>
+          </a:ln>
+        </p:spPr>
+        <p:style>
+          <a:lnRef idx="2">
+            <a:schemeClr val="accent1">
+              <a:shade val="50000"/>
+            </a:schemeClr>
+          </a:lnRef>
+          <a:fillRef idx="1">
+            <a:schemeClr val="accent1"/>
+          </a:fillRef>
+          <a:effectRef idx="0">
+            <a:schemeClr val="accent1"/>
+          </a:effectRef>
+          <a:fontRef idx="minor">
+            <a:schemeClr val="lt1"/>
+          </a:fontRef>
+        </p:style>
+        <p:txBody>
+          <a:bodyPr rtlCol="0" anchor="ctr"/>
+          <a:lstStyle/>
+          <a:p>
+            <a:pPr algn="ctr"/>
+            <a:r>
+              <a:rPr lang="ja-JP" altLang="en-US" dirty="0" smtClean="0">
+                <a:solidFill>
+                  <a:schemeClr val="tx1"/>
+                </a:solidFill>
+              </a:rPr>
+              <a:t>背景＆目的</a:t>
+            </a:r>
+            <a:endParaRPr kumimoji="1" lang="ja-JP" altLang="en-US" dirty="0">
+              <a:solidFill>
+                <a:schemeClr val="tx1"/>
+              </a:solidFill>
+            </a:endParaRPr>
+          </a:p>
+        </p:txBody>
+      </p:sp>
+      <p:sp>
+        <p:nvSpPr>
+          <p:cNvPr id="70" name="テキスト ボックス 69"/>
+          <p:cNvSpPr txBox="1"/>
+          <p:nvPr/>
+        </p:nvSpPr>
+        <p:spPr>
+          <a:xfrm>
+            <a:off x="543153" y="13852270"/>
+            <a:ext cx="19662755" cy="3416320"/>
+          </a:xfrm>
+          <a:prstGeom prst="rect">
+            <a:avLst/>
+          </a:prstGeom>
+          <a:noFill/>
+        </p:spPr>
+        <p:txBody>
+          <a:bodyPr wrap="none" rtlCol="0">
+            <a:spAutoFit/>
+          </a:bodyPr>
+          <a:lstStyle/>
+          <a:p>
+            <a:r>
+              <a:rPr kumimoji="1" lang="en-US" altLang="ja-JP" sz="3600" dirty="0" err="1" smtClean="0"/>
+              <a:t>GHTorrent</a:t>
+            </a:r>
+            <a:r>
+              <a:rPr kumimoji="1" lang="ja-JP" altLang="en-US" sz="3600" dirty="0" smtClean="0"/>
+              <a:t>とは</a:t>
+            </a:r>
+            <a:r>
+              <a:rPr kumimoji="1" lang="en-US" altLang="ja-JP" sz="3600" dirty="0" smtClean="0"/>
+              <a:t>GitHub</a:t>
+            </a:r>
+            <a:r>
+              <a:rPr kumimoji="1" lang="ja-JP" altLang="en-US" sz="3600" dirty="0" smtClean="0"/>
+              <a:t>からプロジェクトやユーザの情報を取得することができるツールである</a:t>
+            </a:r>
+            <a:endParaRPr kumimoji="1" lang="en-US" altLang="ja-JP" sz="3600" dirty="0" smtClean="0"/>
+          </a:p>
+          <a:p>
+            <a:r>
+              <a:rPr kumimoji="1" lang="en-US" altLang="ja-JP" sz="3600" dirty="0" err="1" smtClean="0"/>
+              <a:t>GHTorrent</a:t>
+            </a:r>
+            <a:r>
+              <a:rPr kumimoji="1" lang="ja-JP" altLang="en-US" sz="3600" dirty="0" smtClean="0"/>
+              <a:t>を用い</a:t>
+            </a:r>
+            <a:r>
+              <a:rPr kumimoji="1" lang="en-US" altLang="ja-JP" sz="3600" dirty="0" smtClean="0"/>
+              <a:t>GitHub</a:t>
+            </a:r>
+            <a:r>
+              <a:rPr kumimoji="1" lang="ja-JP" altLang="en-US" sz="3600" dirty="0" smtClean="0"/>
+              <a:t>から</a:t>
+            </a:r>
+            <a:r>
+              <a:rPr kumimoji="1" lang="en-US" altLang="ja-JP" sz="3600" dirty="0" smtClean="0"/>
+              <a:t>Gmail</a:t>
+            </a:r>
+            <a:r>
+              <a:rPr kumimoji="1" lang="ja-JP" altLang="en-US" sz="3600" dirty="0" smtClean="0"/>
+              <a:t>アドレスを</a:t>
+            </a:r>
+            <a:r>
+              <a:rPr lang="ja-JP" altLang="en-US" sz="3600" dirty="0" smtClean="0"/>
+              <a:t>登録しているユーザの情報を取得する</a:t>
+            </a:r>
+            <a:endParaRPr lang="en-US" altLang="ja-JP" sz="3600" dirty="0" smtClean="0"/>
+          </a:p>
+          <a:p>
+            <a:r>
+              <a:rPr lang="ja-JP" altLang="en-US" sz="3600" dirty="0" smtClean="0"/>
+              <a:t>取得したユーザの</a:t>
+            </a:r>
+            <a:r>
+              <a:rPr lang="en-US" altLang="ja-JP" sz="3600" dirty="0" smtClean="0"/>
+              <a:t>Google+</a:t>
+            </a:r>
+            <a:r>
+              <a:rPr lang="ja-JP" altLang="en-US" sz="3600" dirty="0" err="1" smtClean="0"/>
+              <a:t>での</a:t>
+            </a:r>
+            <a:r>
+              <a:rPr lang="ja-JP" altLang="en-US" sz="3600" dirty="0" smtClean="0"/>
+              <a:t>フォロワー数や投稿頻度の関係性を調査する</a:t>
+            </a:r>
+            <a:endParaRPr lang="en-US" altLang="ja-JP" sz="3600" dirty="0" smtClean="0"/>
+          </a:p>
+          <a:p>
+            <a:r>
+              <a:rPr lang="en-US" altLang="ja-JP" sz="3600" dirty="0" smtClean="0"/>
+              <a:t>Google+</a:t>
+            </a:r>
+            <a:r>
+              <a:rPr lang="ja-JP" altLang="en-US" sz="3600" dirty="0" smtClean="0"/>
+              <a:t>とは</a:t>
+            </a:r>
+            <a:r>
+              <a:rPr lang="en-US" altLang="ja-JP" sz="3600" dirty="0"/>
+              <a:t>G</a:t>
+            </a:r>
+            <a:r>
+              <a:rPr lang="en-US" altLang="ja-JP" sz="3600" dirty="0" smtClean="0"/>
+              <a:t>oogle</a:t>
+            </a:r>
+            <a:r>
+              <a:rPr lang="ja-JP" altLang="en-US" sz="3600" dirty="0" smtClean="0"/>
+              <a:t>が運営している</a:t>
+            </a:r>
+            <a:r>
+              <a:rPr lang="en-US" altLang="ja-JP" sz="3600" dirty="0" smtClean="0"/>
+              <a:t>SNS</a:t>
+            </a:r>
+            <a:r>
+              <a:rPr lang="ja-JP" altLang="en-US" sz="3600" dirty="0" smtClean="0"/>
+              <a:t>である</a:t>
+            </a:r>
+            <a:endParaRPr lang="en-US" altLang="ja-JP" sz="3600" dirty="0" smtClean="0"/>
+          </a:p>
+          <a:p>
+            <a:r>
+              <a:rPr lang="ja-JP" altLang="en-US" sz="3600" dirty="0"/>
+              <a:t>以上</a:t>
+            </a:r>
+            <a:r>
+              <a:rPr lang="ja-JP" altLang="en-US" sz="3600" dirty="0" smtClean="0"/>
+              <a:t>の手順を行うことにより活発に活動しているユーザはコミュニケーション能力が高いのではないか</a:t>
+            </a:r>
+            <a:endParaRPr lang="en-US" altLang="ja-JP" sz="3600" dirty="0" smtClean="0"/>
+          </a:p>
+          <a:p>
+            <a:r>
+              <a:rPr lang="ja-JP" altLang="en-US" sz="3600" dirty="0" smtClean="0"/>
+              <a:t>という仮説の検証を行うことができると考えた</a:t>
+            </a:r>
+            <a:endParaRPr lang="en-US" altLang="ja-JP" sz="3600" dirty="0" smtClean="0"/>
           </a:p>
         </p:txBody>
       </p:sp>

--- a/卒業論文/2015/辻岡大知/中間発表/中間発表ポスター.pptx
+++ b/卒業論文/2015/辻岡大知/中間発表/中間発表ポスター.pptx
@@ -211,7 +211,7 @@
           <a:p>
             <a:fld id="{1355B614-8C80-42CD-A0C7-A8AC0A708725}" type="datetimeFigureOut">
               <a:rPr kumimoji="1" lang="ja-JP" altLang="en-US" smtClean="0"/>
-              <a:t>2016/10/12</a:t>
+              <a:t>2016/10/13</a:t>
             </a:fld>
             <a:endParaRPr kumimoji="1" lang="ja-JP" altLang="en-US"/>
           </a:p>
@@ -726,7 +726,7 @@
           <a:p>
             <a:fld id="{CD18CB5A-6947-405F-A94A-52FF85729738}" type="datetimeFigureOut">
               <a:rPr kumimoji="1" lang="ja-JP" altLang="en-US" smtClean="0"/>
-              <a:t>2016/10/12</a:t>
+              <a:t>2016/10/13</a:t>
             </a:fld>
             <a:endParaRPr kumimoji="1" lang="ja-JP" altLang="en-US"/>
           </a:p>
@@ -928,7 +928,7 @@
           <a:p>
             <a:fld id="{CD18CB5A-6947-405F-A94A-52FF85729738}" type="datetimeFigureOut">
               <a:rPr kumimoji="1" lang="ja-JP" altLang="en-US" smtClean="0"/>
-              <a:t>2016/10/12</a:t>
+              <a:t>2016/10/13</a:t>
             </a:fld>
             <a:endParaRPr kumimoji="1" lang="ja-JP" altLang="en-US"/>
           </a:p>
@@ -1140,7 +1140,7 @@
           <a:p>
             <a:fld id="{CD18CB5A-6947-405F-A94A-52FF85729738}" type="datetimeFigureOut">
               <a:rPr kumimoji="1" lang="ja-JP" altLang="en-US" smtClean="0"/>
-              <a:t>2016/10/12</a:t>
+              <a:t>2016/10/13</a:t>
             </a:fld>
             <a:endParaRPr kumimoji="1" lang="ja-JP" altLang="en-US"/>
           </a:p>
@@ -1342,7 +1342,7 @@
           <a:p>
             <a:fld id="{CD18CB5A-6947-405F-A94A-52FF85729738}" type="datetimeFigureOut">
               <a:rPr kumimoji="1" lang="ja-JP" altLang="en-US" smtClean="0"/>
-              <a:t>2016/10/12</a:t>
+              <a:t>2016/10/13</a:t>
             </a:fld>
             <a:endParaRPr kumimoji="1" lang="ja-JP" altLang="en-US"/>
           </a:p>
@@ -1588,7 +1588,7 @@
           <a:p>
             <a:fld id="{CD18CB5A-6947-405F-A94A-52FF85729738}" type="datetimeFigureOut">
               <a:rPr kumimoji="1" lang="ja-JP" altLang="en-US" smtClean="0"/>
-              <a:t>2016/10/12</a:t>
+              <a:t>2016/10/13</a:t>
             </a:fld>
             <a:endParaRPr kumimoji="1" lang="ja-JP" altLang="en-US"/>
           </a:p>
@@ -1884,7 +1884,7 @@
           <a:p>
             <a:fld id="{CD18CB5A-6947-405F-A94A-52FF85729738}" type="datetimeFigureOut">
               <a:rPr kumimoji="1" lang="ja-JP" altLang="en-US" smtClean="0"/>
-              <a:t>2016/10/12</a:t>
+              <a:t>2016/10/13</a:t>
             </a:fld>
             <a:endParaRPr kumimoji="1" lang="ja-JP" altLang="en-US"/>
           </a:p>
@@ -2315,7 +2315,7 @@
           <a:p>
             <a:fld id="{CD18CB5A-6947-405F-A94A-52FF85729738}" type="datetimeFigureOut">
               <a:rPr kumimoji="1" lang="ja-JP" altLang="en-US" smtClean="0"/>
-              <a:t>2016/10/12</a:t>
+              <a:t>2016/10/13</a:t>
             </a:fld>
             <a:endParaRPr kumimoji="1" lang="ja-JP" altLang="en-US"/>
           </a:p>
@@ -2433,7 +2433,7 @@
           <a:p>
             <a:fld id="{CD18CB5A-6947-405F-A94A-52FF85729738}" type="datetimeFigureOut">
               <a:rPr kumimoji="1" lang="ja-JP" altLang="en-US" smtClean="0"/>
-              <a:t>2016/10/12</a:t>
+              <a:t>2016/10/13</a:t>
             </a:fld>
             <a:endParaRPr kumimoji="1" lang="ja-JP" altLang="en-US"/>
           </a:p>
@@ -2528,7 +2528,7 @@
           <a:p>
             <a:fld id="{CD18CB5A-6947-405F-A94A-52FF85729738}" type="datetimeFigureOut">
               <a:rPr kumimoji="1" lang="ja-JP" altLang="en-US" smtClean="0"/>
-              <a:t>2016/10/12</a:t>
+              <a:t>2016/10/13</a:t>
             </a:fld>
             <a:endParaRPr kumimoji="1" lang="ja-JP" altLang="en-US"/>
           </a:p>
@@ -2837,7 +2837,7 @@
           <a:p>
             <a:fld id="{CD18CB5A-6947-405F-A94A-52FF85729738}" type="datetimeFigureOut">
               <a:rPr kumimoji="1" lang="ja-JP" altLang="en-US" smtClean="0"/>
-              <a:t>2016/10/12</a:t>
+              <a:t>2016/10/13</a:t>
             </a:fld>
             <a:endParaRPr kumimoji="1" lang="ja-JP" altLang="en-US"/>
           </a:p>
@@ -3090,7 +3090,7 @@
           <a:p>
             <a:fld id="{CD18CB5A-6947-405F-A94A-52FF85729738}" type="datetimeFigureOut">
               <a:rPr kumimoji="1" lang="ja-JP" altLang="en-US" smtClean="0"/>
-              <a:t>2016/10/12</a:t>
+              <a:t>2016/10/13</a:t>
             </a:fld>
             <a:endParaRPr kumimoji="1" lang="ja-JP" altLang="en-US"/>
           </a:p>
@@ -3335,7 +3335,7 @@
           <a:p>
             <a:fld id="{CD18CB5A-6947-405F-A94A-52FF85729738}" type="datetimeFigureOut">
               <a:rPr kumimoji="1" lang="ja-JP" altLang="en-US" smtClean="0"/>
-              <a:t>2016/10/12</a:t>
+              <a:t>2016/10/13</a:t>
             </a:fld>
             <a:endParaRPr kumimoji="1" lang="ja-JP" altLang="en-US"/>
           </a:p>
@@ -3754,9 +3754,7 @@
           <a:prstGeom prst="rect">
             <a:avLst/>
           </a:prstGeom>
-          <a:solidFill>
-            <a:schemeClr val="bg1"/>
-          </a:solidFill>
+          <a:noFill/>
           <a:ln>
             <a:solidFill>
               <a:schemeClr val="tx1"/>
@@ -3916,207 +3914,969 @@
           </a:p>
         </p:txBody>
       </p:sp>
-      <p:grpSp>
-        <p:nvGrpSpPr>
-          <p:cNvPr id="7" name="グループ化 6"/>
-          <p:cNvGrpSpPr/>
+      <p:sp>
+        <p:nvSpPr>
+          <p:cNvPr id="8" name="正方形/長方形 7"/>
+          <p:cNvSpPr/>
           <p:nvPr/>
-        </p:nvGrpSpPr>
-        <p:grpSpPr>
+        </p:nvSpPr>
+        <p:spPr>
           <a:xfrm>
-            <a:off x="1620392" y="6637785"/>
-            <a:ext cx="16236427" cy="6918026"/>
-            <a:chOff x="1036650" y="873210"/>
-            <a:chExt cx="10282142" cy="4729584"/>
+            <a:off x="6903709" y="8369868"/>
+            <a:ext cx="8338447" cy="6273373"/>
           </a:xfrm>
-        </p:grpSpPr>
-        <p:sp>
-          <p:nvSpPr>
-            <p:cNvPr id="8" name="正方形/長方形 7"/>
-            <p:cNvSpPr/>
-            <p:nvPr/>
-          </p:nvSpPr>
-          <p:spPr>
-            <a:xfrm>
-              <a:off x="3921211" y="1313934"/>
-              <a:ext cx="4802659" cy="3896497"/>
-            </a:xfrm>
-            <a:prstGeom prst="rect">
-              <a:avLst/>
-            </a:prstGeom>
-            <a:ln/>
-          </p:spPr>
-          <p:style>
-            <a:lnRef idx="2">
-              <a:schemeClr val="dk1"/>
-            </a:lnRef>
-            <a:fillRef idx="1">
-              <a:schemeClr val="lt1"/>
-            </a:fillRef>
-            <a:effectRef idx="0">
-              <a:schemeClr val="dk1"/>
-            </a:effectRef>
-            <a:fontRef idx="minor">
-              <a:schemeClr val="dk1"/>
-            </a:fontRef>
-          </p:style>
-          <p:txBody>
-            <a:bodyPr rtlCol="0" anchor="ctr"/>
-            <a:lstStyle/>
-            <a:p>
-              <a:pPr algn="ctr"/>
-              <a:endParaRPr kumimoji="1" lang="ja-JP" altLang="en-US" dirty="0"/>
-            </a:p>
-          </p:txBody>
-        </p:sp>
-        <p:sp>
-          <p:nvSpPr>
-            <p:cNvPr id="9" name="雲 8"/>
-            <p:cNvSpPr/>
-            <p:nvPr/>
-          </p:nvSpPr>
-          <p:spPr>
-            <a:xfrm>
-              <a:off x="3009613" y="873210"/>
-              <a:ext cx="2042984" cy="1128584"/>
-            </a:xfrm>
-            <a:prstGeom prst="cloud">
-              <a:avLst/>
-            </a:prstGeom>
+          <a:prstGeom prst="rect">
+            <a:avLst/>
+          </a:prstGeom>
+          <a:ln/>
+        </p:spPr>
+        <p:style>
+          <a:lnRef idx="2">
+            <a:schemeClr val="dk1"/>
+          </a:lnRef>
+          <a:fillRef idx="1">
+            <a:schemeClr val="lt1"/>
+          </a:fillRef>
+          <a:effectRef idx="0">
+            <a:schemeClr val="dk1"/>
+          </a:effectRef>
+          <a:fontRef idx="minor">
+            <a:schemeClr val="dk1"/>
+          </a:fontRef>
+        </p:style>
+        <p:txBody>
+          <a:bodyPr rtlCol="0" anchor="ctr"/>
+          <a:lstStyle/>
+          <a:p>
+            <a:pPr algn="ctr"/>
+            <a:endParaRPr kumimoji="1" lang="ja-JP" altLang="en-US" dirty="0"/>
+          </a:p>
+        </p:txBody>
+      </p:sp>
+      <p:sp>
+        <p:nvSpPr>
+          <p:cNvPr id="9" name="雲 8"/>
+          <p:cNvSpPr/>
+          <p:nvPr/>
+        </p:nvSpPr>
+        <p:spPr>
+          <a:xfrm>
+            <a:off x="5513782" y="7372927"/>
+            <a:ext cx="3779451" cy="2197136"/>
+          </a:xfrm>
+          <a:prstGeom prst="cloud">
+            <a:avLst/>
+          </a:prstGeom>
+          <a:solidFill>
+            <a:schemeClr val="bg2"/>
+          </a:solidFill>
+          <a:ln>
             <a:solidFill>
-              <a:schemeClr val="bg2"/>
+              <a:schemeClr val="bg2">
+                <a:lumMod val="75000"/>
+              </a:schemeClr>
             </a:solidFill>
-            <a:ln>
-              <a:solidFill>
-                <a:schemeClr val="bg2">
-                  <a:lumMod val="75000"/>
-                </a:schemeClr>
-              </a:solidFill>
-            </a:ln>
-          </p:spPr>
-          <p:style>
-            <a:lnRef idx="2">
-              <a:schemeClr val="accent1">
-                <a:shade val="50000"/>
-              </a:schemeClr>
-            </a:lnRef>
-            <a:fillRef idx="1">
-              <a:schemeClr val="accent1"/>
-            </a:fillRef>
-            <a:effectRef idx="0">
-              <a:schemeClr val="accent1"/>
-            </a:effectRef>
-            <a:fontRef idx="minor">
-              <a:schemeClr val="lt1"/>
-            </a:fontRef>
-          </p:style>
-          <p:txBody>
-            <a:bodyPr rtlCol="0" anchor="ctr"/>
-            <a:lstStyle/>
-            <a:p>
-              <a:pPr algn="ctr"/>
-              <a:r>
-                <a:rPr lang="en-US" altLang="ja-JP" sz="1800" dirty="0" smtClean="0">
-                  <a:solidFill>
-                    <a:schemeClr val="tx1"/>
-                  </a:solidFill>
-                </a:rPr>
-                <a:t>GitHu</a:t>
-              </a:r>
-              <a:r>
-                <a:rPr lang="en-US" altLang="ja-JP" sz="1800" dirty="0">
-                  <a:solidFill>
-                    <a:schemeClr val="tx1"/>
-                  </a:solidFill>
-                </a:rPr>
-                <a:t>b</a:t>
-              </a:r>
-              <a:endParaRPr kumimoji="1" lang="ja-JP" altLang="en-US" sz="1800" dirty="0">
+          </a:ln>
+        </p:spPr>
+        <p:style>
+          <a:lnRef idx="2">
+            <a:schemeClr val="accent1">
+              <a:shade val="50000"/>
+            </a:schemeClr>
+          </a:lnRef>
+          <a:fillRef idx="1">
+            <a:schemeClr val="accent1"/>
+          </a:fillRef>
+          <a:effectRef idx="0">
+            <a:schemeClr val="accent1"/>
+          </a:effectRef>
+          <a:fontRef idx="minor">
+            <a:schemeClr val="lt1"/>
+          </a:fontRef>
+        </p:style>
+        <p:txBody>
+          <a:bodyPr rtlCol="0" anchor="ctr"/>
+          <a:lstStyle/>
+          <a:p>
+            <a:pPr algn="ctr"/>
+            <a:r>
+              <a:rPr lang="en-US" altLang="ja-JP" sz="3600" dirty="0" smtClean="0">
                 <a:solidFill>
                   <a:schemeClr val="tx1"/>
                 </a:solidFill>
-              </a:endParaRPr>
-            </a:p>
-          </p:txBody>
-        </p:sp>
-        <p:sp>
-          <p:nvSpPr>
-            <p:cNvPr id="10" name="正方形/長方形 9"/>
-            <p:cNvSpPr/>
-            <p:nvPr/>
-          </p:nvSpPr>
-          <p:spPr>
-            <a:xfrm>
-              <a:off x="3921211" y="2903837"/>
-              <a:ext cx="1416908" cy="716692"/>
-            </a:xfrm>
-            <a:prstGeom prst="rect">
-              <a:avLst/>
-            </a:prstGeom>
+              </a:rPr>
+              <a:t>GitHu</a:t>
+            </a:r>
+            <a:r>
+              <a:rPr lang="en-US" altLang="ja-JP" sz="3600" dirty="0">
+                <a:solidFill>
+                  <a:schemeClr val="tx1"/>
+                </a:solidFill>
+              </a:rPr>
+              <a:t>b</a:t>
+            </a:r>
+            <a:endParaRPr kumimoji="1" lang="ja-JP" altLang="en-US" sz="3600" dirty="0">
+              <a:solidFill>
+                <a:schemeClr val="tx1"/>
+              </a:solidFill>
+            </a:endParaRPr>
+          </a:p>
+        </p:txBody>
+      </p:sp>
+      <p:sp>
+        <p:nvSpPr>
+          <p:cNvPr id="10" name="正方形/長方形 9"/>
+          <p:cNvSpPr/>
+          <p:nvPr/>
+        </p:nvSpPr>
+        <p:spPr>
+          <a:xfrm>
+            <a:off x="7127708" y="10695441"/>
+            <a:ext cx="2237425" cy="1048315"/>
+          </a:xfrm>
+          <a:prstGeom prst="rect">
+            <a:avLst/>
+          </a:prstGeom>
+          <a:solidFill>
+            <a:schemeClr val="accent4">
+              <a:lumMod val="60000"/>
+              <a:lumOff val="40000"/>
+            </a:schemeClr>
+          </a:solidFill>
+          <a:ln>
             <a:solidFill>
               <a:schemeClr val="accent4">
                 <a:lumMod val="60000"/>
                 <a:lumOff val="40000"/>
               </a:schemeClr>
             </a:solidFill>
-            <a:ln>
-              <a:solidFill>
-                <a:schemeClr val="accent4">
-                  <a:lumMod val="60000"/>
-                  <a:lumOff val="40000"/>
-                </a:schemeClr>
-              </a:solidFill>
-            </a:ln>
-          </p:spPr>
-          <p:style>
-            <a:lnRef idx="2">
-              <a:schemeClr val="accent1">
-                <a:shade val="50000"/>
-              </a:schemeClr>
-            </a:lnRef>
-            <a:fillRef idx="1">
-              <a:schemeClr val="accent1"/>
-            </a:fillRef>
-            <a:effectRef idx="0">
-              <a:schemeClr val="accent1"/>
-            </a:effectRef>
-            <a:fontRef idx="minor">
-              <a:schemeClr val="lt1"/>
-            </a:fontRef>
-          </p:style>
-          <p:txBody>
-            <a:bodyPr rtlCol="0" anchor="ctr"/>
-            <a:lstStyle/>
-            <a:p>
-              <a:pPr algn="ctr"/>
-              <a:r>
-                <a:rPr kumimoji="1" lang="ja-JP" altLang="en-US" sz="1800" dirty="0" smtClean="0">
-                  <a:solidFill>
-                    <a:schemeClr val="tx1"/>
-                  </a:solidFill>
-                </a:rPr>
-                <a:t>リポジトリ</a:t>
-              </a:r>
-              <a:endParaRPr kumimoji="1" lang="ja-JP" altLang="en-US" sz="1800" dirty="0">
+          </a:ln>
+        </p:spPr>
+        <p:style>
+          <a:lnRef idx="2">
+            <a:schemeClr val="accent1">
+              <a:shade val="50000"/>
+            </a:schemeClr>
+          </a:lnRef>
+          <a:fillRef idx="1">
+            <a:schemeClr val="accent1"/>
+          </a:fillRef>
+          <a:effectRef idx="0">
+            <a:schemeClr val="accent1"/>
+          </a:effectRef>
+          <a:fontRef idx="minor">
+            <a:schemeClr val="lt1"/>
+          </a:fontRef>
+        </p:style>
+        <p:txBody>
+          <a:bodyPr rtlCol="0" anchor="ctr"/>
+          <a:lstStyle/>
+          <a:p>
+            <a:pPr algn="ctr"/>
+            <a:r>
+              <a:rPr kumimoji="1" lang="ja-JP" altLang="en-US" sz="2400" dirty="0" smtClean="0">
                 <a:solidFill>
                   <a:schemeClr val="tx1"/>
                 </a:solidFill>
-              </a:endParaRPr>
-            </a:p>
-          </p:txBody>
-        </p:sp>
+              </a:rPr>
+              <a:t>リポジトリ</a:t>
+            </a:r>
+            <a:endParaRPr kumimoji="1" lang="ja-JP" altLang="en-US" sz="2400" dirty="0">
+              <a:solidFill>
+                <a:schemeClr val="tx1"/>
+              </a:solidFill>
+            </a:endParaRPr>
+          </a:p>
+        </p:txBody>
+      </p:sp>
+      <p:sp>
+        <p:nvSpPr>
+          <p:cNvPr id="11" name="右矢印 10"/>
+          <p:cNvSpPr/>
+          <p:nvPr/>
+        </p:nvSpPr>
+        <p:spPr>
+          <a:xfrm rot="20285925">
+            <a:off x="9596224" y="9768345"/>
+            <a:ext cx="1795144" cy="301240"/>
+          </a:xfrm>
+          <a:prstGeom prst="rightArrow">
+            <a:avLst/>
+          </a:prstGeom>
+        </p:spPr>
+        <p:style>
+          <a:lnRef idx="2">
+            <a:schemeClr val="accent1">
+              <a:shade val="50000"/>
+            </a:schemeClr>
+          </a:lnRef>
+          <a:fillRef idx="1">
+            <a:schemeClr val="accent1"/>
+          </a:fillRef>
+          <a:effectRef idx="0">
+            <a:schemeClr val="accent1"/>
+          </a:effectRef>
+          <a:fontRef idx="minor">
+            <a:schemeClr val="lt1"/>
+          </a:fontRef>
+        </p:style>
+        <p:txBody>
+          <a:bodyPr rtlCol="0" anchor="ctr"/>
+          <a:lstStyle/>
+          <a:p>
+            <a:pPr algn="ctr"/>
+            <a:endParaRPr kumimoji="1" lang="ja-JP" altLang="en-US"/>
+          </a:p>
+        </p:txBody>
+      </p:sp>
+      <p:sp>
+        <p:nvSpPr>
+          <p:cNvPr id="12" name="右矢印 11"/>
+          <p:cNvSpPr/>
+          <p:nvPr/>
+        </p:nvSpPr>
+        <p:spPr>
+          <a:xfrm>
+            <a:off x="9977620" y="10918202"/>
+            <a:ext cx="1795144" cy="301240"/>
+          </a:xfrm>
+          <a:prstGeom prst="rightArrow">
+            <a:avLst/>
+          </a:prstGeom>
+        </p:spPr>
+        <p:style>
+          <a:lnRef idx="2">
+            <a:schemeClr val="accent1">
+              <a:shade val="50000"/>
+            </a:schemeClr>
+          </a:lnRef>
+          <a:fillRef idx="1">
+            <a:schemeClr val="accent1"/>
+          </a:fillRef>
+          <a:effectRef idx="0">
+            <a:schemeClr val="accent1"/>
+          </a:effectRef>
+          <a:fontRef idx="minor">
+            <a:schemeClr val="lt1"/>
+          </a:fontRef>
+        </p:style>
+        <p:txBody>
+          <a:bodyPr rtlCol="0" anchor="ctr"/>
+          <a:lstStyle/>
+          <a:p>
+            <a:pPr algn="ctr"/>
+            <a:endParaRPr kumimoji="1" lang="ja-JP" altLang="en-US"/>
+          </a:p>
+        </p:txBody>
+      </p:sp>
+      <p:sp>
+        <p:nvSpPr>
+          <p:cNvPr id="13" name="右矢印 12"/>
+          <p:cNvSpPr/>
+          <p:nvPr/>
+        </p:nvSpPr>
+        <p:spPr>
+          <a:xfrm rot="1394822">
+            <a:off x="9590685" y="12315541"/>
+            <a:ext cx="1795144" cy="301240"/>
+          </a:xfrm>
+          <a:prstGeom prst="rightArrow">
+            <a:avLst/>
+          </a:prstGeom>
+        </p:spPr>
+        <p:style>
+          <a:lnRef idx="2">
+            <a:schemeClr val="accent1">
+              <a:shade val="50000"/>
+            </a:schemeClr>
+          </a:lnRef>
+          <a:fillRef idx="1">
+            <a:schemeClr val="accent1"/>
+          </a:fillRef>
+          <a:effectRef idx="0">
+            <a:schemeClr val="accent1"/>
+          </a:effectRef>
+          <a:fontRef idx="minor">
+            <a:schemeClr val="lt1"/>
+          </a:fontRef>
+        </p:style>
+        <p:txBody>
+          <a:bodyPr rtlCol="0" anchor="ctr"/>
+          <a:lstStyle/>
+          <a:p>
+            <a:pPr algn="ctr"/>
+            <a:endParaRPr kumimoji="1" lang="ja-JP" altLang="en-US"/>
+          </a:p>
+        </p:txBody>
+      </p:sp>
+      <p:sp>
+        <p:nvSpPr>
+          <p:cNvPr id="14" name="右矢印 13"/>
+          <p:cNvSpPr/>
+          <p:nvPr/>
+        </p:nvSpPr>
+        <p:spPr>
+          <a:xfrm rot="9533864">
+            <a:off x="9706796" y="10154162"/>
+            <a:ext cx="1795144" cy="301240"/>
+          </a:xfrm>
+          <a:prstGeom prst="rightArrow">
+            <a:avLst/>
+          </a:prstGeom>
+          <a:solidFill>
+            <a:schemeClr val="accent2">
+              <a:lumMod val="40000"/>
+              <a:lumOff val="60000"/>
+            </a:schemeClr>
+          </a:solidFill>
+          <a:ln>
+            <a:solidFill>
+              <a:schemeClr val="accent2">
+                <a:lumMod val="40000"/>
+                <a:lumOff val="60000"/>
+              </a:schemeClr>
+            </a:solidFill>
+          </a:ln>
+        </p:spPr>
+        <p:style>
+          <a:lnRef idx="2">
+            <a:schemeClr val="accent1">
+              <a:shade val="50000"/>
+            </a:schemeClr>
+          </a:lnRef>
+          <a:fillRef idx="1">
+            <a:schemeClr val="accent1"/>
+          </a:fillRef>
+          <a:effectRef idx="0">
+            <a:schemeClr val="accent1"/>
+          </a:effectRef>
+          <a:fontRef idx="minor">
+            <a:schemeClr val="lt1"/>
+          </a:fontRef>
+        </p:style>
+        <p:txBody>
+          <a:bodyPr rtlCol="0" anchor="ctr"/>
+          <a:lstStyle/>
+          <a:p>
+            <a:pPr algn="ctr"/>
+            <a:endParaRPr kumimoji="1" lang="ja-JP" altLang="en-US"/>
+          </a:p>
+        </p:txBody>
+      </p:sp>
+      <p:sp>
+        <p:nvSpPr>
+          <p:cNvPr id="15" name="右矢印 14"/>
+          <p:cNvSpPr/>
+          <p:nvPr/>
+        </p:nvSpPr>
+        <p:spPr>
+          <a:xfrm rot="10800000">
+            <a:off x="9958108" y="11344466"/>
+            <a:ext cx="1795144" cy="301240"/>
+          </a:xfrm>
+          <a:prstGeom prst="rightArrow">
+            <a:avLst/>
+          </a:prstGeom>
+          <a:solidFill>
+            <a:schemeClr val="accent2">
+              <a:lumMod val="40000"/>
+              <a:lumOff val="60000"/>
+            </a:schemeClr>
+          </a:solidFill>
+          <a:ln>
+            <a:solidFill>
+              <a:schemeClr val="accent2">
+                <a:lumMod val="40000"/>
+                <a:lumOff val="60000"/>
+              </a:schemeClr>
+            </a:solidFill>
+          </a:ln>
+        </p:spPr>
+        <p:style>
+          <a:lnRef idx="2">
+            <a:schemeClr val="accent1">
+              <a:shade val="50000"/>
+            </a:schemeClr>
+          </a:lnRef>
+          <a:fillRef idx="1">
+            <a:schemeClr val="accent1"/>
+          </a:fillRef>
+          <a:effectRef idx="0">
+            <a:schemeClr val="accent1"/>
+          </a:effectRef>
+          <a:fontRef idx="minor">
+            <a:schemeClr val="lt1"/>
+          </a:fontRef>
+        </p:style>
+        <p:txBody>
+          <a:bodyPr rtlCol="0" anchor="ctr"/>
+          <a:lstStyle/>
+          <a:p>
+            <a:pPr algn="ctr"/>
+            <a:endParaRPr kumimoji="1" lang="ja-JP" altLang="en-US"/>
+          </a:p>
+        </p:txBody>
+      </p:sp>
+      <p:sp>
+        <p:nvSpPr>
+          <p:cNvPr id="16" name="右矢印 15"/>
+          <p:cNvSpPr/>
+          <p:nvPr/>
+        </p:nvSpPr>
+        <p:spPr>
+          <a:xfrm rot="12280159">
+            <a:off x="9434049" y="12731347"/>
+            <a:ext cx="1795144" cy="301240"/>
+          </a:xfrm>
+          <a:prstGeom prst="rightArrow">
+            <a:avLst/>
+          </a:prstGeom>
+          <a:solidFill>
+            <a:schemeClr val="accent2">
+              <a:lumMod val="40000"/>
+              <a:lumOff val="60000"/>
+            </a:schemeClr>
+          </a:solidFill>
+          <a:ln>
+            <a:solidFill>
+              <a:schemeClr val="accent2">
+                <a:lumMod val="40000"/>
+                <a:lumOff val="60000"/>
+              </a:schemeClr>
+            </a:solidFill>
+          </a:ln>
+        </p:spPr>
+        <p:style>
+          <a:lnRef idx="2">
+            <a:schemeClr val="accent1">
+              <a:shade val="50000"/>
+            </a:schemeClr>
+          </a:lnRef>
+          <a:fillRef idx="1">
+            <a:schemeClr val="accent1"/>
+          </a:fillRef>
+          <a:effectRef idx="0">
+            <a:schemeClr val="accent1"/>
+          </a:effectRef>
+          <a:fontRef idx="minor">
+            <a:schemeClr val="lt1"/>
+          </a:fontRef>
+        </p:style>
+        <p:txBody>
+          <a:bodyPr rtlCol="0" anchor="ctr"/>
+          <a:lstStyle/>
+          <a:p>
+            <a:pPr algn="ctr"/>
+            <a:endParaRPr kumimoji="1" lang="ja-JP" altLang="en-US"/>
+          </a:p>
+        </p:txBody>
+      </p:sp>
+      <p:sp>
+        <p:nvSpPr>
+          <p:cNvPr id="17" name="正方形/長方形 16"/>
+          <p:cNvSpPr/>
+          <p:nvPr/>
+        </p:nvSpPr>
+        <p:spPr>
+          <a:xfrm>
+            <a:off x="11914244" y="8872622"/>
+            <a:ext cx="2295962" cy="1024215"/>
+          </a:xfrm>
+          <a:prstGeom prst="rect">
+            <a:avLst/>
+          </a:prstGeom>
+          <a:solidFill>
+            <a:schemeClr val="accent6">
+              <a:lumMod val="60000"/>
+              <a:lumOff val="40000"/>
+            </a:schemeClr>
+          </a:solidFill>
+          <a:ln>
+            <a:solidFill>
+              <a:schemeClr val="accent6">
+                <a:lumMod val="60000"/>
+                <a:lumOff val="40000"/>
+              </a:schemeClr>
+            </a:solidFill>
+          </a:ln>
+        </p:spPr>
+        <p:style>
+          <a:lnRef idx="2">
+            <a:schemeClr val="accent1">
+              <a:shade val="50000"/>
+            </a:schemeClr>
+          </a:lnRef>
+          <a:fillRef idx="1">
+            <a:schemeClr val="accent1"/>
+          </a:fillRef>
+          <a:effectRef idx="0">
+            <a:schemeClr val="accent1"/>
+          </a:effectRef>
+          <a:fontRef idx="minor">
+            <a:schemeClr val="lt1"/>
+          </a:fontRef>
+        </p:style>
+        <p:txBody>
+          <a:bodyPr rtlCol="0" anchor="ctr"/>
+          <a:lstStyle/>
+          <a:p>
+            <a:pPr algn="ctr"/>
+            <a:r>
+              <a:rPr kumimoji="1" lang="ja-JP" altLang="en-US" sz="1800" dirty="0" smtClean="0">
+                <a:solidFill>
+                  <a:schemeClr val="tx1"/>
+                </a:solidFill>
+              </a:rPr>
+              <a:t>リポジトリ</a:t>
+            </a:r>
+            <a:endParaRPr kumimoji="1" lang="ja-JP" altLang="en-US" sz="1800" dirty="0">
+              <a:solidFill>
+                <a:schemeClr val="tx1"/>
+              </a:solidFill>
+            </a:endParaRPr>
+          </a:p>
+        </p:txBody>
+      </p:sp>
+      <p:sp>
+        <p:nvSpPr>
+          <p:cNvPr id="18" name="正方形/長方形 17"/>
+          <p:cNvSpPr/>
+          <p:nvPr/>
+        </p:nvSpPr>
+        <p:spPr>
+          <a:xfrm>
+            <a:off x="11973445" y="10744528"/>
+            <a:ext cx="2295962" cy="1024215"/>
+          </a:xfrm>
+          <a:prstGeom prst="rect">
+            <a:avLst/>
+          </a:prstGeom>
+          <a:solidFill>
+            <a:schemeClr val="accent6">
+              <a:lumMod val="60000"/>
+              <a:lumOff val="40000"/>
+            </a:schemeClr>
+          </a:solidFill>
+          <a:ln>
+            <a:solidFill>
+              <a:schemeClr val="accent6">
+                <a:lumMod val="60000"/>
+                <a:lumOff val="40000"/>
+              </a:schemeClr>
+            </a:solidFill>
+          </a:ln>
+        </p:spPr>
+        <p:style>
+          <a:lnRef idx="2">
+            <a:schemeClr val="accent1">
+              <a:shade val="50000"/>
+            </a:schemeClr>
+          </a:lnRef>
+          <a:fillRef idx="1">
+            <a:schemeClr val="accent1"/>
+          </a:fillRef>
+          <a:effectRef idx="0">
+            <a:schemeClr val="accent1"/>
+          </a:effectRef>
+          <a:fontRef idx="minor">
+            <a:schemeClr val="lt1"/>
+          </a:fontRef>
+        </p:style>
+        <p:txBody>
+          <a:bodyPr rtlCol="0" anchor="ctr"/>
+          <a:lstStyle/>
+          <a:p>
+            <a:pPr algn="ctr"/>
+            <a:r>
+              <a:rPr kumimoji="1" lang="ja-JP" altLang="en-US" sz="1800" dirty="0" smtClean="0">
+                <a:solidFill>
+                  <a:schemeClr val="tx1"/>
+                </a:solidFill>
+              </a:rPr>
+              <a:t>リポジトリ</a:t>
+            </a:r>
+            <a:endParaRPr kumimoji="1" lang="ja-JP" altLang="en-US" sz="1800" dirty="0">
+              <a:solidFill>
+                <a:schemeClr val="tx1"/>
+              </a:solidFill>
+            </a:endParaRPr>
+          </a:p>
+        </p:txBody>
+      </p:sp>
+      <p:sp>
+        <p:nvSpPr>
+          <p:cNvPr id="19" name="正方形/長方形 18"/>
+          <p:cNvSpPr/>
+          <p:nvPr/>
+        </p:nvSpPr>
+        <p:spPr>
+          <a:xfrm>
+            <a:off x="11768584" y="12587707"/>
+            <a:ext cx="2295962" cy="1024215"/>
+          </a:xfrm>
+          <a:prstGeom prst="rect">
+            <a:avLst/>
+          </a:prstGeom>
+          <a:solidFill>
+            <a:schemeClr val="accent6">
+              <a:lumMod val="60000"/>
+              <a:lumOff val="40000"/>
+            </a:schemeClr>
+          </a:solidFill>
+          <a:ln>
+            <a:solidFill>
+              <a:schemeClr val="accent6">
+                <a:lumMod val="60000"/>
+                <a:lumOff val="40000"/>
+              </a:schemeClr>
+            </a:solidFill>
+          </a:ln>
+        </p:spPr>
+        <p:style>
+          <a:lnRef idx="2">
+            <a:schemeClr val="accent1">
+              <a:shade val="50000"/>
+            </a:schemeClr>
+          </a:lnRef>
+          <a:fillRef idx="1">
+            <a:schemeClr val="accent1"/>
+          </a:fillRef>
+          <a:effectRef idx="0">
+            <a:schemeClr val="accent1"/>
+          </a:effectRef>
+          <a:fontRef idx="minor">
+            <a:schemeClr val="lt1"/>
+          </a:fontRef>
+        </p:style>
+        <p:txBody>
+          <a:bodyPr rtlCol="0" anchor="ctr"/>
+          <a:lstStyle/>
+          <a:p>
+            <a:pPr algn="ctr"/>
+            <a:r>
+              <a:rPr kumimoji="1" lang="ja-JP" altLang="en-US" sz="1800" dirty="0" smtClean="0">
+                <a:solidFill>
+                  <a:schemeClr val="tx1"/>
+                </a:solidFill>
+              </a:rPr>
+              <a:t>リポジトリ</a:t>
+            </a:r>
+            <a:endParaRPr kumimoji="1" lang="ja-JP" altLang="en-US" sz="1800" dirty="0">
+              <a:solidFill>
+                <a:schemeClr val="tx1"/>
+              </a:solidFill>
+            </a:endParaRPr>
+          </a:p>
+        </p:txBody>
+      </p:sp>
+      <p:sp>
+        <p:nvSpPr>
+          <p:cNvPr id="20" name="右矢印 19"/>
+          <p:cNvSpPr/>
+          <p:nvPr/>
+        </p:nvSpPr>
+        <p:spPr>
+          <a:xfrm>
+            <a:off x="14893474" y="9141268"/>
+            <a:ext cx="1795144" cy="301240"/>
+          </a:xfrm>
+          <a:prstGeom prst="rightArrow">
+            <a:avLst/>
+          </a:prstGeom>
+        </p:spPr>
+        <p:style>
+          <a:lnRef idx="2">
+            <a:schemeClr val="accent1">
+              <a:shade val="50000"/>
+            </a:schemeClr>
+          </a:lnRef>
+          <a:fillRef idx="1">
+            <a:schemeClr val="accent1"/>
+          </a:fillRef>
+          <a:effectRef idx="0">
+            <a:schemeClr val="accent1"/>
+          </a:effectRef>
+          <a:fontRef idx="minor">
+            <a:schemeClr val="lt1"/>
+          </a:fontRef>
+        </p:style>
+        <p:txBody>
+          <a:bodyPr rtlCol="0" anchor="ctr"/>
+          <a:lstStyle/>
+          <a:p>
+            <a:pPr algn="ctr"/>
+            <a:endParaRPr kumimoji="1" lang="ja-JP" altLang="en-US"/>
+          </a:p>
+        </p:txBody>
+      </p:sp>
+      <p:sp>
+        <p:nvSpPr>
+          <p:cNvPr id="21" name="右矢印 20"/>
+          <p:cNvSpPr/>
+          <p:nvPr/>
+        </p:nvSpPr>
+        <p:spPr>
+          <a:xfrm>
+            <a:off x="14738764" y="11004728"/>
+            <a:ext cx="2323050" cy="339895"/>
+          </a:xfrm>
+          <a:prstGeom prst="rightArrow">
+            <a:avLst/>
+          </a:prstGeom>
+        </p:spPr>
+        <p:style>
+          <a:lnRef idx="2">
+            <a:schemeClr val="accent1">
+              <a:shade val="50000"/>
+            </a:schemeClr>
+          </a:lnRef>
+          <a:fillRef idx="1">
+            <a:schemeClr val="accent1"/>
+          </a:fillRef>
+          <a:effectRef idx="0">
+            <a:schemeClr val="accent1"/>
+          </a:effectRef>
+          <a:fontRef idx="minor">
+            <a:schemeClr val="lt1"/>
+          </a:fontRef>
+        </p:style>
+        <p:txBody>
+          <a:bodyPr rtlCol="0" anchor="ctr"/>
+          <a:lstStyle/>
+          <a:p>
+            <a:pPr algn="ctr"/>
+            <a:endParaRPr kumimoji="1" lang="ja-JP" altLang="en-US"/>
+          </a:p>
+        </p:txBody>
+      </p:sp>
+      <p:sp>
+        <p:nvSpPr>
+          <p:cNvPr id="22" name="右矢印 21"/>
+          <p:cNvSpPr/>
+          <p:nvPr/>
+        </p:nvSpPr>
+        <p:spPr>
+          <a:xfrm>
+            <a:off x="14799148" y="12880087"/>
+            <a:ext cx="2078860" cy="274679"/>
+          </a:xfrm>
+          <a:prstGeom prst="rightArrow">
+            <a:avLst/>
+          </a:prstGeom>
+        </p:spPr>
+        <p:style>
+          <a:lnRef idx="2">
+            <a:schemeClr val="accent1">
+              <a:shade val="50000"/>
+            </a:schemeClr>
+          </a:lnRef>
+          <a:fillRef idx="1">
+            <a:schemeClr val="accent1"/>
+          </a:fillRef>
+          <a:effectRef idx="0">
+            <a:schemeClr val="accent1"/>
+          </a:effectRef>
+          <a:fontRef idx="minor">
+            <a:schemeClr val="lt1"/>
+          </a:fontRef>
+        </p:style>
+        <p:txBody>
+          <a:bodyPr rtlCol="0" anchor="ctr"/>
+          <a:lstStyle/>
+          <a:p>
+            <a:pPr algn="ctr"/>
+            <a:endParaRPr kumimoji="1" lang="ja-JP" altLang="en-US"/>
+          </a:p>
+        </p:txBody>
+      </p:sp>
+      <p:sp>
+        <p:nvSpPr>
+          <p:cNvPr id="23" name="右矢印 22"/>
+          <p:cNvSpPr/>
+          <p:nvPr/>
+        </p:nvSpPr>
+        <p:spPr>
+          <a:xfrm rot="10800000">
+            <a:off x="14845297" y="9573984"/>
+            <a:ext cx="1795144" cy="301240"/>
+          </a:xfrm>
+          <a:prstGeom prst="rightArrow">
+            <a:avLst/>
+          </a:prstGeom>
+          <a:solidFill>
+            <a:schemeClr val="accent2">
+              <a:lumMod val="40000"/>
+              <a:lumOff val="60000"/>
+            </a:schemeClr>
+          </a:solidFill>
+          <a:ln>
+            <a:solidFill>
+              <a:schemeClr val="accent2">
+                <a:lumMod val="40000"/>
+                <a:lumOff val="60000"/>
+              </a:schemeClr>
+            </a:solidFill>
+          </a:ln>
+        </p:spPr>
+        <p:style>
+          <a:lnRef idx="2">
+            <a:schemeClr val="accent1">
+              <a:shade val="50000"/>
+            </a:schemeClr>
+          </a:lnRef>
+          <a:fillRef idx="1">
+            <a:schemeClr val="accent1"/>
+          </a:fillRef>
+          <a:effectRef idx="0">
+            <a:schemeClr val="accent1"/>
+          </a:effectRef>
+          <a:fontRef idx="minor">
+            <a:schemeClr val="lt1"/>
+          </a:fontRef>
+        </p:style>
+        <p:txBody>
+          <a:bodyPr rtlCol="0" anchor="ctr"/>
+          <a:lstStyle/>
+          <a:p>
+            <a:pPr algn="ctr"/>
+            <a:endParaRPr kumimoji="1" lang="ja-JP" altLang="en-US"/>
+          </a:p>
+        </p:txBody>
+      </p:sp>
+      <p:sp>
+        <p:nvSpPr>
+          <p:cNvPr id="24" name="右矢印 23"/>
+          <p:cNvSpPr/>
+          <p:nvPr/>
+        </p:nvSpPr>
+        <p:spPr>
+          <a:xfrm rot="10800000">
+            <a:off x="14667285" y="11357381"/>
+            <a:ext cx="2263877" cy="376292"/>
+          </a:xfrm>
+          <a:prstGeom prst="rightArrow">
+            <a:avLst/>
+          </a:prstGeom>
+          <a:solidFill>
+            <a:schemeClr val="accent2">
+              <a:lumMod val="40000"/>
+              <a:lumOff val="60000"/>
+            </a:schemeClr>
+          </a:solidFill>
+          <a:ln>
+            <a:solidFill>
+              <a:schemeClr val="accent2">
+                <a:lumMod val="40000"/>
+                <a:lumOff val="60000"/>
+              </a:schemeClr>
+            </a:solidFill>
+          </a:ln>
+        </p:spPr>
+        <p:style>
+          <a:lnRef idx="2">
+            <a:schemeClr val="accent1">
+              <a:shade val="50000"/>
+            </a:schemeClr>
+          </a:lnRef>
+          <a:fillRef idx="1">
+            <a:schemeClr val="accent1"/>
+          </a:fillRef>
+          <a:effectRef idx="0">
+            <a:schemeClr val="accent1"/>
+          </a:effectRef>
+          <a:fontRef idx="minor">
+            <a:schemeClr val="lt1"/>
+          </a:fontRef>
+        </p:style>
+        <p:txBody>
+          <a:bodyPr rtlCol="0" anchor="ctr"/>
+          <a:lstStyle/>
+          <a:p>
+            <a:pPr algn="ctr"/>
+            <a:endParaRPr kumimoji="1" lang="ja-JP" altLang="en-US"/>
+          </a:p>
+        </p:txBody>
+      </p:sp>
+      <p:sp>
+        <p:nvSpPr>
+          <p:cNvPr id="25" name="右矢印 24"/>
+          <p:cNvSpPr/>
+          <p:nvPr/>
+        </p:nvSpPr>
+        <p:spPr>
+          <a:xfrm rot="10800000">
+            <a:off x="14738764" y="13190972"/>
+            <a:ext cx="2078860" cy="355996"/>
+          </a:xfrm>
+          <a:prstGeom prst="rightArrow">
+            <a:avLst/>
+          </a:prstGeom>
+          <a:solidFill>
+            <a:schemeClr val="accent2">
+              <a:lumMod val="40000"/>
+              <a:lumOff val="60000"/>
+            </a:schemeClr>
+          </a:solidFill>
+          <a:ln>
+            <a:solidFill>
+              <a:schemeClr val="accent2">
+                <a:lumMod val="40000"/>
+                <a:lumOff val="60000"/>
+              </a:schemeClr>
+            </a:solidFill>
+          </a:ln>
+        </p:spPr>
+        <p:style>
+          <a:lnRef idx="2">
+            <a:schemeClr val="accent1">
+              <a:shade val="50000"/>
+            </a:schemeClr>
+          </a:lnRef>
+          <a:fillRef idx="1">
+            <a:schemeClr val="accent1"/>
+          </a:fillRef>
+          <a:effectRef idx="0">
+            <a:schemeClr val="accent1"/>
+          </a:effectRef>
+          <a:fontRef idx="minor">
+            <a:schemeClr val="lt1"/>
+          </a:fontRef>
+        </p:style>
+        <p:txBody>
+          <a:bodyPr rtlCol="0" anchor="ctr"/>
+          <a:lstStyle/>
+          <a:p>
+            <a:pPr algn="ctr"/>
+            <a:endParaRPr kumimoji="1" lang="ja-JP" altLang="en-US"/>
+          </a:p>
+        </p:txBody>
+      </p:sp>
+      <p:grpSp>
+        <p:nvGrpSpPr>
+          <p:cNvPr id="26" name="グループ化 25"/>
+          <p:cNvGrpSpPr/>
+          <p:nvPr/>
+        </p:nvGrpSpPr>
+        <p:grpSpPr>
+          <a:xfrm>
+            <a:off x="17273899" y="8829821"/>
+            <a:ext cx="2557202" cy="1457998"/>
+            <a:chOff x="7860424" y="1564483"/>
+            <a:chExt cx="1619415" cy="996776"/>
+          </a:xfrm>
+        </p:grpSpPr>
         <p:sp>
           <p:nvSpPr>
-            <p:cNvPr id="11" name="右矢印 10"/>
+            <p:cNvPr id="57" name="正方形/長方形 56"/>
             <p:cNvSpPr/>
             <p:nvPr/>
           </p:nvSpPr>
           <p:spPr>
-            <a:xfrm rot="20285925">
-              <a:off x="5335506" y="2349840"/>
-              <a:ext cx="1136822" cy="205946"/>
+            <a:xfrm>
+              <a:off x="7860424" y="1564483"/>
+              <a:ext cx="1619415" cy="996776"/>
             </a:xfrm>
-            <a:prstGeom prst="rightArrow">
+            <a:prstGeom prst="rect">
               <a:avLst/>
             </a:prstGeom>
           </p:spPr>
@@ -4147,16 +4907,223 @@
         </p:sp>
         <p:sp>
           <p:nvSpPr>
-            <p:cNvPr id="12" name="右矢印 11"/>
+            <p:cNvPr id="58" name="正方形/長方形 57"/>
             <p:cNvSpPr/>
             <p:nvPr/>
           </p:nvSpPr>
           <p:spPr>
             <a:xfrm>
-              <a:off x="5539946" y="3056237"/>
-              <a:ext cx="1136822" cy="205946"/>
+              <a:off x="7860424" y="1738184"/>
+              <a:ext cx="1619415" cy="823074"/>
             </a:xfrm>
-            <a:prstGeom prst="rightArrow">
+            <a:prstGeom prst="rect">
+              <a:avLst/>
+            </a:prstGeom>
+            <a:solidFill>
+              <a:schemeClr val="tx1"/>
+            </a:solidFill>
+            <a:ln>
+              <a:solidFill>
+                <a:schemeClr val="tx1"/>
+              </a:solidFill>
+            </a:ln>
+          </p:spPr>
+          <p:style>
+            <a:lnRef idx="2">
+              <a:schemeClr val="accent1">
+                <a:shade val="50000"/>
+              </a:schemeClr>
+            </a:lnRef>
+            <a:fillRef idx="1">
+              <a:schemeClr val="accent1"/>
+            </a:fillRef>
+            <a:effectRef idx="0">
+              <a:schemeClr val="accent1"/>
+            </a:effectRef>
+            <a:fontRef idx="minor">
+              <a:schemeClr val="lt1"/>
+            </a:fontRef>
+          </p:style>
+          <p:txBody>
+            <a:bodyPr rtlCol="0" anchor="ctr"/>
+            <a:lstStyle/>
+            <a:p>
+              <a:pPr algn="ctr"/>
+              <a:endParaRPr kumimoji="1" lang="ja-JP" altLang="en-US"/>
+            </a:p>
+          </p:txBody>
+        </p:sp>
+        <p:sp>
+          <p:nvSpPr>
+            <p:cNvPr id="59" name="正方形/長方形 58"/>
+            <p:cNvSpPr/>
+            <p:nvPr/>
+          </p:nvSpPr>
+          <p:spPr>
+            <a:xfrm>
+              <a:off x="9053384" y="1606378"/>
+              <a:ext cx="98853" cy="98853"/>
+            </a:xfrm>
+            <a:prstGeom prst="rect">
+              <a:avLst/>
+            </a:prstGeom>
+            <a:solidFill>
+              <a:schemeClr val="bg2"/>
+            </a:solidFill>
+            <a:ln>
+              <a:solidFill>
+                <a:schemeClr val="bg2"/>
+              </a:solidFill>
+            </a:ln>
+          </p:spPr>
+          <p:style>
+            <a:lnRef idx="2">
+              <a:schemeClr val="accent1">
+                <a:shade val="50000"/>
+              </a:schemeClr>
+            </a:lnRef>
+            <a:fillRef idx="1">
+              <a:schemeClr val="accent1"/>
+            </a:fillRef>
+            <a:effectRef idx="0">
+              <a:schemeClr val="accent1"/>
+            </a:effectRef>
+            <a:fontRef idx="minor">
+              <a:schemeClr val="lt1"/>
+            </a:fontRef>
+          </p:style>
+          <p:txBody>
+            <a:bodyPr rtlCol="0" anchor="ctr"/>
+            <a:lstStyle/>
+            <a:p>
+              <a:pPr algn="ctr"/>
+              <a:endParaRPr kumimoji="1" lang="ja-JP" altLang="en-US"/>
+            </a:p>
+          </p:txBody>
+        </p:sp>
+        <p:sp>
+          <p:nvSpPr>
+            <p:cNvPr id="60" name="正方形/長方形 59"/>
+            <p:cNvSpPr/>
+            <p:nvPr/>
+          </p:nvSpPr>
+          <p:spPr>
+            <a:xfrm>
+              <a:off x="9205784" y="1610495"/>
+              <a:ext cx="98853" cy="98853"/>
+            </a:xfrm>
+            <a:prstGeom prst="rect">
+              <a:avLst/>
+            </a:prstGeom>
+            <a:solidFill>
+              <a:schemeClr val="bg2"/>
+            </a:solidFill>
+            <a:ln>
+              <a:solidFill>
+                <a:schemeClr val="bg2"/>
+              </a:solidFill>
+            </a:ln>
+          </p:spPr>
+          <p:style>
+            <a:lnRef idx="2">
+              <a:schemeClr val="accent1">
+                <a:shade val="50000"/>
+              </a:schemeClr>
+            </a:lnRef>
+            <a:fillRef idx="1">
+              <a:schemeClr val="accent1"/>
+            </a:fillRef>
+            <a:effectRef idx="0">
+              <a:schemeClr val="accent1"/>
+            </a:effectRef>
+            <a:fontRef idx="minor">
+              <a:schemeClr val="lt1"/>
+            </a:fontRef>
+          </p:style>
+          <p:txBody>
+            <a:bodyPr rtlCol="0" anchor="ctr"/>
+            <a:lstStyle/>
+            <a:p>
+              <a:pPr algn="ctr"/>
+              <a:endParaRPr kumimoji="1" lang="ja-JP" altLang="en-US"/>
+            </a:p>
+          </p:txBody>
+        </p:sp>
+        <p:sp>
+          <p:nvSpPr>
+            <p:cNvPr id="61" name="正方形/長方形 60"/>
+            <p:cNvSpPr/>
+            <p:nvPr/>
+          </p:nvSpPr>
+          <p:spPr>
+            <a:xfrm>
+              <a:off x="9354068" y="1610494"/>
+              <a:ext cx="98853" cy="98853"/>
+            </a:xfrm>
+            <a:prstGeom prst="rect">
+              <a:avLst/>
+            </a:prstGeom>
+            <a:solidFill>
+              <a:schemeClr val="bg2"/>
+            </a:solidFill>
+            <a:ln>
+              <a:solidFill>
+                <a:schemeClr val="bg2"/>
+              </a:solidFill>
+            </a:ln>
+          </p:spPr>
+          <p:style>
+            <a:lnRef idx="2">
+              <a:schemeClr val="accent1">
+                <a:shade val="50000"/>
+              </a:schemeClr>
+            </a:lnRef>
+            <a:fillRef idx="1">
+              <a:schemeClr val="accent1"/>
+            </a:fillRef>
+            <a:effectRef idx="0">
+              <a:schemeClr val="accent1"/>
+            </a:effectRef>
+            <a:fontRef idx="minor">
+              <a:schemeClr val="lt1"/>
+            </a:fontRef>
+          </p:style>
+          <p:txBody>
+            <a:bodyPr rtlCol="0" anchor="ctr"/>
+            <a:lstStyle/>
+            <a:p>
+              <a:pPr algn="ctr"/>
+              <a:endParaRPr kumimoji="1" lang="ja-JP" altLang="en-US"/>
+            </a:p>
+          </p:txBody>
+        </p:sp>
+      </p:grpSp>
+      <p:grpSp>
+        <p:nvGrpSpPr>
+          <p:cNvPr id="27" name="グループ化 26"/>
+          <p:cNvGrpSpPr/>
+          <p:nvPr/>
+        </p:nvGrpSpPr>
+        <p:grpSpPr>
+          <a:xfrm>
+            <a:off x="17152567" y="10763573"/>
+            <a:ext cx="2557202" cy="1457998"/>
+            <a:chOff x="7860424" y="1564483"/>
+            <a:chExt cx="1619415" cy="996776"/>
+          </a:xfrm>
+        </p:grpSpPr>
+        <p:sp>
+          <p:nvSpPr>
+            <p:cNvPr id="52" name="正方形/長方形 51"/>
+            <p:cNvSpPr/>
+            <p:nvPr/>
+          </p:nvSpPr>
+          <p:spPr>
+            <a:xfrm>
+              <a:off x="7860424" y="1564483"/>
+              <a:ext cx="1619415" cy="996776"/>
+            </a:xfrm>
+            <a:prstGeom prst="rect">
               <a:avLst/>
             </a:prstGeom>
           </p:spPr>
@@ -4187,70 +5154,24 @@
         </p:sp>
         <p:sp>
           <p:nvSpPr>
-            <p:cNvPr id="13" name="右矢印 12"/>
+            <p:cNvPr id="53" name="正方形/長方形 52"/>
             <p:cNvSpPr/>
             <p:nvPr/>
           </p:nvSpPr>
           <p:spPr>
-            <a:xfrm rot="1394822">
-              <a:off x="5332613" y="3810783"/>
-              <a:ext cx="1136822" cy="205946"/>
+            <a:xfrm>
+              <a:off x="7860424" y="1738184"/>
+              <a:ext cx="1619415" cy="823074"/>
             </a:xfrm>
-            <a:prstGeom prst="rightArrow">
-              <a:avLst/>
-            </a:prstGeom>
-          </p:spPr>
-          <p:style>
-            <a:lnRef idx="2">
-              <a:schemeClr val="accent1">
-                <a:shade val="50000"/>
-              </a:schemeClr>
-            </a:lnRef>
-            <a:fillRef idx="1">
-              <a:schemeClr val="accent1"/>
-            </a:fillRef>
-            <a:effectRef idx="0">
-              <a:schemeClr val="accent1"/>
-            </a:effectRef>
-            <a:fontRef idx="minor">
-              <a:schemeClr val="lt1"/>
-            </a:fontRef>
-          </p:style>
-          <p:txBody>
-            <a:bodyPr rtlCol="0" anchor="ctr"/>
-            <a:lstStyle/>
-            <a:p>
-              <a:pPr algn="ctr"/>
-              <a:endParaRPr kumimoji="1" lang="ja-JP" altLang="en-US"/>
-            </a:p>
-          </p:txBody>
-        </p:sp>
-        <p:sp>
-          <p:nvSpPr>
-            <p:cNvPr id="14" name="右矢印 13"/>
-            <p:cNvSpPr/>
-            <p:nvPr/>
-          </p:nvSpPr>
-          <p:spPr>
-            <a:xfrm rot="9533864">
-              <a:off x="5405529" y="2613608"/>
-              <a:ext cx="1136822" cy="205946"/>
-            </a:xfrm>
-            <a:prstGeom prst="rightArrow">
+            <a:prstGeom prst="rect">
               <a:avLst/>
             </a:prstGeom>
             <a:solidFill>
-              <a:schemeClr val="accent2">
-                <a:lumMod val="40000"/>
-                <a:lumOff val="60000"/>
-              </a:schemeClr>
+              <a:schemeClr val="tx1"/>
             </a:solidFill>
             <a:ln>
               <a:solidFill>
-                <a:schemeClr val="accent2">
-                  <a:lumMod val="40000"/>
-                  <a:lumOff val="60000"/>
-                </a:schemeClr>
+                <a:schemeClr val="tx1"/>
               </a:solidFill>
             </a:ln>
           </p:spPr>
@@ -4281,30 +5202,24 @@
         </p:sp>
         <p:sp>
           <p:nvSpPr>
-            <p:cNvPr id="15" name="右矢印 14"/>
+            <p:cNvPr id="54" name="正方形/長方形 53"/>
             <p:cNvSpPr/>
             <p:nvPr/>
           </p:nvSpPr>
           <p:spPr>
-            <a:xfrm rot="10800000">
-              <a:off x="5527590" y="3347657"/>
-              <a:ext cx="1136822" cy="205946"/>
+            <a:xfrm>
+              <a:off x="9053384" y="1606378"/>
+              <a:ext cx="98853" cy="98853"/>
             </a:xfrm>
-            <a:prstGeom prst="rightArrow">
+            <a:prstGeom prst="rect">
               <a:avLst/>
             </a:prstGeom>
             <a:solidFill>
-              <a:schemeClr val="accent2">
-                <a:lumMod val="40000"/>
-                <a:lumOff val="60000"/>
-              </a:schemeClr>
+              <a:schemeClr val="bg2"/>
             </a:solidFill>
             <a:ln>
               <a:solidFill>
-                <a:schemeClr val="accent2">
-                  <a:lumMod val="40000"/>
-                  <a:lumOff val="60000"/>
-                </a:schemeClr>
+                <a:schemeClr val="bg2"/>
               </a:solidFill>
             </a:ln>
           </p:spPr>
@@ -4335,30 +5250,24 @@
         </p:sp>
         <p:sp>
           <p:nvSpPr>
-            <p:cNvPr id="16" name="右矢印 15"/>
+            <p:cNvPr id="55" name="正方形/長方形 54"/>
             <p:cNvSpPr/>
             <p:nvPr/>
           </p:nvSpPr>
           <p:spPr>
-            <a:xfrm rot="12280159">
-              <a:off x="5233419" y="4095053"/>
-              <a:ext cx="1136822" cy="205946"/>
+            <a:xfrm>
+              <a:off x="9205784" y="1610495"/>
+              <a:ext cx="98853" cy="98853"/>
             </a:xfrm>
-            <a:prstGeom prst="rightArrow">
+            <a:prstGeom prst="rect">
               <a:avLst/>
             </a:prstGeom>
             <a:solidFill>
-              <a:schemeClr val="accent2">
-                <a:lumMod val="40000"/>
-                <a:lumOff val="60000"/>
-              </a:schemeClr>
+              <a:schemeClr val="bg2"/>
             </a:solidFill>
             <a:ln>
               <a:solidFill>
-                <a:schemeClr val="accent2">
-                  <a:lumMod val="40000"/>
-                  <a:lumOff val="60000"/>
-                </a:schemeClr>
+                <a:schemeClr val="bg2"/>
               </a:solidFill>
             </a:ln>
           </p:spPr>
@@ -4389,348 +5298,24 @@
         </p:sp>
         <p:sp>
           <p:nvSpPr>
-            <p:cNvPr id="17" name="正方形/長方形 16"/>
+            <p:cNvPr id="56" name="正方形/長方形 55"/>
             <p:cNvSpPr/>
             <p:nvPr/>
           </p:nvSpPr>
           <p:spPr>
             <a:xfrm>
-              <a:off x="6820264" y="1919416"/>
-              <a:ext cx="1453978" cy="700216"/>
+              <a:off x="9354068" y="1610494"/>
+              <a:ext cx="98853" cy="98853"/>
             </a:xfrm>
             <a:prstGeom prst="rect">
               <a:avLst/>
             </a:prstGeom>
             <a:solidFill>
-              <a:schemeClr val="accent6">
-                <a:lumMod val="60000"/>
-                <a:lumOff val="40000"/>
-              </a:schemeClr>
+              <a:schemeClr val="bg2"/>
             </a:solidFill>
             <a:ln>
               <a:solidFill>
-                <a:schemeClr val="accent6">
-                  <a:lumMod val="60000"/>
-                  <a:lumOff val="40000"/>
-                </a:schemeClr>
-              </a:solidFill>
-            </a:ln>
-          </p:spPr>
-          <p:style>
-            <a:lnRef idx="2">
-              <a:schemeClr val="accent1">
-                <a:shade val="50000"/>
-              </a:schemeClr>
-            </a:lnRef>
-            <a:fillRef idx="1">
-              <a:schemeClr val="accent1"/>
-            </a:fillRef>
-            <a:effectRef idx="0">
-              <a:schemeClr val="accent1"/>
-            </a:effectRef>
-            <a:fontRef idx="minor">
-              <a:schemeClr val="lt1"/>
-            </a:fontRef>
-          </p:style>
-          <p:txBody>
-            <a:bodyPr rtlCol="0" anchor="ctr"/>
-            <a:lstStyle/>
-            <a:p>
-              <a:pPr algn="ctr"/>
-              <a:r>
-                <a:rPr kumimoji="1" lang="ja-JP" altLang="en-US" sz="1800" dirty="0" smtClean="0">
-                  <a:solidFill>
-                    <a:schemeClr val="tx1"/>
-                  </a:solidFill>
-                </a:rPr>
-                <a:t>リポジトリ</a:t>
-              </a:r>
-              <a:endParaRPr kumimoji="1" lang="ja-JP" altLang="en-US" sz="1800" dirty="0">
-                <a:solidFill>
-                  <a:schemeClr val="tx1"/>
-                </a:solidFill>
-              </a:endParaRPr>
-            </a:p>
-          </p:txBody>
-        </p:sp>
-        <p:sp>
-          <p:nvSpPr>
-            <p:cNvPr id="18" name="正方形/長方形 17"/>
-            <p:cNvSpPr/>
-            <p:nvPr/>
-          </p:nvSpPr>
-          <p:spPr>
-            <a:xfrm>
-              <a:off x="6824126" y="2997549"/>
-              <a:ext cx="1453978" cy="700216"/>
-            </a:xfrm>
-            <a:prstGeom prst="rect">
-              <a:avLst/>
-            </a:prstGeom>
-            <a:solidFill>
-              <a:schemeClr val="accent6">
-                <a:lumMod val="60000"/>
-                <a:lumOff val="40000"/>
-              </a:schemeClr>
-            </a:solidFill>
-            <a:ln>
-              <a:solidFill>
-                <a:schemeClr val="accent6">
-                  <a:lumMod val="60000"/>
-                  <a:lumOff val="40000"/>
-                </a:schemeClr>
-              </a:solidFill>
-            </a:ln>
-          </p:spPr>
-          <p:style>
-            <a:lnRef idx="2">
-              <a:schemeClr val="accent1">
-                <a:shade val="50000"/>
-              </a:schemeClr>
-            </a:lnRef>
-            <a:fillRef idx="1">
-              <a:schemeClr val="accent1"/>
-            </a:fillRef>
-            <a:effectRef idx="0">
-              <a:schemeClr val="accent1"/>
-            </a:effectRef>
-            <a:fontRef idx="minor">
-              <a:schemeClr val="lt1"/>
-            </a:fontRef>
-          </p:style>
-          <p:txBody>
-            <a:bodyPr rtlCol="0" anchor="ctr"/>
-            <a:lstStyle/>
-            <a:p>
-              <a:pPr algn="ctr"/>
-              <a:r>
-                <a:rPr kumimoji="1" lang="ja-JP" altLang="en-US" sz="1800" dirty="0" smtClean="0">
-                  <a:solidFill>
-                    <a:schemeClr val="tx1"/>
-                  </a:solidFill>
-                </a:rPr>
-                <a:t>リポジトリ</a:t>
-              </a:r>
-              <a:endParaRPr kumimoji="1" lang="ja-JP" altLang="en-US" sz="1800" dirty="0">
-                <a:solidFill>
-                  <a:schemeClr val="tx1"/>
-                </a:solidFill>
-              </a:endParaRPr>
-            </a:p>
-          </p:txBody>
-        </p:sp>
-        <p:sp>
-          <p:nvSpPr>
-            <p:cNvPr id="19" name="正方形/長方形 18"/>
-            <p:cNvSpPr/>
-            <p:nvPr/>
-          </p:nvSpPr>
-          <p:spPr>
-            <a:xfrm>
-              <a:off x="6805182" y="4075682"/>
-              <a:ext cx="1453978" cy="700216"/>
-            </a:xfrm>
-            <a:prstGeom prst="rect">
-              <a:avLst/>
-            </a:prstGeom>
-            <a:solidFill>
-              <a:schemeClr val="accent6">
-                <a:lumMod val="60000"/>
-                <a:lumOff val="40000"/>
-              </a:schemeClr>
-            </a:solidFill>
-            <a:ln>
-              <a:solidFill>
-                <a:schemeClr val="accent6">
-                  <a:lumMod val="60000"/>
-                  <a:lumOff val="40000"/>
-                </a:schemeClr>
-              </a:solidFill>
-            </a:ln>
-          </p:spPr>
-          <p:style>
-            <a:lnRef idx="2">
-              <a:schemeClr val="accent1">
-                <a:shade val="50000"/>
-              </a:schemeClr>
-            </a:lnRef>
-            <a:fillRef idx="1">
-              <a:schemeClr val="accent1"/>
-            </a:fillRef>
-            <a:effectRef idx="0">
-              <a:schemeClr val="accent1"/>
-            </a:effectRef>
-            <a:fontRef idx="minor">
-              <a:schemeClr val="lt1"/>
-            </a:fontRef>
-          </p:style>
-          <p:txBody>
-            <a:bodyPr rtlCol="0" anchor="ctr"/>
-            <a:lstStyle/>
-            <a:p>
-              <a:pPr algn="ctr"/>
-              <a:r>
-                <a:rPr kumimoji="1" lang="ja-JP" altLang="en-US" sz="1800" dirty="0" smtClean="0">
-                  <a:solidFill>
-                    <a:schemeClr val="tx1"/>
-                  </a:solidFill>
-                </a:rPr>
-                <a:t>リポジトリ</a:t>
-              </a:r>
-              <a:endParaRPr kumimoji="1" lang="ja-JP" altLang="en-US" sz="1800" dirty="0">
-                <a:solidFill>
-                  <a:schemeClr val="tx1"/>
-                </a:solidFill>
-              </a:endParaRPr>
-            </a:p>
-          </p:txBody>
-        </p:sp>
-        <p:sp>
-          <p:nvSpPr>
-            <p:cNvPr id="20" name="右矢印 19"/>
-            <p:cNvSpPr/>
-            <p:nvPr/>
-          </p:nvSpPr>
-          <p:spPr>
-            <a:xfrm>
-              <a:off x="8406930" y="2001794"/>
-              <a:ext cx="1136822" cy="205946"/>
-            </a:xfrm>
-            <a:prstGeom prst="rightArrow">
-              <a:avLst/>
-            </a:prstGeom>
-          </p:spPr>
-          <p:style>
-            <a:lnRef idx="2">
-              <a:schemeClr val="accent1">
-                <a:shade val="50000"/>
-              </a:schemeClr>
-            </a:lnRef>
-            <a:fillRef idx="1">
-              <a:schemeClr val="accent1"/>
-            </a:fillRef>
-            <a:effectRef idx="0">
-              <a:schemeClr val="accent1"/>
-            </a:effectRef>
-            <a:fontRef idx="minor">
-              <a:schemeClr val="lt1"/>
-            </a:fontRef>
-          </p:style>
-          <p:txBody>
-            <a:bodyPr rtlCol="0" anchor="ctr"/>
-            <a:lstStyle/>
-            <a:p>
-              <a:pPr algn="ctr"/>
-              <a:endParaRPr kumimoji="1" lang="ja-JP" altLang="en-US"/>
-            </a:p>
-          </p:txBody>
-        </p:sp>
-        <p:sp>
-          <p:nvSpPr>
-            <p:cNvPr id="21" name="右矢印 20"/>
-            <p:cNvSpPr/>
-            <p:nvPr/>
-          </p:nvSpPr>
-          <p:spPr>
-            <a:xfrm>
-              <a:off x="8405084" y="3141711"/>
-              <a:ext cx="1136822" cy="205946"/>
-            </a:xfrm>
-            <a:prstGeom prst="rightArrow">
-              <a:avLst/>
-            </a:prstGeom>
-          </p:spPr>
-          <p:style>
-            <a:lnRef idx="2">
-              <a:schemeClr val="accent1">
-                <a:shade val="50000"/>
-              </a:schemeClr>
-            </a:lnRef>
-            <a:fillRef idx="1">
-              <a:schemeClr val="accent1"/>
-            </a:fillRef>
-            <a:effectRef idx="0">
-              <a:schemeClr val="accent1"/>
-            </a:effectRef>
-            <a:fontRef idx="minor">
-              <a:schemeClr val="lt1"/>
-            </a:fontRef>
-          </p:style>
-          <p:txBody>
-            <a:bodyPr rtlCol="0" anchor="ctr"/>
-            <a:lstStyle/>
-            <a:p>
-              <a:pPr algn="ctr"/>
-              <a:endParaRPr kumimoji="1" lang="ja-JP" altLang="en-US"/>
-            </a:p>
-          </p:txBody>
-        </p:sp>
-        <p:sp>
-          <p:nvSpPr>
-            <p:cNvPr id="22" name="右矢印 21"/>
-            <p:cNvSpPr/>
-            <p:nvPr/>
-          </p:nvSpPr>
-          <p:spPr>
-            <a:xfrm>
-              <a:off x="8405084" y="4232719"/>
-              <a:ext cx="908008" cy="205946"/>
-            </a:xfrm>
-            <a:prstGeom prst="rightArrow">
-              <a:avLst/>
-            </a:prstGeom>
-          </p:spPr>
-          <p:style>
-            <a:lnRef idx="2">
-              <a:schemeClr val="accent1">
-                <a:shade val="50000"/>
-              </a:schemeClr>
-            </a:lnRef>
-            <a:fillRef idx="1">
-              <a:schemeClr val="accent1"/>
-            </a:fillRef>
-            <a:effectRef idx="0">
-              <a:schemeClr val="accent1"/>
-            </a:effectRef>
-            <a:fontRef idx="minor">
-              <a:schemeClr val="lt1"/>
-            </a:fontRef>
-          </p:style>
-          <p:txBody>
-            <a:bodyPr rtlCol="0" anchor="ctr"/>
-            <a:lstStyle/>
-            <a:p>
-              <a:pPr algn="ctr"/>
-              <a:endParaRPr kumimoji="1" lang="ja-JP" altLang="en-US"/>
-            </a:p>
-          </p:txBody>
-        </p:sp>
-        <p:sp>
-          <p:nvSpPr>
-            <p:cNvPr id="23" name="右矢印 22"/>
-            <p:cNvSpPr/>
-            <p:nvPr/>
-          </p:nvSpPr>
-          <p:spPr>
-            <a:xfrm rot="10800000">
-              <a:off x="8405084" y="2380781"/>
-              <a:ext cx="1136822" cy="205946"/>
-            </a:xfrm>
-            <a:prstGeom prst="rightArrow">
-              <a:avLst/>
-            </a:prstGeom>
-            <a:solidFill>
-              <a:schemeClr val="accent2">
-                <a:lumMod val="40000"/>
-                <a:lumOff val="60000"/>
-              </a:schemeClr>
-            </a:solidFill>
-            <a:ln>
-              <a:solidFill>
-                <a:schemeClr val="accent2">
-                  <a:lumMod val="40000"/>
-                  <a:lumOff val="60000"/>
-                </a:schemeClr>
+                <a:schemeClr val="bg2"/>
               </a:solidFill>
             </a:ln>
           </p:spPr>
@@ -4759,188 +5344,530 @@
             </a:p>
           </p:txBody>
         </p:sp>
-        <p:sp>
-          <p:nvSpPr>
-            <p:cNvPr id="24" name="右矢印 23"/>
-            <p:cNvSpPr/>
-            <p:nvPr/>
-          </p:nvSpPr>
-          <p:spPr>
-            <a:xfrm rot="10800000">
-              <a:off x="8405084" y="3517556"/>
-              <a:ext cx="1136822" cy="205946"/>
-            </a:xfrm>
-            <a:prstGeom prst="rightArrow">
-              <a:avLst/>
-            </a:prstGeom>
-            <a:solidFill>
-              <a:schemeClr val="accent2">
-                <a:lumMod val="40000"/>
-                <a:lumOff val="60000"/>
-              </a:schemeClr>
-            </a:solidFill>
-            <a:ln>
+      </p:grpSp>
+      <p:sp>
+        <p:nvSpPr>
+          <p:cNvPr id="28" name="テキスト ボックス 27"/>
+          <p:cNvSpPr txBox="1"/>
+          <p:nvPr/>
+        </p:nvSpPr>
+        <p:spPr>
+          <a:xfrm>
+            <a:off x="15446914" y="8214956"/>
+            <a:ext cx="1370710" cy="958004"/>
+          </a:xfrm>
+          <a:prstGeom prst="rect">
+            <a:avLst/>
+          </a:prstGeom>
+          <a:noFill/>
+        </p:spPr>
+        <p:txBody>
+          <a:bodyPr wrap="none" rtlCol="0">
+            <a:spAutoFit/>
+          </a:bodyPr>
+          <a:lstStyle/>
+          <a:p>
+            <a:r>
+              <a:rPr kumimoji="1" lang="en-US" altLang="ja-JP" sz="1800" dirty="0" smtClean="0"/>
+              <a:t>Clone</a:t>
+            </a:r>
+          </a:p>
+          <a:p>
+            <a:r>
+              <a:rPr lang="en-US" altLang="ja-JP" sz="1800" dirty="0" smtClean="0"/>
+              <a:t>(</a:t>
+            </a:r>
+            <a:r>
+              <a:rPr lang="ja-JP" altLang="en-US" sz="1800" dirty="0" smtClean="0"/>
+              <a:t>ローカルに</a:t>
+            </a:r>
+            <a:endParaRPr lang="en-US" altLang="ja-JP" sz="1800" dirty="0" smtClean="0"/>
+          </a:p>
+          <a:p>
+            <a:r>
+              <a:rPr lang="ja-JP" altLang="en-US" sz="1800" dirty="0" smtClean="0"/>
+              <a:t>　コピー</a:t>
+            </a:r>
+            <a:r>
+              <a:rPr lang="en-US" altLang="ja-JP" sz="1800" dirty="0" smtClean="0"/>
+              <a:t>)</a:t>
+            </a:r>
+            <a:endParaRPr kumimoji="1" lang="ja-JP" altLang="en-US" sz="1800" dirty="0"/>
+          </a:p>
+        </p:txBody>
+      </p:sp>
+      <p:sp>
+        <p:nvSpPr>
+          <p:cNvPr id="29" name="テキスト ボックス 28"/>
+          <p:cNvSpPr txBox="1"/>
+          <p:nvPr/>
+        </p:nvSpPr>
+        <p:spPr>
+          <a:xfrm>
+            <a:off x="15435976" y="10165155"/>
+            <a:ext cx="1273781" cy="958004"/>
+          </a:xfrm>
+          <a:prstGeom prst="rect">
+            <a:avLst/>
+          </a:prstGeom>
+          <a:noFill/>
+        </p:spPr>
+        <p:txBody>
+          <a:bodyPr wrap="none" rtlCol="0">
+            <a:spAutoFit/>
+          </a:bodyPr>
+          <a:lstStyle/>
+          <a:p>
+            <a:r>
+              <a:rPr kumimoji="1" lang="en-US" altLang="ja-JP" sz="1800" dirty="0" smtClean="0"/>
+              <a:t>Push</a:t>
+            </a:r>
+          </a:p>
+          <a:p>
+            <a:r>
+              <a:rPr lang="en-US" altLang="ja-JP" sz="1800" dirty="0" smtClean="0"/>
+              <a:t>(</a:t>
+            </a:r>
+            <a:r>
+              <a:rPr lang="ja-JP" altLang="en-US" sz="1800" dirty="0" smtClean="0"/>
+              <a:t>リモートに</a:t>
+            </a:r>
+            <a:endParaRPr lang="en-US" altLang="ja-JP" sz="1800" dirty="0" smtClean="0"/>
+          </a:p>
+          <a:p>
+            <a:r>
+              <a:rPr lang="ja-JP" altLang="en-US" sz="1800" dirty="0"/>
+              <a:t>　</a:t>
+            </a:r>
+            <a:r>
+              <a:rPr lang="ja-JP" altLang="en-US" sz="1800" dirty="0" smtClean="0"/>
+              <a:t>反映</a:t>
+            </a:r>
+            <a:r>
+              <a:rPr lang="en-US" altLang="ja-JP" sz="1800" dirty="0" smtClean="0"/>
+              <a:t>)</a:t>
+            </a:r>
+            <a:endParaRPr kumimoji="1" lang="ja-JP" altLang="en-US" sz="1800" dirty="0"/>
+          </a:p>
+        </p:txBody>
+      </p:sp>
+      <p:sp>
+        <p:nvSpPr>
+          <p:cNvPr id="30" name="テキスト ボックス 29"/>
+          <p:cNvSpPr txBox="1"/>
+          <p:nvPr/>
+        </p:nvSpPr>
+        <p:spPr>
+          <a:xfrm>
+            <a:off x="12117014" y="10026983"/>
+            <a:ext cx="1482201" cy="523220"/>
+          </a:xfrm>
+          <a:prstGeom prst="rect">
+            <a:avLst/>
+          </a:prstGeom>
+          <a:noFill/>
+        </p:spPr>
+        <p:txBody>
+          <a:bodyPr wrap="none" rtlCol="0">
+            <a:spAutoFit/>
+          </a:bodyPr>
+          <a:lstStyle/>
+          <a:p>
+            <a:r>
+              <a:rPr kumimoji="1" lang="en-US" altLang="ja-JP" sz="2800" dirty="0" smtClean="0"/>
+              <a:t>@</a:t>
+            </a:r>
+            <a:r>
+              <a:rPr kumimoji="1" lang="en-US" altLang="ja-JP" sz="2800" dirty="0" err="1" smtClean="0"/>
+              <a:t>tanaka</a:t>
+            </a:r>
+            <a:endParaRPr kumimoji="1" lang="ja-JP" altLang="en-US" sz="2800" dirty="0"/>
+          </a:p>
+        </p:txBody>
+      </p:sp>
+      <p:sp>
+        <p:nvSpPr>
+          <p:cNvPr id="31" name="テキスト ボックス 30"/>
+          <p:cNvSpPr txBox="1"/>
+          <p:nvPr/>
+        </p:nvSpPr>
+        <p:spPr>
+          <a:xfrm>
+            <a:off x="12403937" y="11865696"/>
+            <a:ext cx="1120371" cy="523220"/>
+          </a:xfrm>
+          <a:prstGeom prst="rect">
+            <a:avLst/>
+          </a:prstGeom>
+          <a:noFill/>
+        </p:spPr>
+        <p:txBody>
+          <a:bodyPr wrap="none" rtlCol="0">
+            <a:spAutoFit/>
+          </a:bodyPr>
+          <a:lstStyle/>
+          <a:p>
+            <a:r>
+              <a:rPr lang="en-US" altLang="ja-JP" sz="2800" dirty="0" smtClean="0"/>
+              <a:t>@</a:t>
+            </a:r>
+            <a:r>
+              <a:rPr lang="en-US" altLang="ja-JP" sz="2800" dirty="0" err="1" smtClean="0"/>
+              <a:t>sato</a:t>
+            </a:r>
+            <a:endParaRPr kumimoji="1" lang="ja-JP" altLang="en-US" sz="2800" dirty="0"/>
+          </a:p>
+        </p:txBody>
+      </p:sp>
+      <p:sp>
+        <p:nvSpPr>
+          <p:cNvPr id="32" name="テキスト ボックス 31"/>
+          <p:cNvSpPr txBox="1"/>
+          <p:nvPr/>
+        </p:nvSpPr>
+        <p:spPr>
+          <a:xfrm>
+            <a:off x="12259507" y="13759742"/>
+            <a:ext cx="1409232" cy="523220"/>
+          </a:xfrm>
+          <a:prstGeom prst="rect">
+            <a:avLst/>
+          </a:prstGeom>
+          <a:noFill/>
+        </p:spPr>
+        <p:txBody>
+          <a:bodyPr wrap="none" rtlCol="0">
+            <a:spAutoFit/>
+          </a:bodyPr>
+          <a:lstStyle/>
+          <a:p>
+            <a:r>
+              <a:rPr lang="en-US" altLang="ja-JP" sz="2800" dirty="0" smtClean="0"/>
+              <a:t>@</a:t>
+            </a:r>
+            <a:r>
+              <a:rPr lang="en-US" altLang="ja-JP" sz="2800" dirty="0" err="1" smtClean="0"/>
+              <a:t>suzuki</a:t>
+            </a:r>
+            <a:endParaRPr kumimoji="1" lang="ja-JP" altLang="en-US" sz="2800" dirty="0"/>
+          </a:p>
+        </p:txBody>
+      </p:sp>
+      <p:sp>
+        <p:nvSpPr>
+          <p:cNvPr id="33" name="テキスト ボックス 32"/>
+          <p:cNvSpPr txBox="1"/>
+          <p:nvPr/>
+        </p:nvSpPr>
+        <p:spPr>
+          <a:xfrm>
+            <a:off x="9489805" y="8962363"/>
+            <a:ext cx="1178528" cy="830997"/>
+          </a:xfrm>
+          <a:prstGeom prst="rect">
+            <a:avLst/>
+          </a:prstGeom>
+          <a:noFill/>
+        </p:spPr>
+        <p:txBody>
+          <a:bodyPr wrap="none" rtlCol="0">
+            <a:spAutoFit/>
+          </a:bodyPr>
+          <a:lstStyle/>
+          <a:p>
+            <a:r>
+              <a:rPr kumimoji="1" lang="ja-JP" altLang="en-US" sz="2400" dirty="0" smtClean="0"/>
+              <a:t>　</a:t>
+            </a:r>
+            <a:r>
+              <a:rPr kumimoji="1" lang="en-US" altLang="ja-JP" sz="2400" dirty="0" smtClean="0"/>
+              <a:t>Fork</a:t>
+            </a:r>
+          </a:p>
+          <a:p>
+            <a:r>
+              <a:rPr lang="en-US" altLang="ja-JP" sz="2400" dirty="0" smtClean="0"/>
+              <a:t>(</a:t>
+            </a:r>
+            <a:r>
+              <a:rPr lang="ja-JP" altLang="en-US" sz="2400" dirty="0" smtClean="0"/>
+              <a:t>コピー</a:t>
+            </a:r>
+            <a:r>
+              <a:rPr lang="en-US" altLang="ja-JP" sz="2400" dirty="0" smtClean="0"/>
+              <a:t>)</a:t>
+            </a:r>
+            <a:endParaRPr kumimoji="1" lang="ja-JP" altLang="en-US" sz="2400" dirty="0"/>
+          </a:p>
+        </p:txBody>
+      </p:sp>
+      <p:sp>
+        <p:nvSpPr>
+          <p:cNvPr id="34" name="テキスト ボックス 33"/>
+          <p:cNvSpPr txBox="1"/>
+          <p:nvPr/>
+        </p:nvSpPr>
+        <p:spPr>
+          <a:xfrm>
+            <a:off x="9222517" y="13101181"/>
+            <a:ext cx="1842171" cy="830997"/>
+          </a:xfrm>
+          <a:prstGeom prst="rect">
+            <a:avLst/>
+          </a:prstGeom>
+          <a:noFill/>
+        </p:spPr>
+        <p:txBody>
+          <a:bodyPr wrap="none" rtlCol="0">
+            <a:spAutoFit/>
+          </a:bodyPr>
+          <a:lstStyle/>
+          <a:p>
+            <a:r>
+              <a:rPr lang="en-US" altLang="ja-JP" sz="2400" dirty="0" smtClean="0"/>
+              <a:t>Pull Request</a:t>
+            </a:r>
+          </a:p>
+          <a:p>
+            <a:r>
+              <a:rPr kumimoji="1" lang="en-US" altLang="ja-JP" sz="2400" dirty="0" smtClean="0"/>
+              <a:t>(</a:t>
+            </a:r>
+            <a:r>
+              <a:rPr kumimoji="1" lang="ja-JP" altLang="en-US" sz="2400" dirty="0" smtClean="0"/>
+              <a:t>変更を提案</a:t>
+            </a:r>
+            <a:r>
+              <a:rPr kumimoji="1" lang="en-US" altLang="ja-JP" sz="1800" dirty="0" smtClean="0"/>
+              <a:t>)</a:t>
+            </a:r>
+            <a:endParaRPr kumimoji="1" lang="ja-JP" altLang="en-US" sz="1800" dirty="0"/>
+          </a:p>
+        </p:txBody>
+      </p:sp>
+      <p:sp>
+        <p:nvSpPr>
+          <p:cNvPr id="35" name="テキスト ボックス 34"/>
+          <p:cNvSpPr txBox="1"/>
+          <p:nvPr/>
+        </p:nvSpPr>
+        <p:spPr>
+          <a:xfrm>
+            <a:off x="7466390" y="12036884"/>
+            <a:ext cx="1678665" cy="461665"/>
+          </a:xfrm>
+          <a:prstGeom prst="rect">
+            <a:avLst/>
+          </a:prstGeom>
+          <a:noFill/>
+        </p:spPr>
+        <p:txBody>
+          <a:bodyPr wrap="none" rtlCol="0">
+            <a:spAutoFit/>
+          </a:bodyPr>
+          <a:lstStyle/>
+          <a:p>
+            <a:r>
+              <a:rPr kumimoji="1" lang="ja-JP" altLang="en-US" sz="2400" dirty="0" smtClean="0"/>
+              <a:t>プロジェクト</a:t>
+            </a:r>
+            <a:endParaRPr kumimoji="1" lang="ja-JP" altLang="en-US" sz="2400" dirty="0"/>
+          </a:p>
+        </p:txBody>
+      </p:sp>
+      <p:sp>
+        <p:nvSpPr>
+          <p:cNvPr id="36" name="右矢印 35"/>
+          <p:cNvSpPr/>
+          <p:nvPr/>
+        </p:nvSpPr>
+        <p:spPr>
+          <a:xfrm rot="10800000">
+            <a:off x="4937963" y="10938613"/>
+            <a:ext cx="1765234" cy="687526"/>
+          </a:xfrm>
+          <a:prstGeom prst="rightArrow">
+            <a:avLst/>
+          </a:prstGeom>
+        </p:spPr>
+        <p:style>
+          <a:lnRef idx="2">
+            <a:schemeClr val="accent1">
+              <a:shade val="50000"/>
+            </a:schemeClr>
+          </a:lnRef>
+          <a:fillRef idx="1">
+            <a:schemeClr val="accent1"/>
+          </a:fillRef>
+          <a:effectRef idx="0">
+            <a:schemeClr val="accent1"/>
+          </a:effectRef>
+          <a:fontRef idx="minor">
+            <a:schemeClr val="lt1"/>
+          </a:fontRef>
+        </p:style>
+        <p:txBody>
+          <a:bodyPr rtlCol="0" anchor="ctr"/>
+          <a:lstStyle/>
+          <a:p>
+            <a:pPr algn="ctr"/>
+            <a:endParaRPr kumimoji="1" lang="ja-JP" altLang="en-US"/>
+          </a:p>
+        </p:txBody>
+      </p:sp>
+      <p:sp>
+        <p:nvSpPr>
+          <p:cNvPr id="37" name="テキスト ボックス 36"/>
+          <p:cNvSpPr txBox="1"/>
+          <p:nvPr/>
+        </p:nvSpPr>
+        <p:spPr>
+          <a:xfrm>
+            <a:off x="1667960" y="8679529"/>
+            <a:ext cx="3475264" cy="919401"/>
+          </a:xfrm>
+          <a:prstGeom prst="roundRect">
+            <a:avLst/>
+          </a:prstGeom>
+          <a:noFill/>
+        </p:spPr>
+        <p:txBody>
+          <a:bodyPr wrap="square" rtlCol="0">
+            <a:spAutoFit/>
+          </a:bodyPr>
+          <a:lstStyle/>
+          <a:p>
+            <a:r>
+              <a:rPr lang="en-US" altLang="ja-JP" sz="2400" dirty="0" smtClean="0"/>
+              <a:t>GitHub</a:t>
+            </a:r>
+            <a:r>
+              <a:rPr lang="ja-JP" altLang="en-US" sz="2400" dirty="0" smtClean="0"/>
+              <a:t>のあらゆる</a:t>
+            </a:r>
+            <a:endParaRPr lang="en-US" altLang="ja-JP" sz="2400" dirty="0" smtClean="0"/>
+          </a:p>
+          <a:p>
+            <a:r>
+              <a:rPr lang="ja-JP" altLang="en-US" sz="2400" dirty="0" smtClean="0"/>
+              <a:t>データが入ったダンプ</a:t>
+            </a:r>
+            <a:endParaRPr kumimoji="1" lang="en-US" altLang="ja-JP" sz="2400" dirty="0" smtClean="0"/>
+          </a:p>
+        </p:txBody>
+      </p:sp>
+      <p:sp>
+        <p:nvSpPr>
+          <p:cNvPr id="38" name="円柱 37"/>
+          <p:cNvSpPr/>
+          <p:nvPr/>
+        </p:nvSpPr>
+        <p:spPr>
+          <a:xfrm>
+            <a:off x="1274921" y="9687680"/>
+            <a:ext cx="3410839" cy="3102155"/>
+          </a:xfrm>
+          <a:prstGeom prst="can">
+            <a:avLst/>
+          </a:prstGeom>
+        </p:spPr>
+        <p:style>
+          <a:lnRef idx="2">
+            <a:schemeClr val="accent1">
+              <a:shade val="50000"/>
+            </a:schemeClr>
+          </a:lnRef>
+          <a:fillRef idx="1">
+            <a:schemeClr val="accent1"/>
+          </a:fillRef>
+          <a:effectRef idx="0">
+            <a:schemeClr val="accent1"/>
+          </a:effectRef>
+          <a:fontRef idx="minor">
+            <a:schemeClr val="lt1"/>
+          </a:fontRef>
+        </p:style>
+        <p:txBody>
+          <a:bodyPr rtlCol="0" anchor="ctr"/>
+          <a:lstStyle/>
+          <a:p>
+            <a:pPr algn="ctr"/>
+            <a:r>
+              <a:rPr lang="en-US" altLang="ja-JP" sz="4400" dirty="0" err="1" smtClean="0">
+                <a:solidFill>
+                  <a:schemeClr val="tx1"/>
+                </a:solidFill>
+              </a:rPr>
+              <a:t>GHTorren</a:t>
+            </a:r>
+            <a:r>
+              <a:rPr lang="en-US" altLang="ja-JP" sz="4400" dirty="0" err="1">
+                <a:solidFill>
+                  <a:schemeClr val="tx1"/>
+                </a:solidFill>
+              </a:rPr>
+              <a:t>t</a:t>
+            </a:r>
+            <a:endParaRPr kumimoji="1" lang="ja-JP" altLang="en-US" sz="4400" dirty="0">
               <a:solidFill>
-                <a:schemeClr val="accent2">
-                  <a:lumMod val="40000"/>
-                  <a:lumOff val="60000"/>
-                </a:schemeClr>
+                <a:schemeClr val="tx1"/>
               </a:solidFill>
-            </a:ln>
-          </p:spPr>
-          <p:style>
-            <a:lnRef idx="2">
-              <a:schemeClr val="accent1">
-                <a:shade val="50000"/>
-              </a:schemeClr>
-            </a:lnRef>
-            <a:fillRef idx="1">
-              <a:schemeClr val="accent1"/>
-            </a:fillRef>
-            <a:effectRef idx="0">
-              <a:schemeClr val="accent1"/>
-            </a:effectRef>
-            <a:fontRef idx="minor">
-              <a:schemeClr val="lt1"/>
-            </a:fontRef>
-          </p:style>
-          <p:txBody>
-            <a:bodyPr rtlCol="0" anchor="ctr"/>
-            <a:lstStyle/>
-            <a:p>
-              <a:pPr algn="ctr"/>
-              <a:endParaRPr kumimoji="1" lang="ja-JP" altLang="en-US"/>
-            </a:p>
-          </p:txBody>
-        </p:sp>
-        <p:sp>
-          <p:nvSpPr>
-            <p:cNvPr id="25" name="右矢印 24"/>
-            <p:cNvSpPr/>
-            <p:nvPr/>
-          </p:nvSpPr>
-          <p:spPr>
-            <a:xfrm rot="10800000">
-              <a:off x="8405084" y="4528845"/>
-              <a:ext cx="908008" cy="205946"/>
-            </a:xfrm>
-            <a:prstGeom prst="rightArrow">
-              <a:avLst/>
-            </a:prstGeom>
-            <a:solidFill>
-              <a:schemeClr val="accent2">
-                <a:lumMod val="40000"/>
-                <a:lumOff val="60000"/>
-              </a:schemeClr>
-            </a:solidFill>
-            <a:ln>
-              <a:solidFill>
-                <a:schemeClr val="accent2">
-                  <a:lumMod val="40000"/>
-                  <a:lumOff val="60000"/>
-                </a:schemeClr>
-              </a:solidFill>
-            </a:ln>
-          </p:spPr>
-          <p:style>
-            <a:lnRef idx="2">
-              <a:schemeClr val="accent1">
-                <a:shade val="50000"/>
-              </a:schemeClr>
-            </a:lnRef>
-            <a:fillRef idx="1">
-              <a:schemeClr val="accent1"/>
-            </a:fillRef>
-            <a:effectRef idx="0">
-              <a:schemeClr val="accent1"/>
-            </a:effectRef>
-            <a:fontRef idx="minor">
-              <a:schemeClr val="lt1"/>
-            </a:fontRef>
-          </p:style>
-          <p:txBody>
-            <a:bodyPr rtlCol="0" anchor="ctr"/>
-            <a:lstStyle/>
-            <a:p>
-              <a:pPr algn="ctr"/>
-              <a:endParaRPr kumimoji="1" lang="ja-JP" altLang="en-US"/>
-            </a:p>
-          </p:txBody>
-        </p:sp>
+            </a:endParaRPr>
+          </a:p>
+        </p:txBody>
+      </p:sp>
+      <p:grpSp>
+        <p:nvGrpSpPr>
+          <p:cNvPr id="39" name="グループ化 38"/>
+          <p:cNvGrpSpPr/>
+          <p:nvPr/>
+        </p:nvGrpSpPr>
+        <p:grpSpPr>
+          <a:xfrm>
+            <a:off x="16968761" y="12611011"/>
+            <a:ext cx="3023356" cy="1578102"/>
+            <a:chOff x="8316775" y="5396053"/>
+            <a:chExt cx="1914619" cy="1078887"/>
+          </a:xfrm>
+        </p:grpSpPr>
         <p:grpSp>
           <p:nvGrpSpPr>
-            <p:cNvPr id="26" name="グループ化 25"/>
+            <p:cNvPr id="41" name="グループ化 40"/>
             <p:cNvGrpSpPr/>
             <p:nvPr/>
           </p:nvGrpSpPr>
           <p:grpSpPr>
             <a:xfrm>
-              <a:off x="9672748" y="1646861"/>
-              <a:ext cx="1619415" cy="996776"/>
-              <a:chOff x="7860424" y="1564483"/>
-              <a:chExt cx="1619415" cy="996776"/>
+              <a:off x="8316775" y="5396053"/>
+              <a:ext cx="1914619" cy="1078887"/>
+              <a:chOff x="4733307" y="2646796"/>
+              <a:chExt cx="1876314" cy="1004474"/>
             </a:xfrm>
           </p:grpSpPr>
           <p:sp>
             <p:nvSpPr>
-              <p:cNvPr id="57" name="正方形/長方形 56"/>
+              <p:cNvPr id="45" name="正方形/長方形 44"/>
               <p:cNvSpPr/>
               <p:nvPr/>
             </p:nvSpPr>
             <p:spPr>
               <a:xfrm>
-                <a:off x="7860424" y="1564483"/>
-                <a:ext cx="1619415" cy="996776"/>
-              </a:xfrm>
-              <a:prstGeom prst="rect">
-                <a:avLst/>
-              </a:prstGeom>
-            </p:spPr>
-            <p:style>
-              <a:lnRef idx="2">
-                <a:schemeClr val="accent1">
-                  <a:shade val="50000"/>
-                </a:schemeClr>
-              </a:lnRef>
-              <a:fillRef idx="1">
-                <a:schemeClr val="accent1"/>
-              </a:fillRef>
-              <a:effectRef idx="0">
-                <a:schemeClr val="accent1"/>
-              </a:effectRef>
-              <a:fontRef idx="minor">
-                <a:schemeClr val="lt1"/>
-              </a:fontRef>
-            </p:style>
-            <p:txBody>
-              <a:bodyPr rtlCol="0" anchor="ctr"/>
-              <a:lstStyle/>
-              <a:p>
-                <a:pPr algn="ctr"/>
-                <a:endParaRPr kumimoji="1" lang="ja-JP" altLang="en-US"/>
-              </a:p>
-            </p:txBody>
-          </p:sp>
-          <p:sp>
-            <p:nvSpPr>
-              <p:cNvPr id="58" name="正方形/長方形 57"/>
-              <p:cNvSpPr/>
-              <p:nvPr/>
-            </p:nvSpPr>
-            <p:spPr>
-              <a:xfrm>
-                <a:off x="7860424" y="1738184"/>
-                <a:ext cx="1619415" cy="823074"/>
+                <a:off x="4733307" y="2646796"/>
+                <a:ext cx="1876313" cy="1004474"/>
               </a:xfrm>
               <a:prstGeom prst="rect">
                 <a:avLst/>
               </a:prstGeom>
               <a:solidFill>
-                <a:schemeClr val="tx1"/>
+                <a:schemeClr val="bg1">
+                  <a:lumMod val="50000"/>
+                </a:schemeClr>
               </a:solidFill>
               <a:ln>
                 <a:solidFill>
-                  <a:schemeClr val="tx1"/>
+                  <a:schemeClr val="bg1">
+                    <a:lumMod val="50000"/>
+                  </a:schemeClr>
                 </a:solidFill>
               </a:ln>
             </p:spPr>
@@ -4971,24 +5898,28 @@
           </p:sp>
           <p:sp>
             <p:nvSpPr>
-              <p:cNvPr id="59" name="正方形/長方形 58"/>
+              <p:cNvPr id="46" name="正方形/長方形 45"/>
               <p:cNvSpPr/>
               <p:nvPr/>
             </p:nvSpPr>
             <p:spPr>
               <a:xfrm>
-                <a:off x="9053384" y="1606378"/>
-                <a:ext cx="98853" cy="98853"/>
+                <a:off x="4733307" y="2842054"/>
+                <a:ext cx="1876313" cy="809215"/>
               </a:xfrm>
               <a:prstGeom prst="rect">
                 <a:avLst/>
               </a:prstGeom>
               <a:solidFill>
-                <a:schemeClr val="bg2"/>
+                <a:schemeClr val="bg1">
+                  <a:lumMod val="65000"/>
+                </a:schemeClr>
               </a:solidFill>
               <a:ln>
                 <a:solidFill>
-                  <a:schemeClr val="bg2"/>
+                  <a:schemeClr val="bg1">
+                    <a:lumMod val="65000"/>
+                  </a:schemeClr>
                 </a:solidFill>
               </a:ln>
             </p:spPr>
@@ -5019,24 +5950,28 @@
           </p:sp>
           <p:sp>
             <p:nvSpPr>
-              <p:cNvPr id="60" name="正方形/長方形 59"/>
+              <p:cNvPr id="47" name="正方形/長方形 46"/>
               <p:cNvSpPr/>
               <p:nvPr/>
             </p:nvSpPr>
             <p:spPr>
               <a:xfrm>
-                <a:off x="9205784" y="1610495"/>
-                <a:ext cx="98853" cy="98853"/>
+                <a:off x="4733307" y="2842054"/>
+                <a:ext cx="45719" cy="809216"/>
               </a:xfrm>
               <a:prstGeom prst="rect">
                 <a:avLst/>
               </a:prstGeom>
               <a:solidFill>
-                <a:schemeClr val="bg2"/>
+                <a:schemeClr val="bg1">
+                  <a:lumMod val="50000"/>
+                </a:schemeClr>
               </a:solidFill>
               <a:ln>
                 <a:solidFill>
-                  <a:schemeClr val="bg2"/>
+                  <a:schemeClr val="bg1">
+                    <a:lumMod val="50000"/>
+                  </a:schemeClr>
                 </a:solidFill>
               </a:ln>
             </p:spPr>
@@ -5067,127 +6002,28 @@
           </p:sp>
           <p:sp>
             <p:nvSpPr>
-              <p:cNvPr id="61" name="正方形/長方形 60"/>
+              <p:cNvPr id="48" name="正方形/長方形 47"/>
               <p:cNvSpPr/>
               <p:nvPr/>
             </p:nvSpPr>
             <p:spPr>
               <a:xfrm>
-                <a:off x="9354068" y="1610494"/>
-                <a:ext cx="98853" cy="98853"/>
+                <a:off x="5190503" y="2837932"/>
+                <a:ext cx="45719" cy="809216"/>
               </a:xfrm>
               <a:prstGeom prst="rect">
                 <a:avLst/>
               </a:prstGeom>
               <a:solidFill>
-                <a:schemeClr val="bg2"/>
+                <a:schemeClr val="bg1">
+                  <a:lumMod val="50000"/>
+                </a:schemeClr>
               </a:solidFill>
               <a:ln>
                 <a:solidFill>
-                  <a:schemeClr val="bg2"/>
-                </a:solidFill>
-              </a:ln>
-            </p:spPr>
-            <p:style>
-              <a:lnRef idx="2">
-                <a:schemeClr val="accent1">
-                  <a:shade val="50000"/>
-                </a:schemeClr>
-              </a:lnRef>
-              <a:fillRef idx="1">
-                <a:schemeClr val="accent1"/>
-              </a:fillRef>
-              <a:effectRef idx="0">
-                <a:schemeClr val="accent1"/>
-              </a:effectRef>
-              <a:fontRef idx="minor">
-                <a:schemeClr val="lt1"/>
-              </a:fontRef>
-            </p:style>
-            <p:txBody>
-              <a:bodyPr rtlCol="0" anchor="ctr"/>
-              <a:lstStyle/>
-              <a:p>
-                <a:pPr algn="ctr"/>
-                <a:endParaRPr kumimoji="1" lang="ja-JP" altLang="en-US"/>
-              </a:p>
-            </p:txBody>
-          </p:sp>
-        </p:grpSp>
-        <p:grpSp>
-          <p:nvGrpSpPr>
-            <p:cNvPr id="27" name="グループ化 26"/>
-            <p:cNvGrpSpPr/>
-            <p:nvPr/>
-          </p:nvGrpSpPr>
-          <p:grpSpPr>
-            <a:xfrm>
-              <a:off x="9672748" y="2929336"/>
-              <a:ext cx="1619415" cy="996776"/>
-              <a:chOff x="7860424" y="1564483"/>
-              <a:chExt cx="1619415" cy="996776"/>
-            </a:xfrm>
-          </p:grpSpPr>
-          <p:sp>
-            <p:nvSpPr>
-              <p:cNvPr id="52" name="正方形/長方形 51"/>
-              <p:cNvSpPr/>
-              <p:nvPr/>
-            </p:nvSpPr>
-            <p:spPr>
-              <a:xfrm>
-                <a:off x="7860424" y="1564483"/>
-                <a:ext cx="1619415" cy="996776"/>
-              </a:xfrm>
-              <a:prstGeom prst="rect">
-                <a:avLst/>
-              </a:prstGeom>
-            </p:spPr>
-            <p:style>
-              <a:lnRef idx="2">
-                <a:schemeClr val="accent1">
-                  <a:shade val="50000"/>
-                </a:schemeClr>
-              </a:lnRef>
-              <a:fillRef idx="1">
-                <a:schemeClr val="accent1"/>
-              </a:fillRef>
-              <a:effectRef idx="0">
-                <a:schemeClr val="accent1"/>
-              </a:effectRef>
-              <a:fontRef idx="minor">
-                <a:schemeClr val="lt1"/>
-              </a:fontRef>
-            </p:style>
-            <p:txBody>
-              <a:bodyPr rtlCol="0" anchor="ctr"/>
-              <a:lstStyle/>
-              <a:p>
-                <a:pPr algn="ctr"/>
-                <a:endParaRPr kumimoji="1" lang="ja-JP" altLang="en-US"/>
-              </a:p>
-            </p:txBody>
-          </p:sp>
-          <p:sp>
-            <p:nvSpPr>
-              <p:cNvPr id="53" name="正方形/長方形 52"/>
-              <p:cNvSpPr/>
-              <p:nvPr/>
-            </p:nvSpPr>
-            <p:spPr>
-              <a:xfrm>
-                <a:off x="7860424" y="1738184"/>
-                <a:ext cx="1619415" cy="823074"/>
-              </a:xfrm>
-              <a:prstGeom prst="rect">
-                <a:avLst/>
-              </a:prstGeom>
-              <a:solidFill>
-                <a:schemeClr val="tx1"/>
-              </a:solidFill>
-              <a:ln>
-                <a:solidFill>
-                  <a:schemeClr val="tx1"/>
+                  <a:schemeClr val="bg1">
+                    <a:lumMod val="50000"/>
+                  </a:schemeClr>
                 </a:solidFill>
               </a:ln>
             </p:spPr>
@@ -5218,24 +6054,28 @@
           </p:sp>
           <p:sp>
             <p:nvSpPr>
-              <p:cNvPr id="54" name="正方形/長方形 53"/>
+              <p:cNvPr id="49" name="正方形/長方形 48"/>
               <p:cNvSpPr/>
               <p:nvPr/>
             </p:nvSpPr>
             <p:spPr>
-              <a:xfrm>
-                <a:off x="9053384" y="1606378"/>
-                <a:ext cx="98853" cy="98853"/>
+              <a:xfrm rot="16200000">
+                <a:off x="5888366" y="2480867"/>
+                <a:ext cx="45719" cy="1396791"/>
               </a:xfrm>
               <a:prstGeom prst="rect">
                 <a:avLst/>
               </a:prstGeom>
               <a:solidFill>
-                <a:schemeClr val="bg2"/>
+                <a:schemeClr val="bg1">
+                  <a:lumMod val="50000"/>
+                </a:schemeClr>
               </a:solidFill>
               <a:ln>
                 <a:solidFill>
-                  <a:schemeClr val="bg2"/>
+                  <a:schemeClr val="bg1">
+                    <a:lumMod val="50000"/>
+                  </a:schemeClr>
                 </a:solidFill>
               </a:ln>
             </p:spPr>
@@ -5266,24 +6106,28 @@
           </p:sp>
           <p:sp>
             <p:nvSpPr>
-              <p:cNvPr id="55" name="正方形/長方形 54"/>
+              <p:cNvPr id="50" name="正方形/長方形 49"/>
               <p:cNvSpPr/>
               <p:nvPr/>
             </p:nvSpPr>
             <p:spPr>
-              <a:xfrm>
-                <a:off x="9205784" y="1610495"/>
-                <a:ext cx="98853" cy="98853"/>
+              <a:xfrm rot="16200000">
+                <a:off x="5642756" y="2691979"/>
+                <a:ext cx="45719" cy="1864618"/>
               </a:xfrm>
               <a:prstGeom prst="rect">
                 <a:avLst/>
               </a:prstGeom>
               <a:solidFill>
-                <a:schemeClr val="bg2"/>
+                <a:schemeClr val="bg1">
+                  <a:lumMod val="50000"/>
+                </a:schemeClr>
               </a:solidFill>
               <a:ln>
                 <a:solidFill>
-                  <a:schemeClr val="bg2"/>
+                  <a:schemeClr val="bg1">
+                    <a:lumMod val="50000"/>
+                  </a:schemeClr>
                 </a:solidFill>
               </a:ln>
             </p:spPr>
@@ -5314,24 +6158,28 @@
           </p:sp>
           <p:sp>
             <p:nvSpPr>
-              <p:cNvPr id="56" name="正方形/長方形 55"/>
+              <p:cNvPr id="51" name="正方形/長方形 50"/>
               <p:cNvSpPr/>
               <p:nvPr/>
             </p:nvSpPr>
             <p:spPr>
               <a:xfrm>
-                <a:off x="9354068" y="1610494"/>
-                <a:ext cx="98853" cy="98853"/>
+                <a:off x="6562105" y="2833810"/>
+                <a:ext cx="45719" cy="809216"/>
               </a:xfrm>
               <a:prstGeom prst="rect">
                 <a:avLst/>
               </a:prstGeom>
               <a:solidFill>
-                <a:schemeClr val="bg2"/>
+                <a:schemeClr val="bg1">
+                  <a:lumMod val="50000"/>
+                </a:schemeClr>
               </a:solidFill>
               <a:ln>
                 <a:solidFill>
-                  <a:schemeClr val="bg2"/>
+                  <a:schemeClr val="bg1">
+                    <a:lumMod val="50000"/>
+                  </a:schemeClr>
                 </a:solidFill>
               </a:ln>
             </p:spPr>
@@ -5363,348 +6211,26 @@
         </p:grpSp>
         <p:sp>
           <p:nvSpPr>
-            <p:cNvPr id="28" name="テキスト ボックス 27"/>
-            <p:cNvSpPr txBox="1"/>
+            <p:cNvPr id="42" name="正方形/長方形 41"/>
+            <p:cNvSpPr/>
             <p:nvPr/>
           </p:nvSpPr>
           <p:spPr>
             <a:xfrm>
-              <a:off x="8696384" y="1418956"/>
-              <a:ext cx="868038" cy="654950"/>
+              <a:off x="9823618" y="5462934"/>
+              <a:ext cx="98853" cy="98853"/>
             </a:xfrm>
             <a:prstGeom prst="rect">
               <a:avLst/>
             </a:prstGeom>
-            <a:noFill/>
-          </p:spPr>
-          <p:txBody>
-            <a:bodyPr wrap="none" rtlCol="0">
-              <a:spAutoFit/>
-            </a:bodyPr>
-            <a:lstStyle/>
-            <a:p>
-              <a:r>
-                <a:rPr kumimoji="1" lang="en-US" altLang="ja-JP" sz="1800" dirty="0" smtClean="0"/>
-                <a:t>Clone</a:t>
-              </a:r>
-            </a:p>
-            <a:p>
-              <a:r>
-                <a:rPr lang="en-US" altLang="ja-JP" sz="1800" dirty="0" smtClean="0"/>
-                <a:t>(</a:t>
-              </a:r>
-              <a:r>
-                <a:rPr lang="ja-JP" altLang="en-US" sz="1800" dirty="0" smtClean="0"/>
-                <a:t>ローカルに</a:t>
-              </a:r>
-              <a:endParaRPr lang="en-US" altLang="ja-JP" sz="1800" dirty="0" smtClean="0"/>
-            </a:p>
-            <a:p>
-              <a:r>
-                <a:rPr lang="ja-JP" altLang="en-US" sz="1800" dirty="0" smtClean="0"/>
-                <a:t>　コピー</a:t>
-              </a:r>
-              <a:r>
-                <a:rPr lang="en-US" altLang="ja-JP" sz="1800" dirty="0" smtClean="0"/>
-                <a:t>)</a:t>
-              </a:r>
-              <a:endParaRPr kumimoji="1" lang="ja-JP" altLang="en-US" sz="1800" dirty="0"/>
-            </a:p>
-          </p:txBody>
-        </p:sp>
-        <p:sp>
-          <p:nvSpPr>
-            <p:cNvPr id="29" name="テキスト ボックス 28"/>
-            <p:cNvSpPr txBox="1"/>
-            <p:nvPr/>
-          </p:nvSpPr>
-          <p:spPr>
-            <a:xfrm>
-              <a:off x="8696384" y="2520952"/>
-              <a:ext cx="806655" cy="654950"/>
-            </a:xfrm>
-            <a:prstGeom prst="rect">
-              <a:avLst/>
-            </a:prstGeom>
-            <a:noFill/>
-          </p:spPr>
-          <p:txBody>
-            <a:bodyPr wrap="none" rtlCol="0">
-              <a:spAutoFit/>
-            </a:bodyPr>
-            <a:lstStyle/>
-            <a:p>
-              <a:r>
-                <a:rPr kumimoji="1" lang="en-US" altLang="ja-JP" sz="1800" dirty="0" smtClean="0"/>
-                <a:t>Push</a:t>
-              </a:r>
-            </a:p>
-            <a:p>
-              <a:r>
-                <a:rPr lang="en-US" altLang="ja-JP" sz="1800" dirty="0" smtClean="0"/>
-                <a:t>(</a:t>
-              </a:r>
-              <a:r>
-                <a:rPr lang="ja-JP" altLang="en-US" sz="1800" dirty="0" smtClean="0"/>
-                <a:t>リモートに</a:t>
-              </a:r>
-              <a:endParaRPr lang="en-US" altLang="ja-JP" sz="1800" dirty="0" smtClean="0"/>
-            </a:p>
-            <a:p>
-              <a:r>
-                <a:rPr lang="ja-JP" altLang="en-US" sz="1800" dirty="0"/>
-                <a:t>　</a:t>
-              </a:r>
-              <a:r>
-                <a:rPr lang="ja-JP" altLang="en-US" sz="1800" dirty="0" smtClean="0"/>
-                <a:t>反映</a:t>
-              </a:r>
-              <a:r>
-                <a:rPr lang="en-US" altLang="ja-JP" sz="1800" dirty="0" smtClean="0"/>
-                <a:t>)</a:t>
-              </a:r>
-              <a:endParaRPr kumimoji="1" lang="ja-JP" altLang="en-US" sz="1800" dirty="0"/>
-            </a:p>
-          </p:txBody>
-        </p:sp>
-        <p:sp>
-          <p:nvSpPr>
-            <p:cNvPr id="30" name="テキスト ボックス 29"/>
-            <p:cNvSpPr txBox="1"/>
-            <p:nvPr/>
-          </p:nvSpPr>
-          <p:spPr>
-            <a:xfrm>
-              <a:off x="7298774" y="2610685"/>
-              <a:ext cx="673052" cy="261980"/>
-            </a:xfrm>
-            <a:prstGeom prst="rect">
-              <a:avLst/>
-            </a:prstGeom>
-            <a:noFill/>
-          </p:spPr>
-          <p:txBody>
-            <a:bodyPr wrap="none" rtlCol="0">
-              <a:spAutoFit/>
-            </a:bodyPr>
-            <a:lstStyle/>
-            <a:p>
-              <a:r>
-                <a:rPr kumimoji="1" lang="en-US" altLang="ja-JP" sz="1800" dirty="0" smtClean="0"/>
-                <a:t>@</a:t>
-              </a:r>
-              <a:r>
-                <a:rPr kumimoji="1" lang="en-US" altLang="ja-JP" sz="1800" dirty="0" err="1" smtClean="0"/>
-                <a:t>tanaka</a:t>
-              </a:r>
-              <a:endParaRPr kumimoji="1" lang="ja-JP" altLang="en-US" sz="1800" dirty="0"/>
-            </a:p>
-          </p:txBody>
-        </p:sp>
-        <p:sp>
-          <p:nvSpPr>
-            <p:cNvPr id="31" name="テキスト ボックス 30"/>
-            <p:cNvSpPr txBox="1"/>
-            <p:nvPr/>
-          </p:nvSpPr>
-          <p:spPr>
-            <a:xfrm>
-              <a:off x="7313856" y="3697765"/>
-              <a:ext cx="519087" cy="261980"/>
-            </a:xfrm>
-            <a:prstGeom prst="rect">
-              <a:avLst/>
-            </a:prstGeom>
-            <a:noFill/>
-          </p:spPr>
-          <p:txBody>
-            <a:bodyPr wrap="none" rtlCol="0">
-              <a:spAutoFit/>
-            </a:bodyPr>
-            <a:lstStyle/>
-            <a:p>
-              <a:r>
-                <a:rPr lang="en-US" altLang="ja-JP" sz="1800" dirty="0" smtClean="0"/>
-                <a:t>@</a:t>
-              </a:r>
-              <a:r>
-                <a:rPr lang="en-US" altLang="ja-JP" sz="1800" dirty="0" err="1" smtClean="0"/>
-                <a:t>sato</a:t>
-              </a:r>
-              <a:endParaRPr kumimoji="1" lang="ja-JP" altLang="en-US" sz="1800" dirty="0"/>
-            </a:p>
-          </p:txBody>
-        </p:sp>
-        <p:sp>
-          <p:nvSpPr>
-            <p:cNvPr id="32" name="テキスト ボックス 31"/>
-            <p:cNvSpPr txBox="1"/>
-            <p:nvPr/>
-          </p:nvSpPr>
-          <p:spPr>
-            <a:xfrm>
-              <a:off x="7298774" y="4761400"/>
-              <a:ext cx="641852" cy="261980"/>
-            </a:xfrm>
-            <a:prstGeom prst="rect">
-              <a:avLst/>
-            </a:prstGeom>
-            <a:noFill/>
-          </p:spPr>
-          <p:txBody>
-            <a:bodyPr wrap="none" rtlCol="0">
-              <a:spAutoFit/>
-            </a:bodyPr>
-            <a:lstStyle/>
-            <a:p>
-              <a:r>
-                <a:rPr lang="en-US" altLang="ja-JP" sz="1800" dirty="0" smtClean="0"/>
-                <a:t>@</a:t>
-              </a:r>
-              <a:r>
-                <a:rPr lang="en-US" altLang="ja-JP" sz="1800" dirty="0" err="1" smtClean="0"/>
-                <a:t>suzuki</a:t>
-              </a:r>
-              <a:endParaRPr kumimoji="1" lang="ja-JP" altLang="en-US" sz="1800" dirty="0"/>
-            </a:p>
-          </p:txBody>
-        </p:sp>
-        <p:sp>
-          <p:nvSpPr>
-            <p:cNvPr id="33" name="テキスト ボックス 32"/>
-            <p:cNvSpPr txBox="1"/>
-            <p:nvPr/>
-          </p:nvSpPr>
-          <p:spPr>
-            <a:xfrm>
-              <a:off x="5474739" y="1899505"/>
-              <a:ext cx="614040" cy="458465"/>
-            </a:xfrm>
-            <a:prstGeom prst="rect">
-              <a:avLst/>
-            </a:prstGeom>
-            <a:noFill/>
-          </p:spPr>
-          <p:txBody>
-            <a:bodyPr wrap="none" rtlCol="0">
-              <a:spAutoFit/>
-            </a:bodyPr>
-            <a:lstStyle/>
-            <a:p>
-              <a:r>
-                <a:rPr kumimoji="1" lang="ja-JP" altLang="en-US" sz="1800" dirty="0" smtClean="0"/>
-                <a:t>　</a:t>
-              </a:r>
-              <a:r>
-                <a:rPr kumimoji="1" lang="en-US" altLang="ja-JP" sz="1800" dirty="0" smtClean="0"/>
-                <a:t>Fork</a:t>
-              </a:r>
-            </a:p>
-            <a:p>
-              <a:r>
-                <a:rPr lang="en-US" altLang="ja-JP" sz="1800" dirty="0" smtClean="0"/>
-                <a:t>(</a:t>
-              </a:r>
-              <a:r>
-                <a:rPr lang="ja-JP" altLang="en-US" sz="1800" dirty="0" smtClean="0"/>
-                <a:t>コピー</a:t>
-              </a:r>
-              <a:r>
-                <a:rPr lang="en-US" altLang="ja-JP" sz="1800" dirty="0" smtClean="0"/>
-                <a:t>)</a:t>
-              </a:r>
-              <a:endParaRPr kumimoji="1" lang="ja-JP" altLang="en-US" sz="1800" dirty="0"/>
-            </a:p>
-          </p:txBody>
-        </p:sp>
-        <p:sp>
-          <p:nvSpPr>
-            <p:cNvPr id="34" name="テキスト ボックス 33"/>
-            <p:cNvSpPr txBox="1"/>
-            <p:nvPr/>
-          </p:nvSpPr>
-          <p:spPr>
-            <a:xfrm>
-              <a:off x="5268728" y="4350340"/>
-              <a:ext cx="954821" cy="458465"/>
-            </a:xfrm>
-            <a:prstGeom prst="rect">
-              <a:avLst/>
-            </a:prstGeom>
-            <a:noFill/>
-          </p:spPr>
-          <p:txBody>
-            <a:bodyPr wrap="none" rtlCol="0">
-              <a:spAutoFit/>
-            </a:bodyPr>
-            <a:lstStyle/>
-            <a:p>
-              <a:r>
-                <a:rPr lang="en-US" altLang="ja-JP" sz="1800" dirty="0" smtClean="0"/>
-                <a:t>Pull Request</a:t>
-              </a:r>
-            </a:p>
-            <a:p>
-              <a:r>
-                <a:rPr kumimoji="1" lang="en-US" altLang="ja-JP" sz="1800" dirty="0" smtClean="0"/>
-                <a:t>(</a:t>
-              </a:r>
-              <a:r>
-                <a:rPr kumimoji="1" lang="ja-JP" altLang="en-US" sz="1800" dirty="0" smtClean="0"/>
-                <a:t>変更を提案</a:t>
-              </a:r>
-              <a:r>
-                <a:rPr kumimoji="1" lang="en-US" altLang="ja-JP" sz="1800" dirty="0" smtClean="0"/>
-                <a:t>)</a:t>
-              </a:r>
-              <a:endParaRPr kumimoji="1" lang="ja-JP" altLang="en-US" sz="1800" dirty="0"/>
-            </a:p>
-          </p:txBody>
-        </p:sp>
-        <p:sp>
-          <p:nvSpPr>
-            <p:cNvPr id="35" name="テキスト ボックス 34"/>
-            <p:cNvSpPr txBox="1"/>
-            <p:nvPr/>
-          </p:nvSpPr>
-          <p:spPr>
-            <a:xfrm>
-              <a:off x="4180149" y="3723502"/>
-              <a:ext cx="858513" cy="261980"/>
-            </a:xfrm>
-            <a:prstGeom prst="rect">
-              <a:avLst/>
-            </a:prstGeom>
-            <a:noFill/>
-          </p:spPr>
-          <p:txBody>
-            <a:bodyPr wrap="none" rtlCol="0">
-              <a:spAutoFit/>
-            </a:bodyPr>
-            <a:lstStyle/>
-            <a:p>
-              <a:r>
-                <a:rPr kumimoji="1" lang="ja-JP" altLang="en-US" sz="1800" dirty="0" smtClean="0"/>
-                <a:t>プロジェクト</a:t>
-              </a:r>
-              <a:endParaRPr kumimoji="1" lang="ja-JP" altLang="en-US" sz="1800" dirty="0"/>
-            </a:p>
-          </p:txBody>
-        </p:sp>
-        <p:sp>
-          <p:nvSpPr>
-            <p:cNvPr id="36" name="右矢印 35"/>
-            <p:cNvSpPr/>
-            <p:nvPr/>
-          </p:nvSpPr>
-          <p:spPr>
-            <a:xfrm rot="10800000">
-              <a:off x="2390319" y="3070084"/>
-              <a:ext cx="1449859" cy="461318"/>
-            </a:xfrm>
-            <a:prstGeom prst="rightArrow">
-              <a:avLst/>
-            </a:prstGeom>
+            <a:solidFill>
+              <a:schemeClr val="bg2"/>
+            </a:solidFill>
+            <a:ln>
+              <a:solidFill>
+                <a:schemeClr val="bg2"/>
+              </a:solidFill>
+            </a:ln>
           </p:spPr>
           <p:style>
             <a:lnRef idx="2">
@@ -5733,74 +6259,26 @@
         </p:sp>
         <p:sp>
           <p:nvSpPr>
-            <p:cNvPr id="37" name="テキスト ボックス 36"/>
-            <p:cNvSpPr txBox="1"/>
-            <p:nvPr/>
-          </p:nvSpPr>
-          <p:spPr>
-            <a:xfrm>
-              <a:off x="2693293" y="2577809"/>
-              <a:ext cx="1069119" cy="654950"/>
-            </a:xfrm>
-            <a:prstGeom prst="rect">
-              <a:avLst/>
-            </a:prstGeom>
-            <a:noFill/>
-          </p:spPr>
-          <p:txBody>
-            <a:bodyPr wrap="none" rtlCol="0">
-              <a:spAutoFit/>
-            </a:bodyPr>
-            <a:lstStyle/>
-            <a:p>
-              <a:r>
-                <a:rPr kumimoji="1" lang="en-US" altLang="ja-JP" sz="1800" dirty="0" err="1" smtClean="0"/>
-                <a:t>GHTorrent</a:t>
-              </a:r>
-              <a:r>
-                <a:rPr kumimoji="1" lang="ja-JP" altLang="en-US" sz="1800" dirty="0" smtClean="0"/>
-                <a:t>使用</a:t>
-              </a:r>
-              <a:endParaRPr kumimoji="1" lang="en-US" altLang="ja-JP" sz="1800" dirty="0" smtClean="0"/>
-            </a:p>
-            <a:p>
-              <a:r>
-                <a:rPr lang="en-US" altLang="ja-JP" sz="1800" dirty="0" smtClean="0"/>
-                <a:t>(</a:t>
-              </a:r>
-              <a:r>
-                <a:rPr lang="ja-JP" altLang="en-US" sz="1800" dirty="0" smtClean="0"/>
-                <a:t>プロジェクトの</a:t>
-              </a:r>
-              <a:endParaRPr lang="en-US" altLang="ja-JP" sz="1800" dirty="0" smtClean="0"/>
-            </a:p>
-            <a:p>
-              <a:r>
-                <a:rPr lang="ja-JP" altLang="en-US" sz="1800" dirty="0" smtClean="0"/>
-                <a:t>  データ取得</a:t>
-              </a:r>
-              <a:r>
-                <a:rPr lang="en-US" altLang="ja-JP" sz="1800" dirty="0" smtClean="0"/>
-                <a:t>)</a:t>
-              </a:r>
-              <a:endParaRPr kumimoji="1" lang="ja-JP" altLang="en-US" sz="1800" dirty="0"/>
-            </a:p>
-          </p:txBody>
-        </p:sp>
-        <p:sp>
-          <p:nvSpPr>
-            <p:cNvPr id="38" name="円柱 37"/>
+            <p:cNvPr id="43" name="正方形/長方形 42"/>
             <p:cNvSpPr/>
             <p:nvPr/>
           </p:nvSpPr>
           <p:spPr>
             <a:xfrm>
-              <a:off x="1036650" y="2760377"/>
-              <a:ext cx="1070919" cy="1224735"/>
+              <a:off x="9967780" y="5458813"/>
+              <a:ext cx="98853" cy="98853"/>
             </a:xfrm>
-            <a:prstGeom prst="can">
+            <a:prstGeom prst="rect">
               <a:avLst/>
             </a:prstGeom>
+            <a:solidFill>
+              <a:schemeClr val="bg2"/>
+            </a:solidFill>
+            <a:ln>
+              <a:solidFill>
+                <a:schemeClr val="bg2"/>
+              </a:solidFill>
+            </a:ln>
           </p:spPr>
           <p:style>
             <a:lnRef idx="2">
@@ -5823,600 +6301,132 @@
             <a:lstStyle/>
             <a:p>
               <a:pPr algn="ctr"/>
-              <a:r>
-                <a:rPr kumimoji="1" lang="ja-JP" altLang="en-US" sz="1800" dirty="0" smtClean="0">
-                  <a:solidFill>
-                    <a:schemeClr val="tx1"/>
-                  </a:solidFill>
-                </a:rPr>
-                <a:t>データベース</a:t>
-              </a:r>
-              <a:endParaRPr kumimoji="1" lang="ja-JP" altLang="en-US" sz="1800" dirty="0">
-                <a:solidFill>
-                  <a:schemeClr val="tx1"/>
-                </a:solidFill>
-              </a:endParaRPr>
+              <a:endParaRPr kumimoji="1" lang="ja-JP" altLang="en-US"/>
             </a:p>
           </p:txBody>
         </p:sp>
-        <p:grpSp>
-          <p:nvGrpSpPr>
-            <p:cNvPr id="39" name="グループ化 38"/>
-            <p:cNvGrpSpPr/>
-            <p:nvPr/>
-          </p:nvGrpSpPr>
-          <p:grpSpPr>
-            <a:xfrm>
-              <a:off x="9404173" y="4193325"/>
-              <a:ext cx="1914619" cy="1078887"/>
-              <a:chOff x="8316775" y="5396053"/>
-              <a:chExt cx="1914619" cy="1078887"/>
-            </a:xfrm>
-          </p:grpSpPr>
-          <p:grpSp>
-            <p:nvGrpSpPr>
-              <p:cNvPr id="41" name="グループ化 40"/>
-              <p:cNvGrpSpPr/>
-              <p:nvPr/>
-            </p:nvGrpSpPr>
-            <p:grpSpPr>
-              <a:xfrm>
-                <a:off x="8316775" y="5396053"/>
-                <a:ext cx="1914619" cy="1078887"/>
-                <a:chOff x="4733307" y="2646796"/>
-                <a:chExt cx="1876314" cy="1004474"/>
-              </a:xfrm>
-            </p:grpSpPr>
-            <p:sp>
-              <p:nvSpPr>
-                <p:cNvPr id="45" name="正方形/長方形 44"/>
-                <p:cNvSpPr/>
-                <p:nvPr/>
-              </p:nvSpPr>
-              <p:spPr>
-                <a:xfrm>
-                  <a:off x="4733307" y="2646796"/>
-                  <a:ext cx="1876313" cy="1004474"/>
-                </a:xfrm>
-                <a:prstGeom prst="rect">
-                  <a:avLst/>
-                </a:prstGeom>
-                <a:solidFill>
-                  <a:schemeClr val="bg1">
-                    <a:lumMod val="50000"/>
-                  </a:schemeClr>
-                </a:solidFill>
-                <a:ln>
-                  <a:solidFill>
-                    <a:schemeClr val="bg1">
-                      <a:lumMod val="50000"/>
-                    </a:schemeClr>
-                  </a:solidFill>
-                </a:ln>
-              </p:spPr>
-              <p:style>
-                <a:lnRef idx="2">
-                  <a:schemeClr val="accent1">
-                    <a:shade val="50000"/>
-                  </a:schemeClr>
-                </a:lnRef>
-                <a:fillRef idx="1">
-                  <a:schemeClr val="accent1"/>
-                </a:fillRef>
-                <a:effectRef idx="0">
-                  <a:schemeClr val="accent1"/>
-                </a:effectRef>
-                <a:fontRef idx="minor">
-                  <a:schemeClr val="lt1"/>
-                </a:fontRef>
-              </p:style>
-              <p:txBody>
-                <a:bodyPr rtlCol="0" anchor="ctr"/>
-                <a:lstStyle/>
-                <a:p>
-                  <a:pPr algn="ctr"/>
-                  <a:endParaRPr kumimoji="1" lang="ja-JP" altLang="en-US"/>
-                </a:p>
-              </p:txBody>
-            </p:sp>
-            <p:sp>
-              <p:nvSpPr>
-                <p:cNvPr id="46" name="正方形/長方形 45"/>
-                <p:cNvSpPr/>
-                <p:nvPr/>
-              </p:nvSpPr>
-              <p:spPr>
-                <a:xfrm>
-                  <a:off x="4733307" y="2842054"/>
-                  <a:ext cx="1876313" cy="809215"/>
-                </a:xfrm>
-                <a:prstGeom prst="rect">
-                  <a:avLst/>
-                </a:prstGeom>
-                <a:solidFill>
-                  <a:schemeClr val="bg1">
-                    <a:lumMod val="65000"/>
-                  </a:schemeClr>
-                </a:solidFill>
-                <a:ln>
-                  <a:solidFill>
-                    <a:schemeClr val="bg1">
-                      <a:lumMod val="65000"/>
-                    </a:schemeClr>
-                  </a:solidFill>
-                </a:ln>
-              </p:spPr>
-              <p:style>
-                <a:lnRef idx="2">
-                  <a:schemeClr val="accent1">
-                    <a:shade val="50000"/>
-                  </a:schemeClr>
-                </a:lnRef>
-                <a:fillRef idx="1">
-                  <a:schemeClr val="accent1"/>
-                </a:fillRef>
-                <a:effectRef idx="0">
-                  <a:schemeClr val="accent1"/>
-                </a:effectRef>
-                <a:fontRef idx="minor">
-                  <a:schemeClr val="lt1"/>
-                </a:fontRef>
-              </p:style>
-              <p:txBody>
-                <a:bodyPr rtlCol="0" anchor="ctr"/>
-                <a:lstStyle/>
-                <a:p>
-                  <a:pPr algn="ctr"/>
-                  <a:endParaRPr kumimoji="1" lang="ja-JP" altLang="en-US"/>
-                </a:p>
-              </p:txBody>
-            </p:sp>
-            <p:sp>
-              <p:nvSpPr>
-                <p:cNvPr id="47" name="正方形/長方形 46"/>
-                <p:cNvSpPr/>
-                <p:nvPr/>
-              </p:nvSpPr>
-              <p:spPr>
-                <a:xfrm>
-                  <a:off x="4733307" y="2842054"/>
-                  <a:ext cx="45719" cy="809216"/>
-                </a:xfrm>
-                <a:prstGeom prst="rect">
-                  <a:avLst/>
-                </a:prstGeom>
-                <a:solidFill>
-                  <a:schemeClr val="bg1">
-                    <a:lumMod val="50000"/>
-                  </a:schemeClr>
-                </a:solidFill>
-                <a:ln>
-                  <a:solidFill>
-                    <a:schemeClr val="bg1">
-                      <a:lumMod val="50000"/>
-                    </a:schemeClr>
-                  </a:solidFill>
-                </a:ln>
-              </p:spPr>
-              <p:style>
-                <a:lnRef idx="2">
-                  <a:schemeClr val="accent1">
-                    <a:shade val="50000"/>
-                  </a:schemeClr>
-                </a:lnRef>
-                <a:fillRef idx="1">
-                  <a:schemeClr val="accent1"/>
-                </a:fillRef>
-                <a:effectRef idx="0">
-                  <a:schemeClr val="accent1"/>
-                </a:effectRef>
-                <a:fontRef idx="minor">
-                  <a:schemeClr val="lt1"/>
-                </a:fontRef>
-              </p:style>
-              <p:txBody>
-                <a:bodyPr rtlCol="0" anchor="ctr"/>
-                <a:lstStyle/>
-                <a:p>
-                  <a:pPr algn="ctr"/>
-                  <a:endParaRPr kumimoji="1" lang="ja-JP" altLang="en-US"/>
-                </a:p>
-              </p:txBody>
-            </p:sp>
-            <p:sp>
-              <p:nvSpPr>
-                <p:cNvPr id="48" name="正方形/長方形 47"/>
-                <p:cNvSpPr/>
-                <p:nvPr/>
-              </p:nvSpPr>
-              <p:spPr>
-                <a:xfrm>
-                  <a:off x="5190503" y="2837932"/>
-                  <a:ext cx="45719" cy="809216"/>
-                </a:xfrm>
-                <a:prstGeom prst="rect">
-                  <a:avLst/>
-                </a:prstGeom>
-                <a:solidFill>
-                  <a:schemeClr val="bg1">
-                    <a:lumMod val="50000"/>
-                  </a:schemeClr>
-                </a:solidFill>
-                <a:ln>
-                  <a:solidFill>
-                    <a:schemeClr val="bg1">
-                      <a:lumMod val="50000"/>
-                    </a:schemeClr>
-                  </a:solidFill>
-                </a:ln>
-              </p:spPr>
-              <p:style>
-                <a:lnRef idx="2">
-                  <a:schemeClr val="accent1">
-                    <a:shade val="50000"/>
-                  </a:schemeClr>
-                </a:lnRef>
-                <a:fillRef idx="1">
-                  <a:schemeClr val="accent1"/>
-                </a:fillRef>
-                <a:effectRef idx="0">
-                  <a:schemeClr val="accent1"/>
-                </a:effectRef>
-                <a:fontRef idx="minor">
-                  <a:schemeClr val="lt1"/>
-                </a:fontRef>
-              </p:style>
-              <p:txBody>
-                <a:bodyPr rtlCol="0" anchor="ctr"/>
-                <a:lstStyle/>
-                <a:p>
-                  <a:pPr algn="ctr"/>
-                  <a:endParaRPr kumimoji="1" lang="ja-JP" altLang="en-US"/>
-                </a:p>
-              </p:txBody>
-            </p:sp>
-            <p:sp>
-              <p:nvSpPr>
-                <p:cNvPr id="49" name="正方形/長方形 48"/>
-                <p:cNvSpPr/>
-                <p:nvPr/>
-              </p:nvSpPr>
-              <p:spPr>
-                <a:xfrm rot="16200000">
-                  <a:off x="5888366" y="2480867"/>
-                  <a:ext cx="45719" cy="1396791"/>
-                </a:xfrm>
-                <a:prstGeom prst="rect">
-                  <a:avLst/>
-                </a:prstGeom>
-                <a:solidFill>
-                  <a:schemeClr val="bg1">
-                    <a:lumMod val="50000"/>
-                  </a:schemeClr>
-                </a:solidFill>
-                <a:ln>
-                  <a:solidFill>
-                    <a:schemeClr val="bg1">
-                      <a:lumMod val="50000"/>
-                    </a:schemeClr>
-                  </a:solidFill>
-                </a:ln>
-              </p:spPr>
-              <p:style>
-                <a:lnRef idx="2">
-                  <a:schemeClr val="accent1">
-                    <a:shade val="50000"/>
-                  </a:schemeClr>
-                </a:lnRef>
-                <a:fillRef idx="1">
-                  <a:schemeClr val="accent1"/>
-                </a:fillRef>
-                <a:effectRef idx="0">
-                  <a:schemeClr val="accent1"/>
-                </a:effectRef>
-                <a:fontRef idx="minor">
-                  <a:schemeClr val="lt1"/>
-                </a:fontRef>
-              </p:style>
-              <p:txBody>
-                <a:bodyPr rtlCol="0" anchor="ctr"/>
-                <a:lstStyle/>
-                <a:p>
-                  <a:pPr algn="ctr"/>
-                  <a:endParaRPr kumimoji="1" lang="ja-JP" altLang="en-US"/>
-                </a:p>
-              </p:txBody>
-            </p:sp>
-            <p:sp>
-              <p:nvSpPr>
-                <p:cNvPr id="50" name="正方形/長方形 49"/>
-                <p:cNvSpPr/>
-                <p:nvPr/>
-              </p:nvSpPr>
-              <p:spPr>
-                <a:xfrm rot="16200000">
-                  <a:off x="5642756" y="2691979"/>
-                  <a:ext cx="45719" cy="1864618"/>
-                </a:xfrm>
-                <a:prstGeom prst="rect">
-                  <a:avLst/>
-                </a:prstGeom>
-                <a:solidFill>
-                  <a:schemeClr val="bg1">
-                    <a:lumMod val="50000"/>
-                  </a:schemeClr>
-                </a:solidFill>
-                <a:ln>
-                  <a:solidFill>
-                    <a:schemeClr val="bg1">
-                      <a:lumMod val="50000"/>
-                    </a:schemeClr>
-                  </a:solidFill>
-                </a:ln>
-              </p:spPr>
-              <p:style>
-                <a:lnRef idx="2">
-                  <a:schemeClr val="accent1">
-                    <a:shade val="50000"/>
-                  </a:schemeClr>
-                </a:lnRef>
-                <a:fillRef idx="1">
-                  <a:schemeClr val="accent1"/>
-                </a:fillRef>
-                <a:effectRef idx="0">
-                  <a:schemeClr val="accent1"/>
-                </a:effectRef>
-                <a:fontRef idx="minor">
-                  <a:schemeClr val="lt1"/>
-                </a:fontRef>
-              </p:style>
-              <p:txBody>
-                <a:bodyPr rtlCol="0" anchor="ctr"/>
-                <a:lstStyle/>
-                <a:p>
-                  <a:pPr algn="ctr"/>
-                  <a:endParaRPr kumimoji="1" lang="ja-JP" altLang="en-US"/>
-                </a:p>
-              </p:txBody>
-            </p:sp>
-            <p:sp>
-              <p:nvSpPr>
-                <p:cNvPr id="51" name="正方形/長方形 50"/>
-                <p:cNvSpPr/>
-                <p:nvPr/>
-              </p:nvSpPr>
-              <p:spPr>
-                <a:xfrm>
-                  <a:off x="6562105" y="2833810"/>
-                  <a:ext cx="45719" cy="809216"/>
-                </a:xfrm>
-                <a:prstGeom prst="rect">
-                  <a:avLst/>
-                </a:prstGeom>
-                <a:solidFill>
-                  <a:schemeClr val="bg1">
-                    <a:lumMod val="50000"/>
-                  </a:schemeClr>
-                </a:solidFill>
-                <a:ln>
-                  <a:solidFill>
-                    <a:schemeClr val="bg1">
-                      <a:lumMod val="50000"/>
-                    </a:schemeClr>
-                  </a:solidFill>
-                </a:ln>
-              </p:spPr>
-              <p:style>
-                <a:lnRef idx="2">
-                  <a:schemeClr val="accent1">
-                    <a:shade val="50000"/>
-                  </a:schemeClr>
-                </a:lnRef>
-                <a:fillRef idx="1">
-                  <a:schemeClr val="accent1"/>
-                </a:fillRef>
-                <a:effectRef idx="0">
-                  <a:schemeClr val="accent1"/>
-                </a:effectRef>
-                <a:fontRef idx="minor">
-                  <a:schemeClr val="lt1"/>
-                </a:fontRef>
-              </p:style>
-              <p:txBody>
-                <a:bodyPr rtlCol="0" anchor="ctr"/>
-                <a:lstStyle/>
-                <a:p>
-                  <a:pPr algn="ctr"/>
-                  <a:endParaRPr kumimoji="1" lang="ja-JP" altLang="en-US"/>
-                </a:p>
-              </p:txBody>
-            </p:sp>
-          </p:grpSp>
-          <p:sp>
-            <p:nvSpPr>
-              <p:cNvPr id="42" name="正方形/長方形 41"/>
-              <p:cNvSpPr/>
-              <p:nvPr/>
-            </p:nvSpPr>
-            <p:spPr>
-              <a:xfrm>
-                <a:off x="9823618" y="5462934"/>
-                <a:ext cx="98853" cy="98853"/>
-              </a:xfrm>
-              <a:prstGeom prst="rect">
-                <a:avLst/>
-              </a:prstGeom>
-              <a:solidFill>
-                <a:schemeClr val="bg2"/>
-              </a:solidFill>
-              <a:ln>
-                <a:solidFill>
-                  <a:schemeClr val="bg2"/>
-                </a:solidFill>
-              </a:ln>
-            </p:spPr>
-            <p:style>
-              <a:lnRef idx="2">
-                <a:schemeClr val="accent1">
-                  <a:shade val="50000"/>
-                </a:schemeClr>
-              </a:lnRef>
-              <a:fillRef idx="1">
-                <a:schemeClr val="accent1"/>
-              </a:fillRef>
-              <a:effectRef idx="0">
-                <a:schemeClr val="accent1"/>
-              </a:effectRef>
-              <a:fontRef idx="minor">
-                <a:schemeClr val="lt1"/>
-              </a:fontRef>
-            </p:style>
-            <p:txBody>
-              <a:bodyPr rtlCol="0" anchor="ctr"/>
-              <a:lstStyle/>
-              <a:p>
-                <a:pPr algn="ctr"/>
-                <a:endParaRPr kumimoji="1" lang="ja-JP" altLang="en-US"/>
-              </a:p>
-            </p:txBody>
-          </p:sp>
-          <p:sp>
-            <p:nvSpPr>
-              <p:cNvPr id="43" name="正方形/長方形 42"/>
-              <p:cNvSpPr/>
-              <p:nvPr/>
-            </p:nvSpPr>
-            <p:spPr>
-              <a:xfrm>
-                <a:off x="9967780" y="5458813"/>
-                <a:ext cx="98853" cy="98853"/>
-              </a:xfrm>
-              <a:prstGeom prst="rect">
-                <a:avLst/>
-              </a:prstGeom>
-              <a:solidFill>
-                <a:schemeClr val="bg2"/>
-              </a:solidFill>
-              <a:ln>
-                <a:solidFill>
-                  <a:schemeClr val="bg2"/>
-                </a:solidFill>
-              </a:ln>
-            </p:spPr>
-            <p:style>
-              <a:lnRef idx="2">
-                <a:schemeClr val="accent1">
-                  <a:shade val="50000"/>
-                </a:schemeClr>
-              </a:lnRef>
-              <a:fillRef idx="1">
-                <a:schemeClr val="accent1"/>
-              </a:fillRef>
-              <a:effectRef idx="0">
-                <a:schemeClr val="accent1"/>
-              </a:effectRef>
-              <a:fontRef idx="minor">
-                <a:schemeClr val="lt1"/>
-              </a:fontRef>
-            </p:style>
-            <p:txBody>
-              <a:bodyPr rtlCol="0" anchor="ctr"/>
-              <a:lstStyle/>
-              <a:p>
-                <a:pPr algn="ctr"/>
-                <a:endParaRPr kumimoji="1" lang="ja-JP" altLang="en-US"/>
-              </a:p>
-            </p:txBody>
-          </p:sp>
-          <p:sp>
-            <p:nvSpPr>
-              <p:cNvPr id="44" name="正方形/長方形 43"/>
-              <p:cNvSpPr/>
-              <p:nvPr/>
-            </p:nvSpPr>
-            <p:spPr>
-              <a:xfrm>
-                <a:off x="10116064" y="5458812"/>
-                <a:ext cx="98853" cy="98853"/>
-              </a:xfrm>
-              <a:prstGeom prst="rect">
-                <a:avLst/>
-              </a:prstGeom>
-              <a:solidFill>
-                <a:schemeClr val="bg2"/>
-              </a:solidFill>
-              <a:ln>
-                <a:solidFill>
-                  <a:schemeClr val="bg2"/>
-                </a:solidFill>
-              </a:ln>
-            </p:spPr>
-            <p:style>
-              <a:lnRef idx="2">
-                <a:schemeClr val="accent1">
-                  <a:shade val="50000"/>
-                </a:schemeClr>
-              </a:lnRef>
-              <a:fillRef idx="1">
-                <a:schemeClr val="accent1"/>
-              </a:fillRef>
-              <a:effectRef idx="0">
-                <a:schemeClr val="accent1"/>
-              </a:effectRef>
-              <a:fontRef idx="minor">
-                <a:schemeClr val="lt1"/>
-              </a:fontRef>
-            </p:style>
-            <p:txBody>
-              <a:bodyPr rtlCol="0" anchor="ctr"/>
-              <a:lstStyle/>
-              <a:p>
-                <a:pPr algn="ctr"/>
-                <a:endParaRPr kumimoji="1" lang="ja-JP" altLang="en-US"/>
-              </a:p>
-            </p:txBody>
-          </p:sp>
-        </p:grpSp>
         <p:sp>
           <p:nvSpPr>
-            <p:cNvPr id="40" name="テキスト ボックス 39"/>
-            <p:cNvSpPr txBox="1"/>
+            <p:cNvPr id="44" name="正方形/長方形 43"/>
+            <p:cNvSpPr/>
             <p:nvPr/>
           </p:nvSpPr>
           <p:spPr>
             <a:xfrm>
-              <a:off x="9809008" y="5340814"/>
-              <a:ext cx="859571" cy="261980"/>
+              <a:off x="10116064" y="5458812"/>
+              <a:ext cx="98853" cy="98853"/>
             </a:xfrm>
             <a:prstGeom prst="rect">
               <a:avLst/>
             </a:prstGeom>
-            <a:noFill/>
+            <a:solidFill>
+              <a:schemeClr val="bg2"/>
+            </a:solidFill>
+            <a:ln>
+              <a:solidFill>
+                <a:schemeClr val="bg2"/>
+              </a:solidFill>
+            </a:ln>
           </p:spPr>
+          <p:style>
+            <a:lnRef idx="2">
+              <a:schemeClr val="accent1">
+                <a:shade val="50000"/>
+              </a:schemeClr>
+            </a:lnRef>
+            <a:fillRef idx="1">
+              <a:schemeClr val="accent1"/>
+            </a:fillRef>
+            <a:effectRef idx="0">
+              <a:schemeClr val="accent1"/>
+            </a:effectRef>
+            <a:fontRef idx="minor">
+              <a:schemeClr val="lt1"/>
+            </a:fontRef>
+          </p:style>
           <p:txBody>
-            <a:bodyPr wrap="none" rtlCol="0">
-              <a:spAutoFit/>
-            </a:bodyPr>
+            <a:bodyPr rtlCol="0" anchor="ctr"/>
             <a:lstStyle/>
             <a:p>
-              <a:r>
-                <a:rPr lang="ja-JP" altLang="en-US" sz="1800" dirty="0"/>
-                <a:t>クライアント</a:t>
-              </a:r>
-              <a:endParaRPr kumimoji="1" lang="ja-JP" altLang="en-US" sz="1800" dirty="0"/>
+              <a:pPr algn="ctr"/>
+              <a:endParaRPr kumimoji="1" lang="ja-JP" altLang="en-US"/>
             </a:p>
           </p:txBody>
         </p:sp>
       </p:grpSp>
       <p:sp>
         <p:nvSpPr>
+          <p:cNvPr id="40" name="テキスト ボックス 39"/>
+          <p:cNvSpPr txBox="1"/>
+          <p:nvPr/>
+        </p:nvSpPr>
+        <p:spPr>
+          <a:xfrm>
+            <a:off x="17509433" y="14467436"/>
+            <a:ext cx="1678665" cy="461665"/>
+          </a:xfrm>
+          <a:prstGeom prst="rect">
+            <a:avLst/>
+          </a:prstGeom>
+          <a:noFill/>
+        </p:spPr>
+        <p:txBody>
+          <a:bodyPr wrap="none" rtlCol="0">
+            <a:spAutoFit/>
+          </a:bodyPr>
+          <a:lstStyle/>
+          <a:p>
+            <a:r>
+              <a:rPr lang="ja-JP" altLang="en-US" sz="2400" dirty="0"/>
+              <a:t>クライアント</a:t>
+            </a:r>
+            <a:endParaRPr kumimoji="1" lang="ja-JP" altLang="en-US" sz="2400" dirty="0"/>
+          </a:p>
+        </p:txBody>
+      </p:sp>
+      <p:sp>
+        <p:nvSpPr>
+          <p:cNvPr id="83" name="テキスト ボックス 82"/>
+          <p:cNvSpPr txBox="1"/>
+          <p:nvPr/>
+        </p:nvSpPr>
+        <p:spPr>
+          <a:xfrm>
+            <a:off x="5229313" y="10483718"/>
+            <a:ext cx="1058303" cy="369332"/>
+          </a:xfrm>
+          <a:prstGeom prst="rect">
+            <a:avLst/>
+          </a:prstGeom>
+          <a:noFill/>
+        </p:spPr>
+        <p:txBody>
+          <a:bodyPr wrap="none" rtlCol="0">
+            <a:spAutoFit/>
+          </a:bodyPr>
+          <a:lstStyle/>
+          <a:p>
+            <a:r>
+              <a:rPr lang="ja-JP" altLang="en-US" sz="1800" dirty="0" smtClean="0"/>
+              <a:t>全</a:t>
+            </a:r>
+            <a:r>
+              <a:rPr lang="ja-JP" altLang="en-US" sz="1800" dirty="0"/>
+              <a:t>データ</a:t>
+            </a:r>
+            <a:endParaRPr kumimoji="1" lang="en-US" altLang="ja-JP" sz="1800" dirty="0" smtClean="0"/>
+          </a:p>
+        </p:txBody>
+      </p:sp>
+      <p:sp>
+        <p:nvSpPr>
           <p:cNvPr id="62" name="テキスト ボックス 61"/>
           <p:cNvSpPr txBox="1"/>
           <p:nvPr/>
         </p:nvSpPr>
         <p:spPr>
           <a:xfrm>
-            <a:off x="396256" y="5364715"/>
+            <a:off x="507759" y="5895750"/>
             <a:ext cx="20371282" cy="1200329"/>
           </a:xfrm>
           <a:prstGeom prst="rect">
@@ -6440,19 +6450,11 @@
             </a:r>
             <a:r>
               <a:rPr lang="ja-JP" altLang="en-US" sz="3600" dirty="0"/>
-              <a:t>はコンピュータ上で作成，編集さ </a:t>
-            </a:r>
-            <a:r>
-              <a:rPr lang="ja-JP" altLang="en-US" sz="3600" dirty="0" err="1" smtClean="0"/>
-              <a:t>れ</a:t>
-            </a:r>
-            <a:r>
-              <a:rPr lang="ja-JP" altLang="en-US" sz="3600" dirty="0" err="1"/>
-              <a:t>た</a:t>
+              <a:t>はコンピュータ上で作成，編集</a:t>
             </a:r>
             <a:r>
               <a:rPr lang="ja-JP" altLang="en-US" sz="3600" dirty="0" smtClean="0"/>
-              <a:t>ファイル</a:t>
+              <a:t>されたファイル</a:t>
             </a:r>
             <a:r>
               <a:rPr lang="ja-JP" altLang="en-US" sz="3600" dirty="0"/>
@@ -6682,8 +6684,8 @@
           </p:nvSpPr>
           <p:spPr>
             <a:xfrm>
-              <a:off x="756296" y="18995616"/>
-              <a:ext cx="8860410" cy="2159734"/>
+              <a:off x="756296" y="18995615"/>
+              <a:ext cx="8860410" cy="2675826"/>
             </a:xfrm>
             <a:prstGeom prst="roundRect">
               <a:avLst/>
@@ -6724,7 +6726,7 @@
           <p:spPr>
             <a:xfrm>
               <a:off x="1183737" y="19255212"/>
-              <a:ext cx="7342075" cy="1754326"/>
+              <a:ext cx="8302302" cy="2337113"/>
             </a:xfrm>
             <a:prstGeom prst="rect">
               <a:avLst/>
@@ -6761,7 +6763,38 @@
             <a:p>
               <a:r>
                 <a:rPr lang="ja-JP" altLang="en-US" sz="3600" dirty="0" smtClean="0"/>
-                <a:t>調査する</a:t>
+                <a:t>調査</a:t>
+              </a:r>
+              <a:r>
+                <a:rPr lang="ja-JP" altLang="en-US" sz="3600" dirty="0" smtClean="0"/>
+                <a:t>する</a:t>
+              </a:r>
+              <a:endParaRPr lang="en-US" altLang="ja-JP" sz="3600" dirty="0" smtClean="0"/>
+            </a:p>
+            <a:p>
+              <a:r>
+                <a:rPr kumimoji="1" lang="en-US" altLang="ja-JP" sz="3600" dirty="0" smtClean="0"/>
+                <a:t>Google+</a:t>
+              </a:r>
+              <a:r>
+                <a:rPr kumimoji="1" lang="ja-JP" altLang="en-US" sz="3600" dirty="0" smtClean="0"/>
+                <a:t>とは</a:t>
+              </a:r>
+              <a:r>
+                <a:rPr kumimoji="1" lang="en-US" altLang="ja-JP" sz="3600" dirty="0" smtClean="0"/>
+                <a:t>Google</a:t>
+              </a:r>
+              <a:r>
+                <a:rPr kumimoji="1" lang="ja-JP" altLang="en-US" sz="3600" dirty="0" smtClean="0"/>
+                <a:t>が運営している</a:t>
+              </a:r>
+              <a:r>
+                <a:rPr kumimoji="1" lang="en-US" altLang="ja-JP" sz="3600" dirty="0" smtClean="0"/>
+                <a:t>SNS</a:t>
+              </a:r>
+              <a:r>
+                <a:rPr kumimoji="1" lang="ja-JP" altLang="en-US" sz="3600" dirty="0" smtClean="0"/>
+                <a:t>である</a:t>
               </a:r>
               <a:endParaRPr kumimoji="1" lang="ja-JP" altLang="en-US" sz="3600" dirty="0"/>
             </a:p>
@@ -6775,7 +6808,7 @@
           </p:nvSpPr>
           <p:spPr>
             <a:xfrm>
-              <a:off x="1260352" y="23077991"/>
+              <a:off x="1260352" y="23369615"/>
               <a:ext cx="6695278" cy="1868475"/>
             </a:xfrm>
             <a:prstGeom prst="rect">
@@ -6831,7 +6864,7 @@
           </p:nvSpPr>
           <p:spPr>
             <a:xfrm>
-              <a:off x="756296" y="23005450"/>
+              <a:off x="756296" y="23297074"/>
               <a:ext cx="8860410" cy="2159734"/>
             </a:xfrm>
             <a:prstGeom prst="roundRect">
@@ -6912,7 +6945,7 @@
           </p:nvSpPr>
           <p:spPr>
             <a:xfrm>
-              <a:off x="3281871" y="21379610"/>
+              <a:off x="3222195" y="21889952"/>
               <a:ext cx="4027153" cy="1306768"/>
             </a:xfrm>
             <a:prstGeom prst="downArrow">
@@ -7570,14 +7603,14 @@
       </p:sp>
       <p:sp>
         <p:nvSpPr>
-          <p:cNvPr id="70" name="テキスト ボックス 69"/>
+          <p:cNvPr id="4" name="テキスト ボックス 3"/>
           <p:cNvSpPr txBox="1"/>
           <p:nvPr/>
         </p:nvSpPr>
         <p:spPr>
           <a:xfrm>
-            <a:off x="543153" y="13852270"/>
-            <a:ext cx="19662755" cy="3416320"/>
+            <a:off x="543763" y="15441237"/>
+            <a:ext cx="20299274" cy="1200329"/>
           </a:xfrm>
           <a:prstGeom prst="rect">
             <a:avLst/>
@@ -7585,127 +7618,36 @@
           <a:noFill/>
         </p:spPr>
         <p:txBody>
-          <a:bodyPr wrap="none" rtlCol="0">
+          <a:bodyPr wrap="square" rtlCol="0">
             <a:spAutoFit/>
           </a:bodyPr>
           <a:lstStyle/>
           <a:p>
             <a:r>
+              <a:rPr kumimoji="1" lang="en-US" altLang="ja-JP" sz="3600" dirty="0" smtClean="0"/>
+              <a:t>GitHub</a:t>
+            </a:r>
+            <a:r>
+              <a:rPr kumimoji="1" lang="ja-JP" altLang="en-US" sz="3600" dirty="0" smtClean="0"/>
+              <a:t>のあらゆるデータが入っているダンプである</a:t>
+            </a:r>
+            <a:r>
               <a:rPr kumimoji="1" lang="en-US" altLang="ja-JP" sz="3600" dirty="0" err="1" smtClean="0"/>
               <a:t>GHTorrent</a:t>
             </a:r>
             <a:r>
               <a:rPr kumimoji="1" lang="ja-JP" altLang="en-US" sz="3600" dirty="0" smtClean="0"/>
-              <a:t>とは</a:t>
-            </a:r>
-            <a:r>
-              <a:rPr kumimoji="1" lang="en-US" altLang="ja-JP" sz="3600" dirty="0" smtClean="0"/>
-              <a:t>GitHub</a:t>
+              <a:t>を用い，「活発に活動しているユーザはコミュニケーション能力</a:t>
+            </a:r>
+            <a:r>
+              <a:rPr lang="ja-JP" altLang="en-US" sz="3600" dirty="0" smtClean="0"/>
+              <a:t>が高いのではないか</a:t>
             </a:r>
             <a:r>
               <a:rPr kumimoji="1" lang="ja-JP" altLang="en-US" sz="3600" dirty="0" smtClean="0"/>
-              <a:t>からプロジェクトやユーザの情報を取得することができるツールである</a:t>
+              <a:t>」という仮説の検証を目指す．</a:t>
             </a:r>
             <a:endParaRPr kumimoji="1" lang="en-US" altLang="ja-JP" sz="3600" dirty="0" smtClean="0"/>
-          </a:p>
-          <a:p>
-            <a:r>
-              <a:rPr kumimoji="1" lang="en-US" altLang="ja-JP" sz="3600" dirty="0" err="1" smtClean="0"/>
-              <a:t>GHTorrent</a:t>
-            </a:r>
-            <a:r>
-              <a:rPr kumimoji="1" lang="ja-JP" altLang="en-US" sz="3600" dirty="0" smtClean="0"/>
-              <a:t>を用い</a:t>
-            </a:r>
-            <a:r>
-              <a:rPr kumimoji="1" lang="en-US" altLang="ja-JP" sz="3600" dirty="0" smtClean="0"/>
-              <a:t>GitHub</a:t>
-            </a:r>
-            <a:r>
-              <a:rPr kumimoji="1" lang="ja-JP" altLang="en-US" sz="3600" dirty="0" smtClean="0"/>
-              <a:t>から</a:t>
-            </a:r>
-            <a:r>
-              <a:rPr kumimoji="1" lang="en-US" altLang="ja-JP" sz="3600" dirty="0" smtClean="0"/>
-              <a:t>Gmail</a:t>
-            </a:r>
-            <a:r>
-              <a:rPr kumimoji="1" lang="ja-JP" altLang="en-US" sz="3600" dirty="0" smtClean="0"/>
-              <a:t>アドレスを</a:t>
-            </a:r>
-            <a:r>
-              <a:rPr lang="ja-JP" altLang="en-US" sz="3600" dirty="0" smtClean="0"/>
-              <a:t>登録しているユーザの情報を取得する</a:t>
-            </a:r>
-            <a:endParaRPr lang="en-US" altLang="ja-JP" sz="3600" dirty="0" smtClean="0"/>
-          </a:p>
-          <a:p>
-            <a:r>
-              <a:rPr lang="ja-JP" altLang="en-US" sz="3600" dirty="0" smtClean="0"/>
-              <a:t>取得したユーザの</a:t>
-            </a:r>
-            <a:r>
-              <a:rPr lang="en-US" altLang="ja-JP" sz="3600" dirty="0" smtClean="0"/>
-              <a:t>Google+</a:t>
-            </a:r>
-            <a:r>
-              <a:rPr lang="ja-JP" altLang="en-US" sz="3600" dirty="0" err="1" smtClean="0"/>
-              <a:t>での</a:t>
-            </a:r>
-            <a:r>
-              <a:rPr lang="ja-JP" altLang="en-US" sz="3600" dirty="0" smtClean="0"/>
-              <a:t>フォロワー数や投稿頻度の関係性を調査する</a:t>
-            </a:r>
-            <a:endParaRPr lang="en-US" altLang="ja-JP" sz="3600" dirty="0" smtClean="0"/>
-          </a:p>
-          <a:p>
-            <a:r>
-              <a:rPr lang="en-US" altLang="ja-JP" sz="3600" dirty="0" smtClean="0"/>
-              <a:t>Google+</a:t>
-            </a:r>
-            <a:r>
-              <a:rPr lang="ja-JP" altLang="en-US" sz="3600" dirty="0" smtClean="0"/>
-              <a:t>とは</a:t>
-            </a:r>
-            <a:r>
-              <a:rPr lang="en-US" altLang="ja-JP" sz="3600" dirty="0"/>
-              <a:t>G</a:t>
-            </a:r>
-            <a:r>
-              <a:rPr lang="en-US" altLang="ja-JP" sz="3600" dirty="0" smtClean="0"/>
-              <a:t>oogle</a:t>
-            </a:r>
-            <a:r>
-              <a:rPr lang="ja-JP" altLang="en-US" sz="3600" dirty="0" smtClean="0"/>
-              <a:t>が運営している</a:t>
-            </a:r>
-            <a:r>
-              <a:rPr lang="en-US" altLang="ja-JP" sz="3600" dirty="0" smtClean="0"/>
-              <a:t>SNS</a:t>
-            </a:r>
-            <a:r>
-              <a:rPr lang="ja-JP" altLang="en-US" sz="3600" dirty="0" smtClean="0"/>
-              <a:t>である</a:t>
-            </a:r>
-            <a:endParaRPr lang="en-US" altLang="ja-JP" sz="3600" dirty="0" smtClean="0"/>
-          </a:p>
-          <a:p>
-            <a:r>
-              <a:rPr lang="ja-JP" altLang="en-US" sz="3600" dirty="0"/>
-              <a:t>以上</a:t>
-            </a:r>
-            <a:r>
-              <a:rPr lang="ja-JP" altLang="en-US" sz="3600" dirty="0" smtClean="0"/>
-              <a:t>の手順を行うことにより活発に活動しているユーザはコミュニケーション能力が高いのではないか</a:t>
-            </a:r>
-            <a:endParaRPr lang="en-US" altLang="ja-JP" sz="3600" dirty="0" smtClean="0"/>
-          </a:p>
-          <a:p>
-            <a:r>
-              <a:rPr lang="ja-JP" altLang="en-US" sz="3600" dirty="0" smtClean="0"/>
-              <a:t>という仮説の検証を行うことができると考えた</a:t>
-            </a:r>
-            <a:endParaRPr lang="en-US" altLang="ja-JP" sz="3600" dirty="0" smtClean="0"/>
           </a:p>
         </p:txBody>
       </p:sp>

--- a/卒業論文/2015/辻岡大知/中間発表/中間発表ポスター.pptx
+++ b/卒業論文/2015/辻岡大知/中間発表/中間発表ポスター.pptx
@@ -6547,8 +6547,8 @@
             </p:nvSpPr>
             <p:spPr>
               <a:xfrm>
-                <a:off x="847683" y="14351387"/>
-                <a:ext cx="11981791" cy="538517"/>
+                <a:off x="847682" y="14386664"/>
+                <a:ext cx="11981791" cy="484516"/>
               </a:xfrm>
               <a:prstGeom prst="roundRect">
                 <a:avLst/>
@@ -6588,7 +6588,7 @@
             </p:nvSpPr>
             <p:spPr>
               <a:xfrm>
-                <a:off x="1511887" y="14449237"/>
+                <a:off x="1511887" y="14486684"/>
                 <a:ext cx="9141512" cy="328325"/>
               </a:xfrm>
               <a:prstGeom prst="rect">
@@ -6763,11 +6763,7 @@
             <a:p>
               <a:r>
                 <a:rPr lang="ja-JP" altLang="en-US" sz="3600" dirty="0" smtClean="0"/>
-                <a:t>調査</a:t>
-              </a:r>
-              <a:r>
-                <a:rPr lang="ja-JP" altLang="en-US" sz="3600" dirty="0" smtClean="0"/>
-                <a:t>する</a:t>
+                <a:t>調査する</a:t>
               </a:r>
               <a:endParaRPr lang="en-US" altLang="ja-JP" sz="3600" dirty="0" smtClean="0"/>
             </a:p>
